--- a/miscellaneous/presentations/202020720_murray_mtg.pptx
+++ b/miscellaneous/presentations/202020720_murray_mtg.pptx
@@ -4,11 +4,22 @@
   <p:sldMasterIdLst>
     <p:sldMasterId id="2147483648" r:id="rId1"/>
   </p:sldMasterIdLst>
+  <p:notesMasterIdLst>
+    <p:notesMasterId r:id="rId14"/>
+  </p:notesMasterIdLst>
   <p:sldIdLst>
     <p:sldId id="256" r:id="rId2"/>
     <p:sldId id="259" r:id="rId3"/>
-    <p:sldId id="257" r:id="rId4"/>
-    <p:sldId id="258" r:id="rId5"/>
+    <p:sldId id="269" r:id="rId4"/>
+    <p:sldId id="270" r:id="rId5"/>
+    <p:sldId id="271" r:id="rId6"/>
+    <p:sldId id="334" r:id="rId7"/>
+    <p:sldId id="272" r:id="rId8"/>
+    <p:sldId id="335" r:id="rId9"/>
+    <p:sldId id="260" r:id="rId10"/>
+    <p:sldId id="336" r:id="rId11"/>
+    <p:sldId id="298" r:id="rId12"/>
+    <p:sldId id="297" r:id="rId13"/>
   </p:sldIdLst>
   <p:sldSz cx="12192000" cy="6858000"/>
   <p:notesSz cx="6858000" cy="9144000"/>
@@ -115,6 +126,3828 @@
 </p:presentation>
 </file>
 
+<file path=ppt/diagrams/colors1.xml><?xml version="1.0" encoding="utf-8"?>
+<dgm:colorsDef xmlns:dgm="http://schemas.openxmlformats.org/drawingml/2006/diagram" xmlns:a="http://schemas.openxmlformats.org/drawingml/2006/main" uniqueId="urn:microsoft.com/office/officeart/2005/8/colors/accent0_2">
+  <dgm:title val=""/>
+  <dgm:desc val=""/>
+  <dgm:catLst>
+    <dgm:cat type="mainScheme" pri="10200"/>
+  </dgm:catLst>
+  <dgm:styleLbl name="node0">
+    <dgm:fillClrLst meth="repeat">
+      <a:schemeClr val="lt1"/>
+    </dgm:fillClrLst>
+    <dgm:linClrLst meth="repeat">
+      <a:schemeClr val="dk2">
+        <a:shade val="80000"/>
+      </a:schemeClr>
+    </dgm:linClrLst>
+    <dgm:effectClrLst/>
+    <dgm:txLinClrLst/>
+    <dgm:txFillClrLst meth="repeat">
+      <a:schemeClr val="dk2"/>
+    </dgm:txFillClrLst>
+    <dgm:txEffectClrLst/>
+  </dgm:styleLbl>
+  <dgm:styleLbl name="node1">
+    <dgm:fillClrLst meth="repeat">
+      <a:schemeClr val="lt1"/>
+    </dgm:fillClrLst>
+    <dgm:linClrLst meth="repeat">
+      <a:schemeClr val="dk2">
+        <a:shade val="80000"/>
+      </a:schemeClr>
+    </dgm:linClrLst>
+    <dgm:effectClrLst/>
+    <dgm:txLinClrLst/>
+    <dgm:txFillClrLst meth="repeat">
+      <a:schemeClr val="dk2"/>
+    </dgm:txFillClrLst>
+    <dgm:txEffectClrLst/>
+  </dgm:styleLbl>
+  <dgm:styleLbl name="alignNode1">
+    <dgm:fillClrLst meth="repeat">
+      <a:schemeClr val="lt1"/>
+    </dgm:fillClrLst>
+    <dgm:linClrLst meth="repeat">
+      <a:schemeClr val="dk2">
+        <a:shade val="80000"/>
+      </a:schemeClr>
+    </dgm:linClrLst>
+    <dgm:effectClrLst/>
+    <dgm:txLinClrLst/>
+    <dgm:txFillClrLst meth="repeat">
+      <a:schemeClr val="dk2"/>
+    </dgm:txFillClrLst>
+    <dgm:txEffectClrLst/>
+  </dgm:styleLbl>
+  <dgm:styleLbl name="lnNode1">
+    <dgm:fillClrLst meth="repeat">
+      <a:schemeClr val="lt1"/>
+    </dgm:fillClrLst>
+    <dgm:linClrLst meth="repeat">
+      <a:schemeClr val="dk2">
+        <a:shade val="80000"/>
+      </a:schemeClr>
+    </dgm:linClrLst>
+    <dgm:effectClrLst/>
+    <dgm:txLinClrLst/>
+    <dgm:txFillClrLst meth="repeat">
+      <a:schemeClr val="dk2"/>
+    </dgm:txFillClrLst>
+    <dgm:txEffectClrLst/>
+  </dgm:styleLbl>
+  <dgm:styleLbl name="vennNode1">
+    <dgm:fillClrLst meth="repeat">
+      <a:schemeClr val="lt1">
+        <a:alpha val="50000"/>
+      </a:schemeClr>
+    </dgm:fillClrLst>
+    <dgm:linClrLst meth="repeat">
+      <a:schemeClr val="dk2">
+        <a:shade val="80000"/>
+      </a:schemeClr>
+    </dgm:linClrLst>
+    <dgm:effectClrLst/>
+    <dgm:txLinClrLst/>
+    <dgm:txFillClrLst/>
+    <dgm:txEffectClrLst/>
+  </dgm:styleLbl>
+  <dgm:styleLbl name="node2">
+    <dgm:fillClrLst meth="repeat">
+      <a:schemeClr val="lt1"/>
+    </dgm:fillClrLst>
+    <dgm:linClrLst meth="repeat">
+      <a:schemeClr val="dk2">
+        <a:shade val="80000"/>
+      </a:schemeClr>
+    </dgm:linClrLst>
+    <dgm:effectClrLst/>
+    <dgm:txLinClrLst/>
+    <dgm:txFillClrLst meth="repeat">
+      <a:schemeClr val="dk2"/>
+    </dgm:txFillClrLst>
+    <dgm:txEffectClrLst/>
+  </dgm:styleLbl>
+  <dgm:styleLbl name="node3">
+    <dgm:fillClrLst meth="repeat">
+      <a:schemeClr val="lt1"/>
+    </dgm:fillClrLst>
+    <dgm:linClrLst meth="repeat">
+      <a:schemeClr val="dk2">
+        <a:shade val="80000"/>
+      </a:schemeClr>
+    </dgm:linClrLst>
+    <dgm:effectClrLst/>
+    <dgm:txLinClrLst/>
+    <dgm:txFillClrLst meth="repeat">
+      <a:schemeClr val="dk2"/>
+    </dgm:txFillClrLst>
+    <dgm:txEffectClrLst/>
+  </dgm:styleLbl>
+  <dgm:styleLbl name="node4">
+    <dgm:fillClrLst meth="repeat">
+      <a:schemeClr val="lt1"/>
+    </dgm:fillClrLst>
+    <dgm:linClrLst meth="repeat">
+      <a:schemeClr val="dk2">
+        <a:shade val="80000"/>
+      </a:schemeClr>
+    </dgm:linClrLst>
+    <dgm:effectClrLst/>
+    <dgm:txLinClrLst/>
+    <dgm:txFillClrLst meth="repeat">
+      <a:schemeClr val="dk2"/>
+    </dgm:txFillClrLst>
+    <dgm:txEffectClrLst/>
+  </dgm:styleLbl>
+  <dgm:styleLbl name="fgImgPlace1">
+    <dgm:fillClrLst meth="repeat">
+      <a:schemeClr val="dk2">
+        <a:tint val="40000"/>
+      </a:schemeClr>
+    </dgm:fillClrLst>
+    <dgm:linClrLst meth="repeat">
+      <a:schemeClr val="dk2">
+        <a:shade val="80000"/>
+      </a:schemeClr>
+    </dgm:linClrLst>
+    <dgm:effectClrLst/>
+    <dgm:txLinClrLst/>
+    <dgm:txFillClrLst meth="repeat">
+      <a:schemeClr val="lt1"/>
+    </dgm:txFillClrLst>
+    <dgm:txEffectClrLst/>
+  </dgm:styleLbl>
+  <dgm:styleLbl name="alignImgPlace1">
+    <dgm:fillClrLst meth="repeat">
+      <a:schemeClr val="dk2">
+        <a:tint val="40000"/>
+      </a:schemeClr>
+    </dgm:fillClrLst>
+    <dgm:linClrLst meth="repeat">
+      <a:schemeClr val="dk2">
+        <a:shade val="80000"/>
+      </a:schemeClr>
+    </dgm:linClrLst>
+    <dgm:effectClrLst/>
+    <dgm:txLinClrLst/>
+    <dgm:txFillClrLst meth="repeat">
+      <a:schemeClr val="lt1"/>
+    </dgm:txFillClrLst>
+    <dgm:txEffectClrLst/>
+  </dgm:styleLbl>
+  <dgm:styleLbl name="bgImgPlace1">
+    <dgm:fillClrLst meth="repeat">
+      <a:schemeClr val="dk2">
+        <a:tint val="40000"/>
+      </a:schemeClr>
+    </dgm:fillClrLst>
+    <dgm:linClrLst meth="repeat">
+      <a:schemeClr val="dk2">
+        <a:shade val="80000"/>
+      </a:schemeClr>
+    </dgm:linClrLst>
+    <dgm:effectClrLst/>
+    <dgm:txLinClrLst/>
+    <dgm:txFillClrLst meth="repeat">
+      <a:schemeClr val="lt1"/>
+    </dgm:txFillClrLst>
+    <dgm:txEffectClrLst/>
+  </dgm:styleLbl>
+  <dgm:styleLbl name="sibTrans2D1">
+    <dgm:fillClrLst meth="repeat">
+      <a:schemeClr val="dk2">
+        <a:tint val="60000"/>
+      </a:schemeClr>
+    </dgm:fillClrLst>
+    <dgm:linClrLst meth="repeat">
+      <a:schemeClr val="dk2">
+        <a:tint val="60000"/>
+      </a:schemeClr>
+    </dgm:linClrLst>
+    <dgm:effectClrLst/>
+    <dgm:txLinClrLst/>
+    <dgm:txFillClrLst meth="repeat">
+      <a:schemeClr val="dk2"/>
+    </dgm:txFillClrLst>
+    <dgm:txEffectClrLst/>
+  </dgm:styleLbl>
+  <dgm:styleLbl name="fgSibTrans2D1">
+    <dgm:fillClrLst meth="repeat">
+      <a:schemeClr val="dk2">
+        <a:tint val="60000"/>
+      </a:schemeClr>
+    </dgm:fillClrLst>
+    <dgm:linClrLst meth="repeat">
+      <a:schemeClr val="dk2">
+        <a:tint val="60000"/>
+      </a:schemeClr>
+    </dgm:linClrLst>
+    <dgm:effectClrLst/>
+    <dgm:txLinClrLst/>
+    <dgm:txFillClrLst meth="repeat">
+      <a:schemeClr val="dk2"/>
+    </dgm:txFillClrLst>
+    <dgm:txEffectClrLst/>
+  </dgm:styleLbl>
+  <dgm:styleLbl name="bgSibTrans2D1">
+    <dgm:fillClrLst meth="repeat">
+      <a:schemeClr val="dk2">
+        <a:tint val="60000"/>
+      </a:schemeClr>
+    </dgm:fillClrLst>
+    <dgm:linClrLst meth="repeat">
+      <a:schemeClr val="dk2">
+        <a:tint val="60000"/>
+      </a:schemeClr>
+    </dgm:linClrLst>
+    <dgm:effectClrLst/>
+    <dgm:txLinClrLst/>
+    <dgm:txFillClrLst meth="repeat">
+      <a:schemeClr val="dk2"/>
+    </dgm:txFillClrLst>
+    <dgm:txEffectClrLst/>
+  </dgm:styleLbl>
+  <dgm:styleLbl name="sibTrans1D1">
+    <dgm:fillClrLst meth="repeat">
+      <a:schemeClr val="dk2"/>
+    </dgm:fillClrLst>
+    <dgm:linClrLst meth="repeat">
+      <a:schemeClr val="dk2"/>
+    </dgm:linClrLst>
+    <dgm:effectClrLst/>
+    <dgm:txLinClrLst/>
+    <dgm:txFillClrLst meth="repeat">
+      <a:schemeClr val="tx1"/>
+    </dgm:txFillClrLst>
+    <dgm:txEffectClrLst/>
+  </dgm:styleLbl>
+  <dgm:styleLbl name="callout">
+    <dgm:fillClrLst meth="repeat">
+      <a:schemeClr val="dk2"/>
+    </dgm:fillClrLst>
+    <dgm:linClrLst meth="repeat">
+      <a:schemeClr val="dk2"/>
+    </dgm:linClrLst>
+    <dgm:effectClrLst/>
+    <dgm:txLinClrLst/>
+    <dgm:txFillClrLst meth="repeat">
+      <a:schemeClr val="tx1"/>
+    </dgm:txFillClrLst>
+    <dgm:txEffectClrLst/>
+  </dgm:styleLbl>
+  <dgm:styleLbl name="asst0">
+    <dgm:fillClrLst meth="repeat">
+      <a:schemeClr val="lt1"/>
+    </dgm:fillClrLst>
+    <dgm:linClrLst meth="repeat">
+      <a:schemeClr val="dk2">
+        <a:shade val="80000"/>
+      </a:schemeClr>
+    </dgm:linClrLst>
+    <dgm:effectClrLst/>
+    <dgm:txLinClrLst/>
+    <dgm:txFillClrLst meth="repeat">
+      <a:schemeClr val="dk2"/>
+    </dgm:txFillClrLst>
+    <dgm:txEffectClrLst/>
+  </dgm:styleLbl>
+  <dgm:styleLbl name="asst1">
+    <dgm:fillClrLst meth="repeat">
+      <a:schemeClr val="lt1"/>
+    </dgm:fillClrLst>
+    <dgm:linClrLst meth="repeat">
+      <a:schemeClr val="dk2">
+        <a:shade val="80000"/>
+      </a:schemeClr>
+    </dgm:linClrLst>
+    <dgm:effectClrLst/>
+    <dgm:txLinClrLst/>
+    <dgm:txFillClrLst meth="repeat">
+      <a:schemeClr val="dk2"/>
+    </dgm:txFillClrLst>
+    <dgm:txEffectClrLst/>
+  </dgm:styleLbl>
+  <dgm:styleLbl name="asst2">
+    <dgm:fillClrLst meth="repeat">
+      <a:schemeClr val="lt1"/>
+    </dgm:fillClrLst>
+    <dgm:linClrLst meth="repeat">
+      <a:schemeClr val="dk2">
+        <a:shade val="80000"/>
+      </a:schemeClr>
+    </dgm:linClrLst>
+    <dgm:effectClrLst/>
+    <dgm:txLinClrLst/>
+    <dgm:txFillClrLst meth="repeat">
+      <a:schemeClr val="dk2"/>
+    </dgm:txFillClrLst>
+    <dgm:txEffectClrLst/>
+  </dgm:styleLbl>
+  <dgm:styleLbl name="asst3">
+    <dgm:fillClrLst meth="repeat">
+      <a:schemeClr val="lt1"/>
+    </dgm:fillClrLst>
+    <dgm:linClrLst meth="repeat">
+      <a:schemeClr val="dk2">
+        <a:shade val="80000"/>
+      </a:schemeClr>
+    </dgm:linClrLst>
+    <dgm:effectClrLst/>
+    <dgm:txLinClrLst/>
+    <dgm:txFillClrLst meth="repeat">
+      <a:schemeClr val="dk2"/>
+    </dgm:txFillClrLst>
+    <dgm:txEffectClrLst/>
+  </dgm:styleLbl>
+  <dgm:styleLbl name="asst4">
+    <dgm:fillClrLst meth="repeat">
+      <a:schemeClr val="lt1"/>
+    </dgm:fillClrLst>
+    <dgm:linClrLst meth="repeat">
+      <a:schemeClr val="dk2">
+        <a:shade val="80000"/>
+      </a:schemeClr>
+    </dgm:linClrLst>
+    <dgm:effectClrLst/>
+    <dgm:txLinClrLst/>
+    <dgm:txFillClrLst meth="repeat">
+      <a:schemeClr val="dk2"/>
+    </dgm:txFillClrLst>
+    <dgm:txEffectClrLst/>
+  </dgm:styleLbl>
+  <dgm:styleLbl name="parChTrans2D1">
+    <dgm:fillClrLst meth="repeat">
+      <a:schemeClr val="dk2">
+        <a:tint val="60000"/>
+      </a:schemeClr>
+    </dgm:fillClrLst>
+    <dgm:linClrLst meth="repeat">
+      <a:schemeClr val="dk2">
+        <a:tint val="60000"/>
+      </a:schemeClr>
+    </dgm:linClrLst>
+    <dgm:effectClrLst/>
+    <dgm:txLinClrLst/>
+    <dgm:txFillClrLst/>
+    <dgm:txEffectClrLst/>
+  </dgm:styleLbl>
+  <dgm:styleLbl name="parChTrans2D2">
+    <dgm:fillClrLst meth="repeat">
+      <a:schemeClr val="dk2"/>
+    </dgm:fillClrLst>
+    <dgm:linClrLst meth="repeat">
+      <a:schemeClr val="dk2"/>
+    </dgm:linClrLst>
+    <dgm:effectClrLst/>
+    <dgm:txLinClrLst/>
+    <dgm:txFillClrLst/>
+    <dgm:txEffectClrLst/>
+  </dgm:styleLbl>
+  <dgm:styleLbl name="parChTrans2D3">
+    <dgm:fillClrLst meth="repeat">
+      <a:schemeClr val="dk2"/>
+    </dgm:fillClrLst>
+    <dgm:linClrLst meth="repeat">
+      <a:schemeClr val="dk2"/>
+    </dgm:linClrLst>
+    <dgm:effectClrLst/>
+    <dgm:txLinClrLst/>
+    <dgm:txFillClrLst/>
+    <dgm:txEffectClrLst/>
+  </dgm:styleLbl>
+  <dgm:styleLbl name="parChTrans2D4">
+    <dgm:fillClrLst meth="repeat">
+      <a:schemeClr val="dk2"/>
+    </dgm:fillClrLst>
+    <dgm:linClrLst meth="repeat">
+      <a:schemeClr val="dk2"/>
+    </dgm:linClrLst>
+    <dgm:effectClrLst/>
+    <dgm:txLinClrLst/>
+    <dgm:txFillClrLst meth="repeat">
+      <a:schemeClr val="lt1"/>
+    </dgm:txFillClrLst>
+    <dgm:txEffectClrLst/>
+  </dgm:styleLbl>
+  <dgm:styleLbl name="parChTrans1D1">
+    <dgm:fillClrLst meth="repeat">
+      <a:schemeClr val="dk2"/>
+    </dgm:fillClrLst>
+    <dgm:linClrLst meth="repeat">
+      <a:schemeClr val="dk2">
+        <a:shade val="60000"/>
+      </a:schemeClr>
+    </dgm:linClrLst>
+    <dgm:effectClrLst/>
+    <dgm:txLinClrLst/>
+    <dgm:txFillClrLst meth="repeat">
+      <a:schemeClr val="tx1"/>
+    </dgm:txFillClrLst>
+    <dgm:txEffectClrLst/>
+  </dgm:styleLbl>
+  <dgm:styleLbl name="parChTrans1D2">
+    <dgm:fillClrLst meth="repeat">
+      <a:schemeClr val="dk2"/>
+    </dgm:fillClrLst>
+    <dgm:linClrLst meth="repeat">
+      <a:schemeClr val="dk2">
+        <a:shade val="60000"/>
+      </a:schemeClr>
+    </dgm:linClrLst>
+    <dgm:effectClrLst/>
+    <dgm:txLinClrLst/>
+    <dgm:txFillClrLst meth="repeat">
+      <a:schemeClr val="tx1"/>
+    </dgm:txFillClrLst>
+    <dgm:txEffectClrLst/>
+  </dgm:styleLbl>
+  <dgm:styleLbl name="parChTrans1D3">
+    <dgm:fillClrLst meth="repeat">
+      <a:schemeClr val="dk2"/>
+    </dgm:fillClrLst>
+    <dgm:linClrLst meth="repeat">
+      <a:schemeClr val="dk2">
+        <a:shade val="80000"/>
+      </a:schemeClr>
+    </dgm:linClrLst>
+    <dgm:effectClrLst/>
+    <dgm:txLinClrLst/>
+    <dgm:txFillClrLst meth="repeat">
+      <a:schemeClr val="tx1"/>
+    </dgm:txFillClrLst>
+    <dgm:txEffectClrLst/>
+  </dgm:styleLbl>
+  <dgm:styleLbl name="parChTrans1D4">
+    <dgm:fillClrLst meth="repeat">
+      <a:schemeClr val="dk2"/>
+    </dgm:fillClrLst>
+    <dgm:linClrLst meth="repeat">
+      <a:schemeClr val="dk2">
+        <a:shade val="80000"/>
+      </a:schemeClr>
+    </dgm:linClrLst>
+    <dgm:effectClrLst/>
+    <dgm:txLinClrLst/>
+    <dgm:txFillClrLst meth="repeat">
+      <a:schemeClr val="tx1"/>
+    </dgm:txFillClrLst>
+    <dgm:txEffectClrLst/>
+  </dgm:styleLbl>
+  <dgm:styleLbl name="fgAcc1">
+    <dgm:fillClrLst meth="repeat">
+      <a:schemeClr val="dk2">
+        <a:alpha val="90000"/>
+        <a:tint val="40000"/>
+      </a:schemeClr>
+    </dgm:fillClrLst>
+    <dgm:linClrLst meth="repeat">
+      <a:schemeClr val="dk2"/>
+    </dgm:linClrLst>
+    <dgm:effectClrLst/>
+    <dgm:txLinClrLst/>
+    <dgm:txFillClrLst meth="repeat">
+      <a:schemeClr val="dk2"/>
+    </dgm:txFillClrLst>
+    <dgm:txEffectClrLst/>
+  </dgm:styleLbl>
+  <dgm:styleLbl name="conFgAcc1">
+    <dgm:fillClrLst meth="repeat">
+      <a:schemeClr val="dk2">
+        <a:alpha val="90000"/>
+        <a:tint val="40000"/>
+      </a:schemeClr>
+    </dgm:fillClrLst>
+    <dgm:linClrLst meth="repeat">
+      <a:schemeClr val="dk2"/>
+    </dgm:linClrLst>
+    <dgm:effectClrLst/>
+    <dgm:txLinClrLst/>
+    <dgm:txFillClrLst meth="repeat">
+      <a:schemeClr val="dk2"/>
+    </dgm:txFillClrLst>
+    <dgm:txEffectClrLst/>
+  </dgm:styleLbl>
+  <dgm:styleLbl name="alignAcc1">
+    <dgm:fillClrLst meth="repeat">
+      <a:schemeClr val="dk2">
+        <a:alpha val="90000"/>
+        <a:tint val="40000"/>
+      </a:schemeClr>
+    </dgm:fillClrLst>
+    <dgm:linClrLst meth="repeat">
+      <a:schemeClr val="dk2"/>
+    </dgm:linClrLst>
+    <dgm:effectClrLst/>
+    <dgm:txLinClrLst/>
+    <dgm:txFillClrLst meth="repeat">
+      <a:schemeClr val="dk2"/>
+    </dgm:txFillClrLst>
+    <dgm:txEffectClrLst/>
+  </dgm:styleLbl>
+  <dgm:styleLbl name="trAlignAcc1">
+    <dgm:fillClrLst meth="repeat">
+      <a:schemeClr val="dk2">
+        <a:alpha val="40000"/>
+        <a:tint val="40000"/>
+      </a:schemeClr>
+    </dgm:fillClrLst>
+    <dgm:linClrLst meth="repeat">
+      <a:schemeClr val="dk2"/>
+    </dgm:linClrLst>
+    <dgm:effectClrLst/>
+    <dgm:txLinClrLst/>
+    <dgm:txFillClrLst meth="repeat">
+      <a:schemeClr val="dk2"/>
+    </dgm:txFillClrLst>
+    <dgm:txEffectClrLst/>
+  </dgm:styleLbl>
+  <dgm:styleLbl name="bgAcc1">
+    <dgm:fillClrLst meth="repeat">
+      <a:schemeClr val="dk2">
+        <a:alpha val="90000"/>
+        <a:tint val="40000"/>
+      </a:schemeClr>
+    </dgm:fillClrLst>
+    <dgm:linClrLst meth="repeat">
+      <a:schemeClr val="dk2"/>
+    </dgm:linClrLst>
+    <dgm:effectClrLst/>
+    <dgm:txLinClrLst/>
+    <dgm:txFillClrLst meth="repeat">
+      <a:schemeClr val="dk2"/>
+    </dgm:txFillClrLst>
+    <dgm:txEffectClrLst/>
+  </dgm:styleLbl>
+  <dgm:styleLbl name="solidFgAcc1">
+    <dgm:fillClrLst meth="repeat">
+      <a:schemeClr val="lt1"/>
+    </dgm:fillClrLst>
+    <dgm:linClrLst meth="repeat">
+      <a:schemeClr val="dk2"/>
+    </dgm:linClrLst>
+    <dgm:effectClrLst/>
+    <dgm:txLinClrLst/>
+    <dgm:txFillClrLst meth="repeat">
+      <a:schemeClr val="dk2"/>
+    </dgm:txFillClrLst>
+    <dgm:txEffectClrLst/>
+  </dgm:styleLbl>
+  <dgm:styleLbl name="solidAlignAcc1">
+    <dgm:fillClrLst meth="repeat">
+      <a:schemeClr val="lt1"/>
+    </dgm:fillClrLst>
+    <dgm:linClrLst meth="repeat">
+      <a:schemeClr val="dk2"/>
+    </dgm:linClrLst>
+    <dgm:effectClrLst/>
+    <dgm:txLinClrLst/>
+    <dgm:txFillClrLst meth="repeat">
+      <a:schemeClr val="dk2"/>
+    </dgm:txFillClrLst>
+    <dgm:txEffectClrLst/>
+  </dgm:styleLbl>
+  <dgm:styleLbl name="solidBgAcc1">
+    <dgm:fillClrLst meth="repeat">
+      <a:schemeClr val="lt1"/>
+    </dgm:fillClrLst>
+    <dgm:linClrLst meth="repeat">
+      <a:schemeClr val="dk2"/>
+    </dgm:linClrLst>
+    <dgm:effectClrLst/>
+    <dgm:txLinClrLst/>
+    <dgm:txFillClrLst meth="repeat">
+      <a:schemeClr val="dk2"/>
+    </dgm:txFillClrLst>
+    <dgm:txEffectClrLst/>
+  </dgm:styleLbl>
+  <dgm:styleLbl name="fgAccFollowNode1">
+    <dgm:fillClrLst meth="repeat">
+      <a:schemeClr val="lt1">
+        <a:alpha val="90000"/>
+        <a:tint val="40000"/>
+      </a:schemeClr>
+    </dgm:fillClrLst>
+    <dgm:linClrLst meth="repeat">
+      <a:schemeClr val="dk2">
+        <a:alpha val="90000"/>
+      </a:schemeClr>
+    </dgm:linClrLst>
+    <dgm:effectClrLst/>
+    <dgm:txLinClrLst/>
+    <dgm:txFillClrLst meth="repeat">
+      <a:schemeClr val="dk2"/>
+    </dgm:txFillClrLst>
+    <dgm:txEffectClrLst/>
+  </dgm:styleLbl>
+  <dgm:styleLbl name="alignAccFollowNode1">
+    <dgm:fillClrLst meth="repeat">
+      <a:schemeClr val="lt1">
+        <a:alpha val="90000"/>
+        <a:tint val="40000"/>
+      </a:schemeClr>
+    </dgm:fillClrLst>
+    <dgm:linClrLst meth="repeat">
+      <a:schemeClr val="dk2">
+        <a:alpha val="90000"/>
+      </a:schemeClr>
+    </dgm:linClrLst>
+    <dgm:effectClrLst/>
+    <dgm:txLinClrLst/>
+    <dgm:txFillClrLst meth="repeat">
+      <a:schemeClr val="dk2"/>
+    </dgm:txFillClrLst>
+    <dgm:txEffectClrLst/>
+  </dgm:styleLbl>
+  <dgm:styleLbl name="bgAccFollowNode1">
+    <dgm:fillClrLst meth="repeat">
+      <a:schemeClr val="lt1">
+        <a:alpha val="90000"/>
+        <a:tint val="40000"/>
+      </a:schemeClr>
+    </dgm:fillClrLst>
+    <dgm:linClrLst meth="repeat">
+      <a:schemeClr val="dk2">
+        <a:alpha val="90000"/>
+      </a:schemeClr>
+    </dgm:linClrLst>
+    <dgm:effectClrLst/>
+    <dgm:txLinClrLst/>
+    <dgm:txFillClrLst meth="repeat">
+      <a:schemeClr val="dk2"/>
+    </dgm:txFillClrLst>
+    <dgm:txEffectClrLst/>
+  </dgm:styleLbl>
+  <dgm:styleLbl name="fgAcc0">
+    <dgm:fillClrLst meth="repeat">
+      <a:schemeClr val="dk2">
+        <a:alpha val="90000"/>
+        <a:tint val="40000"/>
+      </a:schemeClr>
+    </dgm:fillClrLst>
+    <dgm:linClrLst meth="repeat">
+      <a:schemeClr val="dk2"/>
+    </dgm:linClrLst>
+    <dgm:effectClrLst/>
+    <dgm:txLinClrLst/>
+    <dgm:txFillClrLst meth="repeat">
+      <a:schemeClr val="dk2"/>
+    </dgm:txFillClrLst>
+    <dgm:txEffectClrLst/>
+  </dgm:styleLbl>
+  <dgm:styleLbl name="fgAcc2">
+    <dgm:fillClrLst meth="repeat">
+      <a:schemeClr val="dk2">
+        <a:alpha val="90000"/>
+        <a:tint val="40000"/>
+      </a:schemeClr>
+    </dgm:fillClrLst>
+    <dgm:linClrLst meth="repeat">
+      <a:schemeClr val="dk2"/>
+    </dgm:linClrLst>
+    <dgm:effectClrLst/>
+    <dgm:txLinClrLst/>
+    <dgm:txFillClrLst meth="repeat">
+      <a:schemeClr val="dk2"/>
+    </dgm:txFillClrLst>
+    <dgm:txEffectClrLst/>
+  </dgm:styleLbl>
+  <dgm:styleLbl name="fgAcc3">
+    <dgm:fillClrLst meth="repeat">
+      <a:schemeClr val="dk2">
+        <a:alpha val="90000"/>
+        <a:tint val="40000"/>
+      </a:schemeClr>
+    </dgm:fillClrLst>
+    <dgm:linClrLst meth="repeat">
+      <a:schemeClr val="dk2"/>
+    </dgm:linClrLst>
+    <dgm:effectClrLst/>
+    <dgm:txLinClrLst/>
+    <dgm:txFillClrLst meth="repeat">
+      <a:schemeClr val="dk2"/>
+    </dgm:txFillClrLst>
+    <dgm:txEffectClrLst/>
+  </dgm:styleLbl>
+  <dgm:styleLbl name="fgAcc4">
+    <dgm:fillClrLst meth="repeat">
+      <a:schemeClr val="dk2">
+        <a:alpha val="90000"/>
+        <a:tint val="40000"/>
+      </a:schemeClr>
+    </dgm:fillClrLst>
+    <dgm:linClrLst meth="repeat">
+      <a:schemeClr val="dk2"/>
+    </dgm:linClrLst>
+    <dgm:effectClrLst/>
+    <dgm:txLinClrLst/>
+    <dgm:txFillClrLst meth="repeat">
+      <a:schemeClr val="dk2"/>
+    </dgm:txFillClrLst>
+    <dgm:txEffectClrLst/>
+  </dgm:styleLbl>
+  <dgm:styleLbl name="bgShp">
+    <dgm:fillClrLst meth="repeat">
+      <a:schemeClr val="dk2">
+        <a:tint val="40000"/>
+      </a:schemeClr>
+    </dgm:fillClrLst>
+    <dgm:linClrLst meth="repeat">
+      <a:schemeClr val="dk2"/>
+    </dgm:linClrLst>
+    <dgm:effectClrLst/>
+    <dgm:txLinClrLst/>
+    <dgm:txFillClrLst meth="repeat">
+      <a:schemeClr val="dk1"/>
+    </dgm:txFillClrLst>
+    <dgm:txEffectClrLst/>
+  </dgm:styleLbl>
+  <dgm:styleLbl name="dkBgShp">
+    <dgm:fillClrLst meth="repeat">
+      <a:schemeClr val="dk2">
+        <a:shade val="80000"/>
+      </a:schemeClr>
+    </dgm:fillClrLst>
+    <dgm:linClrLst meth="repeat">
+      <a:schemeClr val="dk2"/>
+    </dgm:linClrLst>
+    <dgm:effectClrLst/>
+    <dgm:txLinClrLst/>
+    <dgm:txFillClrLst meth="repeat">
+      <a:schemeClr val="lt2"/>
+    </dgm:txFillClrLst>
+    <dgm:txEffectClrLst/>
+  </dgm:styleLbl>
+  <dgm:styleLbl name="trBgShp">
+    <dgm:fillClrLst meth="repeat">
+      <a:schemeClr val="dk2">
+        <a:tint val="50000"/>
+        <a:alpha val="40000"/>
+      </a:schemeClr>
+    </dgm:fillClrLst>
+    <dgm:linClrLst meth="repeat">
+      <a:schemeClr val="dk2"/>
+    </dgm:linClrLst>
+    <dgm:effectClrLst/>
+    <dgm:txLinClrLst/>
+    <dgm:txFillClrLst meth="repeat">
+      <a:schemeClr val="lt2"/>
+    </dgm:txFillClrLst>
+    <dgm:txEffectClrLst/>
+  </dgm:styleLbl>
+  <dgm:styleLbl name="fgShp">
+    <dgm:fillClrLst meth="repeat">
+      <a:schemeClr val="dk2">
+        <a:tint val="60000"/>
+      </a:schemeClr>
+    </dgm:fillClrLst>
+    <dgm:linClrLst meth="repeat">
+      <a:schemeClr val="lt1"/>
+    </dgm:linClrLst>
+    <dgm:effectClrLst/>
+    <dgm:txLinClrLst/>
+    <dgm:txFillClrLst meth="repeat">
+      <a:schemeClr val="dk2"/>
+    </dgm:txFillClrLst>
+    <dgm:txEffectClrLst/>
+  </dgm:styleLbl>
+  <dgm:styleLbl name="revTx">
+    <dgm:fillClrLst meth="repeat">
+      <a:schemeClr val="lt1">
+        <a:alpha val="0"/>
+      </a:schemeClr>
+    </dgm:fillClrLst>
+    <dgm:linClrLst meth="repeat">
+      <a:schemeClr val="dk2">
+        <a:alpha val="0"/>
+      </a:schemeClr>
+    </dgm:linClrLst>
+    <dgm:effectClrLst/>
+    <dgm:txLinClrLst/>
+    <dgm:txFillClrLst meth="repeat">
+      <a:schemeClr val="tx1"/>
+    </dgm:txFillClrLst>
+    <dgm:txEffectClrLst/>
+  </dgm:styleLbl>
+</dgm:colorsDef>
+</file>
+
+<file path=ppt/diagrams/data1.xml><?xml version="1.0" encoding="utf-8"?>
+<dgm:dataModel xmlns:dgm="http://schemas.openxmlformats.org/drawingml/2006/diagram" xmlns:a="http://schemas.openxmlformats.org/drawingml/2006/main">
+  <dgm:ptLst>
+    <dgm:pt modelId="{F614EAEA-60EF-B045-A363-0E3758185095}" type="doc">
+      <dgm:prSet loTypeId="urn:microsoft.com/office/officeart/2005/8/layout/cycle1" loCatId="" qsTypeId="urn:microsoft.com/office/officeart/2005/8/quickstyle/simple1" qsCatId="simple" csTypeId="urn:microsoft.com/office/officeart/2005/8/colors/accent0_2" csCatId="mainScheme" phldr="1"/>
+      <dgm:spPr/>
+      <dgm:t>
+        <a:bodyPr/>
+        <a:lstStyle/>
+        <a:p>
+          <a:endParaRPr lang="en-US"/>
+        </a:p>
+      </dgm:t>
+    </dgm:pt>
+    <dgm:pt modelId="{929B4777-E928-2D44-99F2-9E02A3194C2D}">
+      <dgm:prSet phldrT="[Text]"/>
+      <dgm:spPr/>
+      <dgm:t>
+        <a:bodyPr/>
+        <a:lstStyle/>
+        <a:p>
+          <a:r>
+            <a:rPr lang="en-US" dirty="0"/>
+            <a:t> </a:t>
+          </a:r>
+        </a:p>
+      </dgm:t>
+    </dgm:pt>
+    <dgm:pt modelId="{8BC94024-02E8-8442-B77F-4967ADBC6CFF}" type="parTrans" cxnId="{03DCC18E-641C-4A46-931C-192443618581}">
+      <dgm:prSet/>
+      <dgm:spPr/>
+      <dgm:t>
+        <a:bodyPr/>
+        <a:lstStyle/>
+        <a:p>
+          <a:endParaRPr lang="en-US"/>
+        </a:p>
+      </dgm:t>
+    </dgm:pt>
+    <dgm:pt modelId="{E95F4ADB-50AC-8A4C-93D4-06BAA0EB36F4}" type="sibTrans" cxnId="{03DCC18E-641C-4A46-931C-192443618581}">
+      <dgm:prSet/>
+      <dgm:spPr/>
+      <dgm:t>
+        <a:bodyPr/>
+        <a:lstStyle/>
+        <a:p>
+          <a:endParaRPr lang="en-US"/>
+        </a:p>
+      </dgm:t>
+    </dgm:pt>
+    <dgm:pt modelId="{9B946133-DC9F-B548-856E-0858F3169FA8}">
+      <dgm:prSet phldrT="[Text]"/>
+      <dgm:spPr/>
+      <dgm:t>
+        <a:bodyPr/>
+        <a:lstStyle/>
+        <a:p>
+          <a:r>
+            <a:rPr lang="en-US" dirty="0"/>
+            <a:t> </a:t>
+          </a:r>
+        </a:p>
+      </dgm:t>
+    </dgm:pt>
+    <dgm:pt modelId="{FA213A72-EAD5-5247-9E73-B7F735C343DF}" type="parTrans" cxnId="{FC82B00B-9512-DE4C-836C-BCF11BA09DC1}">
+      <dgm:prSet/>
+      <dgm:spPr/>
+      <dgm:t>
+        <a:bodyPr/>
+        <a:lstStyle/>
+        <a:p>
+          <a:endParaRPr lang="en-US"/>
+        </a:p>
+      </dgm:t>
+    </dgm:pt>
+    <dgm:pt modelId="{4BAD9CE2-3B8E-AE4B-A29D-B356F6E4D47C}" type="sibTrans" cxnId="{FC82B00B-9512-DE4C-836C-BCF11BA09DC1}">
+      <dgm:prSet/>
+      <dgm:spPr/>
+      <dgm:t>
+        <a:bodyPr/>
+        <a:lstStyle/>
+        <a:p>
+          <a:endParaRPr lang="en-US"/>
+        </a:p>
+      </dgm:t>
+    </dgm:pt>
+    <dgm:pt modelId="{41857A07-9656-EC44-A6B3-D1C65DC77685}">
+      <dgm:prSet phldrT="[Text]"/>
+      <dgm:spPr/>
+      <dgm:t>
+        <a:bodyPr/>
+        <a:lstStyle/>
+        <a:p>
+          <a:r>
+            <a:rPr lang="en-US" dirty="0"/>
+            <a:t> </a:t>
+          </a:r>
+        </a:p>
+      </dgm:t>
+    </dgm:pt>
+    <dgm:pt modelId="{CB288919-0F20-BB44-9C44-67720ED07DC5}" type="parTrans" cxnId="{37FAD290-2330-9547-BBD2-24302C56224E}">
+      <dgm:prSet/>
+      <dgm:spPr/>
+      <dgm:t>
+        <a:bodyPr/>
+        <a:lstStyle/>
+        <a:p>
+          <a:endParaRPr lang="en-US"/>
+        </a:p>
+      </dgm:t>
+    </dgm:pt>
+    <dgm:pt modelId="{2AA23939-7A9A-CD43-8DAB-1BFBB160D2A9}" type="sibTrans" cxnId="{37FAD290-2330-9547-BBD2-24302C56224E}">
+      <dgm:prSet/>
+      <dgm:spPr/>
+      <dgm:t>
+        <a:bodyPr/>
+        <a:lstStyle/>
+        <a:p>
+          <a:endParaRPr lang="en-US"/>
+        </a:p>
+      </dgm:t>
+    </dgm:pt>
+    <dgm:pt modelId="{D92434B8-EB5B-8848-924B-307F3160899D}">
+      <dgm:prSet phldrT="[Text]"/>
+      <dgm:spPr/>
+      <dgm:t>
+        <a:bodyPr/>
+        <a:lstStyle/>
+        <a:p>
+          <a:r>
+            <a:rPr lang="en-US" dirty="0"/>
+            <a:t> </a:t>
+          </a:r>
+        </a:p>
+      </dgm:t>
+    </dgm:pt>
+    <dgm:pt modelId="{BC62BA3B-8C99-344D-9FC6-0EBED4D35B24}" type="parTrans" cxnId="{DA995F11-D2CD-0747-AD04-3137EBF1D79A}">
+      <dgm:prSet/>
+      <dgm:spPr/>
+      <dgm:t>
+        <a:bodyPr/>
+        <a:lstStyle/>
+        <a:p>
+          <a:endParaRPr lang="en-US"/>
+        </a:p>
+      </dgm:t>
+    </dgm:pt>
+    <dgm:pt modelId="{44CDDD68-0AE8-1048-BF78-F547600DD765}" type="sibTrans" cxnId="{DA995F11-D2CD-0747-AD04-3137EBF1D79A}">
+      <dgm:prSet/>
+      <dgm:spPr/>
+      <dgm:t>
+        <a:bodyPr/>
+        <a:lstStyle/>
+        <a:p>
+          <a:endParaRPr lang="en-US"/>
+        </a:p>
+      </dgm:t>
+    </dgm:pt>
+    <dgm:pt modelId="{C5A6AB9D-91D8-664A-B98A-C7CD9D161425}">
+      <dgm:prSet phldrT="[Text]"/>
+      <dgm:spPr/>
+      <dgm:t>
+        <a:bodyPr/>
+        <a:lstStyle/>
+        <a:p>
+          <a:r>
+            <a:rPr lang="en-US" dirty="0"/>
+            <a:t> </a:t>
+          </a:r>
+        </a:p>
+      </dgm:t>
+    </dgm:pt>
+    <dgm:pt modelId="{33C2411D-299E-2144-8817-0F89928496F0}" type="parTrans" cxnId="{3EF92A05-DD9C-1040-ADDE-54150AB45DF0}">
+      <dgm:prSet/>
+      <dgm:spPr/>
+      <dgm:t>
+        <a:bodyPr/>
+        <a:lstStyle/>
+        <a:p>
+          <a:endParaRPr lang="en-US"/>
+        </a:p>
+      </dgm:t>
+    </dgm:pt>
+    <dgm:pt modelId="{0953A09E-A2FC-8641-AE81-DC72167E6591}" type="sibTrans" cxnId="{3EF92A05-DD9C-1040-ADDE-54150AB45DF0}">
+      <dgm:prSet/>
+      <dgm:spPr/>
+      <dgm:t>
+        <a:bodyPr/>
+        <a:lstStyle/>
+        <a:p>
+          <a:endParaRPr lang="en-US"/>
+        </a:p>
+      </dgm:t>
+    </dgm:pt>
+    <dgm:pt modelId="{6C44EC70-1BEE-E440-94B1-366EECF0D4DD}">
+      <dgm:prSet/>
+      <dgm:spPr/>
+      <dgm:t>
+        <a:bodyPr/>
+        <a:lstStyle/>
+        <a:p>
+          <a:endParaRPr lang="en-US"/>
+        </a:p>
+      </dgm:t>
+    </dgm:pt>
+    <dgm:pt modelId="{CC76C5C7-7954-F148-BB1E-99EBCAE2BCE4}" type="parTrans" cxnId="{89E6C873-7BE0-9849-8909-E801862CB122}">
+      <dgm:prSet/>
+      <dgm:spPr/>
+      <dgm:t>
+        <a:bodyPr/>
+        <a:lstStyle/>
+        <a:p>
+          <a:endParaRPr lang="en-US"/>
+        </a:p>
+      </dgm:t>
+    </dgm:pt>
+    <dgm:pt modelId="{BF5384D4-87AF-7F45-89D1-D2E8B15D730B}" type="sibTrans" cxnId="{89E6C873-7BE0-9849-8909-E801862CB122}">
+      <dgm:prSet/>
+      <dgm:spPr/>
+      <dgm:t>
+        <a:bodyPr/>
+        <a:lstStyle/>
+        <a:p>
+          <a:endParaRPr lang="en-US"/>
+        </a:p>
+      </dgm:t>
+    </dgm:pt>
+    <dgm:pt modelId="{A452763E-8874-604E-95DC-284B060532A4}" type="pres">
+      <dgm:prSet presAssocID="{F614EAEA-60EF-B045-A363-0E3758185095}" presName="cycle" presStyleCnt="0">
+        <dgm:presLayoutVars>
+          <dgm:dir/>
+          <dgm:resizeHandles val="exact"/>
+        </dgm:presLayoutVars>
+      </dgm:prSet>
+      <dgm:spPr/>
+    </dgm:pt>
+    <dgm:pt modelId="{6D44DE58-5729-1345-BFE9-4909F51F0BBB}" type="pres">
+      <dgm:prSet presAssocID="{929B4777-E928-2D44-99F2-9E02A3194C2D}" presName="dummy" presStyleCnt="0"/>
+      <dgm:spPr/>
+    </dgm:pt>
+    <dgm:pt modelId="{14940865-2C34-E540-B8F4-5B5481B8F75E}" type="pres">
+      <dgm:prSet presAssocID="{929B4777-E928-2D44-99F2-9E02A3194C2D}" presName="node" presStyleLbl="revTx" presStyleIdx="0" presStyleCnt="6">
+        <dgm:presLayoutVars>
+          <dgm:bulletEnabled val="1"/>
+        </dgm:presLayoutVars>
+      </dgm:prSet>
+      <dgm:spPr/>
+    </dgm:pt>
+    <dgm:pt modelId="{934C93EC-4007-4542-80CF-F9C5D725D2D0}" type="pres">
+      <dgm:prSet presAssocID="{E95F4ADB-50AC-8A4C-93D4-06BAA0EB36F4}" presName="sibTrans" presStyleLbl="node1" presStyleIdx="0" presStyleCnt="6"/>
+      <dgm:spPr/>
+    </dgm:pt>
+    <dgm:pt modelId="{043178FA-B445-444E-A2FC-AAEA88E9FE6F}" type="pres">
+      <dgm:prSet presAssocID="{9B946133-DC9F-B548-856E-0858F3169FA8}" presName="dummy" presStyleCnt="0"/>
+      <dgm:spPr/>
+    </dgm:pt>
+    <dgm:pt modelId="{A39626CD-FAE4-394A-99A2-E2CB171F5C8C}" type="pres">
+      <dgm:prSet presAssocID="{9B946133-DC9F-B548-856E-0858F3169FA8}" presName="node" presStyleLbl="revTx" presStyleIdx="1" presStyleCnt="6">
+        <dgm:presLayoutVars>
+          <dgm:bulletEnabled val="1"/>
+        </dgm:presLayoutVars>
+      </dgm:prSet>
+      <dgm:spPr/>
+    </dgm:pt>
+    <dgm:pt modelId="{C706A535-B6D0-CF45-A865-317E40362A8F}" type="pres">
+      <dgm:prSet presAssocID="{4BAD9CE2-3B8E-AE4B-A29D-B356F6E4D47C}" presName="sibTrans" presStyleLbl="node1" presStyleIdx="1" presStyleCnt="6"/>
+      <dgm:spPr/>
+    </dgm:pt>
+    <dgm:pt modelId="{08C8CE54-D97B-454C-A5F5-35945C5717A5}" type="pres">
+      <dgm:prSet presAssocID="{41857A07-9656-EC44-A6B3-D1C65DC77685}" presName="dummy" presStyleCnt="0"/>
+      <dgm:spPr/>
+    </dgm:pt>
+    <dgm:pt modelId="{7732C34B-403D-6B43-8A7D-ECE41D8BB032}" type="pres">
+      <dgm:prSet presAssocID="{41857A07-9656-EC44-A6B3-D1C65DC77685}" presName="node" presStyleLbl="revTx" presStyleIdx="2" presStyleCnt="6">
+        <dgm:presLayoutVars>
+          <dgm:bulletEnabled val="1"/>
+        </dgm:presLayoutVars>
+      </dgm:prSet>
+      <dgm:spPr/>
+    </dgm:pt>
+    <dgm:pt modelId="{89C95E3D-E56F-6142-9266-3C93460C8B8D}" type="pres">
+      <dgm:prSet presAssocID="{2AA23939-7A9A-CD43-8DAB-1BFBB160D2A9}" presName="sibTrans" presStyleLbl="node1" presStyleIdx="2" presStyleCnt="6"/>
+      <dgm:spPr/>
+    </dgm:pt>
+    <dgm:pt modelId="{F3047FD4-B88B-D94A-B6C0-CBE3BBE03DDA}" type="pres">
+      <dgm:prSet presAssocID="{D92434B8-EB5B-8848-924B-307F3160899D}" presName="dummy" presStyleCnt="0"/>
+      <dgm:spPr/>
+    </dgm:pt>
+    <dgm:pt modelId="{BCFD3CAF-6867-0244-9512-C5610CC81065}" type="pres">
+      <dgm:prSet presAssocID="{D92434B8-EB5B-8848-924B-307F3160899D}" presName="node" presStyleLbl="revTx" presStyleIdx="3" presStyleCnt="6">
+        <dgm:presLayoutVars>
+          <dgm:bulletEnabled val="1"/>
+        </dgm:presLayoutVars>
+      </dgm:prSet>
+      <dgm:spPr/>
+    </dgm:pt>
+    <dgm:pt modelId="{38349559-4D5F-F14F-83AC-16BEA504F693}" type="pres">
+      <dgm:prSet presAssocID="{44CDDD68-0AE8-1048-BF78-F547600DD765}" presName="sibTrans" presStyleLbl="node1" presStyleIdx="3" presStyleCnt="6"/>
+      <dgm:spPr/>
+    </dgm:pt>
+    <dgm:pt modelId="{7E859055-1413-4641-983D-69DD21C4BBEF}" type="pres">
+      <dgm:prSet presAssocID="{C5A6AB9D-91D8-664A-B98A-C7CD9D161425}" presName="dummy" presStyleCnt="0"/>
+      <dgm:spPr/>
+    </dgm:pt>
+    <dgm:pt modelId="{77C7656B-7194-1C4E-BBD6-FD12259B3327}" type="pres">
+      <dgm:prSet presAssocID="{C5A6AB9D-91D8-664A-B98A-C7CD9D161425}" presName="node" presStyleLbl="revTx" presStyleIdx="4" presStyleCnt="6">
+        <dgm:presLayoutVars>
+          <dgm:bulletEnabled val="1"/>
+        </dgm:presLayoutVars>
+      </dgm:prSet>
+      <dgm:spPr/>
+    </dgm:pt>
+    <dgm:pt modelId="{DCF14260-0C01-2146-B7B9-437AFDBB6130}" type="pres">
+      <dgm:prSet presAssocID="{0953A09E-A2FC-8641-AE81-DC72167E6591}" presName="sibTrans" presStyleLbl="node1" presStyleIdx="4" presStyleCnt="6"/>
+      <dgm:spPr/>
+    </dgm:pt>
+    <dgm:pt modelId="{8CAE0426-1DFF-2B4C-B285-7F6DFC39CAB0}" type="pres">
+      <dgm:prSet presAssocID="{6C44EC70-1BEE-E440-94B1-366EECF0D4DD}" presName="dummy" presStyleCnt="0"/>
+      <dgm:spPr/>
+    </dgm:pt>
+    <dgm:pt modelId="{AB6408C1-32BC-9A4C-BF6C-DFF9F466A712}" type="pres">
+      <dgm:prSet presAssocID="{6C44EC70-1BEE-E440-94B1-366EECF0D4DD}" presName="node" presStyleLbl="revTx" presStyleIdx="5" presStyleCnt="6">
+        <dgm:presLayoutVars>
+          <dgm:bulletEnabled val="1"/>
+        </dgm:presLayoutVars>
+      </dgm:prSet>
+      <dgm:spPr/>
+    </dgm:pt>
+    <dgm:pt modelId="{CE26F8B0-CDD1-AE4E-9863-9063391C53E3}" type="pres">
+      <dgm:prSet presAssocID="{BF5384D4-87AF-7F45-89D1-D2E8B15D730B}" presName="sibTrans" presStyleLbl="node1" presStyleIdx="5" presStyleCnt="6"/>
+      <dgm:spPr/>
+    </dgm:pt>
+  </dgm:ptLst>
+  <dgm:cxnLst>
+    <dgm:cxn modelId="{3EF92A05-DD9C-1040-ADDE-54150AB45DF0}" srcId="{F614EAEA-60EF-B045-A363-0E3758185095}" destId="{C5A6AB9D-91D8-664A-B98A-C7CD9D161425}" srcOrd="4" destOrd="0" parTransId="{33C2411D-299E-2144-8817-0F89928496F0}" sibTransId="{0953A09E-A2FC-8641-AE81-DC72167E6591}"/>
+    <dgm:cxn modelId="{FC82B00B-9512-DE4C-836C-BCF11BA09DC1}" srcId="{F614EAEA-60EF-B045-A363-0E3758185095}" destId="{9B946133-DC9F-B548-856E-0858F3169FA8}" srcOrd="1" destOrd="0" parTransId="{FA213A72-EAD5-5247-9E73-B7F735C343DF}" sibTransId="{4BAD9CE2-3B8E-AE4B-A29D-B356F6E4D47C}"/>
+    <dgm:cxn modelId="{DA995F11-D2CD-0747-AD04-3137EBF1D79A}" srcId="{F614EAEA-60EF-B045-A363-0E3758185095}" destId="{D92434B8-EB5B-8848-924B-307F3160899D}" srcOrd="3" destOrd="0" parTransId="{BC62BA3B-8C99-344D-9FC6-0EBED4D35B24}" sibTransId="{44CDDD68-0AE8-1048-BF78-F547600DD765}"/>
+    <dgm:cxn modelId="{CC290A1F-4BDB-5440-858E-1748AF4644E1}" type="presOf" srcId="{F614EAEA-60EF-B045-A363-0E3758185095}" destId="{A452763E-8874-604E-95DC-284B060532A4}" srcOrd="0" destOrd="0" presId="urn:microsoft.com/office/officeart/2005/8/layout/cycle1"/>
+    <dgm:cxn modelId="{EBDDEA22-4B42-F44A-82FA-3B6456E7772B}" type="presOf" srcId="{6C44EC70-1BEE-E440-94B1-366EECF0D4DD}" destId="{AB6408C1-32BC-9A4C-BF6C-DFF9F466A712}" srcOrd="0" destOrd="0" presId="urn:microsoft.com/office/officeart/2005/8/layout/cycle1"/>
+    <dgm:cxn modelId="{6245C92A-66B3-6647-BE33-9D46946141C9}" type="presOf" srcId="{D92434B8-EB5B-8848-924B-307F3160899D}" destId="{BCFD3CAF-6867-0244-9512-C5610CC81065}" srcOrd="0" destOrd="0" presId="urn:microsoft.com/office/officeart/2005/8/layout/cycle1"/>
+    <dgm:cxn modelId="{4110044C-866D-614A-9798-AF7117B7896C}" type="presOf" srcId="{929B4777-E928-2D44-99F2-9E02A3194C2D}" destId="{14940865-2C34-E540-B8F4-5B5481B8F75E}" srcOrd="0" destOrd="0" presId="urn:microsoft.com/office/officeart/2005/8/layout/cycle1"/>
+    <dgm:cxn modelId="{1D79405C-2E51-5048-92EA-42E96E5903A5}" type="presOf" srcId="{44CDDD68-0AE8-1048-BF78-F547600DD765}" destId="{38349559-4D5F-F14F-83AC-16BEA504F693}" srcOrd="0" destOrd="0" presId="urn:microsoft.com/office/officeart/2005/8/layout/cycle1"/>
+    <dgm:cxn modelId="{89E6C873-7BE0-9849-8909-E801862CB122}" srcId="{F614EAEA-60EF-B045-A363-0E3758185095}" destId="{6C44EC70-1BEE-E440-94B1-366EECF0D4DD}" srcOrd="5" destOrd="0" parTransId="{CC76C5C7-7954-F148-BB1E-99EBCAE2BCE4}" sibTransId="{BF5384D4-87AF-7F45-89D1-D2E8B15D730B}"/>
+    <dgm:cxn modelId="{03DCC18E-641C-4A46-931C-192443618581}" srcId="{F614EAEA-60EF-B045-A363-0E3758185095}" destId="{929B4777-E928-2D44-99F2-9E02A3194C2D}" srcOrd="0" destOrd="0" parTransId="{8BC94024-02E8-8442-B77F-4967ADBC6CFF}" sibTransId="{E95F4ADB-50AC-8A4C-93D4-06BAA0EB36F4}"/>
+    <dgm:cxn modelId="{37FAD290-2330-9547-BBD2-24302C56224E}" srcId="{F614EAEA-60EF-B045-A363-0E3758185095}" destId="{41857A07-9656-EC44-A6B3-D1C65DC77685}" srcOrd="2" destOrd="0" parTransId="{CB288919-0F20-BB44-9C44-67720ED07DC5}" sibTransId="{2AA23939-7A9A-CD43-8DAB-1BFBB160D2A9}"/>
+    <dgm:cxn modelId="{E0ECDB9A-4CFB-6345-A7DD-CCBF05470A44}" type="presOf" srcId="{E95F4ADB-50AC-8A4C-93D4-06BAA0EB36F4}" destId="{934C93EC-4007-4542-80CF-F9C5D725D2D0}" srcOrd="0" destOrd="0" presId="urn:microsoft.com/office/officeart/2005/8/layout/cycle1"/>
+    <dgm:cxn modelId="{B082ECC2-9957-284A-9FC7-6817EF1AC815}" type="presOf" srcId="{0953A09E-A2FC-8641-AE81-DC72167E6591}" destId="{DCF14260-0C01-2146-B7B9-437AFDBB6130}" srcOrd="0" destOrd="0" presId="urn:microsoft.com/office/officeart/2005/8/layout/cycle1"/>
+    <dgm:cxn modelId="{18B1E3C5-C559-C445-BAA7-353D8900C051}" type="presOf" srcId="{9B946133-DC9F-B548-856E-0858F3169FA8}" destId="{A39626CD-FAE4-394A-99A2-E2CB171F5C8C}" srcOrd="0" destOrd="0" presId="urn:microsoft.com/office/officeart/2005/8/layout/cycle1"/>
+    <dgm:cxn modelId="{126A00CD-879E-4848-848B-F6264BAD9519}" type="presOf" srcId="{BF5384D4-87AF-7F45-89D1-D2E8B15D730B}" destId="{CE26F8B0-CDD1-AE4E-9863-9063391C53E3}" srcOrd="0" destOrd="0" presId="urn:microsoft.com/office/officeart/2005/8/layout/cycle1"/>
+    <dgm:cxn modelId="{CD8930D1-C1F5-8640-AF86-010C358F68BC}" type="presOf" srcId="{C5A6AB9D-91D8-664A-B98A-C7CD9D161425}" destId="{77C7656B-7194-1C4E-BBD6-FD12259B3327}" srcOrd="0" destOrd="0" presId="urn:microsoft.com/office/officeart/2005/8/layout/cycle1"/>
+    <dgm:cxn modelId="{48730CD3-9C3E-A441-931A-24B9E60DF7B1}" type="presOf" srcId="{4BAD9CE2-3B8E-AE4B-A29D-B356F6E4D47C}" destId="{C706A535-B6D0-CF45-A865-317E40362A8F}" srcOrd="0" destOrd="0" presId="urn:microsoft.com/office/officeart/2005/8/layout/cycle1"/>
+    <dgm:cxn modelId="{959735E7-37C3-C847-B605-683ED7B76134}" type="presOf" srcId="{41857A07-9656-EC44-A6B3-D1C65DC77685}" destId="{7732C34B-403D-6B43-8A7D-ECE41D8BB032}" srcOrd="0" destOrd="0" presId="urn:microsoft.com/office/officeart/2005/8/layout/cycle1"/>
+    <dgm:cxn modelId="{DFAC43F8-9174-8B47-B7CB-851955720557}" type="presOf" srcId="{2AA23939-7A9A-CD43-8DAB-1BFBB160D2A9}" destId="{89C95E3D-E56F-6142-9266-3C93460C8B8D}" srcOrd="0" destOrd="0" presId="urn:microsoft.com/office/officeart/2005/8/layout/cycle1"/>
+    <dgm:cxn modelId="{A71037C2-DD3C-F846-BF74-05904A8DE8F2}" type="presParOf" srcId="{A452763E-8874-604E-95DC-284B060532A4}" destId="{6D44DE58-5729-1345-BFE9-4909F51F0BBB}" srcOrd="0" destOrd="0" presId="urn:microsoft.com/office/officeart/2005/8/layout/cycle1"/>
+    <dgm:cxn modelId="{618AB82B-E473-794F-A965-BFE1344C4CF2}" type="presParOf" srcId="{A452763E-8874-604E-95DC-284B060532A4}" destId="{14940865-2C34-E540-B8F4-5B5481B8F75E}" srcOrd="1" destOrd="0" presId="urn:microsoft.com/office/officeart/2005/8/layout/cycle1"/>
+    <dgm:cxn modelId="{9DDA186E-DB30-4046-BC71-6FA43E9A49CC}" type="presParOf" srcId="{A452763E-8874-604E-95DC-284B060532A4}" destId="{934C93EC-4007-4542-80CF-F9C5D725D2D0}" srcOrd="2" destOrd="0" presId="urn:microsoft.com/office/officeart/2005/8/layout/cycle1"/>
+    <dgm:cxn modelId="{79827DAE-8141-1841-9425-C078BA6F03DF}" type="presParOf" srcId="{A452763E-8874-604E-95DC-284B060532A4}" destId="{043178FA-B445-444E-A2FC-AAEA88E9FE6F}" srcOrd="3" destOrd="0" presId="urn:microsoft.com/office/officeart/2005/8/layout/cycle1"/>
+    <dgm:cxn modelId="{128CC221-B6A7-1E49-A13A-893C92FCFB37}" type="presParOf" srcId="{A452763E-8874-604E-95DC-284B060532A4}" destId="{A39626CD-FAE4-394A-99A2-E2CB171F5C8C}" srcOrd="4" destOrd="0" presId="urn:microsoft.com/office/officeart/2005/8/layout/cycle1"/>
+    <dgm:cxn modelId="{1B28684C-ED5A-4B4A-ADB5-7CB3B3A0DAE2}" type="presParOf" srcId="{A452763E-8874-604E-95DC-284B060532A4}" destId="{C706A535-B6D0-CF45-A865-317E40362A8F}" srcOrd="5" destOrd="0" presId="urn:microsoft.com/office/officeart/2005/8/layout/cycle1"/>
+    <dgm:cxn modelId="{9A7970FC-8155-664A-B640-78434D50DC25}" type="presParOf" srcId="{A452763E-8874-604E-95DC-284B060532A4}" destId="{08C8CE54-D97B-454C-A5F5-35945C5717A5}" srcOrd="6" destOrd="0" presId="urn:microsoft.com/office/officeart/2005/8/layout/cycle1"/>
+    <dgm:cxn modelId="{39BEAA01-3870-A141-8643-615CD5A3AA38}" type="presParOf" srcId="{A452763E-8874-604E-95DC-284B060532A4}" destId="{7732C34B-403D-6B43-8A7D-ECE41D8BB032}" srcOrd="7" destOrd="0" presId="urn:microsoft.com/office/officeart/2005/8/layout/cycle1"/>
+    <dgm:cxn modelId="{3B7A3D0C-A19C-A748-9C24-0936E9E89E35}" type="presParOf" srcId="{A452763E-8874-604E-95DC-284B060532A4}" destId="{89C95E3D-E56F-6142-9266-3C93460C8B8D}" srcOrd="8" destOrd="0" presId="urn:microsoft.com/office/officeart/2005/8/layout/cycle1"/>
+    <dgm:cxn modelId="{27A66F6E-64A2-F545-8F3D-A279854A01B0}" type="presParOf" srcId="{A452763E-8874-604E-95DC-284B060532A4}" destId="{F3047FD4-B88B-D94A-B6C0-CBE3BBE03DDA}" srcOrd="9" destOrd="0" presId="urn:microsoft.com/office/officeart/2005/8/layout/cycle1"/>
+    <dgm:cxn modelId="{8108286D-82A0-CC4A-AD4E-07C3255F67FC}" type="presParOf" srcId="{A452763E-8874-604E-95DC-284B060532A4}" destId="{BCFD3CAF-6867-0244-9512-C5610CC81065}" srcOrd="10" destOrd="0" presId="urn:microsoft.com/office/officeart/2005/8/layout/cycle1"/>
+    <dgm:cxn modelId="{8A1D1596-4A57-BF4A-9747-1500859D37B6}" type="presParOf" srcId="{A452763E-8874-604E-95DC-284B060532A4}" destId="{38349559-4D5F-F14F-83AC-16BEA504F693}" srcOrd="11" destOrd="0" presId="urn:microsoft.com/office/officeart/2005/8/layout/cycle1"/>
+    <dgm:cxn modelId="{6E8E5F72-B658-FA41-815E-209F3D4EF67D}" type="presParOf" srcId="{A452763E-8874-604E-95DC-284B060532A4}" destId="{7E859055-1413-4641-983D-69DD21C4BBEF}" srcOrd="12" destOrd="0" presId="urn:microsoft.com/office/officeart/2005/8/layout/cycle1"/>
+    <dgm:cxn modelId="{BDA1B64C-D767-F54B-9DCE-FDBCD4FA0E49}" type="presParOf" srcId="{A452763E-8874-604E-95DC-284B060532A4}" destId="{77C7656B-7194-1C4E-BBD6-FD12259B3327}" srcOrd="13" destOrd="0" presId="urn:microsoft.com/office/officeart/2005/8/layout/cycle1"/>
+    <dgm:cxn modelId="{211B3ECC-832B-F24B-87B4-DBFAF44097FC}" type="presParOf" srcId="{A452763E-8874-604E-95DC-284B060532A4}" destId="{DCF14260-0C01-2146-B7B9-437AFDBB6130}" srcOrd="14" destOrd="0" presId="urn:microsoft.com/office/officeart/2005/8/layout/cycle1"/>
+    <dgm:cxn modelId="{D391B822-B3E8-4945-9EE0-F5A37ACBD01B}" type="presParOf" srcId="{A452763E-8874-604E-95DC-284B060532A4}" destId="{8CAE0426-1DFF-2B4C-B285-7F6DFC39CAB0}" srcOrd="15" destOrd="0" presId="urn:microsoft.com/office/officeart/2005/8/layout/cycle1"/>
+    <dgm:cxn modelId="{77CE20A6-D344-CC4C-B8B9-726ACAB2FEC3}" type="presParOf" srcId="{A452763E-8874-604E-95DC-284B060532A4}" destId="{AB6408C1-32BC-9A4C-BF6C-DFF9F466A712}" srcOrd="16" destOrd="0" presId="urn:microsoft.com/office/officeart/2005/8/layout/cycle1"/>
+    <dgm:cxn modelId="{585DF1D7-F69B-8544-A2A4-AB00C808CFF5}" type="presParOf" srcId="{A452763E-8874-604E-95DC-284B060532A4}" destId="{CE26F8B0-CDD1-AE4E-9863-9063391C53E3}" srcOrd="17" destOrd="0" presId="urn:microsoft.com/office/officeart/2005/8/layout/cycle1"/>
+  </dgm:cxnLst>
+  <dgm:bg/>
+  <dgm:whole/>
+  <dgm:extLst>
+    <a:ext uri="http://schemas.microsoft.com/office/drawing/2008/diagram">
+      <dsp:dataModelExt xmlns:dsp="http://schemas.microsoft.com/office/drawing/2008/diagram" relId="rId9" minVer="http://schemas.openxmlformats.org/drawingml/2006/diagram"/>
+    </a:ext>
+  </dgm:extLst>
+</dgm:dataModel>
+</file>
+
+<file path=ppt/diagrams/drawing1.xml><?xml version="1.0" encoding="utf-8"?>
+<dsp:drawing xmlns:dgm="http://schemas.openxmlformats.org/drawingml/2006/diagram" xmlns:dsp="http://schemas.microsoft.com/office/drawing/2008/diagram" xmlns:a="http://schemas.openxmlformats.org/drawingml/2006/main">
+  <dsp:spTree>
+    <dsp:nvGrpSpPr>
+      <dsp:cNvPr id="0" name=""/>
+      <dsp:cNvGrpSpPr/>
+    </dsp:nvGrpSpPr>
+    <dsp:grpSpPr/>
+    <dsp:sp modelId="{14940865-2C34-E540-B8F4-5B5481B8F75E}">
+      <dsp:nvSpPr>
+        <dsp:cNvPr id="0" name=""/>
+        <dsp:cNvSpPr/>
+      </dsp:nvSpPr>
+      <dsp:spPr>
+        <a:xfrm>
+          <a:off x="648427" y="61272"/>
+          <a:ext cx="193529" cy="193529"/>
+        </a:xfrm>
+        <a:prstGeom prst="rect">
+          <a:avLst/>
+        </a:prstGeom>
+        <a:noFill/>
+        <a:ln>
+          <a:noFill/>
+        </a:ln>
+        <a:effectLst/>
+      </dsp:spPr>
+      <dsp:style>
+        <a:lnRef idx="0">
+          <a:scrgbClr r="0" g="0" b="0"/>
+        </a:lnRef>
+        <a:fillRef idx="0">
+          <a:scrgbClr r="0" g="0" b="0"/>
+        </a:fillRef>
+        <a:effectRef idx="0">
+          <a:scrgbClr r="0" g="0" b="0"/>
+        </a:effectRef>
+        <a:fontRef idx="minor"/>
+      </dsp:style>
+      <dsp:txBody>
+        <a:bodyPr spcFirstLastPara="0" vert="horz" wrap="square" lIns="13970" tIns="13970" rIns="13970" bIns="13970" numCol="1" spcCol="1270" anchor="ctr" anchorCtr="0">
+          <a:noAutofit/>
+        </a:bodyPr>
+        <a:lstStyle/>
+        <a:p>
+          <a:pPr marL="0" lvl="0" indent="0" algn="ctr" defTabSz="488950">
+            <a:lnSpc>
+              <a:spcPct val="90000"/>
+            </a:lnSpc>
+            <a:spcBef>
+              <a:spcPct val="0"/>
+            </a:spcBef>
+            <a:spcAft>
+              <a:spcPct val="35000"/>
+            </a:spcAft>
+            <a:buNone/>
+          </a:pPr>
+          <a:r>
+            <a:rPr lang="en-US" sz="1100" kern="1200" dirty="0"/>
+            <a:t> </a:t>
+          </a:r>
+        </a:p>
+      </dsp:txBody>
+      <dsp:txXfrm>
+        <a:off x="648427" y="61272"/>
+        <a:ext cx="193529" cy="193529"/>
+      </dsp:txXfrm>
+    </dsp:sp>
+    <dsp:sp modelId="{934C93EC-4007-4542-80CF-F9C5D725D2D0}">
+      <dsp:nvSpPr>
+        <dsp:cNvPr id="0" name=""/>
+        <dsp:cNvSpPr/>
+      </dsp:nvSpPr>
+      <dsp:spPr>
+        <a:xfrm>
+          <a:off x="56244" y="59271"/>
+          <a:ext cx="945852" cy="945852"/>
+        </a:xfrm>
+        <a:prstGeom prst="circularArrow">
+          <a:avLst>
+            <a:gd name="adj1" fmla="val 3990"/>
+            <a:gd name="adj2" fmla="val 250290"/>
+            <a:gd name="adj3" fmla="val 20573170"/>
+            <a:gd name="adj4" fmla="val 18982995"/>
+            <a:gd name="adj5" fmla="val 4655"/>
+          </a:avLst>
+        </a:prstGeom>
+        <a:solidFill>
+          <a:schemeClr val="lt1">
+            <a:hueOff val="0"/>
+            <a:satOff val="0"/>
+            <a:lumOff val="0"/>
+            <a:alphaOff val="0"/>
+          </a:schemeClr>
+        </a:solidFill>
+        <a:ln w="12700" cap="flat" cmpd="sng" algn="ctr">
+          <a:solidFill>
+            <a:schemeClr val="dk2">
+              <a:shade val="80000"/>
+              <a:hueOff val="0"/>
+              <a:satOff val="0"/>
+              <a:lumOff val="0"/>
+              <a:alphaOff val="0"/>
+            </a:schemeClr>
+          </a:solidFill>
+          <a:prstDash val="solid"/>
+          <a:miter lim="800000"/>
+        </a:ln>
+        <a:effectLst/>
+      </dsp:spPr>
+      <dsp:style>
+        <a:lnRef idx="2">
+          <a:scrgbClr r="0" g="0" b="0"/>
+        </a:lnRef>
+        <a:fillRef idx="1">
+          <a:scrgbClr r="0" g="0" b="0"/>
+        </a:fillRef>
+        <a:effectRef idx="0">
+          <a:scrgbClr r="0" g="0" b="0"/>
+        </a:effectRef>
+        <a:fontRef idx="minor">
+          <a:schemeClr val="lt1"/>
+        </a:fontRef>
+      </dsp:style>
+    </dsp:sp>
+    <dsp:sp modelId="{A39626CD-FAE4-394A-99A2-E2CB171F5C8C}">
+      <dsp:nvSpPr>
+        <dsp:cNvPr id="0" name=""/>
+        <dsp:cNvSpPr/>
+      </dsp:nvSpPr>
+      <dsp:spPr>
+        <a:xfrm>
+          <a:off x="864448" y="435433"/>
+          <a:ext cx="193529" cy="193529"/>
+        </a:xfrm>
+        <a:prstGeom prst="rect">
+          <a:avLst/>
+        </a:prstGeom>
+        <a:noFill/>
+        <a:ln>
+          <a:noFill/>
+        </a:ln>
+        <a:effectLst/>
+      </dsp:spPr>
+      <dsp:style>
+        <a:lnRef idx="0">
+          <a:scrgbClr r="0" g="0" b="0"/>
+        </a:lnRef>
+        <a:fillRef idx="0">
+          <a:scrgbClr r="0" g="0" b="0"/>
+        </a:fillRef>
+        <a:effectRef idx="0">
+          <a:scrgbClr r="0" g="0" b="0"/>
+        </a:effectRef>
+        <a:fontRef idx="minor"/>
+      </dsp:style>
+      <dsp:txBody>
+        <a:bodyPr spcFirstLastPara="0" vert="horz" wrap="square" lIns="13970" tIns="13970" rIns="13970" bIns="13970" numCol="1" spcCol="1270" anchor="ctr" anchorCtr="0">
+          <a:noAutofit/>
+        </a:bodyPr>
+        <a:lstStyle/>
+        <a:p>
+          <a:pPr marL="0" lvl="0" indent="0" algn="ctr" defTabSz="488950">
+            <a:lnSpc>
+              <a:spcPct val="90000"/>
+            </a:lnSpc>
+            <a:spcBef>
+              <a:spcPct val="0"/>
+            </a:spcBef>
+            <a:spcAft>
+              <a:spcPct val="35000"/>
+            </a:spcAft>
+            <a:buNone/>
+          </a:pPr>
+          <a:r>
+            <a:rPr lang="en-US" sz="1100" kern="1200" dirty="0"/>
+            <a:t> </a:t>
+          </a:r>
+        </a:p>
+      </dsp:txBody>
+      <dsp:txXfrm>
+        <a:off x="864448" y="435433"/>
+        <a:ext cx="193529" cy="193529"/>
+      </dsp:txXfrm>
+    </dsp:sp>
+    <dsp:sp modelId="{C706A535-B6D0-CF45-A865-317E40362A8F}">
+      <dsp:nvSpPr>
+        <dsp:cNvPr id="0" name=""/>
+        <dsp:cNvSpPr/>
+      </dsp:nvSpPr>
+      <dsp:spPr>
+        <a:xfrm>
+          <a:off x="56244" y="59271"/>
+          <a:ext cx="945852" cy="945852"/>
+        </a:xfrm>
+        <a:prstGeom prst="circularArrow">
+          <a:avLst>
+            <a:gd name="adj1" fmla="val 3990"/>
+            <a:gd name="adj2" fmla="val 250290"/>
+            <a:gd name="adj3" fmla="val 2366715"/>
+            <a:gd name="adj4" fmla="val 776540"/>
+            <a:gd name="adj5" fmla="val 4655"/>
+          </a:avLst>
+        </a:prstGeom>
+        <a:solidFill>
+          <a:schemeClr val="lt1">
+            <a:hueOff val="0"/>
+            <a:satOff val="0"/>
+            <a:lumOff val="0"/>
+            <a:alphaOff val="0"/>
+          </a:schemeClr>
+        </a:solidFill>
+        <a:ln w="12700" cap="flat" cmpd="sng" algn="ctr">
+          <a:solidFill>
+            <a:schemeClr val="dk2">
+              <a:shade val="80000"/>
+              <a:hueOff val="0"/>
+              <a:satOff val="0"/>
+              <a:lumOff val="0"/>
+              <a:alphaOff val="0"/>
+            </a:schemeClr>
+          </a:solidFill>
+          <a:prstDash val="solid"/>
+          <a:miter lim="800000"/>
+        </a:ln>
+        <a:effectLst/>
+      </dsp:spPr>
+      <dsp:style>
+        <a:lnRef idx="2">
+          <a:scrgbClr r="0" g="0" b="0"/>
+        </a:lnRef>
+        <a:fillRef idx="1">
+          <a:scrgbClr r="0" g="0" b="0"/>
+        </a:fillRef>
+        <a:effectRef idx="0">
+          <a:scrgbClr r="0" g="0" b="0"/>
+        </a:effectRef>
+        <a:fontRef idx="minor">
+          <a:schemeClr val="lt1"/>
+        </a:fontRef>
+      </dsp:style>
+    </dsp:sp>
+    <dsp:sp modelId="{7732C34B-403D-6B43-8A7D-ECE41D8BB032}">
+      <dsp:nvSpPr>
+        <dsp:cNvPr id="0" name=""/>
+        <dsp:cNvSpPr/>
+      </dsp:nvSpPr>
+      <dsp:spPr>
+        <a:xfrm>
+          <a:off x="648427" y="809593"/>
+          <a:ext cx="193529" cy="193529"/>
+        </a:xfrm>
+        <a:prstGeom prst="rect">
+          <a:avLst/>
+        </a:prstGeom>
+        <a:noFill/>
+        <a:ln>
+          <a:noFill/>
+        </a:ln>
+        <a:effectLst/>
+      </dsp:spPr>
+      <dsp:style>
+        <a:lnRef idx="0">
+          <a:scrgbClr r="0" g="0" b="0"/>
+        </a:lnRef>
+        <a:fillRef idx="0">
+          <a:scrgbClr r="0" g="0" b="0"/>
+        </a:fillRef>
+        <a:effectRef idx="0">
+          <a:scrgbClr r="0" g="0" b="0"/>
+        </a:effectRef>
+        <a:fontRef idx="minor"/>
+      </dsp:style>
+      <dsp:txBody>
+        <a:bodyPr spcFirstLastPara="0" vert="horz" wrap="square" lIns="13970" tIns="13970" rIns="13970" bIns="13970" numCol="1" spcCol="1270" anchor="ctr" anchorCtr="0">
+          <a:noAutofit/>
+        </a:bodyPr>
+        <a:lstStyle/>
+        <a:p>
+          <a:pPr marL="0" lvl="0" indent="0" algn="ctr" defTabSz="488950">
+            <a:lnSpc>
+              <a:spcPct val="90000"/>
+            </a:lnSpc>
+            <a:spcBef>
+              <a:spcPct val="0"/>
+            </a:spcBef>
+            <a:spcAft>
+              <a:spcPct val="35000"/>
+            </a:spcAft>
+            <a:buNone/>
+          </a:pPr>
+          <a:r>
+            <a:rPr lang="en-US" sz="1100" kern="1200" dirty="0"/>
+            <a:t> </a:t>
+          </a:r>
+        </a:p>
+      </dsp:txBody>
+      <dsp:txXfrm>
+        <a:off x="648427" y="809593"/>
+        <a:ext cx="193529" cy="193529"/>
+      </dsp:txXfrm>
+    </dsp:sp>
+    <dsp:sp modelId="{89C95E3D-E56F-6142-9266-3C93460C8B8D}">
+      <dsp:nvSpPr>
+        <dsp:cNvPr id="0" name=""/>
+        <dsp:cNvSpPr/>
+      </dsp:nvSpPr>
+      <dsp:spPr>
+        <a:xfrm>
+          <a:off x="56244" y="59271"/>
+          <a:ext cx="945852" cy="945852"/>
+        </a:xfrm>
+        <a:prstGeom prst="circularArrow">
+          <a:avLst>
+            <a:gd name="adj1" fmla="val 3990"/>
+            <a:gd name="adj2" fmla="val 250290"/>
+            <a:gd name="adj3" fmla="val 6111114"/>
+            <a:gd name="adj4" fmla="val 4438596"/>
+            <a:gd name="adj5" fmla="val 4655"/>
+          </a:avLst>
+        </a:prstGeom>
+        <a:solidFill>
+          <a:schemeClr val="lt1">
+            <a:hueOff val="0"/>
+            <a:satOff val="0"/>
+            <a:lumOff val="0"/>
+            <a:alphaOff val="0"/>
+          </a:schemeClr>
+        </a:solidFill>
+        <a:ln w="12700" cap="flat" cmpd="sng" algn="ctr">
+          <a:solidFill>
+            <a:schemeClr val="dk2">
+              <a:shade val="80000"/>
+              <a:hueOff val="0"/>
+              <a:satOff val="0"/>
+              <a:lumOff val="0"/>
+              <a:alphaOff val="0"/>
+            </a:schemeClr>
+          </a:solidFill>
+          <a:prstDash val="solid"/>
+          <a:miter lim="800000"/>
+        </a:ln>
+        <a:effectLst/>
+      </dsp:spPr>
+      <dsp:style>
+        <a:lnRef idx="2">
+          <a:scrgbClr r="0" g="0" b="0"/>
+        </a:lnRef>
+        <a:fillRef idx="1">
+          <a:scrgbClr r="0" g="0" b="0"/>
+        </a:fillRef>
+        <a:effectRef idx="0">
+          <a:scrgbClr r="0" g="0" b="0"/>
+        </a:effectRef>
+        <a:fontRef idx="minor">
+          <a:schemeClr val="lt1"/>
+        </a:fontRef>
+      </dsp:style>
+    </dsp:sp>
+    <dsp:sp modelId="{BCFD3CAF-6867-0244-9512-C5610CC81065}">
+      <dsp:nvSpPr>
+        <dsp:cNvPr id="0" name=""/>
+        <dsp:cNvSpPr/>
+      </dsp:nvSpPr>
+      <dsp:spPr>
+        <a:xfrm>
+          <a:off x="216384" y="809593"/>
+          <a:ext cx="193529" cy="193529"/>
+        </a:xfrm>
+        <a:prstGeom prst="rect">
+          <a:avLst/>
+        </a:prstGeom>
+        <a:noFill/>
+        <a:ln>
+          <a:noFill/>
+        </a:ln>
+        <a:effectLst/>
+      </dsp:spPr>
+      <dsp:style>
+        <a:lnRef idx="0">
+          <a:scrgbClr r="0" g="0" b="0"/>
+        </a:lnRef>
+        <a:fillRef idx="0">
+          <a:scrgbClr r="0" g="0" b="0"/>
+        </a:fillRef>
+        <a:effectRef idx="0">
+          <a:scrgbClr r="0" g="0" b="0"/>
+        </a:effectRef>
+        <a:fontRef idx="minor"/>
+      </dsp:style>
+      <dsp:txBody>
+        <a:bodyPr spcFirstLastPara="0" vert="horz" wrap="square" lIns="13970" tIns="13970" rIns="13970" bIns="13970" numCol="1" spcCol="1270" anchor="ctr" anchorCtr="0">
+          <a:noAutofit/>
+        </a:bodyPr>
+        <a:lstStyle/>
+        <a:p>
+          <a:pPr marL="0" lvl="0" indent="0" algn="ctr" defTabSz="488950">
+            <a:lnSpc>
+              <a:spcPct val="90000"/>
+            </a:lnSpc>
+            <a:spcBef>
+              <a:spcPct val="0"/>
+            </a:spcBef>
+            <a:spcAft>
+              <a:spcPct val="35000"/>
+            </a:spcAft>
+            <a:buNone/>
+          </a:pPr>
+          <a:r>
+            <a:rPr lang="en-US" sz="1100" kern="1200" dirty="0"/>
+            <a:t> </a:t>
+          </a:r>
+        </a:p>
+      </dsp:txBody>
+      <dsp:txXfrm>
+        <a:off x="216384" y="809593"/>
+        <a:ext cx="193529" cy="193529"/>
+      </dsp:txXfrm>
+    </dsp:sp>
+    <dsp:sp modelId="{38349559-4D5F-F14F-83AC-16BEA504F693}">
+      <dsp:nvSpPr>
+        <dsp:cNvPr id="0" name=""/>
+        <dsp:cNvSpPr/>
+      </dsp:nvSpPr>
+      <dsp:spPr>
+        <a:xfrm>
+          <a:off x="56244" y="59271"/>
+          <a:ext cx="945852" cy="945852"/>
+        </a:xfrm>
+        <a:prstGeom prst="circularArrow">
+          <a:avLst>
+            <a:gd name="adj1" fmla="val 3990"/>
+            <a:gd name="adj2" fmla="val 250290"/>
+            <a:gd name="adj3" fmla="val 9773170"/>
+            <a:gd name="adj4" fmla="val 8182995"/>
+            <a:gd name="adj5" fmla="val 4655"/>
+          </a:avLst>
+        </a:prstGeom>
+        <a:solidFill>
+          <a:schemeClr val="lt1">
+            <a:hueOff val="0"/>
+            <a:satOff val="0"/>
+            <a:lumOff val="0"/>
+            <a:alphaOff val="0"/>
+          </a:schemeClr>
+        </a:solidFill>
+        <a:ln w="12700" cap="flat" cmpd="sng" algn="ctr">
+          <a:solidFill>
+            <a:schemeClr val="dk2">
+              <a:shade val="80000"/>
+              <a:hueOff val="0"/>
+              <a:satOff val="0"/>
+              <a:lumOff val="0"/>
+              <a:alphaOff val="0"/>
+            </a:schemeClr>
+          </a:solidFill>
+          <a:prstDash val="solid"/>
+          <a:miter lim="800000"/>
+        </a:ln>
+        <a:effectLst/>
+      </dsp:spPr>
+      <dsp:style>
+        <a:lnRef idx="2">
+          <a:scrgbClr r="0" g="0" b="0"/>
+        </a:lnRef>
+        <a:fillRef idx="1">
+          <a:scrgbClr r="0" g="0" b="0"/>
+        </a:fillRef>
+        <a:effectRef idx="0">
+          <a:scrgbClr r="0" g="0" b="0"/>
+        </a:effectRef>
+        <a:fontRef idx="minor">
+          <a:schemeClr val="lt1"/>
+        </a:fontRef>
+      </dsp:style>
+    </dsp:sp>
+    <dsp:sp modelId="{77C7656B-7194-1C4E-BBD6-FD12259B3327}">
+      <dsp:nvSpPr>
+        <dsp:cNvPr id="0" name=""/>
+        <dsp:cNvSpPr/>
+      </dsp:nvSpPr>
+      <dsp:spPr>
+        <a:xfrm>
+          <a:off x="362" y="435433"/>
+          <a:ext cx="193529" cy="193529"/>
+        </a:xfrm>
+        <a:prstGeom prst="rect">
+          <a:avLst/>
+        </a:prstGeom>
+        <a:noFill/>
+        <a:ln>
+          <a:noFill/>
+        </a:ln>
+        <a:effectLst/>
+      </dsp:spPr>
+      <dsp:style>
+        <a:lnRef idx="0">
+          <a:scrgbClr r="0" g="0" b="0"/>
+        </a:lnRef>
+        <a:fillRef idx="0">
+          <a:scrgbClr r="0" g="0" b="0"/>
+        </a:fillRef>
+        <a:effectRef idx="0">
+          <a:scrgbClr r="0" g="0" b="0"/>
+        </a:effectRef>
+        <a:fontRef idx="minor"/>
+      </dsp:style>
+      <dsp:txBody>
+        <a:bodyPr spcFirstLastPara="0" vert="horz" wrap="square" lIns="13970" tIns="13970" rIns="13970" bIns="13970" numCol="1" spcCol="1270" anchor="ctr" anchorCtr="0">
+          <a:noAutofit/>
+        </a:bodyPr>
+        <a:lstStyle/>
+        <a:p>
+          <a:pPr marL="0" lvl="0" indent="0" algn="ctr" defTabSz="488950">
+            <a:lnSpc>
+              <a:spcPct val="90000"/>
+            </a:lnSpc>
+            <a:spcBef>
+              <a:spcPct val="0"/>
+            </a:spcBef>
+            <a:spcAft>
+              <a:spcPct val="35000"/>
+            </a:spcAft>
+            <a:buNone/>
+          </a:pPr>
+          <a:r>
+            <a:rPr lang="en-US" sz="1100" kern="1200" dirty="0"/>
+            <a:t> </a:t>
+          </a:r>
+        </a:p>
+      </dsp:txBody>
+      <dsp:txXfrm>
+        <a:off x="362" y="435433"/>
+        <a:ext cx="193529" cy="193529"/>
+      </dsp:txXfrm>
+    </dsp:sp>
+    <dsp:sp modelId="{DCF14260-0C01-2146-B7B9-437AFDBB6130}">
+      <dsp:nvSpPr>
+        <dsp:cNvPr id="0" name=""/>
+        <dsp:cNvSpPr/>
+      </dsp:nvSpPr>
+      <dsp:spPr>
+        <a:xfrm>
+          <a:off x="56244" y="59271"/>
+          <a:ext cx="945852" cy="945852"/>
+        </a:xfrm>
+        <a:prstGeom prst="circularArrow">
+          <a:avLst>
+            <a:gd name="adj1" fmla="val 3990"/>
+            <a:gd name="adj2" fmla="val 250290"/>
+            <a:gd name="adj3" fmla="val 13166715"/>
+            <a:gd name="adj4" fmla="val 11576540"/>
+            <a:gd name="adj5" fmla="val 4655"/>
+          </a:avLst>
+        </a:prstGeom>
+        <a:solidFill>
+          <a:schemeClr val="lt1">
+            <a:hueOff val="0"/>
+            <a:satOff val="0"/>
+            <a:lumOff val="0"/>
+            <a:alphaOff val="0"/>
+          </a:schemeClr>
+        </a:solidFill>
+        <a:ln w="12700" cap="flat" cmpd="sng" algn="ctr">
+          <a:solidFill>
+            <a:schemeClr val="dk2">
+              <a:shade val="80000"/>
+              <a:hueOff val="0"/>
+              <a:satOff val="0"/>
+              <a:lumOff val="0"/>
+              <a:alphaOff val="0"/>
+            </a:schemeClr>
+          </a:solidFill>
+          <a:prstDash val="solid"/>
+          <a:miter lim="800000"/>
+        </a:ln>
+        <a:effectLst/>
+      </dsp:spPr>
+      <dsp:style>
+        <a:lnRef idx="2">
+          <a:scrgbClr r="0" g="0" b="0"/>
+        </a:lnRef>
+        <a:fillRef idx="1">
+          <a:scrgbClr r="0" g="0" b="0"/>
+        </a:fillRef>
+        <a:effectRef idx="0">
+          <a:scrgbClr r="0" g="0" b="0"/>
+        </a:effectRef>
+        <a:fontRef idx="minor">
+          <a:schemeClr val="lt1"/>
+        </a:fontRef>
+      </dsp:style>
+    </dsp:sp>
+    <dsp:sp modelId="{AB6408C1-32BC-9A4C-BF6C-DFF9F466A712}">
+      <dsp:nvSpPr>
+        <dsp:cNvPr id="0" name=""/>
+        <dsp:cNvSpPr/>
+      </dsp:nvSpPr>
+      <dsp:spPr>
+        <a:xfrm>
+          <a:off x="216384" y="61272"/>
+          <a:ext cx="193529" cy="193529"/>
+        </a:xfrm>
+        <a:prstGeom prst="rect">
+          <a:avLst/>
+        </a:prstGeom>
+        <a:noFill/>
+        <a:ln>
+          <a:noFill/>
+        </a:ln>
+        <a:effectLst/>
+      </dsp:spPr>
+      <dsp:style>
+        <a:lnRef idx="0">
+          <a:scrgbClr r="0" g="0" b="0"/>
+        </a:lnRef>
+        <a:fillRef idx="0">
+          <a:scrgbClr r="0" g="0" b="0"/>
+        </a:fillRef>
+        <a:effectRef idx="0">
+          <a:scrgbClr r="0" g="0" b="0"/>
+        </a:effectRef>
+        <a:fontRef idx="minor"/>
+      </dsp:style>
+      <dsp:txBody>
+        <a:bodyPr spcFirstLastPara="0" vert="horz" wrap="square" lIns="13970" tIns="13970" rIns="13970" bIns="13970" numCol="1" spcCol="1270" anchor="ctr" anchorCtr="0">
+          <a:noAutofit/>
+        </a:bodyPr>
+        <a:lstStyle/>
+        <a:p>
+          <a:pPr marL="0" lvl="0" indent="0" algn="ctr" defTabSz="488950">
+            <a:lnSpc>
+              <a:spcPct val="90000"/>
+            </a:lnSpc>
+            <a:spcBef>
+              <a:spcPct val="0"/>
+            </a:spcBef>
+            <a:spcAft>
+              <a:spcPct val="35000"/>
+            </a:spcAft>
+            <a:buNone/>
+          </a:pPr>
+          <a:endParaRPr lang="en-US" sz="1100" kern="1200"/>
+        </a:p>
+      </dsp:txBody>
+      <dsp:txXfrm>
+        <a:off x="216384" y="61272"/>
+        <a:ext cx="193529" cy="193529"/>
+      </dsp:txXfrm>
+    </dsp:sp>
+    <dsp:sp modelId="{CE26F8B0-CDD1-AE4E-9863-9063391C53E3}">
+      <dsp:nvSpPr>
+        <dsp:cNvPr id="0" name=""/>
+        <dsp:cNvSpPr/>
+      </dsp:nvSpPr>
+      <dsp:spPr>
+        <a:xfrm>
+          <a:off x="56244" y="59271"/>
+          <a:ext cx="945852" cy="945852"/>
+        </a:xfrm>
+        <a:prstGeom prst="circularArrow">
+          <a:avLst>
+            <a:gd name="adj1" fmla="val 3990"/>
+            <a:gd name="adj2" fmla="val 250290"/>
+            <a:gd name="adj3" fmla="val 16911114"/>
+            <a:gd name="adj4" fmla="val 15238596"/>
+            <a:gd name="adj5" fmla="val 4655"/>
+          </a:avLst>
+        </a:prstGeom>
+        <a:solidFill>
+          <a:schemeClr val="lt1">
+            <a:hueOff val="0"/>
+            <a:satOff val="0"/>
+            <a:lumOff val="0"/>
+            <a:alphaOff val="0"/>
+          </a:schemeClr>
+        </a:solidFill>
+        <a:ln w="12700" cap="flat" cmpd="sng" algn="ctr">
+          <a:solidFill>
+            <a:schemeClr val="dk2">
+              <a:shade val="80000"/>
+              <a:hueOff val="0"/>
+              <a:satOff val="0"/>
+              <a:lumOff val="0"/>
+              <a:alphaOff val="0"/>
+            </a:schemeClr>
+          </a:solidFill>
+          <a:prstDash val="solid"/>
+          <a:miter lim="800000"/>
+        </a:ln>
+        <a:effectLst/>
+      </dsp:spPr>
+      <dsp:style>
+        <a:lnRef idx="2">
+          <a:scrgbClr r="0" g="0" b="0"/>
+        </a:lnRef>
+        <a:fillRef idx="1">
+          <a:scrgbClr r="0" g="0" b="0"/>
+        </a:fillRef>
+        <a:effectRef idx="0">
+          <a:scrgbClr r="0" g="0" b="0"/>
+        </a:effectRef>
+        <a:fontRef idx="minor">
+          <a:schemeClr val="lt1"/>
+        </a:fontRef>
+      </dsp:style>
+    </dsp:sp>
+  </dsp:spTree>
+</dsp:drawing>
+</file>
+
+<file path=ppt/diagrams/layout1.xml><?xml version="1.0" encoding="utf-8"?>
+<dgm:layoutDef xmlns:dgm="http://schemas.openxmlformats.org/drawingml/2006/diagram" xmlns:a="http://schemas.openxmlformats.org/drawingml/2006/main" uniqueId="urn:microsoft.com/office/officeart/2005/8/layout/cycle1">
+  <dgm:title val=""/>
+  <dgm:desc val=""/>
+  <dgm:catLst>
+    <dgm:cat type="cycle" pri="2000"/>
+  </dgm:catLst>
+  <dgm:sampData>
+    <dgm:dataModel>
+      <dgm:ptLst>
+        <dgm:pt modelId="0" type="doc"/>
+        <dgm:pt modelId="1">
+          <dgm:prSet phldr="1"/>
+        </dgm:pt>
+        <dgm:pt modelId="2">
+          <dgm:prSet phldr="1"/>
+        </dgm:pt>
+        <dgm:pt modelId="3">
+          <dgm:prSet phldr="1"/>
+        </dgm:pt>
+        <dgm:pt modelId="4">
+          <dgm:prSet phldr="1"/>
+        </dgm:pt>
+        <dgm:pt modelId="5">
+          <dgm:prSet phldr="1"/>
+        </dgm:pt>
+      </dgm:ptLst>
+      <dgm:cxnLst>
+        <dgm:cxn modelId="6" srcId="0" destId="1" srcOrd="0" destOrd="0"/>
+        <dgm:cxn modelId="7" srcId="0" destId="2" srcOrd="1" destOrd="0"/>
+        <dgm:cxn modelId="8" srcId="0" destId="3" srcOrd="2" destOrd="0"/>
+        <dgm:cxn modelId="9" srcId="0" destId="4" srcOrd="3" destOrd="0"/>
+        <dgm:cxn modelId="10" srcId="0" destId="5" srcOrd="4" destOrd="0"/>
+      </dgm:cxnLst>
+      <dgm:bg/>
+      <dgm:whole/>
+    </dgm:dataModel>
+  </dgm:sampData>
+  <dgm:styleData>
+    <dgm:dataModel>
+      <dgm:ptLst>
+        <dgm:pt modelId="0" type="doc"/>
+        <dgm:pt modelId="1"/>
+        <dgm:pt modelId="2"/>
+        <dgm:pt modelId="3"/>
+      </dgm:ptLst>
+      <dgm:cxnLst>
+        <dgm:cxn modelId="4" srcId="0" destId="1" srcOrd="0" destOrd="0"/>
+        <dgm:cxn modelId="5" srcId="0" destId="2" srcOrd="1" destOrd="0"/>
+        <dgm:cxn modelId="6" srcId="0" destId="3" srcOrd="2" destOrd="0"/>
+      </dgm:cxnLst>
+      <dgm:bg/>
+      <dgm:whole/>
+    </dgm:dataModel>
+  </dgm:styleData>
+  <dgm:clrData>
+    <dgm:dataModel>
+      <dgm:ptLst>
+        <dgm:pt modelId="0" type="doc"/>
+        <dgm:pt modelId="1"/>
+        <dgm:pt modelId="2"/>
+        <dgm:pt modelId="3"/>
+        <dgm:pt modelId="4"/>
+        <dgm:pt modelId="5"/>
+        <dgm:pt modelId="6"/>
+      </dgm:ptLst>
+      <dgm:cxnLst>
+        <dgm:cxn modelId="7" srcId="0" destId="1" srcOrd="0" destOrd="0"/>
+        <dgm:cxn modelId="8" srcId="0" destId="2" srcOrd="1" destOrd="0"/>
+        <dgm:cxn modelId="9" srcId="0" destId="3" srcOrd="2" destOrd="0"/>
+        <dgm:cxn modelId="10" srcId="0" destId="4" srcOrd="3" destOrd="0"/>
+        <dgm:cxn modelId="11" srcId="0" destId="5" srcOrd="4" destOrd="0"/>
+        <dgm:cxn modelId="12" srcId="0" destId="6" srcOrd="5" destOrd="0"/>
+      </dgm:cxnLst>
+      <dgm:bg/>
+      <dgm:whole/>
+    </dgm:dataModel>
+  </dgm:clrData>
+  <dgm:layoutNode name="cycle">
+    <dgm:varLst>
+      <dgm:dir/>
+      <dgm:resizeHandles val="exact"/>
+    </dgm:varLst>
+    <dgm:choose name="Name0">
+      <dgm:if name="Name1" func="var" arg="dir" op="equ" val="norm">
+        <dgm:alg type="cycle">
+          <dgm:param type="stAng" val="0"/>
+          <dgm:param type="spanAng" val="360"/>
+        </dgm:alg>
+      </dgm:if>
+      <dgm:else name="Name2">
+        <dgm:alg type="cycle">
+          <dgm:param type="stAng" val="0"/>
+          <dgm:param type="spanAng" val="-360"/>
+        </dgm:alg>
+      </dgm:else>
+    </dgm:choose>
+    <dgm:shape xmlns:r="http://schemas.openxmlformats.org/officeDocument/2006/relationships" r:blip="">
+      <dgm:adjLst/>
+    </dgm:shape>
+    <dgm:presOf/>
+    <dgm:choose name="Name3">
+      <dgm:if name="Name4" func="var" arg="dir" op="equ" val="norm">
+        <dgm:constrLst>
+          <dgm:constr type="diam" val="1"/>
+          <dgm:constr type="w" for="ch" forName="node" refType="w"/>
+          <dgm:constr type="w" for="ch" ptType="sibTrans" refType="w" refFor="ch" refForName="node" fact="0.5"/>
+          <dgm:constr type="h" for="ch" ptType="sibTrans" op="equ"/>
+          <dgm:constr type="diam" for="ch" ptType="sibTrans" refType="diam" op="equ"/>
+          <dgm:constr type="sibSp" refType="w" refFor="ch" refForName="node" fact="0.15"/>
+          <dgm:constr type="w" for="ch" forName="dummy" refType="sibSp" fact="2.8"/>
+          <dgm:constr type="primFontSz" for="ch" forName="node" op="equ" val="65"/>
+        </dgm:constrLst>
+      </dgm:if>
+      <dgm:else name="Name5">
+        <dgm:constrLst>
+          <dgm:constr type="diam" val="1"/>
+          <dgm:constr type="w" for="ch" forName="node" refType="w"/>
+          <dgm:constr type="w" for="ch" ptType="sibTrans" refType="w" refFor="ch" refForName="node" fact="0.5"/>
+          <dgm:constr type="h" for="ch" ptType="sibTrans" op="equ"/>
+          <dgm:constr type="diam" for="ch" ptType="sibTrans" refType="diam" op="equ" fact="-1"/>
+          <dgm:constr type="sibSp" refType="w" refFor="ch" refForName="node" fact="0.15"/>
+          <dgm:constr type="w" for="ch" forName="dummy" refType="sibSp" fact="2.8"/>
+          <dgm:constr type="primFontSz" for="ch" forName="node" op="equ" val="65"/>
+        </dgm:constrLst>
+      </dgm:else>
+    </dgm:choose>
+    <dgm:ruleLst>
+      <dgm:rule type="diam" val="INF" fact="NaN" max="NaN"/>
+    </dgm:ruleLst>
+    <dgm:forEach name="nodesForEach" axis="ch" ptType="node">
+      <dgm:choose name="Name6">
+        <dgm:if name="Name7" axis="par ch" ptType="doc node" func="cnt" op="gt" val="1">
+          <dgm:layoutNode name="dummy">
+            <dgm:alg type="sp"/>
+            <dgm:shape xmlns:r="http://schemas.openxmlformats.org/officeDocument/2006/relationships" r:blip="">
+              <dgm:adjLst/>
+            </dgm:shape>
+            <dgm:presOf/>
+            <dgm:constrLst>
+              <dgm:constr type="h" refType="w"/>
+            </dgm:constrLst>
+            <dgm:ruleLst/>
+          </dgm:layoutNode>
+        </dgm:if>
+        <dgm:else name="Name8"/>
+      </dgm:choose>
+      <dgm:layoutNode name="node" styleLbl="revTx">
+        <dgm:varLst>
+          <dgm:bulletEnabled val="1"/>
+        </dgm:varLst>
+        <dgm:alg type="tx">
+          <dgm:param type="txAnchorVertCh" val="mid"/>
+        </dgm:alg>
+        <dgm:shape xmlns:r="http://schemas.openxmlformats.org/officeDocument/2006/relationships" type="rect" r:blip="">
+          <dgm:adjLst/>
+        </dgm:shape>
+        <dgm:presOf axis="desOrSelf" ptType="node"/>
+        <dgm:constrLst>
+          <dgm:constr type="h" refType="w"/>
+          <dgm:constr type="lMarg" refType="primFontSz" fact="0.1"/>
+          <dgm:constr type="rMarg" refType="primFontSz" fact="0.1"/>
+          <dgm:constr type="tMarg" refType="primFontSz" fact="0.1"/>
+          <dgm:constr type="bMarg" refType="primFontSz" fact="0.1"/>
+        </dgm:constrLst>
+        <dgm:ruleLst>
+          <dgm:rule type="primFontSz" val="5" fact="NaN" max="NaN"/>
+        </dgm:ruleLst>
+      </dgm:layoutNode>
+      <dgm:choose name="Name9">
+        <dgm:if name="Name10" axis="par ch" ptType="doc node" func="cnt" op="gt" val="1">
+          <dgm:forEach name="Name11" axis="followSib" ptType="sibTrans" hideLastTrans="0" cnt="1">
+            <dgm:layoutNode name="sibTrans" styleLbl="node1">
+              <dgm:alg type="conn">
+                <dgm:param type="connRout" val="curve"/>
+                <dgm:param type="begPts" val="radial"/>
+                <dgm:param type="endPts" val="radial"/>
+              </dgm:alg>
+              <dgm:shape xmlns:r="http://schemas.openxmlformats.org/officeDocument/2006/relationships" type="conn" r:blip="">
+                <dgm:adjLst/>
+              </dgm:shape>
+              <dgm:presOf axis="self"/>
+              <dgm:constrLst>
+                <dgm:constr type="h" refType="w" fact="0.65"/>
+                <dgm:constr type="begPad"/>
+                <dgm:constr type="endPad"/>
+              </dgm:constrLst>
+              <dgm:ruleLst/>
+            </dgm:layoutNode>
+          </dgm:forEach>
+        </dgm:if>
+        <dgm:else name="Name12"/>
+      </dgm:choose>
+    </dgm:forEach>
+  </dgm:layoutNode>
+</dgm:layoutDef>
+</file>
+
+<file path=ppt/diagrams/quickStyle1.xml><?xml version="1.0" encoding="utf-8"?>
+<dgm:styleDef xmlns:dgm="http://schemas.openxmlformats.org/drawingml/2006/diagram" xmlns:a="http://schemas.openxmlformats.org/drawingml/2006/main" uniqueId="urn:microsoft.com/office/officeart/2005/8/quickstyle/simple1">
+  <dgm:title val=""/>
+  <dgm:desc val=""/>
+  <dgm:catLst>
+    <dgm:cat type="simple" pri="10100"/>
+  </dgm:catLst>
+  <dgm:scene3d>
+    <a:camera prst="orthographicFront"/>
+    <a:lightRig rig="threePt" dir="t"/>
+  </dgm:scene3d>
+  <dgm:styleLbl name="node0">
+    <dgm:scene3d>
+      <a:camera prst="orthographicFront"/>
+      <a:lightRig rig="threePt" dir="t"/>
+    </dgm:scene3d>
+    <dgm:sp3d/>
+    <dgm:txPr/>
+    <dgm:style>
+      <a:lnRef idx="2">
+        <a:scrgbClr r="0" g="0" b="0"/>
+      </a:lnRef>
+      <a:fillRef idx="1">
+        <a:scrgbClr r="0" g="0" b="0"/>
+      </a:fillRef>
+      <a:effectRef idx="0">
+        <a:scrgbClr r="0" g="0" b="0"/>
+      </a:effectRef>
+      <a:fontRef idx="minor">
+        <a:schemeClr val="lt1"/>
+      </a:fontRef>
+    </dgm:style>
+  </dgm:styleLbl>
+  <dgm:styleLbl name="lnNode1">
+    <dgm:scene3d>
+      <a:camera prst="orthographicFront"/>
+      <a:lightRig rig="threePt" dir="t"/>
+    </dgm:scene3d>
+    <dgm:sp3d/>
+    <dgm:txPr/>
+    <dgm:style>
+      <a:lnRef idx="2">
+        <a:scrgbClr r="0" g="0" b="0"/>
+      </a:lnRef>
+      <a:fillRef idx="1">
+        <a:scrgbClr r="0" g="0" b="0"/>
+      </a:fillRef>
+      <a:effectRef idx="0">
+        <a:scrgbClr r="0" g="0" b="0"/>
+      </a:effectRef>
+      <a:fontRef idx="minor">
+        <a:schemeClr val="lt1"/>
+      </a:fontRef>
+    </dgm:style>
+  </dgm:styleLbl>
+  <dgm:styleLbl name="vennNode1">
+    <dgm:scene3d>
+      <a:camera prst="orthographicFront"/>
+      <a:lightRig rig="threePt" dir="t"/>
+    </dgm:scene3d>
+    <dgm:sp3d/>
+    <dgm:txPr/>
+    <dgm:style>
+      <a:lnRef idx="2">
+        <a:scrgbClr r="0" g="0" b="0"/>
+      </a:lnRef>
+      <a:fillRef idx="1">
+        <a:scrgbClr r="0" g="0" b="0"/>
+      </a:fillRef>
+      <a:effectRef idx="0">
+        <a:scrgbClr r="0" g="0" b="0"/>
+      </a:effectRef>
+      <a:fontRef idx="minor">
+        <a:schemeClr val="tx1"/>
+      </a:fontRef>
+    </dgm:style>
+  </dgm:styleLbl>
+  <dgm:styleLbl name="alignNode1">
+    <dgm:scene3d>
+      <a:camera prst="orthographicFront"/>
+      <a:lightRig rig="threePt" dir="t"/>
+    </dgm:scene3d>
+    <dgm:sp3d/>
+    <dgm:txPr/>
+    <dgm:style>
+      <a:lnRef idx="2">
+        <a:scrgbClr r="0" g="0" b="0"/>
+      </a:lnRef>
+      <a:fillRef idx="1">
+        <a:scrgbClr r="0" g="0" b="0"/>
+      </a:fillRef>
+      <a:effectRef idx="0">
+        <a:scrgbClr r="0" g="0" b="0"/>
+      </a:effectRef>
+      <a:fontRef idx="minor">
+        <a:schemeClr val="lt1"/>
+      </a:fontRef>
+    </dgm:style>
+  </dgm:styleLbl>
+  <dgm:styleLbl name="node1">
+    <dgm:scene3d>
+      <a:camera prst="orthographicFront"/>
+      <a:lightRig rig="threePt" dir="t"/>
+    </dgm:scene3d>
+    <dgm:sp3d/>
+    <dgm:txPr/>
+    <dgm:style>
+      <a:lnRef idx="2">
+        <a:scrgbClr r="0" g="0" b="0"/>
+      </a:lnRef>
+      <a:fillRef idx="1">
+        <a:scrgbClr r="0" g="0" b="0"/>
+      </a:fillRef>
+      <a:effectRef idx="0">
+        <a:scrgbClr r="0" g="0" b="0"/>
+      </a:effectRef>
+      <a:fontRef idx="minor">
+        <a:schemeClr val="lt1"/>
+      </a:fontRef>
+    </dgm:style>
+  </dgm:styleLbl>
+  <dgm:styleLbl name="node2">
+    <dgm:scene3d>
+      <a:camera prst="orthographicFront"/>
+      <a:lightRig rig="threePt" dir="t"/>
+    </dgm:scene3d>
+    <dgm:sp3d/>
+    <dgm:txPr/>
+    <dgm:style>
+      <a:lnRef idx="2">
+        <a:scrgbClr r="0" g="0" b="0"/>
+      </a:lnRef>
+      <a:fillRef idx="1">
+        <a:scrgbClr r="0" g="0" b="0"/>
+      </a:fillRef>
+      <a:effectRef idx="0">
+        <a:scrgbClr r="0" g="0" b="0"/>
+      </a:effectRef>
+      <a:fontRef idx="minor">
+        <a:schemeClr val="lt1"/>
+      </a:fontRef>
+    </dgm:style>
+  </dgm:styleLbl>
+  <dgm:styleLbl name="node3">
+    <dgm:scene3d>
+      <a:camera prst="orthographicFront"/>
+      <a:lightRig rig="threePt" dir="t"/>
+    </dgm:scene3d>
+    <dgm:sp3d/>
+    <dgm:txPr/>
+    <dgm:style>
+      <a:lnRef idx="2">
+        <a:scrgbClr r="0" g="0" b="0"/>
+      </a:lnRef>
+      <a:fillRef idx="1">
+        <a:scrgbClr r="0" g="0" b="0"/>
+      </a:fillRef>
+      <a:effectRef idx="0">
+        <a:scrgbClr r="0" g="0" b="0"/>
+      </a:effectRef>
+      <a:fontRef idx="minor">
+        <a:schemeClr val="lt1"/>
+      </a:fontRef>
+    </dgm:style>
+  </dgm:styleLbl>
+  <dgm:styleLbl name="node4">
+    <dgm:scene3d>
+      <a:camera prst="orthographicFront"/>
+      <a:lightRig rig="threePt" dir="t"/>
+    </dgm:scene3d>
+    <dgm:sp3d/>
+    <dgm:txPr/>
+    <dgm:style>
+      <a:lnRef idx="2">
+        <a:scrgbClr r="0" g="0" b="0"/>
+      </a:lnRef>
+      <a:fillRef idx="1">
+        <a:scrgbClr r="0" g="0" b="0"/>
+      </a:fillRef>
+      <a:effectRef idx="0">
+        <a:scrgbClr r="0" g="0" b="0"/>
+      </a:effectRef>
+      <a:fontRef idx="minor">
+        <a:schemeClr val="lt1"/>
+      </a:fontRef>
+    </dgm:style>
+  </dgm:styleLbl>
+  <dgm:styleLbl name="fgImgPlace1">
+    <dgm:scene3d>
+      <a:camera prst="orthographicFront"/>
+      <a:lightRig rig="threePt" dir="t"/>
+    </dgm:scene3d>
+    <dgm:sp3d/>
+    <dgm:txPr/>
+    <dgm:style>
+      <a:lnRef idx="2">
+        <a:scrgbClr r="0" g="0" b="0"/>
+      </a:lnRef>
+      <a:fillRef idx="1">
+        <a:scrgbClr r="0" g="0" b="0"/>
+      </a:fillRef>
+      <a:effectRef idx="0">
+        <a:scrgbClr r="0" g="0" b="0"/>
+      </a:effectRef>
+      <a:fontRef idx="minor"/>
+    </dgm:style>
+  </dgm:styleLbl>
+  <dgm:styleLbl name="alignImgPlace1">
+    <dgm:scene3d>
+      <a:camera prst="orthographicFront"/>
+      <a:lightRig rig="threePt" dir="t"/>
+    </dgm:scene3d>
+    <dgm:sp3d/>
+    <dgm:txPr/>
+    <dgm:style>
+      <a:lnRef idx="2">
+        <a:scrgbClr r="0" g="0" b="0"/>
+      </a:lnRef>
+      <a:fillRef idx="1">
+        <a:scrgbClr r="0" g="0" b="0"/>
+      </a:fillRef>
+      <a:effectRef idx="0">
+        <a:scrgbClr r="0" g="0" b="0"/>
+      </a:effectRef>
+      <a:fontRef idx="minor"/>
+    </dgm:style>
+  </dgm:styleLbl>
+  <dgm:styleLbl name="bgImgPlace1">
+    <dgm:scene3d>
+      <a:camera prst="orthographicFront"/>
+      <a:lightRig rig="threePt" dir="t"/>
+    </dgm:scene3d>
+    <dgm:sp3d/>
+    <dgm:txPr/>
+    <dgm:style>
+      <a:lnRef idx="2">
+        <a:scrgbClr r="0" g="0" b="0"/>
+      </a:lnRef>
+      <a:fillRef idx="1">
+        <a:scrgbClr r="0" g="0" b="0"/>
+      </a:fillRef>
+      <a:effectRef idx="0">
+        <a:scrgbClr r="0" g="0" b="0"/>
+      </a:effectRef>
+      <a:fontRef idx="minor"/>
+    </dgm:style>
+  </dgm:styleLbl>
+  <dgm:styleLbl name="sibTrans2D1">
+    <dgm:scene3d>
+      <a:camera prst="orthographicFront"/>
+      <a:lightRig rig="threePt" dir="t"/>
+    </dgm:scene3d>
+    <dgm:sp3d/>
+    <dgm:txPr/>
+    <dgm:style>
+      <a:lnRef idx="0">
+        <a:scrgbClr r="0" g="0" b="0"/>
+      </a:lnRef>
+      <a:fillRef idx="1">
+        <a:scrgbClr r="0" g="0" b="0"/>
+      </a:fillRef>
+      <a:effectRef idx="0">
+        <a:scrgbClr r="0" g="0" b="0"/>
+      </a:effectRef>
+      <a:fontRef idx="minor">
+        <a:schemeClr val="lt1"/>
+      </a:fontRef>
+    </dgm:style>
+  </dgm:styleLbl>
+  <dgm:styleLbl name="fgSibTrans2D1">
+    <dgm:scene3d>
+      <a:camera prst="orthographicFront"/>
+      <a:lightRig rig="threePt" dir="t"/>
+    </dgm:scene3d>
+    <dgm:sp3d/>
+    <dgm:txPr/>
+    <dgm:style>
+      <a:lnRef idx="0">
+        <a:scrgbClr r="0" g="0" b="0"/>
+      </a:lnRef>
+      <a:fillRef idx="1">
+        <a:scrgbClr r="0" g="0" b="0"/>
+      </a:fillRef>
+      <a:effectRef idx="0">
+        <a:scrgbClr r="0" g="0" b="0"/>
+      </a:effectRef>
+      <a:fontRef idx="minor">
+        <a:schemeClr val="lt1"/>
+      </a:fontRef>
+    </dgm:style>
+  </dgm:styleLbl>
+  <dgm:styleLbl name="bgSibTrans2D1">
+    <dgm:scene3d>
+      <a:camera prst="orthographicFront"/>
+      <a:lightRig rig="threePt" dir="t"/>
+    </dgm:scene3d>
+    <dgm:sp3d/>
+    <dgm:txPr/>
+    <dgm:style>
+      <a:lnRef idx="0">
+        <a:scrgbClr r="0" g="0" b="0"/>
+      </a:lnRef>
+      <a:fillRef idx="1">
+        <a:scrgbClr r="0" g="0" b="0"/>
+      </a:fillRef>
+      <a:effectRef idx="0">
+        <a:scrgbClr r="0" g="0" b="0"/>
+      </a:effectRef>
+      <a:fontRef idx="minor">
+        <a:schemeClr val="lt1"/>
+      </a:fontRef>
+    </dgm:style>
+  </dgm:styleLbl>
+  <dgm:styleLbl name="sibTrans1D1">
+    <dgm:scene3d>
+      <a:camera prst="orthographicFront"/>
+      <a:lightRig rig="threePt" dir="t"/>
+    </dgm:scene3d>
+    <dgm:sp3d/>
+    <dgm:txPr/>
+    <dgm:style>
+      <a:lnRef idx="1">
+        <a:scrgbClr r="0" g="0" b="0"/>
+      </a:lnRef>
+      <a:fillRef idx="0">
+        <a:scrgbClr r="0" g="0" b="0"/>
+      </a:fillRef>
+      <a:effectRef idx="0">
+        <a:scrgbClr r="0" g="0" b="0"/>
+      </a:effectRef>
+      <a:fontRef idx="minor"/>
+    </dgm:style>
+  </dgm:styleLbl>
+  <dgm:styleLbl name="callout">
+    <dgm:scene3d>
+      <a:camera prst="orthographicFront"/>
+      <a:lightRig rig="threePt" dir="t"/>
+    </dgm:scene3d>
+    <dgm:sp3d/>
+    <dgm:txPr/>
+    <dgm:style>
+      <a:lnRef idx="2">
+        <a:scrgbClr r="0" g="0" b="0"/>
+      </a:lnRef>
+      <a:fillRef idx="1">
+        <a:scrgbClr r="0" g="0" b="0"/>
+      </a:fillRef>
+      <a:effectRef idx="0">
+        <a:scrgbClr r="0" g="0" b="0"/>
+      </a:effectRef>
+      <a:fontRef idx="minor"/>
+    </dgm:style>
+  </dgm:styleLbl>
+  <dgm:styleLbl name="asst0">
+    <dgm:scene3d>
+      <a:camera prst="orthographicFront"/>
+      <a:lightRig rig="threePt" dir="t"/>
+    </dgm:scene3d>
+    <dgm:sp3d/>
+    <dgm:txPr/>
+    <dgm:style>
+      <a:lnRef idx="2">
+        <a:scrgbClr r="0" g="0" b="0"/>
+      </a:lnRef>
+      <a:fillRef idx="1">
+        <a:scrgbClr r="0" g="0" b="0"/>
+      </a:fillRef>
+      <a:effectRef idx="0">
+        <a:scrgbClr r="0" g="0" b="0"/>
+      </a:effectRef>
+      <a:fontRef idx="minor">
+        <a:schemeClr val="lt1"/>
+      </a:fontRef>
+    </dgm:style>
+  </dgm:styleLbl>
+  <dgm:styleLbl name="asst1">
+    <dgm:scene3d>
+      <a:camera prst="orthographicFront"/>
+      <a:lightRig rig="threePt" dir="t"/>
+    </dgm:scene3d>
+    <dgm:sp3d/>
+    <dgm:txPr/>
+    <dgm:style>
+      <a:lnRef idx="2">
+        <a:scrgbClr r="0" g="0" b="0"/>
+      </a:lnRef>
+      <a:fillRef idx="1">
+        <a:scrgbClr r="0" g="0" b="0"/>
+      </a:fillRef>
+      <a:effectRef idx="0">
+        <a:scrgbClr r="0" g="0" b="0"/>
+      </a:effectRef>
+      <a:fontRef idx="minor">
+        <a:schemeClr val="lt1"/>
+      </a:fontRef>
+    </dgm:style>
+  </dgm:styleLbl>
+  <dgm:styleLbl name="asst2">
+    <dgm:scene3d>
+      <a:camera prst="orthographicFront"/>
+      <a:lightRig rig="threePt" dir="t"/>
+    </dgm:scene3d>
+    <dgm:sp3d/>
+    <dgm:txPr/>
+    <dgm:style>
+      <a:lnRef idx="2">
+        <a:scrgbClr r="0" g="0" b="0"/>
+      </a:lnRef>
+      <a:fillRef idx="1">
+        <a:scrgbClr r="0" g="0" b="0"/>
+      </a:fillRef>
+      <a:effectRef idx="0">
+        <a:scrgbClr r="0" g="0" b="0"/>
+      </a:effectRef>
+      <a:fontRef idx="minor">
+        <a:schemeClr val="lt1"/>
+      </a:fontRef>
+    </dgm:style>
+  </dgm:styleLbl>
+  <dgm:styleLbl name="asst3">
+    <dgm:scene3d>
+      <a:camera prst="orthographicFront"/>
+      <a:lightRig rig="threePt" dir="t"/>
+    </dgm:scene3d>
+    <dgm:sp3d/>
+    <dgm:txPr/>
+    <dgm:style>
+      <a:lnRef idx="2">
+        <a:scrgbClr r="0" g="0" b="0"/>
+      </a:lnRef>
+      <a:fillRef idx="1">
+        <a:scrgbClr r="0" g="0" b="0"/>
+      </a:fillRef>
+      <a:effectRef idx="0">
+        <a:scrgbClr r="0" g="0" b="0"/>
+      </a:effectRef>
+      <a:fontRef idx="minor">
+        <a:schemeClr val="lt1"/>
+      </a:fontRef>
+    </dgm:style>
+  </dgm:styleLbl>
+  <dgm:styleLbl name="asst4">
+    <dgm:scene3d>
+      <a:camera prst="orthographicFront"/>
+      <a:lightRig rig="threePt" dir="t"/>
+    </dgm:scene3d>
+    <dgm:sp3d/>
+    <dgm:txPr/>
+    <dgm:style>
+      <a:lnRef idx="2">
+        <a:scrgbClr r="0" g="0" b="0"/>
+      </a:lnRef>
+      <a:fillRef idx="1">
+        <a:scrgbClr r="0" g="0" b="0"/>
+      </a:fillRef>
+      <a:effectRef idx="0">
+        <a:scrgbClr r="0" g="0" b="0"/>
+      </a:effectRef>
+      <a:fontRef idx="minor">
+        <a:schemeClr val="lt1"/>
+      </a:fontRef>
+    </dgm:style>
+  </dgm:styleLbl>
+  <dgm:styleLbl name="parChTrans2D1">
+    <dgm:scene3d>
+      <a:camera prst="orthographicFront"/>
+      <a:lightRig rig="threePt" dir="t"/>
+    </dgm:scene3d>
+    <dgm:sp3d/>
+    <dgm:txPr/>
+    <dgm:style>
+      <a:lnRef idx="2">
+        <a:scrgbClr r="0" g="0" b="0"/>
+      </a:lnRef>
+      <a:fillRef idx="1">
+        <a:scrgbClr r="0" g="0" b="0"/>
+      </a:fillRef>
+      <a:effectRef idx="0">
+        <a:scrgbClr r="0" g="0" b="0"/>
+      </a:effectRef>
+      <a:fontRef idx="minor">
+        <a:schemeClr val="lt1"/>
+      </a:fontRef>
+    </dgm:style>
+  </dgm:styleLbl>
+  <dgm:styleLbl name="parChTrans2D2">
+    <dgm:scene3d>
+      <a:camera prst="orthographicFront"/>
+      <a:lightRig rig="threePt" dir="t"/>
+    </dgm:scene3d>
+    <dgm:sp3d/>
+    <dgm:txPr/>
+    <dgm:style>
+      <a:lnRef idx="2">
+        <a:scrgbClr r="0" g="0" b="0"/>
+      </a:lnRef>
+      <a:fillRef idx="1">
+        <a:scrgbClr r="0" g="0" b="0"/>
+      </a:fillRef>
+      <a:effectRef idx="0">
+        <a:scrgbClr r="0" g="0" b="0"/>
+      </a:effectRef>
+      <a:fontRef idx="minor">
+        <a:schemeClr val="lt1"/>
+      </a:fontRef>
+    </dgm:style>
+  </dgm:styleLbl>
+  <dgm:styleLbl name="parChTrans2D3">
+    <dgm:scene3d>
+      <a:camera prst="orthographicFront"/>
+      <a:lightRig rig="threePt" dir="t"/>
+    </dgm:scene3d>
+    <dgm:sp3d/>
+    <dgm:txPr/>
+    <dgm:style>
+      <a:lnRef idx="2">
+        <a:scrgbClr r="0" g="0" b="0"/>
+      </a:lnRef>
+      <a:fillRef idx="1">
+        <a:scrgbClr r="0" g="0" b="0"/>
+      </a:fillRef>
+      <a:effectRef idx="0">
+        <a:scrgbClr r="0" g="0" b="0"/>
+      </a:effectRef>
+      <a:fontRef idx="minor">
+        <a:schemeClr val="lt1"/>
+      </a:fontRef>
+    </dgm:style>
+  </dgm:styleLbl>
+  <dgm:styleLbl name="parChTrans2D4">
+    <dgm:scene3d>
+      <a:camera prst="orthographicFront"/>
+      <a:lightRig rig="threePt" dir="t"/>
+    </dgm:scene3d>
+    <dgm:sp3d/>
+    <dgm:txPr/>
+    <dgm:style>
+      <a:lnRef idx="2">
+        <a:scrgbClr r="0" g="0" b="0"/>
+      </a:lnRef>
+      <a:fillRef idx="1">
+        <a:scrgbClr r="0" g="0" b="0"/>
+      </a:fillRef>
+      <a:effectRef idx="0">
+        <a:scrgbClr r="0" g="0" b="0"/>
+      </a:effectRef>
+      <a:fontRef idx="minor">
+        <a:schemeClr val="lt1"/>
+      </a:fontRef>
+    </dgm:style>
+  </dgm:styleLbl>
+  <dgm:styleLbl name="parChTrans1D1">
+    <dgm:scene3d>
+      <a:camera prst="orthographicFront"/>
+      <a:lightRig rig="threePt" dir="t"/>
+    </dgm:scene3d>
+    <dgm:sp3d/>
+    <dgm:txPr/>
+    <dgm:style>
+      <a:lnRef idx="2">
+        <a:scrgbClr r="0" g="0" b="0"/>
+      </a:lnRef>
+      <a:fillRef idx="0">
+        <a:scrgbClr r="0" g="0" b="0"/>
+      </a:fillRef>
+      <a:effectRef idx="0">
+        <a:scrgbClr r="0" g="0" b="0"/>
+      </a:effectRef>
+      <a:fontRef idx="minor"/>
+    </dgm:style>
+  </dgm:styleLbl>
+  <dgm:styleLbl name="parChTrans1D2">
+    <dgm:scene3d>
+      <a:camera prst="orthographicFront"/>
+      <a:lightRig rig="threePt" dir="t"/>
+    </dgm:scene3d>
+    <dgm:sp3d/>
+    <dgm:txPr/>
+    <dgm:style>
+      <a:lnRef idx="2">
+        <a:scrgbClr r="0" g="0" b="0"/>
+      </a:lnRef>
+      <a:fillRef idx="0">
+        <a:scrgbClr r="0" g="0" b="0"/>
+      </a:fillRef>
+      <a:effectRef idx="0">
+        <a:scrgbClr r="0" g="0" b="0"/>
+      </a:effectRef>
+      <a:fontRef idx="minor"/>
+    </dgm:style>
+  </dgm:styleLbl>
+  <dgm:styleLbl name="parChTrans1D3">
+    <dgm:scene3d>
+      <a:camera prst="orthographicFront"/>
+      <a:lightRig rig="threePt" dir="t"/>
+    </dgm:scene3d>
+    <dgm:sp3d/>
+    <dgm:txPr/>
+    <dgm:style>
+      <a:lnRef idx="2">
+        <a:scrgbClr r="0" g="0" b="0"/>
+      </a:lnRef>
+      <a:fillRef idx="0">
+        <a:scrgbClr r="0" g="0" b="0"/>
+      </a:fillRef>
+      <a:effectRef idx="0">
+        <a:scrgbClr r="0" g="0" b="0"/>
+      </a:effectRef>
+      <a:fontRef idx="minor"/>
+    </dgm:style>
+  </dgm:styleLbl>
+  <dgm:styleLbl name="parChTrans1D4">
+    <dgm:scene3d>
+      <a:camera prst="orthographicFront"/>
+      <a:lightRig rig="threePt" dir="t"/>
+    </dgm:scene3d>
+    <dgm:sp3d/>
+    <dgm:txPr/>
+    <dgm:style>
+      <a:lnRef idx="2">
+        <a:scrgbClr r="0" g="0" b="0"/>
+      </a:lnRef>
+      <a:fillRef idx="0">
+        <a:scrgbClr r="0" g="0" b="0"/>
+      </a:fillRef>
+      <a:effectRef idx="0">
+        <a:scrgbClr r="0" g="0" b="0"/>
+      </a:effectRef>
+      <a:fontRef idx="minor"/>
+    </dgm:style>
+  </dgm:styleLbl>
+  <dgm:styleLbl name="fgAcc1">
+    <dgm:scene3d>
+      <a:camera prst="orthographicFront"/>
+      <a:lightRig rig="threePt" dir="t"/>
+    </dgm:scene3d>
+    <dgm:sp3d/>
+    <dgm:txPr/>
+    <dgm:style>
+      <a:lnRef idx="2">
+        <a:scrgbClr r="0" g="0" b="0"/>
+      </a:lnRef>
+      <a:fillRef idx="1">
+        <a:scrgbClr r="0" g="0" b="0"/>
+      </a:fillRef>
+      <a:effectRef idx="0">
+        <a:scrgbClr r="0" g="0" b="0"/>
+      </a:effectRef>
+      <a:fontRef idx="minor"/>
+    </dgm:style>
+  </dgm:styleLbl>
+  <dgm:styleLbl name="conFgAcc1">
+    <dgm:scene3d>
+      <a:camera prst="orthographicFront"/>
+      <a:lightRig rig="threePt" dir="t"/>
+    </dgm:scene3d>
+    <dgm:sp3d/>
+    <dgm:txPr/>
+    <dgm:style>
+      <a:lnRef idx="2">
+        <a:scrgbClr r="0" g="0" b="0"/>
+      </a:lnRef>
+      <a:fillRef idx="1">
+        <a:scrgbClr r="0" g="0" b="0"/>
+      </a:fillRef>
+      <a:effectRef idx="0">
+        <a:scrgbClr r="0" g="0" b="0"/>
+      </a:effectRef>
+      <a:fontRef idx="minor"/>
+    </dgm:style>
+  </dgm:styleLbl>
+  <dgm:styleLbl name="alignAcc1">
+    <dgm:scene3d>
+      <a:camera prst="orthographicFront"/>
+      <a:lightRig rig="threePt" dir="t"/>
+    </dgm:scene3d>
+    <dgm:sp3d/>
+    <dgm:txPr/>
+    <dgm:style>
+      <a:lnRef idx="2">
+        <a:scrgbClr r="0" g="0" b="0"/>
+      </a:lnRef>
+      <a:fillRef idx="1">
+        <a:scrgbClr r="0" g="0" b="0"/>
+      </a:fillRef>
+      <a:effectRef idx="0">
+        <a:scrgbClr r="0" g="0" b="0"/>
+      </a:effectRef>
+      <a:fontRef idx="minor"/>
+    </dgm:style>
+  </dgm:styleLbl>
+  <dgm:styleLbl name="trAlignAcc1">
+    <dgm:scene3d>
+      <a:camera prst="orthographicFront"/>
+      <a:lightRig rig="threePt" dir="t"/>
+    </dgm:scene3d>
+    <dgm:sp3d/>
+    <dgm:txPr/>
+    <dgm:style>
+      <a:lnRef idx="1">
+        <a:scrgbClr r="0" g="0" b="0"/>
+      </a:lnRef>
+      <a:fillRef idx="1">
+        <a:scrgbClr r="0" g="0" b="0"/>
+      </a:fillRef>
+      <a:effectRef idx="0">
+        <a:scrgbClr r="0" g="0" b="0"/>
+      </a:effectRef>
+      <a:fontRef idx="minor"/>
+    </dgm:style>
+  </dgm:styleLbl>
+  <dgm:styleLbl name="bgAcc1">
+    <dgm:scene3d>
+      <a:camera prst="orthographicFront"/>
+      <a:lightRig rig="threePt" dir="t"/>
+    </dgm:scene3d>
+    <dgm:sp3d/>
+    <dgm:txPr/>
+    <dgm:style>
+      <a:lnRef idx="2">
+        <a:scrgbClr r="0" g="0" b="0"/>
+      </a:lnRef>
+      <a:fillRef idx="1">
+        <a:scrgbClr r="0" g="0" b="0"/>
+      </a:fillRef>
+      <a:effectRef idx="0">
+        <a:scrgbClr r="0" g="0" b="0"/>
+      </a:effectRef>
+      <a:fontRef idx="minor"/>
+    </dgm:style>
+  </dgm:styleLbl>
+  <dgm:styleLbl name="solidFgAcc1">
+    <dgm:scene3d>
+      <a:camera prst="orthographicFront"/>
+      <a:lightRig rig="threePt" dir="t"/>
+    </dgm:scene3d>
+    <dgm:sp3d/>
+    <dgm:txPr/>
+    <dgm:style>
+      <a:lnRef idx="2">
+        <a:scrgbClr r="0" g="0" b="0"/>
+      </a:lnRef>
+      <a:fillRef idx="1">
+        <a:scrgbClr r="0" g="0" b="0"/>
+      </a:fillRef>
+      <a:effectRef idx="0">
+        <a:scrgbClr r="0" g="0" b="0"/>
+      </a:effectRef>
+      <a:fontRef idx="minor"/>
+    </dgm:style>
+  </dgm:styleLbl>
+  <dgm:styleLbl name="solidAlignAcc1">
+    <dgm:scene3d>
+      <a:camera prst="orthographicFront"/>
+      <a:lightRig rig="threePt" dir="t"/>
+    </dgm:scene3d>
+    <dgm:sp3d/>
+    <dgm:txPr/>
+    <dgm:style>
+      <a:lnRef idx="2">
+        <a:scrgbClr r="0" g="0" b="0"/>
+      </a:lnRef>
+      <a:fillRef idx="1">
+        <a:scrgbClr r="0" g="0" b="0"/>
+      </a:fillRef>
+      <a:effectRef idx="0">
+        <a:scrgbClr r="0" g="0" b="0"/>
+      </a:effectRef>
+      <a:fontRef idx="minor"/>
+    </dgm:style>
+  </dgm:styleLbl>
+  <dgm:styleLbl name="solidBgAcc1">
+    <dgm:scene3d>
+      <a:camera prst="orthographicFront"/>
+      <a:lightRig rig="threePt" dir="t"/>
+    </dgm:scene3d>
+    <dgm:sp3d/>
+    <dgm:txPr/>
+    <dgm:style>
+      <a:lnRef idx="2">
+        <a:scrgbClr r="0" g="0" b="0"/>
+      </a:lnRef>
+      <a:fillRef idx="1">
+        <a:scrgbClr r="0" g="0" b="0"/>
+      </a:fillRef>
+      <a:effectRef idx="0">
+        <a:scrgbClr r="0" g="0" b="0"/>
+      </a:effectRef>
+      <a:fontRef idx="minor"/>
+    </dgm:style>
+  </dgm:styleLbl>
+  <dgm:styleLbl name="fgAccFollowNode1">
+    <dgm:scene3d>
+      <a:camera prst="orthographicFront"/>
+      <a:lightRig rig="threePt" dir="t"/>
+    </dgm:scene3d>
+    <dgm:sp3d/>
+    <dgm:txPr/>
+    <dgm:style>
+      <a:lnRef idx="2">
+        <a:scrgbClr r="0" g="0" b="0"/>
+      </a:lnRef>
+      <a:fillRef idx="1">
+        <a:scrgbClr r="0" g="0" b="0"/>
+      </a:fillRef>
+      <a:effectRef idx="0">
+        <a:scrgbClr r="0" g="0" b="0"/>
+      </a:effectRef>
+      <a:fontRef idx="minor"/>
+    </dgm:style>
+  </dgm:styleLbl>
+  <dgm:styleLbl name="alignAccFollowNode1">
+    <dgm:scene3d>
+      <a:camera prst="orthographicFront"/>
+      <a:lightRig rig="threePt" dir="t"/>
+    </dgm:scene3d>
+    <dgm:sp3d/>
+    <dgm:txPr/>
+    <dgm:style>
+      <a:lnRef idx="2">
+        <a:scrgbClr r="0" g="0" b="0"/>
+      </a:lnRef>
+      <a:fillRef idx="1">
+        <a:scrgbClr r="0" g="0" b="0"/>
+      </a:fillRef>
+      <a:effectRef idx="0">
+        <a:scrgbClr r="0" g="0" b="0"/>
+      </a:effectRef>
+      <a:fontRef idx="minor"/>
+    </dgm:style>
+  </dgm:styleLbl>
+  <dgm:styleLbl name="bgAccFollowNode1">
+    <dgm:scene3d>
+      <a:camera prst="orthographicFront"/>
+      <a:lightRig rig="threePt" dir="t"/>
+    </dgm:scene3d>
+    <dgm:sp3d/>
+    <dgm:txPr/>
+    <dgm:style>
+      <a:lnRef idx="2">
+        <a:scrgbClr r="0" g="0" b="0"/>
+      </a:lnRef>
+      <a:fillRef idx="1">
+        <a:scrgbClr r="0" g="0" b="0"/>
+      </a:fillRef>
+      <a:effectRef idx="0">
+        <a:scrgbClr r="0" g="0" b="0"/>
+      </a:effectRef>
+      <a:fontRef idx="minor"/>
+    </dgm:style>
+  </dgm:styleLbl>
+  <dgm:styleLbl name="fgAcc0">
+    <dgm:scene3d>
+      <a:camera prst="orthographicFront"/>
+      <a:lightRig rig="threePt" dir="t"/>
+    </dgm:scene3d>
+    <dgm:sp3d/>
+    <dgm:txPr/>
+    <dgm:style>
+      <a:lnRef idx="2">
+        <a:scrgbClr r="0" g="0" b="0"/>
+      </a:lnRef>
+      <a:fillRef idx="1">
+        <a:scrgbClr r="0" g="0" b="0"/>
+      </a:fillRef>
+      <a:effectRef idx="0">
+        <a:scrgbClr r="0" g="0" b="0"/>
+      </a:effectRef>
+      <a:fontRef idx="minor"/>
+    </dgm:style>
+  </dgm:styleLbl>
+  <dgm:styleLbl name="fgAcc2">
+    <dgm:scene3d>
+      <a:camera prst="orthographicFront"/>
+      <a:lightRig rig="threePt" dir="t"/>
+    </dgm:scene3d>
+    <dgm:sp3d/>
+    <dgm:txPr/>
+    <dgm:style>
+      <a:lnRef idx="2">
+        <a:scrgbClr r="0" g="0" b="0"/>
+      </a:lnRef>
+      <a:fillRef idx="1">
+        <a:scrgbClr r="0" g="0" b="0"/>
+      </a:fillRef>
+      <a:effectRef idx="0">
+        <a:scrgbClr r="0" g="0" b="0"/>
+      </a:effectRef>
+      <a:fontRef idx="minor"/>
+    </dgm:style>
+  </dgm:styleLbl>
+  <dgm:styleLbl name="fgAcc3">
+    <dgm:scene3d>
+      <a:camera prst="orthographicFront"/>
+      <a:lightRig rig="threePt" dir="t"/>
+    </dgm:scene3d>
+    <dgm:sp3d/>
+    <dgm:txPr/>
+    <dgm:style>
+      <a:lnRef idx="2">
+        <a:scrgbClr r="0" g="0" b="0"/>
+      </a:lnRef>
+      <a:fillRef idx="1">
+        <a:scrgbClr r="0" g="0" b="0"/>
+      </a:fillRef>
+      <a:effectRef idx="0">
+        <a:scrgbClr r="0" g="0" b="0"/>
+      </a:effectRef>
+      <a:fontRef idx="minor"/>
+    </dgm:style>
+  </dgm:styleLbl>
+  <dgm:styleLbl name="fgAcc4">
+    <dgm:scene3d>
+      <a:camera prst="orthographicFront"/>
+      <a:lightRig rig="threePt" dir="t"/>
+    </dgm:scene3d>
+    <dgm:sp3d/>
+    <dgm:txPr/>
+    <dgm:style>
+      <a:lnRef idx="2">
+        <a:scrgbClr r="0" g="0" b="0"/>
+      </a:lnRef>
+      <a:fillRef idx="1">
+        <a:scrgbClr r="0" g="0" b="0"/>
+      </a:fillRef>
+      <a:effectRef idx="0">
+        <a:scrgbClr r="0" g="0" b="0"/>
+      </a:effectRef>
+      <a:fontRef idx="minor"/>
+    </dgm:style>
+  </dgm:styleLbl>
+  <dgm:styleLbl name="bgShp">
+    <dgm:scene3d>
+      <a:camera prst="orthographicFront"/>
+      <a:lightRig rig="threePt" dir="t"/>
+    </dgm:scene3d>
+    <dgm:sp3d/>
+    <dgm:txPr/>
+    <dgm:style>
+      <a:lnRef idx="0">
+        <a:scrgbClr r="0" g="0" b="0"/>
+      </a:lnRef>
+      <a:fillRef idx="1">
+        <a:scrgbClr r="0" g="0" b="0"/>
+      </a:fillRef>
+      <a:effectRef idx="0">
+        <a:scrgbClr r="0" g="0" b="0"/>
+      </a:effectRef>
+      <a:fontRef idx="minor"/>
+    </dgm:style>
+  </dgm:styleLbl>
+  <dgm:styleLbl name="dkBgShp">
+    <dgm:scene3d>
+      <a:camera prst="orthographicFront"/>
+      <a:lightRig rig="threePt" dir="t"/>
+    </dgm:scene3d>
+    <dgm:sp3d/>
+    <dgm:txPr/>
+    <dgm:style>
+      <a:lnRef idx="0">
+        <a:scrgbClr r="0" g="0" b="0"/>
+      </a:lnRef>
+      <a:fillRef idx="1">
+        <a:scrgbClr r="0" g="0" b="0"/>
+      </a:fillRef>
+      <a:effectRef idx="0">
+        <a:scrgbClr r="0" g="0" b="0"/>
+      </a:effectRef>
+      <a:fontRef idx="minor"/>
+    </dgm:style>
+  </dgm:styleLbl>
+  <dgm:styleLbl name="trBgShp">
+    <dgm:scene3d>
+      <a:camera prst="orthographicFront"/>
+      <a:lightRig rig="threePt" dir="t"/>
+    </dgm:scene3d>
+    <dgm:sp3d/>
+    <dgm:txPr/>
+    <dgm:style>
+      <a:lnRef idx="0">
+        <a:scrgbClr r="0" g="0" b="0"/>
+      </a:lnRef>
+      <a:fillRef idx="1">
+        <a:scrgbClr r="0" g="0" b="0"/>
+      </a:fillRef>
+      <a:effectRef idx="0">
+        <a:scrgbClr r="0" g="0" b="0"/>
+      </a:effectRef>
+      <a:fontRef idx="minor"/>
+    </dgm:style>
+  </dgm:styleLbl>
+  <dgm:styleLbl name="fgShp">
+    <dgm:scene3d>
+      <a:camera prst="orthographicFront"/>
+      <a:lightRig rig="threePt" dir="t"/>
+    </dgm:scene3d>
+    <dgm:sp3d/>
+    <dgm:txPr/>
+    <dgm:style>
+      <a:lnRef idx="2">
+        <a:scrgbClr r="0" g="0" b="0"/>
+      </a:lnRef>
+      <a:fillRef idx="1">
+        <a:scrgbClr r="0" g="0" b="0"/>
+      </a:fillRef>
+      <a:effectRef idx="0">
+        <a:scrgbClr r="0" g="0" b="0"/>
+      </a:effectRef>
+      <a:fontRef idx="minor"/>
+    </dgm:style>
+  </dgm:styleLbl>
+  <dgm:styleLbl name="revTx">
+    <dgm:scene3d>
+      <a:camera prst="orthographicFront"/>
+      <a:lightRig rig="threePt" dir="t"/>
+    </dgm:scene3d>
+    <dgm:sp3d/>
+    <dgm:txPr/>
+    <dgm:style>
+      <a:lnRef idx="0">
+        <a:scrgbClr r="0" g="0" b="0"/>
+      </a:lnRef>
+      <a:fillRef idx="0">
+        <a:scrgbClr r="0" g="0" b="0"/>
+      </a:fillRef>
+      <a:effectRef idx="0">
+        <a:scrgbClr r="0" g="0" b="0"/>
+      </a:effectRef>
+      <a:fontRef idx="minor"/>
+    </dgm:style>
+  </dgm:styleLbl>
+</dgm:styleDef>
+</file>
+
+<file path=ppt/notesMasters/notesMaster1.xml><?xml version="1.0" encoding="utf-8"?>
+<p:notesMaster xmlns:a="http://schemas.openxmlformats.org/drawingml/2006/main" xmlns:r="http://schemas.openxmlformats.org/officeDocument/2006/relationships" xmlns:p="http://schemas.openxmlformats.org/presentationml/2006/main">
+  <p:cSld>
+    <p:bg>
+      <p:bgRef idx="1001">
+        <a:schemeClr val="bg1"/>
+      </p:bgRef>
+    </p:bg>
+    <p:spTree>
+      <p:nvGrpSpPr>
+        <p:cNvPr id="1" name=""/>
+        <p:cNvGrpSpPr/>
+        <p:nvPr/>
+      </p:nvGrpSpPr>
+      <p:grpSpPr>
+        <a:xfrm>
+          <a:off x="0" y="0"/>
+          <a:ext cx="0" cy="0"/>
+          <a:chOff x="0" y="0"/>
+          <a:chExt cx="0" cy="0"/>
+        </a:xfrm>
+      </p:grpSpPr>
+      <p:sp>
+        <p:nvSpPr>
+          <p:cNvPr id="2" name="Header Placeholder 1"/>
+          <p:cNvSpPr>
+            <a:spLocks noGrp="1"/>
+          </p:cNvSpPr>
+          <p:nvPr>
+            <p:ph type="hdr" sz="quarter"/>
+          </p:nvPr>
+        </p:nvSpPr>
+        <p:spPr>
+          <a:xfrm>
+            <a:off x="0" y="0"/>
+            <a:ext cx="2971800" cy="458788"/>
+          </a:xfrm>
+          <a:prstGeom prst="rect">
+            <a:avLst/>
+          </a:prstGeom>
+        </p:spPr>
+        <p:txBody>
+          <a:bodyPr vert="horz" lIns="91440" tIns="45720" rIns="91440" bIns="45720" rtlCol="0"/>
+          <a:lstStyle>
+            <a:lvl1pPr algn="l">
+              <a:defRPr sz="1200"/>
+            </a:lvl1pPr>
+          </a:lstStyle>
+          <a:p>
+            <a:endParaRPr lang="en-US"/>
+          </a:p>
+        </p:txBody>
+      </p:sp>
+      <p:sp>
+        <p:nvSpPr>
+          <p:cNvPr id="3" name="Date Placeholder 2"/>
+          <p:cNvSpPr>
+            <a:spLocks noGrp="1"/>
+          </p:cNvSpPr>
+          <p:nvPr>
+            <p:ph type="dt" idx="1"/>
+          </p:nvPr>
+        </p:nvSpPr>
+        <p:spPr>
+          <a:xfrm>
+            <a:off x="3884613" y="0"/>
+            <a:ext cx="2971800" cy="458788"/>
+          </a:xfrm>
+          <a:prstGeom prst="rect">
+            <a:avLst/>
+          </a:prstGeom>
+        </p:spPr>
+        <p:txBody>
+          <a:bodyPr vert="horz" lIns="91440" tIns="45720" rIns="91440" bIns="45720" rtlCol="0"/>
+          <a:lstStyle>
+            <a:lvl1pPr algn="r">
+              <a:defRPr sz="1200"/>
+            </a:lvl1pPr>
+          </a:lstStyle>
+          <a:p>
+            <a:fld id="{B402DAE2-EB89-1745-8110-582311A7E22E}" type="datetimeFigureOut">
+              <a:rPr lang="en-US" smtClean="0"/>
+              <a:t>7/17/20</a:t>
+            </a:fld>
+            <a:endParaRPr lang="en-US"/>
+          </a:p>
+        </p:txBody>
+      </p:sp>
+      <p:sp>
+        <p:nvSpPr>
+          <p:cNvPr id="4" name="Slide Image Placeholder 3"/>
+          <p:cNvSpPr>
+            <a:spLocks noGrp="1" noRot="1" noChangeAspect="1"/>
+          </p:cNvSpPr>
+          <p:nvPr>
+            <p:ph type="sldImg" idx="2"/>
+          </p:nvPr>
+        </p:nvSpPr>
+        <p:spPr>
+          <a:xfrm>
+            <a:off x="685800" y="1143000"/>
+            <a:ext cx="5486400" cy="3086100"/>
+          </a:xfrm>
+          <a:prstGeom prst="rect">
+            <a:avLst/>
+          </a:prstGeom>
+          <a:noFill/>
+          <a:ln w="12700">
+            <a:solidFill>
+              <a:prstClr val="black"/>
+            </a:solidFill>
+          </a:ln>
+        </p:spPr>
+        <p:txBody>
+          <a:bodyPr vert="horz" lIns="91440" tIns="45720" rIns="91440" bIns="45720" rtlCol="0" anchor="ctr"/>
+          <a:lstStyle/>
+          <a:p>
+            <a:endParaRPr lang="en-US"/>
+          </a:p>
+        </p:txBody>
+      </p:sp>
+      <p:sp>
+        <p:nvSpPr>
+          <p:cNvPr id="5" name="Notes Placeholder 4"/>
+          <p:cNvSpPr>
+            <a:spLocks noGrp="1"/>
+          </p:cNvSpPr>
+          <p:nvPr>
+            <p:ph type="body" sz="quarter" idx="3"/>
+          </p:nvPr>
+        </p:nvSpPr>
+        <p:spPr>
+          <a:xfrm>
+            <a:off x="685800" y="4400550"/>
+            <a:ext cx="5486400" cy="3600450"/>
+          </a:xfrm>
+          <a:prstGeom prst="rect">
+            <a:avLst/>
+          </a:prstGeom>
+        </p:spPr>
+        <p:txBody>
+          <a:bodyPr vert="horz" lIns="91440" tIns="45720" rIns="91440" bIns="45720" rtlCol="0"/>
+          <a:lstStyle/>
+          <a:p>
+            <a:pPr lvl="0"/>
+            <a:r>
+              <a:rPr lang="en-US"/>
+              <a:t>Click to edit Master text styles</a:t>
+            </a:r>
+          </a:p>
+          <a:p>
+            <a:pPr lvl="1"/>
+            <a:r>
+              <a:rPr lang="en-US"/>
+              <a:t>Second level</a:t>
+            </a:r>
+          </a:p>
+          <a:p>
+            <a:pPr lvl="2"/>
+            <a:r>
+              <a:rPr lang="en-US"/>
+              <a:t>Third level</a:t>
+            </a:r>
+          </a:p>
+          <a:p>
+            <a:pPr lvl="3"/>
+            <a:r>
+              <a:rPr lang="en-US"/>
+              <a:t>Fourth level</a:t>
+            </a:r>
+          </a:p>
+          <a:p>
+            <a:pPr lvl="4"/>
+            <a:r>
+              <a:rPr lang="en-US"/>
+              <a:t>Fifth level</a:t>
+            </a:r>
+          </a:p>
+        </p:txBody>
+      </p:sp>
+      <p:sp>
+        <p:nvSpPr>
+          <p:cNvPr id="6" name="Footer Placeholder 5"/>
+          <p:cNvSpPr>
+            <a:spLocks noGrp="1"/>
+          </p:cNvSpPr>
+          <p:nvPr>
+            <p:ph type="ftr" sz="quarter" idx="4"/>
+          </p:nvPr>
+        </p:nvSpPr>
+        <p:spPr>
+          <a:xfrm>
+            <a:off x="0" y="8685213"/>
+            <a:ext cx="2971800" cy="458787"/>
+          </a:xfrm>
+          <a:prstGeom prst="rect">
+            <a:avLst/>
+          </a:prstGeom>
+        </p:spPr>
+        <p:txBody>
+          <a:bodyPr vert="horz" lIns="91440" tIns="45720" rIns="91440" bIns="45720" rtlCol="0" anchor="b"/>
+          <a:lstStyle>
+            <a:lvl1pPr algn="l">
+              <a:defRPr sz="1200"/>
+            </a:lvl1pPr>
+          </a:lstStyle>
+          <a:p>
+            <a:endParaRPr lang="en-US"/>
+          </a:p>
+        </p:txBody>
+      </p:sp>
+      <p:sp>
+        <p:nvSpPr>
+          <p:cNvPr id="7" name="Slide Number Placeholder 6"/>
+          <p:cNvSpPr>
+            <a:spLocks noGrp="1"/>
+          </p:cNvSpPr>
+          <p:nvPr>
+            <p:ph type="sldNum" sz="quarter" idx="5"/>
+          </p:nvPr>
+        </p:nvSpPr>
+        <p:spPr>
+          <a:xfrm>
+            <a:off x="3884613" y="8685213"/>
+            <a:ext cx="2971800" cy="458787"/>
+          </a:xfrm>
+          <a:prstGeom prst="rect">
+            <a:avLst/>
+          </a:prstGeom>
+        </p:spPr>
+        <p:txBody>
+          <a:bodyPr vert="horz" lIns="91440" tIns="45720" rIns="91440" bIns="45720" rtlCol="0" anchor="b"/>
+          <a:lstStyle>
+            <a:lvl1pPr algn="r">
+              <a:defRPr sz="1200"/>
+            </a:lvl1pPr>
+          </a:lstStyle>
+          <a:p>
+            <a:fld id="{DD44C615-883D-FF4C-B9E3-F6A18FF3869E}" type="slidenum">
+              <a:rPr lang="en-US" smtClean="0"/>
+              <a:t>‹#›</a:t>
+            </a:fld>
+            <a:endParaRPr lang="en-US"/>
+          </a:p>
+        </p:txBody>
+      </p:sp>
+    </p:spTree>
+    <p:extLst>
+      <p:ext uri="{BB962C8B-B14F-4D97-AF65-F5344CB8AC3E}">
+        <p14:creationId xmlns:p14="http://schemas.microsoft.com/office/powerpoint/2010/main" val="1084428391"/>
+      </p:ext>
+    </p:extLst>
+  </p:cSld>
+  <p:clrMap bg1="lt1" tx1="dk1" bg2="lt2" tx2="dk2" accent1="accent1" accent2="accent2" accent3="accent3" accent4="accent4" accent5="accent5" accent6="accent6" hlink="hlink" folHlink="folHlink"/>
+  <p:notesStyle>
+    <a:lvl1pPr marL="0" algn="l" defTabSz="914400" rtl="0" eaLnBrk="1" latinLnBrk="0" hangingPunct="1">
+      <a:defRPr sz="1200" kern="1200">
+        <a:solidFill>
+          <a:schemeClr val="tx1"/>
+        </a:solidFill>
+        <a:latin typeface="+mn-lt"/>
+        <a:ea typeface="+mn-ea"/>
+        <a:cs typeface="+mn-cs"/>
+      </a:defRPr>
+    </a:lvl1pPr>
+    <a:lvl2pPr marL="457200" algn="l" defTabSz="914400" rtl="0" eaLnBrk="1" latinLnBrk="0" hangingPunct="1">
+      <a:defRPr sz="1200" kern="1200">
+        <a:solidFill>
+          <a:schemeClr val="tx1"/>
+        </a:solidFill>
+        <a:latin typeface="+mn-lt"/>
+        <a:ea typeface="+mn-ea"/>
+        <a:cs typeface="+mn-cs"/>
+      </a:defRPr>
+    </a:lvl2pPr>
+    <a:lvl3pPr marL="914400" algn="l" defTabSz="914400" rtl="0" eaLnBrk="1" latinLnBrk="0" hangingPunct="1">
+      <a:defRPr sz="1200" kern="1200">
+        <a:solidFill>
+          <a:schemeClr val="tx1"/>
+        </a:solidFill>
+        <a:latin typeface="+mn-lt"/>
+        <a:ea typeface="+mn-ea"/>
+        <a:cs typeface="+mn-cs"/>
+      </a:defRPr>
+    </a:lvl3pPr>
+    <a:lvl4pPr marL="1371600" algn="l" defTabSz="914400" rtl="0" eaLnBrk="1" latinLnBrk="0" hangingPunct="1">
+      <a:defRPr sz="1200" kern="1200">
+        <a:solidFill>
+          <a:schemeClr val="tx1"/>
+        </a:solidFill>
+        <a:latin typeface="+mn-lt"/>
+        <a:ea typeface="+mn-ea"/>
+        <a:cs typeface="+mn-cs"/>
+      </a:defRPr>
+    </a:lvl4pPr>
+    <a:lvl5pPr marL="1828800" algn="l" defTabSz="914400" rtl="0" eaLnBrk="1" latinLnBrk="0" hangingPunct="1">
+      <a:defRPr sz="1200" kern="1200">
+        <a:solidFill>
+          <a:schemeClr val="tx1"/>
+        </a:solidFill>
+        <a:latin typeface="+mn-lt"/>
+        <a:ea typeface="+mn-ea"/>
+        <a:cs typeface="+mn-cs"/>
+      </a:defRPr>
+    </a:lvl5pPr>
+    <a:lvl6pPr marL="2286000" algn="l" defTabSz="914400" rtl="0" eaLnBrk="1" latinLnBrk="0" hangingPunct="1">
+      <a:defRPr sz="1200" kern="1200">
+        <a:solidFill>
+          <a:schemeClr val="tx1"/>
+        </a:solidFill>
+        <a:latin typeface="+mn-lt"/>
+        <a:ea typeface="+mn-ea"/>
+        <a:cs typeface="+mn-cs"/>
+      </a:defRPr>
+    </a:lvl6pPr>
+    <a:lvl7pPr marL="2743200" algn="l" defTabSz="914400" rtl="0" eaLnBrk="1" latinLnBrk="0" hangingPunct="1">
+      <a:defRPr sz="1200" kern="1200">
+        <a:solidFill>
+          <a:schemeClr val="tx1"/>
+        </a:solidFill>
+        <a:latin typeface="+mn-lt"/>
+        <a:ea typeface="+mn-ea"/>
+        <a:cs typeface="+mn-cs"/>
+      </a:defRPr>
+    </a:lvl7pPr>
+    <a:lvl8pPr marL="3200400" algn="l" defTabSz="914400" rtl="0" eaLnBrk="1" latinLnBrk="0" hangingPunct="1">
+      <a:defRPr sz="1200" kern="1200">
+        <a:solidFill>
+          <a:schemeClr val="tx1"/>
+        </a:solidFill>
+        <a:latin typeface="+mn-lt"/>
+        <a:ea typeface="+mn-ea"/>
+        <a:cs typeface="+mn-cs"/>
+      </a:defRPr>
+    </a:lvl8pPr>
+    <a:lvl9pPr marL="3657600" algn="l" defTabSz="914400" rtl="0" eaLnBrk="1" latinLnBrk="0" hangingPunct="1">
+      <a:defRPr sz="1200" kern="1200">
+        <a:solidFill>
+          <a:schemeClr val="tx1"/>
+        </a:solidFill>
+        <a:latin typeface="+mn-lt"/>
+        <a:ea typeface="+mn-ea"/>
+        <a:cs typeface="+mn-cs"/>
+      </a:defRPr>
+    </a:lvl9pPr>
+  </p:notesStyle>
+</p:notesMaster>
+</file>
+
+<file path=ppt/notesSlides/notesSlide1.xml><?xml version="1.0" encoding="utf-8"?>
+<p:notes xmlns:a="http://schemas.openxmlformats.org/drawingml/2006/main" xmlns:r="http://schemas.openxmlformats.org/officeDocument/2006/relationships" xmlns:p="http://schemas.openxmlformats.org/presentationml/2006/main">
+  <p:cSld>
+    <p:spTree>
+      <p:nvGrpSpPr>
+        <p:cNvPr id="1" name=""/>
+        <p:cNvGrpSpPr/>
+        <p:nvPr/>
+      </p:nvGrpSpPr>
+      <p:grpSpPr>
+        <a:xfrm>
+          <a:off x="0" y="0"/>
+          <a:ext cx="0" cy="0"/>
+          <a:chOff x="0" y="0"/>
+          <a:chExt cx="0" cy="0"/>
+        </a:xfrm>
+      </p:grpSpPr>
+      <p:sp>
+        <p:nvSpPr>
+          <p:cNvPr id="2" name="Slide Image Placeholder 1"/>
+          <p:cNvSpPr>
+            <a:spLocks noGrp="1" noRot="1" noChangeAspect="1"/>
+          </p:cNvSpPr>
+          <p:nvPr>
+            <p:ph type="sldImg"/>
+          </p:nvPr>
+        </p:nvSpPr>
+        <p:spPr/>
+      </p:sp>
+      <p:sp>
+        <p:nvSpPr>
+          <p:cNvPr id="3" name="Notes Placeholder 2"/>
+          <p:cNvSpPr>
+            <a:spLocks noGrp="1"/>
+          </p:cNvSpPr>
+          <p:nvPr>
+            <p:ph type="body" idx="1"/>
+          </p:nvPr>
+        </p:nvSpPr>
+        <p:spPr/>
+        <p:txBody>
+          <a:bodyPr/>
+          <a:lstStyle/>
+          <a:p>
+            <a:endParaRPr lang="en-US" dirty="0"/>
+          </a:p>
+        </p:txBody>
+      </p:sp>
+      <p:sp>
+        <p:nvSpPr>
+          <p:cNvPr id="4" name="Slide Number Placeholder 3"/>
+          <p:cNvSpPr>
+            <a:spLocks noGrp="1"/>
+          </p:cNvSpPr>
+          <p:nvPr>
+            <p:ph type="sldNum" sz="quarter" idx="5"/>
+          </p:nvPr>
+        </p:nvSpPr>
+        <p:spPr/>
+        <p:txBody>
+          <a:bodyPr/>
+          <a:lstStyle/>
+          <a:p>
+            <a:fld id="{DD44C615-883D-FF4C-B9E3-F6A18FF3869E}" type="slidenum">
+              <a:rPr lang="en-US" smtClean="0"/>
+              <a:t>3</a:t>
+            </a:fld>
+            <a:endParaRPr lang="en-US"/>
+          </a:p>
+        </p:txBody>
+      </p:sp>
+    </p:spTree>
+    <p:extLst>
+      <p:ext uri="{BB962C8B-B14F-4D97-AF65-F5344CB8AC3E}">
+        <p14:creationId xmlns:p14="http://schemas.microsoft.com/office/powerpoint/2010/main" val="196579545"/>
+      </p:ext>
+    </p:extLst>
+  </p:cSld>
+  <p:clrMapOvr>
+    <a:masterClrMapping/>
+  </p:clrMapOvr>
+</p:notes>
+</file>
+
+<file path=ppt/notesSlides/notesSlide2.xml><?xml version="1.0" encoding="utf-8"?>
+<p:notes xmlns:a="http://schemas.openxmlformats.org/drawingml/2006/main" xmlns:r="http://schemas.openxmlformats.org/officeDocument/2006/relationships" xmlns:p="http://schemas.openxmlformats.org/presentationml/2006/main">
+  <p:cSld>
+    <p:spTree>
+      <p:nvGrpSpPr>
+        <p:cNvPr id="1" name=""/>
+        <p:cNvGrpSpPr/>
+        <p:nvPr/>
+      </p:nvGrpSpPr>
+      <p:grpSpPr>
+        <a:xfrm>
+          <a:off x="0" y="0"/>
+          <a:ext cx="0" cy="0"/>
+          <a:chOff x="0" y="0"/>
+          <a:chExt cx="0" cy="0"/>
+        </a:xfrm>
+      </p:grpSpPr>
+      <p:sp>
+        <p:nvSpPr>
+          <p:cNvPr id="2" name="Slide Image Placeholder 1"/>
+          <p:cNvSpPr>
+            <a:spLocks noGrp="1" noRot="1" noChangeAspect="1"/>
+          </p:cNvSpPr>
+          <p:nvPr>
+            <p:ph type="sldImg"/>
+          </p:nvPr>
+        </p:nvSpPr>
+        <p:spPr/>
+      </p:sp>
+      <p:sp>
+        <p:nvSpPr>
+          <p:cNvPr id="3" name="Notes Placeholder 2"/>
+          <p:cNvSpPr>
+            <a:spLocks noGrp="1"/>
+          </p:cNvSpPr>
+          <p:nvPr>
+            <p:ph type="body" idx="1"/>
+          </p:nvPr>
+        </p:nvSpPr>
+        <p:spPr/>
+        <p:txBody>
+          <a:bodyPr/>
+          <a:lstStyle/>
+          <a:p>
+            <a:pPr marL="0" marR="0" lvl="0" indent="0" algn="l" defTabSz="914400" rtl="0" eaLnBrk="1" fontAlgn="auto" latinLnBrk="0" hangingPunct="1">
+              <a:lnSpc>
+                <a:spcPct val="100000"/>
+              </a:lnSpc>
+              <a:spcBef>
+                <a:spcPts val="0"/>
+              </a:spcBef>
+              <a:spcAft>
+                <a:spcPts val="0"/>
+              </a:spcAft>
+              <a:buClrTx/>
+              <a:buSzTx/>
+              <a:buFontTx/>
+              <a:buNone/>
+              <a:tabLst/>
+              <a:defRPr/>
+            </a:pPr>
+            <a:r>
+              <a:rPr lang="en-US" dirty="0" err="1"/>
+              <a:t>sfgfp</a:t>
+            </a:r>
+            <a:r>
+              <a:rPr lang="en-US" dirty="0"/>
+              <a:t> size - </a:t>
+            </a:r>
+            <a:r>
+              <a:rPr lang="en-US" sz="1200" dirty="0">
+                <a:hlinkClick r:id="rId3"/>
+              </a:rPr>
+              <a:t>https://www.fpbase.org/protein/superfolder-gfp/</a:t>
+            </a:r>
+            <a:endParaRPr lang="en-US" sz="1200" dirty="0">
+              <a:latin typeface="Avenir Book" panose="02000503020000020003" pitchFamily="2" charset="0"/>
+            </a:endParaRPr>
+          </a:p>
+          <a:p>
+            <a:endParaRPr lang="en-US" dirty="0"/>
+          </a:p>
+        </p:txBody>
+      </p:sp>
+      <p:sp>
+        <p:nvSpPr>
+          <p:cNvPr id="4" name="Slide Number Placeholder 3"/>
+          <p:cNvSpPr>
+            <a:spLocks noGrp="1"/>
+          </p:cNvSpPr>
+          <p:nvPr>
+            <p:ph type="sldNum" sz="quarter" idx="5"/>
+          </p:nvPr>
+        </p:nvSpPr>
+        <p:spPr/>
+        <p:txBody>
+          <a:bodyPr/>
+          <a:lstStyle/>
+          <a:p>
+            <a:fld id="{DD44C615-883D-FF4C-B9E3-F6A18FF3869E}" type="slidenum">
+              <a:rPr lang="en-US" smtClean="0"/>
+              <a:t>7</a:t>
+            </a:fld>
+            <a:endParaRPr lang="en-US"/>
+          </a:p>
+        </p:txBody>
+      </p:sp>
+    </p:spTree>
+    <p:extLst>
+      <p:ext uri="{BB962C8B-B14F-4D97-AF65-F5344CB8AC3E}">
+        <p14:creationId xmlns:p14="http://schemas.microsoft.com/office/powerpoint/2010/main" val="3600831436"/>
+      </p:ext>
+    </p:extLst>
+  </p:cSld>
+  <p:clrMapOvr>
+    <a:masterClrMapping/>
+  </p:clrMapOvr>
+</p:notes>
+</file>
+
+<file path=ppt/notesSlides/notesSlide3.xml><?xml version="1.0" encoding="utf-8"?>
+<p:notes xmlns:a="http://schemas.openxmlformats.org/drawingml/2006/main" xmlns:r="http://schemas.openxmlformats.org/officeDocument/2006/relationships" xmlns:p="http://schemas.openxmlformats.org/presentationml/2006/main">
+  <p:cSld>
+    <p:spTree>
+      <p:nvGrpSpPr>
+        <p:cNvPr id="1" name=""/>
+        <p:cNvGrpSpPr/>
+        <p:nvPr/>
+      </p:nvGrpSpPr>
+      <p:grpSpPr>
+        <a:xfrm>
+          <a:off x="0" y="0"/>
+          <a:ext cx="0" cy="0"/>
+          <a:chOff x="0" y="0"/>
+          <a:chExt cx="0" cy="0"/>
+        </a:xfrm>
+      </p:grpSpPr>
+      <p:sp>
+        <p:nvSpPr>
+          <p:cNvPr id="2" name="Slide Image Placeholder 1"/>
+          <p:cNvSpPr>
+            <a:spLocks noGrp="1" noRot="1" noChangeAspect="1"/>
+          </p:cNvSpPr>
+          <p:nvPr>
+            <p:ph type="sldImg"/>
+          </p:nvPr>
+        </p:nvSpPr>
+        <p:spPr/>
+      </p:sp>
+      <p:sp>
+        <p:nvSpPr>
+          <p:cNvPr id="3" name="Notes Placeholder 2"/>
+          <p:cNvSpPr>
+            <a:spLocks noGrp="1"/>
+          </p:cNvSpPr>
+          <p:nvPr>
+            <p:ph type="body" idx="1"/>
+          </p:nvPr>
+        </p:nvSpPr>
+        <p:spPr/>
+        <p:txBody>
+          <a:bodyPr/>
+          <a:lstStyle/>
+          <a:p>
+            <a:r>
+              <a:rPr lang="en-US" dirty="0"/>
+              <a:t>Weiss (oil) - </a:t>
+            </a:r>
+            <a:r>
+              <a:rPr lang="en-US" dirty="0">
+                <a:hlinkClick r:id="rId3"/>
+              </a:rPr>
+              <a:t>https://www.nature.com/articles/nmat5005#MOESM1</a:t>
+            </a:r>
+            <a:endParaRPr lang="en-US" dirty="0"/>
+          </a:p>
+          <a:p>
+            <a:r>
+              <a:rPr lang="en-US" dirty="0" err="1"/>
+              <a:t>Zgurskaya</a:t>
+            </a:r>
+            <a:r>
+              <a:rPr lang="en-US" dirty="0"/>
+              <a:t> (buffer) - </a:t>
+            </a:r>
+            <a:r>
+              <a:rPr lang="en-US" dirty="0">
+                <a:hlinkClick r:id="rId4"/>
+              </a:rPr>
+              <a:t>https://pubmed.ncbi.nlm.nih.gov/10377390/</a:t>
+            </a:r>
+            <a:endParaRPr lang="en-US" dirty="0"/>
+          </a:p>
+          <a:p>
+            <a:r>
+              <a:rPr lang="en-US" dirty="0"/>
+              <a:t>Dunlop (efflux) - </a:t>
+            </a:r>
+            <a:r>
+              <a:rPr lang="en-US" dirty="0">
+                <a:hlinkClick r:id="rId5"/>
+              </a:rPr>
+              <a:t>https://www.ncbi.nlm.nih.gov/pmc/articles/PMC3130554/</a:t>
+            </a:r>
+            <a:endParaRPr lang="en-US" dirty="0"/>
+          </a:p>
+          <a:p>
+            <a:r>
+              <a:rPr lang="en-US" dirty="0"/>
+              <a:t>Altamura - </a:t>
+            </a:r>
+            <a:r>
+              <a:rPr lang="en-US" dirty="0">
+                <a:hlinkClick r:id="rId6"/>
+              </a:rPr>
+              <a:t>https://www.pnas.org/content/114/15/3837.short</a:t>
+            </a:r>
+            <a:endParaRPr lang="en-US" dirty="0"/>
+          </a:p>
+        </p:txBody>
+      </p:sp>
+      <p:sp>
+        <p:nvSpPr>
+          <p:cNvPr id="4" name="Slide Number Placeholder 3"/>
+          <p:cNvSpPr>
+            <a:spLocks noGrp="1"/>
+          </p:cNvSpPr>
+          <p:nvPr>
+            <p:ph type="sldNum" sz="quarter" idx="5"/>
+          </p:nvPr>
+        </p:nvSpPr>
+        <p:spPr/>
+        <p:txBody>
+          <a:bodyPr/>
+          <a:lstStyle/>
+          <a:p>
+            <a:fld id="{DD44C615-883D-FF4C-B9E3-F6A18FF3869E}" type="slidenum">
+              <a:rPr lang="en-US" smtClean="0"/>
+              <a:t>9</a:t>
+            </a:fld>
+            <a:endParaRPr lang="en-US"/>
+          </a:p>
+        </p:txBody>
+      </p:sp>
+    </p:spTree>
+    <p:extLst>
+      <p:ext uri="{BB962C8B-B14F-4D97-AF65-F5344CB8AC3E}">
+        <p14:creationId xmlns:p14="http://schemas.microsoft.com/office/powerpoint/2010/main" val="372509338"/>
+      </p:ext>
+    </p:extLst>
+  </p:cSld>
+  <p:clrMapOvr>
+    <a:masterClrMapping/>
+  </p:clrMapOvr>
+</p:notes>
+</file>
+
 <file path=ppt/slideLayouts/slideLayout1.xml><?xml version="1.0" encoding="utf-8"?>
 <p:sldLayout xmlns:a="http://schemas.openxmlformats.org/drawingml/2006/main" xmlns:r="http://schemas.openxmlformats.org/officeDocument/2006/relationships" xmlns:p="http://schemas.openxmlformats.org/presentationml/2006/main" type="title" preserve="1">
   <p:cSld name="Title Slide">
@@ -263,7 +4096,7 @@
           <a:p>
             <a:fld id="{3B3400CD-7287-EA41-97B8-6C373A830532}" type="datetimeFigureOut">
               <a:rPr lang="en-US" smtClean="0"/>
-              <a:t>7/15/20</a:t>
+              <a:t>7/17/20</a:t>
             </a:fld>
             <a:endParaRPr lang="en-US"/>
           </a:p>
@@ -461,7 +4294,7 @@
           <a:p>
             <a:fld id="{3B3400CD-7287-EA41-97B8-6C373A830532}" type="datetimeFigureOut">
               <a:rPr lang="en-US" smtClean="0"/>
-              <a:t>7/15/20</a:t>
+              <a:t>7/17/20</a:t>
             </a:fld>
             <a:endParaRPr lang="en-US"/>
           </a:p>
@@ -669,7 +4502,7 @@
           <a:p>
             <a:fld id="{3B3400CD-7287-EA41-97B8-6C373A830532}" type="datetimeFigureOut">
               <a:rPr lang="en-US" smtClean="0"/>
-              <a:t>7/15/20</a:t>
+              <a:t>7/17/20</a:t>
             </a:fld>
             <a:endParaRPr lang="en-US"/>
           </a:p>
@@ -869,7 +4702,7 @@
           <a:p>
             <a:fld id="{3B3400CD-7287-EA41-97B8-6C373A830532}" type="datetimeFigureOut">
               <a:rPr lang="en-US" smtClean="0"/>
-              <a:t>7/15/20</a:t>
+              <a:t>7/17/20</a:t>
             </a:fld>
             <a:endParaRPr lang="en-US"/>
           </a:p>
@@ -1144,7 +4977,7 @@
           <a:p>
             <a:fld id="{3B3400CD-7287-EA41-97B8-6C373A830532}" type="datetimeFigureOut">
               <a:rPr lang="en-US" smtClean="0"/>
-              <a:t>7/15/20</a:t>
+              <a:t>7/17/20</a:t>
             </a:fld>
             <a:endParaRPr lang="en-US"/>
           </a:p>
@@ -1409,7 +5242,7 @@
           <a:p>
             <a:fld id="{3B3400CD-7287-EA41-97B8-6C373A830532}" type="datetimeFigureOut">
               <a:rPr lang="en-US" smtClean="0"/>
-              <a:t>7/15/20</a:t>
+              <a:t>7/17/20</a:t>
             </a:fld>
             <a:endParaRPr lang="en-US"/>
           </a:p>
@@ -1821,7 +5654,7 @@
           <a:p>
             <a:fld id="{3B3400CD-7287-EA41-97B8-6C373A830532}" type="datetimeFigureOut">
               <a:rPr lang="en-US" smtClean="0"/>
-              <a:t>7/15/20</a:t>
+              <a:t>7/17/20</a:t>
             </a:fld>
             <a:endParaRPr lang="en-US"/>
           </a:p>
@@ -1962,7 +5795,7 @@
           <a:p>
             <a:fld id="{3B3400CD-7287-EA41-97B8-6C373A830532}" type="datetimeFigureOut">
               <a:rPr lang="en-US" smtClean="0"/>
-              <a:t>7/15/20</a:t>
+              <a:t>7/17/20</a:t>
             </a:fld>
             <a:endParaRPr lang="en-US"/>
           </a:p>
@@ -2075,7 +5908,7 @@
           <a:p>
             <a:fld id="{3B3400CD-7287-EA41-97B8-6C373A830532}" type="datetimeFigureOut">
               <a:rPr lang="en-US" smtClean="0"/>
-              <a:t>7/15/20</a:t>
+              <a:t>7/17/20</a:t>
             </a:fld>
             <a:endParaRPr lang="en-US"/>
           </a:p>
@@ -2386,7 +6219,7 @@
           <a:p>
             <a:fld id="{3B3400CD-7287-EA41-97B8-6C373A830532}" type="datetimeFigureOut">
               <a:rPr lang="en-US" smtClean="0"/>
-              <a:t>7/15/20</a:t>
+              <a:t>7/17/20</a:t>
             </a:fld>
             <a:endParaRPr lang="en-US"/>
           </a:p>
@@ -2677,7 +6510,7 @@
           <a:p>
             <a:fld id="{3B3400CD-7287-EA41-97B8-6C373A830532}" type="datetimeFigureOut">
               <a:rPr lang="en-US" smtClean="0"/>
-              <a:t>7/15/20</a:t>
+              <a:t>7/17/20</a:t>
             </a:fld>
             <a:endParaRPr lang="en-US"/>
           </a:p>
@@ -2920,7 +6753,7 @@
           <a:p>
             <a:fld id="{3B3400CD-7287-EA41-97B8-6C373A830532}" type="datetimeFigureOut">
               <a:rPr lang="en-US" smtClean="0"/>
-              <a:t>7/15/20</a:t>
+              <a:t>7/17/20</a:t>
             </a:fld>
             <a:endParaRPr lang="en-US"/>
           </a:p>
@@ -3405,10 +7238,484 @@
           </a:p>
         </p:txBody>
       </p:sp>
+      <p:pic>
+        <p:nvPicPr>
+          <p:cNvPr id="4" name="Picture 3" descr="A picture containing drawing&#10;&#10;Description automatically generated">
+            <a:extLst>
+              <a:ext uri="{FF2B5EF4-FFF2-40B4-BE49-F238E27FC236}">
+                <a16:creationId xmlns:a16="http://schemas.microsoft.com/office/drawing/2014/main" id="{B0BB2FC5-B351-FF45-8FBF-6E20CE7F769C}"/>
+              </a:ext>
+            </a:extLst>
+          </p:cNvPr>
+          <p:cNvPicPr>
+            <a:picLocks noChangeAspect="1"/>
+          </p:cNvPicPr>
+          <p:nvPr/>
+        </p:nvPicPr>
+        <p:blipFill rotWithShape="1">
+          <a:blip r:embed="rId2"/>
+          <a:srcRect l="245" b="862"/>
+          <a:stretch/>
+        </p:blipFill>
+        <p:spPr>
+          <a:xfrm>
+            <a:off x="10995199" y="6492240"/>
+            <a:ext cx="1074881" cy="259080"/>
+          </a:xfrm>
+          <a:prstGeom prst="rect">
+            <a:avLst/>
+          </a:prstGeom>
+        </p:spPr>
+      </p:pic>
     </p:spTree>
     <p:extLst>
       <p:ext uri="{BB962C8B-B14F-4D97-AF65-F5344CB8AC3E}">
         <p14:creationId xmlns:p14="http://schemas.microsoft.com/office/powerpoint/2010/main" val="2089212887"/>
+      </p:ext>
+    </p:extLst>
+  </p:cSld>
+  <p:clrMapOvr>
+    <a:masterClrMapping/>
+  </p:clrMapOvr>
+</p:sld>
+</file>
+
+<file path=ppt/slides/slide10.xml><?xml version="1.0" encoding="utf-8"?>
+<p:sld xmlns:a="http://schemas.openxmlformats.org/drawingml/2006/main" xmlns:r="http://schemas.openxmlformats.org/officeDocument/2006/relationships" xmlns:p="http://schemas.openxmlformats.org/presentationml/2006/main">
+  <p:cSld>
+    <p:spTree>
+      <p:nvGrpSpPr>
+        <p:cNvPr id="1" name=""/>
+        <p:cNvGrpSpPr/>
+        <p:nvPr/>
+      </p:nvGrpSpPr>
+      <p:grpSpPr>
+        <a:xfrm>
+          <a:off x="0" y="0"/>
+          <a:ext cx="0" cy="0"/>
+          <a:chOff x="0" y="0"/>
+          <a:chExt cx="0" cy="0"/>
+        </a:xfrm>
+      </p:grpSpPr>
+      <p:sp>
+        <p:nvSpPr>
+          <p:cNvPr id="2" name="Title 1">
+            <a:extLst>
+              <a:ext uri="{FF2B5EF4-FFF2-40B4-BE49-F238E27FC236}">
+                <a16:creationId xmlns:a16="http://schemas.microsoft.com/office/drawing/2014/main" id="{3691AF48-9E8B-224F-BDD7-DD45B596E7C9}"/>
+              </a:ext>
+            </a:extLst>
+          </p:cNvPr>
+          <p:cNvSpPr>
+            <a:spLocks noGrp="1"/>
+          </p:cNvSpPr>
+          <p:nvPr>
+            <p:ph type="title"/>
+          </p:nvPr>
+        </p:nvSpPr>
+        <p:spPr/>
+        <p:txBody>
+          <a:bodyPr>
+            <a:normAutofit/>
+          </a:bodyPr>
+          <a:lstStyle/>
+          <a:p>
+            <a:r>
+              <a:rPr lang="en-US" sz="3200" b="1" dirty="0"/>
+              <a:t>Future directions - ATP synthase</a:t>
+            </a:r>
+          </a:p>
+        </p:txBody>
+      </p:sp>
+      <p:sp>
+        <p:nvSpPr>
+          <p:cNvPr id="3" name="Content Placeholder 2">
+            <a:extLst>
+              <a:ext uri="{FF2B5EF4-FFF2-40B4-BE49-F238E27FC236}">
+                <a16:creationId xmlns:a16="http://schemas.microsoft.com/office/drawing/2014/main" id="{15944261-C2D1-3541-9F44-C4861423E214}"/>
+              </a:ext>
+            </a:extLst>
+          </p:cNvPr>
+          <p:cNvSpPr>
+            <a:spLocks noGrp="1"/>
+          </p:cNvSpPr>
+          <p:nvPr>
+            <p:ph idx="1"/>
+          </p:nvPr>
+        </p:nvSpPr>
+        <p:spPr/>
+        <p:txBody>
+          <a:bodyPr/>
+          <a:lstStyle/>
+          <a:p>
+            <a:r>
+              <a:rPr lang="en-US" dirty="0"/>
+              <a:t>Implement proton gradient mechanism</a:t>
+            </a:r>
+          </a:p>
+          <a:p>
+            <a:r>
+              <a:rPr lang="en-US" dirty="0" err="1"/>
+              <a:t>scipy.odeint</a:t>
+            </a:r>
+            <a:r>
+              <a:rPr lang="en-US" dirty="0"/>
+              <a:t>() custom function to collaborate with </a:t>
+            </a:r>
+            <a:r>
+              <a:rPr lang="en-US" dirty="0" err="1"/>
+              <a:t>BioCRNPyler</a:t>
+            </a:r>
+            <a:r>
+              <a:rPr lang="en-US" dirty="0"/>
+              <a:t> (through SBML?)</a:t>
+            </a:r>
+          </a:p>
+          <a:p>
+            <a:endParaRPr lang="en-US" dirty="0"/>
+          </a:p>
+        </p:txBody>
+      </p:sp>
+    </p:spTree>
+    <p:extLst>
+      <p:ext uri="{BB962C8B-B14F-4D97-AF65-F5344CB8AC3E}">
+        <p14:creationId xmlns:p14="http://schemas.microsoft.com/office/powerpoint/2010/main" val="3766526280"/>
+      </p:ext>
+    </p:extLst>
+  </p:cSld>
+  <p:clrMapOvr>
+    <a:masterClrMapping/>
+  </p:clrMapOvr>
+</p:sld>
+</file>
+
+<file path=ppt/slides/slide11.xml><?xml version="1.0" encoding="utf-8"?>
+<p:sld xmlns:a="http://schemas.openxmlformats.org/drawingml/2006/main" xmlns:r="http://schemas.openxmlformats.org/officeDocument/2006/relationships" xmlns:p="http://schemas.openxmlformats.org/presentationml/2006/main">
+  <p:cSld>
+    <p:spTree>
+      <p:nvGrpSpPr>
+        <p:cNvPr id="1" name=""/>
+        <p:cNvGrpSpPr/>
+        <p:nvPr/>
+      </p:nvGrpSpPr>
+      <p:grpSpPr>
+        <a:xfrm>
+          <a:off x="0" y="0"/>
+          <a:ext cx="0" cy="0"/>
+          <a:chOff x="0" y="0"/>
+          <a:chExt cx="0" cy="0"/>
+        </a:xfrm>
+      </p:grpSpPr>
+      <p:sp>
+        <p:nvSpPr>
+          <p:cNvPr id="2" name="Title 1">
+            <a:extLst>
+              <a:ext uri="{FF2B5EF4-FFF2-40B4-BE49-F238E27FC236}">
+                <a16:creationId xmlns:a16="http://schemas.microsoft.com/office/drawing/2014/main" id="{D6AFF114-D83B-B844-A414-253DC7955E07}"/>
+              </a:ext>
+            </a:extLst>
+          </p:cNvPr>
+          <p:cNvSpPr>
+            <a:spLocks noGrp="1"/>
+          </p:cNvSpPr>
+          <p:nvPr>
+            <p:ph type="title"/>
+          </p:nvPr>
+        </p:nvSpPr>
+        <p:spPr>
+          <a:xfrm>
+            <a:off x="335280" y="140175"/>
+            <a:ext cx="10515600" cy="1325563"/>
+          </a:xfrm>
+        </p:spPr>
+        <p:txBody>
+          <a:bodyPr>
+            <a:normAutofit/>
+          </a:bodyPr>
+          <a:lstStyle/>
+          <a:p>
+            <a:r>
+              <a:rPr lang="en-US" sz="3200" b="1" dirty="0"/>
+              <a:t>Misc.</a:t>
+            </a:r>
+          </a:p>
+        </p:txBody>
+      </p:sp>
+      <p:sp>
+        <p:nvSpPr>
+          <p:cNvPr id="3" name="Content Placeholder 2">
+            <a:extLst>
+              <a:ext uri="{FF2B5EF4-FFF2-40B4-BE49-F238E27FC236}">
+                <a16:creationId xmlns:a16="http://schemas.microsoft.com/office/drawing/2014/main" id="{6225E5D8-958A-8D46-B3EC-900FE20C3CAC}"/>
+              </a:ext>
+            </a:extLst>
+          </p:cNvPr>
+          <p:cNvSpPr>
+            <a:spLocks noGrp="1"/>
+          </p:cNvSpPr>
+          <p:nvPr>
+            <p:ph idx="1"/>
+          </p:nvPr>
+        </p:nvSpPr>
+        <p:spPr/>
+        <p:txBody>
+          <a:bodyPr/>
+          <a:lstStyle/>
+          <a:p>
+            <a:r>
+              <a:rPr lang="en-US" dirty="0"/>
+              <a:t>SURF presentation</a:t>
+            </a:r>
+          </a:p>
+          <a:p>
+            <a:r>
+              <a:rPr lang="en-US" dirty="0"/>
+              <a:t>Grad school update</a:t>
+            </a:r>
+          </a:p>
+        </p:txBody>
+      </p:sp>
+      <p:pic>
+        <p:nvPicPr>
+          <p:cNvPr id="4" name="Picture 3" descr="A picture containing drawing&#10;&#10;Description automatically generated">
+            <a:extLst>
+              <a:ext uri="{FF2B5EF4-FFF2-40B4-BE49-F238E27FC236}">
+                <a16:creationId xmlns:a16="http://schemas.microsoft.com/office/drawing/2014/main" id="{6FBB4365-E68D-6147-888C-0DA6C451FA08}"/>
+              </a:ext>
+            </a:extLst>
+          </p:cNvPr>
+          <p:cNvPicPr>
+            <a:picLocks noChangeAspect="1"/>
+          </p:cNvPicPr>
+          <p:nvPr/>
+        </p:nvPicPr>
+        <p:blipFill>
+          <a:blip r:embed="rId2"/>
+          <a:stretch>
+            <a:fillRect/>
+          </a:stretch>
+        </p:blipFill>
+        <p:spPr>
+          <a:xfrm>
+            <a:off x="11117119" y="6514803"/>
+            <a:ext cx="1074881" cy="343197"/>
+          </a:xfrm>
+          <a:prstGeom prst="rect">
+            <a:avLst/>
+          </a:prstGeom>
+        </p:spPr>
+      </p:pic>
+    </p:spTree>
+    <p:extLst>
+      <p:ext uri="{BB962C8B-B14F-4D97-AF65-F5344CB8AC3E}">
+        <p14:creationId xmlns:p14="http://schemas.microsoft.com/office/powerpoint/2010/main" val="3411261964"/>
+      </p:ext>
+    </p:extLst>
+  </p:cSld>
+  <p:clrMapOvr>
+    <a:masterClrMapping/>
+  </p:clrMapOvr>
+</p:sld>
+</file>
+
+<file path=ppt/slides/slide12.xml><?xml version="1.0" encoding="utf-8"?>
+<p:sld xmlns:a="http://schemas.openxmlformats.org/drawingml/2006/main" xmlns:r="http://schemas.openxmlformats.org/officeDocument/2006/relationships" xmlns:p="http://schemas.openxmlformats.org/presentationml/2006/main">
+  <p:cSld>
+    <p:spTree>
+      <p:nvGrpSpPr>
+        <p:cNvPr id="1" name=""/>
+        <p:cNvGrpSpPr/>
+        <p:nvPr/>
+      </p:nvGrpSpPr>
+      <p:grpSpPr>
+        <a:xfrm>
+          <a:off x="0" y="0"/>
+          <a:ext cx="0" cy="0"/>
+          <a:chOff x="0" y="0"/>
+          <a:chExt cx="0" cy="0"/>
+        </a:xfrm>
+      </p:grpSpPr>
+      <p:sp>
+        <p:nvSpPr>
+          <p:cNvPr id="2" name="Title 1">
+            <a:extLst>
+              <a:ext uri="{FF2B5EF4-FFF2-40B4-BE49-F238E27FC236}">
+                <a16:creationId xmlns:a16="http://schemas.microsoft.com/office/drawing/2014/main" id="{420F3BB3-77AB-F94D-A671-0879CE66086D}"/>
+              </a:ext>
+            </a:extLst>
+          </p:cNvPr>
+          <p:cNvSpPr>
+            <a:spLocks noGrp="1"/>
+          </p:cNvSpPr>
+          <p:nvPr>
+            <p:ph type="title"/>
+          </p:nvPr>
+        </p:nvSpPr>
+        <p:spPr/>
+        <p:txBody>
+          <a:bodyPr/>
+          <a:lstStyle/>
+          <a:p>
+            <a:r>
+              <a:rPr lang="en-US" dirty="0"/>
+              <a:t>Thank You!</a:t>
+            </a:r>
+          </a:p>
+        </p:txBody>
+      </p:sp>
+      <p:sp>
+        <p:nvSpPr>
+          <p:cNvPr id="3" name="Content Placeholder 2">
+            <a:extLst>
+              <a:ext uri="{FF2B5EF4-FFF2-40B4-BE49-F238E27FC236}">
+                <a16:creationId xmlns:a16="http://schemas.microsoft.com/office/drawing/2014/main" id="{E2D8B660-A6B9-D34F-B145-8B7FFA417B77}"/>
+              </a:ext>
+            </a:extLst>
+          </p:cNvPr>
+          <p:cNvSpPr>
+            <a:spLocks noGrp="1"/>
+          </p:cNvSpPr>
+          <p:nvPr>
+            <p:ph sz="half" idx="1"/>
+          </p:nvPr>
+        </p:nvSpPr>
+        <p:spPr/>
+        <p:txBody>
+          <a:bodyPr>
+            <a:normAutofit/>
+          </a:bodyPr>
+          <a:lstStyle/>
+          <a:p>
+            <a:r>
+              <a:rPr lang="en-US" dirty="0"/>
+              <a:t>William Poole</a:t>
+            </a:r>
+          </a:p>
+          <a:p>
+            <a:r>
+              <a:rPr lang="en-US" dirty="0"/>
+              <a:t>David Garcia</a:t>
+            </a:r>
+          </a:p>
+          <a:p>
+            <a:r>
+              <a:rPr lang="en-US" dirty="0" err="1"/>
+              <a:t>Ayush</a:t>
+            </a:r>
+            <a:r>
+              <a:rPr lang="en-US" dirty="0"/>
+              <a:t> Pandey</a:t>
+            </a:r>
+          </a:p>
+          <a:p>
+            <a:r>
+              <a:rPr lang="en-US" dirty="0"/>
+              <a:t>Zoila Jurado</a:t>
+            </a:r>
+          </a:p>
+          <a:p>
+            <a:r>
+              <a:rPr lang="en-US" dirty="0"/>
+              <a:t>Manisha </a:t>
+            </a:r>
+            <a:r>
+              <a:rPr lang="en-US" dirty="0" err="1"/>
+              <a:t>Kapasiawala</a:t>
+            </a:r>
+            <a:endParaRPr lang="en-US" dirty="0"/>
+          </a:p>
+        </p:txBody>
+      </p:sp>
+      <p:sp>
+        <p:nvSpPr>
+          <p:cNvPr id="5" name="Content Placeholder 4">
+            <a:extLst>
+              <a:ext uri="{FF2B5EF4-FFF2-40B4-BE49-F238E27FC236}">
+                <a16:creationId xmlns:a16="http://schemas.microsoft.com/office/drawing/2014/main" id="{A9F6E671-4B35-664E-B7D1-0A7BA08E3F4B}"/>
+              </a:ext>
+            </a:extLst>
+          </p:cNvPr>
+          <p:cNvSpPr>
+            <a:spLocks noGrp="1"/>
+          </p:cNvSpPr>
+          <p:nvPr>
+            <p:ph sz="half" idx="2"/>
+          </p:nvPr>
+        </p:nvSpPr>
+        <p:spPr/>
+        <p:txBody>
+          <a:bodyPr>
+            <a:normAutofit/>
+          </a:bodyPr>
+          <a:lstStyle/>
+          <a:p>
+            <a:r>
+              <a:rPr lang="en-US" dirty="0"/>
+              <a:t>Melissa Takahashi</a:t>
+            </a:r>
+          </a:p>
+          <a:p>
+            <a:r>
+              <a:rPr lang="en-US" dirty="0"/>
+              <a:t>Richard Murray</a:t>
+            </a:r>
+          </a:p>
+          <a:p>
+            <a:endParaRPr lang="en-US" dirty="0"/>
+          </a:p>
+          <a:p>
+            <a:r>
+              <a:rPr lang="en-US" dirty="0"/>
+              <a:t>Samuel P. and Frances </a:t>
+            </a:r>
+            <a:r>
+              <a:rPr lang="en-US" dirty="0" err="1"/>
+              <a:t>Krown</a:t>
+            </a:r>
+            <a:r>
+              <a:rPr lang="en-US" dirty="0"/>
+              <a:t> SURF Fellow</a:t>
+            </a:r>
+          </a:p>
+          <a:p>
+            <a:endParaRPr lang="en-US" dirty="0"/>
+          </a:p>
+        </p:txBody>
+      </p:sp>
+      <p:pic>
+        <p:nvPicPr>
+          <p:cNvPr id="4" name="Picture 3" descr="A picture containing drawing&#10;&#10;Description automatically generated">
+            <a:extLst>
+              <a:ext uri="{FF2B5EF4-FFF2-40B4-BE49-F238E27FC236}">
+                <a16:creationId xmlns:a16="http://schemas.microsoft.com/office/drawing/2014/main" id="{E14BF12C-6997-D54E-9304-BD650BAC1A41}"/>
+              </a:ext>
+            </a:extLst>
+          </p:cNvPr>
+          <p:cNvPicPr>
+            <a:picLocks noChangeAspect="1"/>
+          </p:cNvPicPr>
+          <p:nvPr/>
+        </p:nvPicPr>
+        <p:blipFill>
+          <a:blip r:embed="rId2"/>
+          <a:stretch>
+            <a:fillRect/>
+          </a:stretch>
+        </p:blipFill>
+        <p:spPr>
+          <a:xfrm>
+            <a:off x="11117119" y="6514803"/>
+            <a:ext cx="1074881" cy="343197"/>
+          </a:xfrm>
+          <a:prstGeom prst="rect">
+            <a:avLst/>
+          </a:prstGeom>
+        </p:spPr>
+      </p:pic>
+    </p:spTree>
+    <p:extLst>
+      <p:ext uri="{BB962C8B-B14F-4D97-AF65-F5344CB8AC3E}">
+        <p14:creationId xmlns:p14="http://schemas.microsoft.com/office/powerpoint/2010/main" val="341248574"/>
       </p:ext>
     </p:extLst>
   </p:cSld>
@@ -3481,7 +7788,9 @@
         </p:nvSpPr>
         <p:spPr/>
         <p:txBody>
-          <a:bodyPr/>
+          <a:bodyPr>
+            <a:normAutofit fontScale="92500" lnSpcReduction="10000"/>
+          </a:bodyPr>
           <a:lstStyle/>
           <a:p>
             <a:r>
@@ -3526,7 +7835,14 @@
             <a:pPr lvl="1"/>
             <a:r>
               <a:rPr lang="en-US" dirty="0"/>
-              <a:t>How to properly model proton gradient</a:t>
+              <a:t>What mechanism to use for proton gradient</a:t>
+            </a:r>
+          </a:p>
+          <a:p>
+            <a:pPr lvl="1"/>
+            <a:r>
+              <a:rPr lang="en-US" dirty="0"/>
+              <a:t>Conclusion for rheostat model?</a:t>
             </a:r>
           </a:p>
           <a:p>
@@ -3534,10 +7850,6 @@
             <a:endParaRPr lang="en-US" dirty="0"/>
           </a:p>
           <a:p>
-            <a:pPr lvl="1"/>
-            <a:endParaRPr lang="en-US" dirty="0"/>
-          </a:p>
-          <a:p>
             <a:r>
               <a:rPr lang="en-US" dirty="0"/>
               <a:t>Recommendation for grad schools, fellowships that have different deadlines for students</a:t>
@@ -3547,6 +7859,12 @@
             <a:r>
               <a:rPr lang="en-US" dirty="0"/>
               <a:t>Return to RESEARCH!! </a:t>
+            </a:r>
+          </a:p>
+          <a:p>
+            <a:r>
+              <a:rPr lang="en-US" dirty="0"/>
+              <a:t>Surf presentation</a:t>
             </a:r>
           </a:p>
         </p:txBody>
@@ -3583,10 +7901,10 @@
       </p:grpSpPr>
       <p:sp>
         <p:nvSpPr>
-          <p:cNvPr id="4" name="Title 3">
+          <p:cNvPr id="2" name="Title 1">
             <a:extLst>
               <a:ext uri="{FF2B5EF4-FFF2-40B4-BE49-F238E27FC236}">
-                <a16:creationId xmlns:a16="http://schemas.microsoft.com/office/drawing/2014/main" id="{E4779695-E9AC-604C-8A6F-9F5D912F2344}"/>
+                <a16:creationId xmlns:a16="http://schemas.microsoft.com/office/drawing/2014/main" id="{FA139E81-C1D2-A74A-B095-1D3CF78DD2AC}"/>
               </a:ext>
             </a:extLst>
           </p:cNvPr>
@@ -3597,52 +7915,1041 @@
             <p:ph type="title"/>
           </p:nvPr>
         </p:nvSpPr>
-        <p:spPr/>
+        <p:spPr>
+          <a:xfrm>
+            <a:off x="234084" y="292037"/>
+            <a:ext cx="3444293" cy="881784"/>
+          </a:xfrm>
+        </p:spPr>
         <p:txBody>
           <a:bodyPr>
-            <a:normAutofit/>
+            <a:noAutofit/>
           </a:bodyPr>
           <a:lstStyle/>
           <a:p>
             <a:r>
-              <a:rPr lang="en-US" sz="4800" dirty="0"/>
-              <a:t>Rheostat Machinery - Bioscrape</a:t>
+              <a:rPr lang="en-US" sz="2400" b="1" dirty="0"/>
+              <a:t>Goal</a:t>
+            </a:r>
+            <a:r>
+              <a:rPr lang="en-US" sz="2400" dirty="0"/>
+              <a:t>: ATP Life Extension in Synthetic Cells</a:t>
             </a:r>
           </a:p>
         </p:txBody>
       </p:sp>
+      <p:grpSp>
+        <p:nvGrpSpPr>
+          <p:cNvPr id="3" name="Group 2">
+            <a:extLst>
+              <a:ext uri="{FF2B5EF4-FFF2-40B4-BE49-F238E27FC236}">
+                <a16:creationId xmlns:a16="http://schemas.microsoft.com/office/drawing/2014/main" id="{3758C4B6-413B-6848-8E4F-E7699DA003E3}"/>
+              </a:ext>
+            </a:extLst>
+          </p:cNvPr>
+          <p:cNvGrpSpPr/>
+          <p:nvPr/>
+        </p:nvGrpSpPr>
+        <p:grpSpPr>
+          <a:xfrm>
+            <a:off x="62445" y="2264264"/>
+            <a:ext cx="3627313" cy="2312694"/>
+            <a:chOff x="2673543" y="2305946"/>
+            <a:chExt cx="6358945" cy="3897417"/>
+          </a:xfrm>
+        </p:grpSpPr>
+        <p:pic>
+          <p:nvPicPr>
+            <p:cNvPr id="5" name="Picture 2">
+              <a:extLst>
+                <a:ext uri="{FF2B5EF4-FFF2-40B4-BE49-F238E27FC236}">
+                  <a16:creationId xmlns:a16="http://schemas.microsoft.com/office/drawing/2014/main" id="{0EE84680-DA8D-BD45-80A8-94D8AE7B67B3}"/>
+                </a:ext>
+              </a:extLst>
+            </p:cNvPr>
+            <p:cNvPicPr>
+              <a:picLocks noChangeAspect="1" noChangeArrowheads="1"/>
+            </p:cNvPicPr>
+            <p:nvPr/>
+          </p:nvPicPr>
+          <p:blipFill>
+            <a:blip r:embed="rId3">
+              <a:extLst>
+                <a:ext uri="{28A0092B-C50C-407E-A947-70E740481C1C}">
+                  <a14:useLocalDpi xmlns:a14="http://schemas.microsoft.com/office/drawing/2010/main" val="0"/>
+                </a:ext>
+              </a:extLst>
+            </a:blip>
+            <a:srcRect/>
+            <a:stretch>
+              <a:fillRect/>
+            </a:stretch>
+          </p:blipFill>
+          <p:spPr bwMode="auto">
+            <a:xfrm>
+              <a:off x="2673543" y="2305946"/>
+              <a:ext cx="6358945" cy="3897417"/>
+            </a:xfrm>
+            <a:prstGeom prst="rect">
+              <a:avLst/>
+            </a:prstGeom>
+            <a:noFill/>
+            <a:extLst>
+              <a:ext uri="{909E8E84-426E-40DD-AFC4-6F175D3DCCD1}">
+                <a14:hiddenFill xmlns:a14="http://schemas.microsoft.com/office/drawing/2010/main">
+                  <a:solidFill>
+                    <a:srgbClr val="FFFFFF"/>
+                  </a:solidFill>
+                </a14:hiddenFill>
+              </a:ext>
+            </a:extLst>
+          </p:spPr>
+        </p:pic>
+        <p:sp>
+          <p:nvSpPr>
+            <p:cNvPr id="6" name="TextBox 5">
+              <a:extLst>
+                <a:ext uri="{FF2B5EF4-FFF2-40B4-BE49-F238E27FC236}">
+                  <a16:creationId xmlns:a16="http://schemas.microsoft.com/office/drawing/2014/main" id="{89E9F93C-F176-C040-A502-EB00509D4597}"/>
+                </a:ext>
+              </a:extLst>
+            </p:cNvPr>
+            <p:cNvSpPr txBox="1"/>
+            <p:nvPr/>
+          </p:nvSpPr>
+          <p:spPr>
+            <a:xfrm>
+              <a:off x="4260188" y="3851123"/>
+              <a:ext cx="1447102" cy="466807"/>
+            </a:xfrm>
+            <a:prstGeom prst="rect">
+              <a:avLst/>
+            </a:prstGeom>
+            <a:noFill/>
+          </p:spPr>
+          <p:txBody>
+            <a:bodyPr wrap="square" rtlCol="0">
+              <a:spAutoFit/>
+            </a:bodyPr>
+            <a:lstStyle/>
+            <a:p>
+              <a:r>
+                <a:rPr lang="en-US" sz="1200" dirty="0">
+                  <a:latin typeface="Avenir Book" panose="02000503020000020003" pitchFamily="2" charset="0"/>
+                </a:rPr>
+                <a:t>TX/TL</a:t>
+              </a:r>
+            </a:p>
+          </p:txBody>
+        </p:sp>
+      </p:grpSp>
       <p:sp>
         <p:nvSpPr>
-          <p:cNvPr id="5" name="Text Placeholder 4">
+          <p:cNvPr id="7" name="Title 1">
             <a:extLst>
               <a:ext uri="{FF2B5EF4-FFF2-40B4-BE49-F238E27FC236}">
-                <a16:creationId xmlns:a16="http://schemas.microsoft.com/office/drawing/2014/main" id="{E2DF285A-7D25-8D4D-BF80-3869FC0F8518}"/>
+                <a16:creationId xmlns:a16="http://schemas.microsoft.com/office/drawing/2014/main" id="{12D5DA37-0E1D-4D45-8C92-3D2AA3112510}"/>
               </a:ext>
             </a:extLst>
           </p:cNvPr>
-          <p:cNvSpPr>
-            <a:spLocks noGrp="1"/>
+          <p:cNvSpPr txBox="1">
+            <a:spLocks/>
           </p:cNvSpPr>
+          <p:nvPr/>
+        </p:nvSpPr>
+        <p:spPr>
+          <a:xfrm>
+            <a:off x="4243539" y="146176"/>
+            <a:ext cx="3854380" cy="982425"/>
+          </a:xfrm>
+          <a:prstGeom prst="rect">
+            <a:avLst/>
+          </a:prstGeom>
+        </p:spPr>
+        <p:txBody>
+          <a:bodyPr vert="horz" lIns="91440" tIns="45720" rIns="91440" bIns="45720" rtlCol="0" anchor="ctr">
+            <a:normAutofit fontScale="97500"/>
+          </a:bodyPr>
+          <a:lstStyle>
+            <a:lvl1pPr algn="l" defTabSz="914400" rtl="0" eaLnBrk="1" latinLnBrk="0" hangingPunct="1">
+              <a:lnSpc>
+                <a:spcPct val="90000"/>
+              </a:lnSpc>
+              <a:spcBef>
+                <a:spcPct val="0"/>
+              </a:spcBef>
+              <a:buNone/>
+              <a:defRPr sz="4400" kern="1200">
+                <a:solidFill>
+                  <a:schemeClr val="tx1"/>
+                </a:solidFill>
+                <a:latin typeface="Avenir Book" panose="02000503020000020003" pitchFamily="2" charset="0"/>
+                <a:ea typeface="+mj-ea"/>
+                <a:cs typeface="+mj-cs"/>
+              </a:defRPr>
+            </a:lvl1pPr>
+          </a:lstStyle>
+          <a:p>
+            <a:r>
+              <a:rPr lang="en-US" sz="2400" dirty="0"/>
+              <a:t>Proposal 1: Regeneration by Rheostat Machinery</a:t>
+            </a:r>
+          </a:p>
+        </p:txBody>
+      </p:sp>
+      <p:pic>
+        <p:nvPicPr>
+          <p:cNvPr id="9" name="Content Placeholder 4" descr="A close up of a map&#10;&#10;Description automatically generated">
+            <a:extLst>
+              <a:ext uri="{FF2B5EF4-FFF2-40B4-BE49-F238E27FC236}">
+                <a16:creationId xmlns:a16="http://schemas.microsoft.com/office/drawing/2014/main" id="{6466F7DC-E0F1-0E45-A5C5-E16FBB464DD4}"/>
+              </a:ext>
+            </a:extLst>
+          </p:cNvPr>
+          <p:cNvPicPr>
+            <a:picLocks noGrp="1" noChangeAspect="1"/>
+          </p:cNvPicPr>
           <p:nvPr>
-            <p:ph type="body" idx="1"/>
+            <p:ph idx="1"/>
           </p:nvPr>
+        </p:nvPicPr>
+        <p:blipFill>
+          <a:blip r:embed="rId4"/>
+          <a:stretch>
+            <a:fillRect/>
+          </a:stretch>
+        </p:blipFill>
+        <p:spPr>
+          <a:xfrm>
+            <a:off x="4658325" y="1274777"/>
+            <a:ext cx="2297020" cy="5286190"/>
+          </a:xfrm>
+        </p:spPr>
+      </p:pic>
+      <p:sp>
+        <p:nvSpPr>
+          <p:cNvPr id="10" name="TextBox 9">
+            <a:extLst>
+              <a:ext uri="{FF2B5EF4-FFF2-40B4-BE49-F238E27FC236}">
+                <a16:creationId xmlns:a16="http://schemas.microsoft.com/office/drawing/2014/main" id="{8D7DDF09-E5E1-FD4A-A3E0-40BA3C7D5C6A}"/>
+              </a:ext>
+            </a:extLst>
+          </p:cNvPr>
+          <p:cNvSpPr txBox="1"/>
+          <p:nvPr/>
         </p:nvSpPr>
-        <p:spPr/>
+        <p:spPr>
+          <a:xfrm>
+            <a:off x="4352940" y="6600693"/>
+            <a:ext cx="3273653" cy="261610"/>
+          </a:xfrm>
+          <a:prstGeom prst="rect">
+            <a:avLst/>
+          </a:prstGeom>
+          <a:noFill/>
+        </p:spPr>
         <p:txBody>
-          <a:bodyPr/>
+          <a:bodyPr wrap="none" rtlCol="0">
+            <a:spAutoFit/>
+          </a:bodyPr>
           <a:lstStyle/>
           <a:p>
             <a:r>
-              <a:rPr lang="en-US" dirty="0"/>
-              <a:t>5.7.2020</a:t>
-            </a:r>
+              <a:rPr lang="en-US" sz="1100" dirty="0">
+                <a:latin typeface="Avenir Book" panose="02000503020000020003" pitchFamily="2" charset="0"/>
+              </a:rPr>
+              <a:t>Opgenorth et al., 2017, Nature Chemical Biology</a:t>
+            </a:r>
+          </a:p>
+        </p:txBody>
+      </p:sp>
+      <p:cxnSp>
+        <p:nvCxnSpPr>
+          <p:cNvPr id="12" name="Straight Connector 11">
+            <a:extLst>
+              <a:ext uri="{FF2B5EF4-FFF2-40B4-BE49-F238E27FC236}">
+                <a16:creationId xmlns:a16="http://schemas.microsoft.com/office/drawing/2014/main" id="{706B6780-5638-DE41-9832-90B3EABC07F7}"/>
+              </a:ext>
+            </a:extLst>
+          </p:cNvPr>
+          <p:cNvCxnSpPr/>
+          <p:nvPr/>
+        </p:nvCxnSpPr>
+        <p:spPr>
+          <a:xfrm>
+            <a:off x="3878157" y="0"/>
+            <a:ext cx="0" cy="6858000"/>
+          </a:xfrm>
+          <a:prstGeom prst="line">
+            <a:avLst/>
+          </a:prstGeom>
+          <a:ln w="38100"/>
+        </p:spPr>
+        <p:style>
+          <a:lnRef idx="1">
+            <a:schemeClr val="dk1"/>
+          </a:lnRef>
+          <a:fillRef idx="0">
+            <a:schemeClr val="dk1"/>
+          </a:fillRef>
+          <a:effectRef idx="0">
+            <a:schemeClr val="dk1"/>
+          </a:effectRef>
+          <a:fontRef idx="minor">
+            <a:schemeClr val="tx1"/>
+          </a:fontRef>
+        </p:style>
+      </p:cxnSp>
+      <p:cxnSp>
+        <p:nvCxnSpPr>
+          <p:cNvPr id="15" name="Straight Connector 14">
+            <a:extLst>
+              <a:ext uri="{FF2B5EF4-FFF2-40B4-BE49-F238E27FC236}">
+                <a16:creationId xmlns:a16="http://schemas.microsoft.com/office/drawing/2014/main" id="{75AA1341-7F69-4045-BB72-C193CC75426F}"/>
+              </a:ext>
+            </a:extLst>
+          </p:cNvPr>
+          <p:cNvCxnSpPr/>
+          <p:nvPr/>
+        </p:nvCxnSpPr>
+        <p:spPr>
+          <a:xfrm>
+            <a:off x="7962484" y="0"/>
+            <a:ext cx="0" cy="6858000"/>
+          </a:xfrm>
+          <a:prstGeom prst="line">
+            <a:avLst/>
+          </a:prstGeom>
+          <a:ln w="38100"/>
+        </p:spPr>
+        <p:style>
+          <a:lnRef idx="1">
+            <a:schemeClr val="dk1"/>
+          </a:lnRef>
+          <a:fillRef idx="0">
+            <a:schemeClr val="dk1"/>
+          </a:fillRef>
+          <a:effectRef idx="0">
+            <a:schemeClr val="dk1"/>
+          </a:effectRef>
+          <a:fontRef idx="minor">
+            <a:schemeClr val="tx1"/>
+          </a:fontRef>
+        </p:style>
+      </p:cxnSp>
+      <p:sp>
+        <p:nvSpPr>
+          <p:cNvPr id="16" name="Title 1">
+            <a:extLst>
+              <a:ext uri="{FF2B5EF4-FFF2-40B4-BE49-F238E27FC236}">
+                <a16:creationId xmlns:a16="http://schemas.microsoft.com/office/drawing/2014/main" id="{D158DBD9-2C90-7844-A92A-7C2AE8046B1A}"/>
+              </a:ext>
+            </a:extLst>
+          </p:cNvPr>
+          <p:cNvSpPr txBox="1">
+            <a:spLocks/>
+          </p:cNvSpPr>
+          <p:nvPr/>
+        </p:nvSpPr>
+        <p:spPr>
+          <a:xfrm>
+            <a:off x="8192431" y="146175"/>
+            <a:ext cx="3854380" cy="982425"/>
+          </a:xfrm>
+          <a:prstGeom prst="rect">
+            <a:avLst/>
+          </a:prstGeom>
+        </p:spPr>
+        <p:txBody>
+          <a:bodyPr vert="horz" lIns="91440" tIns="45720" rIns="91440" bIns="45720" rtlCol="0" anchor="ctr">
+            <a:normAutofit fontScale="97500"/>
+          </a:bodyPr>
+          <a:lstStyle>
+            <a:lvl1pPr algn="l" defTabSz="914400" rtl="0" eaLnBrk="1" latinLnBrk="0" hangingPunct="1">
+              <a:lnSpc>
+                <a:spcPct val="90000"/>
+              </a:lnSpc>
+              <a:spcBef>
+                <a:spcPct val="0"/>
+              </a:spcBef>
+              <a:buNone/>
+              <a:defRPr sz="4400" kern="1200">
+                <a:solidFill>
+                  <a:schemeClr val="tx1"/>
+                </a:solidFill>
+                <a:latin typeface="Avenir Book" panose="02000503020000020003" pitchFamily="2" charset="0"/>
+                <a:ea typeface="+mj-ea"/>
+                <a:cs typeface="+mj-cs"/>
+              </a:defRPr>
+            </a:lvl1pPr>
+          </a:lstStyle>
+          <a:p>
+            <a:r>
+              <a:rPr lang="en-US" sz="2400" dirty="0"/>
+              <a:t>Proposal 2: Regeneration by ATP Synthase</a:t>
+            </a:r>
+          </a:p>
+        </p:txBody>
+      </p:sp>
+      <p:grpSp>
+        <p:nvGrpSpPr>
+          <p:cNvPr id="18" name="Group 17">
+            <a:extLst>
+              <a:ext uri="{FF2B5EF4-FFF2-40B4-BE49-F238E27FC236}">
+                <a16:creationId xmlns:a16="http://schemas.microsoft.com/office/drawing/2014/main" id="{4728887F-51E0-0542-84F9-A9D89129E5FC}"/>
+              </a:ext>
+            </a:extLst>
+          </p:cNvPr>
+          <p:cNvGrpSpPr/>
+          <p:nvPr/>
+        </p:nvGrpSpPr>
+        <p:grpSpPr>
+          <a:xfrm>
+            <a:off x="8409931" y="1678856"/>
+            <a:ext cx="3273647" cy="3281603"/>
+            <a:chOff x="7276937" y="1782646"/>
+            <a:chExt cx="3790856" cy="3639484"/>
+          </a:xfrm>
+        </p:grpSpPr>
+        <p:sp>
+          <p:nvSpPr>
+            <p:cNvPr id="19" name="Oval 18">
+              <a:extLst>
+                <a:ext uri="{FF2B5EF4-FFF2-40B4-BE49-F238E27FC236}">
+                  <a16:creationId xmlns:a16="http://schemas.microsoft.com/office/drawing/2014/main" id="{14A4ECD3-2CF9-9E4F-8B32-8E82DF91C0D0}"/>
+                </a:ext>
+              </a:extLst>
+            </p:cNvPr>
+            <p:cNvSpPr/>
+            <p:nvPr/>
+          </p:nvSpPr>
+          <p:spPr>
+            <a:xfrm>
+              <a:off x="7276937" y="2310630"/>
+              <a:ext cx="3429000" cy="3111500"/>
+            </a:xfrm>
+            <a:prstGeom prst="ellipse">
+              <a:avLst/>
+            </a:prstGeom>
+            <a:noFill/>
+            <a:ln w="38100">
+              <a:solidFill>
+                <a:schemeClr val="tx1"/>
+              </a:solidFill>
+              <a:prstDash val="dash"/>
+            </a:ln>
+          </p:spPr>
+          <p:style>
+            <a:lnRef idx="2">
+              <a:schemeClr val="accent1">
+                <a:shade val="50000"/>
+              </a:schemeClr>
+            </a:lnRef>
+            <a:fillRef idx="1">
+              <a:schemeClr val="accent1"/>
+            </a:fillRef>
+            <a:effectRef idx="0">
+              <a:schemeClr val="accent1"/>
+            </a:effectRef>
+            <a:fontRef idx="minor">
+              <a:schemeClr val="lt1"/>
+            </a:fontRef>
+          </p:style>
+          <p:txBody>
+            <a:bodyPr rtlCol="0" anchor="ctr"/>
+            <a:lstStyle/>
+            <a:p>
+              <a:pPr algn="ctr"/>
+              <a:endParaRPr lang="en-US"/>
+            </a:p>
+          </p:txBody>
+        </p:sp>
+        <p:sp>
+          <p:nvSpPr>
+            <p:cNvPr id="20" name="Freeform 19">
+              <a:extLst>
+                <a:ext uri="{FF2B5EF4-FFF2-40B4-BE49-F238E27FC236}">
+                  <a16:creationId xmlns:a16="http://schemas.microsoft.com/office/drawing/2014/main" id="{8B06AD50-7EA7-4646-9049-95272EB47BD9}"/>
+                </a:ext>
+              </a:extLst>
+            </p:cNvPr>
+            <p:cNvSpPr/>
+            <p:nvPr/>
+          </p:nvSpPr>
+          <p:spPr>
+            <a:xfrm>
+              <a:off x="9493709" y="2301636"/>
+              <a:ext cx="781664" cy="752168"/>
+            </a:xfrm>
+            <a:custGeom>
+              <a:avLst/>
+              <a:gdLst>
+                <a:gd name="connsiteX0" fmla="*/ 678425 w 781664"/>
+                <a:gd name="connsiteY0" fmla="*/ 0 h 752168"/>
+                <a:gd name="connsiteX1" fmla="*/ 294967 w 781664"/>
+                <a:gd name="connsiteY1" fmla="*/ 442451 h 752168"/>
+                <a:gd name="connsiteX2" fmla="*/ 0 w 781664"/>
+                <a:gd name="connsiteY2" fmla="*/ 427703 h 752168"/>
+                <a:gd name="connsiteX3" fmla="*/ 398206 w 781664"/>
+                <a:gd name="connsiteY3" fmla="*/ 752168 h 752168"/>
+                <a:gd name="connsiteX4" fmla="*/ 398206 w 781664"/>
+                <a:gd name="connsiteY4" fmla="*/ 545690 h 752168"/>
+                <a:gd name="connsiteX5" fmla="*/ 781664 w 781664"/>
+                <a:gd name="connsiteY5" fmla="*/ 103239 h 752168"/>
+                <a:gd name="connsiteX6" fmla="*/ 678425 w 781664"/>
+                <a:gd name="connsiteY6" fmla="*/ 0 h 752168"/>
+              </a:gdLst>
+              <a:ahLst/>
+              <a:cxnLst>
+                <a:cxn ang="0">
+                  <a:pos x="connsiteX0" y="connsiteY0"/>
+                </a:cxn>
+                <a:cxn ang="0">
+                  <a:pos x="connsiteX1" y="connsiteY1"/>
+                </a:cxn>
+                <a:cxn ang="0">
+                  <a:pos x="connsiteX2" y="connsiteY2"/>
+                </a:cxn>
+                <a:cxn ang="0">
+                  <a:pos x="connsiteX3" y="connsiteY3"/>
+                </a:cxn>
+                <a:cxn ang="0">
+                  <a:pos x="connsiteX4" y="connsiteY4"/>
+                </a:cxn>
+                <a:cxn ang="0">
+                  <a:pos x="connsiteX5" y="connsiteY5"/>
+                </a:cxn>
+                <a:cxn ang="0">
+                  <a:pos x="connsiteX6" y="connsiteY6"/>
+                </a:cxn>
+              </a:cxnLst>
+              <a:rect l="l" t="t" r="r" b="b"/>
+              <a:pathLst>
+                <a:path w="781664" h="752168">
+                  <a:moveTo>
+                    <a:pt x="678425" y="0"/>
+                  </a:moveTo>
+                  <a:lnTo>
+                    <a:pt x="294967" y="442451"/>
+                  </a:lnTo>
+                  <a:lnTo>
+                    <a:pt x="0" y="427703"/>
+                  </a:lnTo>
+                  <a:lnTo>
+                    <a:pt x="398206" y="752168"/>
+                  </a:lnTo>
+                  <a:lnTo>
+                    <a:pt x="398206" y="545690"/>
+                  </a:lnTo>
+                  <a:lnTo>
+                    <a:pt x="781664" y="103239"/>
+                  </a:lnTo>
+                  <a:lnTo>
+                    <a:pt x="678425" y="0"/>
+                  </a:lnTo>
+                  <a:close/>
+                </a:path>
+              </a:pathLst>
+            </a:custGeom>
+            <a:solidFill>
+              <a:schemeClr val="bg1"/>
+            </a:solidFill>
+            <a:ln w="19050">
+              <a:solidFill>
+                <a:srgbClr val="FF0000"/>
+              </a:solidFill>
+            </a:ln>
+          </p:spPr>
+          <p:style>
+            <a:lnRef idx="2">
+              <a:schemeClr val="accent1">
+                <a:shade val="50000"/>
+              </a:schemeClr>
+            </a:lnRef>
+            <a:fillRef idx="1">
+              <a:schemeClr val="accent1"/>
+            </a:fillRef>
+            <a:effectRef idx="0">
+              <a:schemeClr val="accent1"/>
+            </a:effectRef>
+            <a:fontRef idx="minor">
+              <a:schemeClr val="lt1"/>
+            </a:fontRef>
+          </p:style>
+          <p:txBody>
+            <a:bodyPr rtlCol="0" anchor="ctr"/>
+            <a:lstStyle/>
+            <a:p>
+              <a:pPr algn="ctr"/>
+              <a:endParaRPr lang="en-US"/>
+            </a:p>
+          </p:txBody>
+        </p:sp>
+        <p:sp>
+          <p:nvSpPr>
+            <p:cNvPr id="21" name="TextBox 20">
+              <a:extLst>
+                <a:ext uri="{FF2B5EF4-FFF2-40B4-BE49-F238E27FC236}">
+                  <a16:creationId xmlns:a16="http://schemas.microsoft.com/office/drawing/2014/main" id="{DAEA6978-A70D-A24E-A4EC-405C4CE6715C}"/>
+                </a:ext>
+              </a:extLst>
+            </p:cNvPr>
+            <p:cNvSpPr txBox="1"/>
+            <p:nvPr/>
+          </p:nvSpPr>
+          <p:spPr>
+            <a:xfrm>
+              <a:off x="8399594" y="2816566"/>
+              <a:ext cx="1193800" cy="307208"/>
+            </a:xfrm>
+            <a:prstGeom prst="rect">
+              <a:avLst/>
+            </a:prstGeom>
+            <a:noFill/>
+          </p:spPr>
+          <p:txBody>
+            <a:bodyPr wrap="square" rtlCol="0">
+              <a:spAutoFit/>
+            </a:bodyPr>
+            <a:lstStyle/>
+            <a:p>
+              <a:r>
+                <a:rPr lang="en-US" sz="1200" dirty="0">
+                  <a:latin typeface="Avenir Book" panose="02000503020000020003" pitchFamily="2" charset="0"/>
+                </a:rPr>
+                <a:t>ADP + Pi</a:t>
+              </a:r>
+            </a:p>
+          </p:txBody>
+        </p:sp>
+        <p:sp>
+          <p:nvSpPr>
+            <p:cNvPr id="22" name="TextBox 21">
+              <a:extLst>
+                <a:ext uri="{FF2B5EF4-FFF2-40B4-BE49-F238E27FC236}">
+                  <a16:creationId xmlns:a16="http://schemas.microsoft.com/office/drawing/2014/main" id="{AB93DB65-EB63-C64E-ABC8-287553E997B0}"/>
+                </a:ext>
+              </a:extLst>
+            </p:cNvPr>
+            <p:cNvSpPr txBox="1"/>
+            <p:nvPr/>
+          </p:nvSpPr>
+          <p:spPr>
+            <a:xfrm>
+              <a:off x="9332515" y="3436753"/>
+              <a:ext cx="1186746" cy="307208"/>
+            </a:xfrm>
+            <a:prstGeom prst="rect">
+              <a:avLst/>
+            </a:prstGeom>
+            <a:noFill/>
+          </p:spPr>
+          <p:txBody>
+            <a:bodyPr wrap="square" rtlCol="0">
+              <a:spAutoFit/>
+            </a:bodyPr>
+            <a:lstStyle/>
+            <a:p>
+              <a:r>
+                <a:rPr lang="en-US" sz="1200" dirty="0">
+                  <a:latin typeface="Avenir Book" panose="02000503020000020003" pitchFamily="2" charset="0"/>
+                </a:rPr>
+                <a:t>ATP + H</a:t>
+              </a:r>
+              <a:r>
+                <a:rPr lang="en-US" sz="1200" baseline="-25000" dirty="0">
+                  <a:latin typeface="Avenir Book" panose="02000503020000020003" pitchFamily="2" charset="0"/>
+                </a:rPr>
+                <a:t>2</a:t>
+              </a:r>
+              <a:r>
+                <a:rPr lang="en-US" sz="1200" dirty="0">
+                  <a:latin typeface="Avenir Book" panose="02000503020000020003" pitchFamily="2" charset="0"/>
+                </a:rPr>
+                <a:t>0</a:t>
+              </a:r>
+            </a:p>
+          </p:txBody>
+        </p:sp>
+        <p:cxnSp>
+          <p:nvCxnSpPr>
+            <p:cNvPr id="23" name="Curved Connector 22">
+              <a:extLst>
+                <a:ext uri="{FF2B5EF4-FFF2-40B4-BE49-F238E27FC236}">
+                  <a16:creationId xmlns:a16="http://schemas.microsoft.com/office/drawing/2014/main" id="{559BBF82-01A1-2041-BFC3-D3347E00082D}"/>
+                </a:ext>
+              </a:extLst>
+            </p:cNvPr>
+            <p:cNvCxnSpPr>
+              <a:cxnSpLocks/>
+              <a:endCxn id="22" idx="0"/>
+            </p:cNvCxnSpPr>
+            <p:nvPr/>
+          </p:nvCxnSpPr>
+          <p:spPr>
+            <a:xfrm>
+              <a:off x="9332515" y="2985843"/>
+              <a:ext cx="593373" cy="450910"/>
+            </a:xfrm>
+            <a:prstGeom prst="curvedConnector2">
+              <a:avLst/>
+            </a:prstGeom>
+            <a:ln>
+              <a:tailEnd type="triangle"/>
+            </a:ln>
+          </p:spPr>
+          <p:style>
+            <a:lnRef idx="1">
+              <a:schemeClr val="dk1"/>
+            </a:lnRef>
+            <a:fillRef idx="0">
+              <a:schemeClr val="dk1"/>
+            </a:fillRef>
+            <a:effectRef idx="0">
+              <a:schemeClr val="dk1"/>
+            </a:effectRef>
+            <a:fontRef idx="minor">
+              <a:schemeClr val="tx1"/>
+            </a:fontRef>
+          </p:style>
+        </p:cxnSp>
+        <p:cxnSp>
+          <p:nvCxnSpPr>
+            <p:cNvPr id="24" name="Straight Arrow Connector 23">
+              <a:extLst>
+                <a:ext uri="{FF2B5EF4-FFF2-40B4-BE49-F238E27FC236}">
+                  <a16:creationId xmlns:a16="http://schemas.microsoft.com/office/drawing/2014/main" id="{B0BF32D1-3723-E445-A880-856AB94833A6}"/>
+                </a:ext>
+              </a:extLst>
+            </p:cNvPr>
+            <p:cNvCxnSpPr>
+              <a:cxnSpLocks/>
+            </p:cNvCxnSpPr>
+            <p:nvPr/>
+          </p:nvCxnSpPr>
+          <p:spPr>
+            <a:xfrm flipH="1">
+              <a:off x="9249822" y="2029242"/>
+              <a:ext cx="1269439" cy="1392005"/>
+            </a:xfrm>
+            <a:prstGeom prst="straightConnector1">
+              <a:avLst/>
+            </a:prstGeom>
+            <a:ln>
+              <a:tailEnd type="triangle"/>
+            </a:ln>
+          </p:spPr>
+          <p:style>
+            <a:lnRef idx="1">
+              <a:schemeClr val="dk1"/>
+            </a:lnRef>
+            <a:fillRef idx="0">
+              <a:schemeClr val="dk1"/>
+            </a:fillRef>
+            <a:effectRef idx="0">
+              <a:schemeClr val="dk1"/>
+            </a:effectRef>
+            <a:fontRef idx="minor">
+              <a:schemeClr val="tx1"/>
+            </a:fontRef>
+          </p:style>
+        </p:cxnSp>
+        <p:sp>
+          <p:nvSpPr>
+            <p:cNvPr id="25" name="TextBox 24">
+              <a:extLst>
+                <a:ext uri="{FF2B5EF4-FFF2-40B4-BE49-F238E27FC236}">
+                  <a16:creationId xmlns:a16="http://schemas.microsoft.com/office/drawing/2014/main" id="{F78140EA-46C1-EE44-B006-B294D906B91C}"/>
+                </a:ext>
+              </a:extLst>
+            </p:cNvPr>
+            <p:cNvSpPr txBox="1"/>
+            <p:nvPr/>
+          </p:nvSpPr>
+          <p:spPr>
+            <a:xfrm>
+              <a:off x="10519261" y="1782646"/>
+              <a:ext cx="548532" cy="346307"/>
+            </a:xfrm>
+            <a:prstGeom prst="rect">
+              <a:avLst/>
+            </a:prstGeom>
+            <a:noFill/>
+          </p:spPr>
+          <p:txBody>
+            <a:bodyPr wrap="square" rtlCol="0">
+              <a:spAutoFit/>
+            </a:bodyPr>
+            <a:lstStyle/>
+            <a:p>
+              <a:r>
+                <a:rPr lang="en-US" sz="1600" dirty="0">
+                  <a:latin typeface="Avenir Book" panose="02000503020000020003" pitchFamily="2" charset="0"/>
+                </a:rPr>
+                <a:t>H</a:t>
+              </a:r>
+              <a:r>
+                <a:rPr lang="en-US" sz="1600" baseline="30000" dirty="0">
+                  <a:latin typeface="Avenir Book" panose="02000503020000020003" pitchFamily="2" charset="0"/>
+                </a:rPr>
+                <a:t>+</a:t>
+              </a:r>
+              <a:endParaRPr lang="en-US" sz="1600" dirty="0">
+                <a:latin typeface="Avenir Book" panose="02000503020000020003" pitchFamily="2" charset="0"/>
+              </a:endParaRPr>
+            </a:p>
+          </p:txBody>
+        </p:sp>
+        <p:graphicFrame>
+          <p:nvGraphicFramePr>
+            <p:cNvPr id="26" name="Diagram 25">
+              <a:extLst>
+                <a:ext uri="{FF2B5EF4-FFF2-40B4-BE49-F238E27FC236}">
+                  <a16:creationId xmlns:a16="http://schemas.microsoft.com/office/drawing/2014/main" id="{7F5502FE-363C-9C43-9304-89A3A5BAF41D}"/>
+                </a:ext>
+              </a:extLst>
+            </p:cNvPr>
+            <p:cNvGraphicFramePr/>
+            <p:nvPr/>
+          </p:nvGraphicFramePr>
+          <p:xfrm>
+            <a:off x="7670637" y="3134269"/>
+            <a:ext cx="1225550" cy="1180476"/>
+          </p:xfrm>
+          <a:graphic>
+            <a:graphicData uri="http://schemas.openxmlformats.org/drawingml/2006/diagram">
+              <dgm:relIds xmlns:dgm="http://schemas.openxmlformats.org/drawingml/2006/diagram" xmlns:r="http://schemas.openxmlformats.org/officeDocument/2006/relationships" r:dm="rId5" r:lo="rId6" r:qs="rId7" r:cs="rId8"/>
+            </a:graphicData>
+          </a:graphic>
+        </p:graphicFrame>
+        <p:sp>
+          <p:nvSpPr>
+            <p:cNvPr id="27" name="TextBox 26">
+              <a:extLst>
+                <a:ext uri="{FF2B5EF4-FFF2-40B4-BE49-F238E27FC236}">
+                  <a16:creationId xmlns:a16="http://schemas.microsoft.com/office/drawing/2014/main" id="{BB2AB0E8-6363-B344-B824-D8E1F8C0C9C9}"/>
+                </a:ext>
+              </a:extLst>
+            </p:cNvPr>
+            <p:cNvSpPr txBox="1"/>
+            <p:nvPr/>
+          </p:nvSpPr>
+          <p:spPr>
+            <a:xfrm>
+              <a:off x="7975436" y="3612707"/>
+              <a:ext cx="1016000" cy="307208"/>
+            </a:xfrm>
+            <a:prstGeom prst="rect">
+              <a:avLst/>
+            </a:prstGeom>
+            <a:noFill/>
+          </p:spPr>
+          <p:txBody>
+            <a:bodyPr wrap="square" rtlCol="0">
+              <a:spAutoFit/>
+            </a:bodyPr>
+            <a:lstStyle/>
+            <a:p>
+              <a:r>
+                <a:rPr lang="en-US" sz="1200" dirty="0">
+                  <a:latin typeface="Avenir Book" panose="02000503020000020003" pitchFamily="2" charset="0"/>
+                </a:rPr>
+                <a:t>TX/TL</a:t>
+              </a:r>
+            </a:p>
+          </p:txBody>
+        </p:sp>
+        <p:cxnSp>
+          <p:nvCxnSpPr>
+            <p:cNvPr id="28" name="Curved Connector 27">
+              <a:extLst>
+                <a:ext uri="{FF2B5EF4-FFF2-40B4-BE49-F238E27FC236}">
+                  <a16:creationId xmlns:a16="http://schemas.microsoft.com/office/drawing/2014/main" id="{24106374-26E9-5A45-8848-4524B2524937}"/>
+                </a:ext>
+              </a:extLst>
+            </p:cNvPr>
+            <p:cNvCxnSpPr>
+              <a:cxnSpLocks/>
+            </p:cNvCxnSpPr>
+            <p:nvPr/>
+          </p:nvCxnSpPr>
+          <p:spPr>
+            <a:xfrm rot="5400000" flipH="1" flipV="1">
+              <a:off x="8019226" y="3017639"/>
+              <a:ext cx="478438" cy="382691"/>
+            </a:xfrm>
+            <a:prstGeom prst="curvedConnector3">
+              <a:avLst>
+                <a:gd name="adj1" fmla="val 93157"/>
+              </a:avLst>
+            </a:prstGeom>
+            <a:ln>
+              <a:tailEnd type="triangle"/>
+            </a:ln>
+          </p:spPr>
+          <p:style>
+            <a:lnRef idx="1">
+              <a:schemeClr val="dk1"/>
+            </a:lnRef>
+            <a:fillRef idx="0">
+              <a:schemeClr val="dk1"/>
+            </a:fillRef>
+            <a:effectRef idx="0">
+              <a:schemeClr val="dk1"/>
+            </a:effectRef>
+            <a:fontRef idx="minor">
+              <a:schemeClr val="tx1"/>
+            </a:fontRef>
+          </p:style>
+        </p:cxnSp>
+        <p:cxnSp>
+          <p:nvCxnSpPr>
+            <p:cNvPr id="29" name="Curved Connector 28">
+              <a:extLst>
+                <a:ext uri="{FF2B5EF4-FFF2-40B4-BE49-F238E27FC236}">
+                  <a16:creationId xmlns:a16="http://schemas.microsoft.com/office/drawing/2014/main" id="{63D0D10E-0AA6-6E44-8E09-59896082C8DB}"/>
+                </a:ext>
+              </a:extLst>
+            </p:cNvPr>
+            <p:cNvCxnSpPr>
+              <a:cxnSpLocks/>
+            </p:cNvCxnSpPr>
+            <p:nvPr/>
+          </p:nvCxnSpPr>
+          <p:spPr>
+            <a:xfrm rot="10800000" flipV="1">
+              <a:off x="8532940" y="3714080"/>
+              <a:ext cx="1060456" cy="152300"/>
+            </a:xfrm>
+            <a:prstGeom prst="curvedConnector3">
+              <a:avLst>
+                <a:gd name="adj1" fmla="val -4240"/>
+              </a:avLst>
+            </a:prstGeom>
+            <a:ln>
+              <a:tailEnd type="triangle"/>
+            </a:ln>
+          </p:spPr>
+          <p:style>
+            <a:lnRef idx="1">
+              <a:schemeClr val="dk1"/>
+            </a:lnRef>
+            <a:fillRef idx="0">
+              <a:schemeClr val="dk1"/>
+            </a:fillRef>
+            <a:effectRef idx="0">
+              <a:schemeClr val="dk1"/>
+            </a:effectRef>
+            <a:fontRef idx="minor">
+              <a:schemeClr val="tx1"/>
+            </a:fontRef>
+          </p:style>
+        </p:cxnSp>
+      </p:grpSp>
+      <p:sp>
+        <p:nvSpPr>
+          <p:cNvPr id="30" name="TextBox 29">
+            <a:extLst>
+              <a:ext uri="{FF2B5EF4-FFF2-40B4-BE49-F238E27FC236}">
+                <a16:creationId xmlns:a16="http://schemas.microsoft.com/office/drawing/2014/main" id="{7A19F486-C676-3F40-86A3-38309C63648F}"/>
+              </a:ext>
+            </a:extLst>
+          </p:cNvPr>
+          <p:cNvSpPr txBox="1"/>
+          <p:nvPr/>
+        </p:nvSpPr>
+        <p:spPr>
+          <a:xfrm>
+            <a:off x="1167832" y="6600693"/>
+            <a:ext cx="1518364" cy="261610"/>
+          </a:xfrm>
+          <a:prstGeom prst="rect">
+            <a:avLst/>
+          </a:prstGeom>
+          <a:noFill/>
+        </p:spPr>
+        <p:txBody>
+          <a:bodyPr wrap="none" rtlCol="0">
+            <a:spAutoFit/>
+          </a:bodyPr>
+          <a:lstStyle/>
+          <a:p>
+            <a:r>
+              <a:rPr lang="en-US" sz="1100" dirty="0">
+                <a:latin typeface="Avenir Book" panose="02000503020000020003" pitchFamily="2" charset="0"/>
+              </a:rPr>
+              <a:t>Ankita Roychoudhury</a:t>
+            </a:r>
+          </a:p>
+        </p:txBody>
+      </p:sp>
+      <p:pic>
+        <p:nvPicPr>
+          <p:cNvPr id="31" name="Picture 30" descr="A picture containing drawing&#10;&#10;Description automatically generated">
+            <a:extLst>
+              <a:ext uri="{FF2B5EF4-FFF2-40B4-BE49-F238E27FC236}">
+                <a16:creationId xmlns:a16="http://schemas.microsoft.com/office/drawing/2014/main" id="{9AD7B1B5-3576-9242-AA6E-B2832441E740}"/>
+              </a:ext>
+            </a:extLst>
+          </p:cNvPr>
+          <p:cNvPicPr>
+            <a:picLocks noChangeAspect="1"/>
+          </p:cNvPicPr>
+          <p:nvPr/>
+        </p:nvPicPr>
+        <p:blipFill rotWithShape="1">
+          <a:blip r:embed="rId10"/>
+          <a:srcRect l="245" b="862"/>
+          <a:stretch/>
+        </p:blipFill>
+        <p:spPr>
+          <a:xfrm>
+            <a:off x="34411" y="6560127"/>
+            <a:ext cx="1074881" cy="259080"/>
+          </a:xfrm>
+          <a:prstGeom prst="rect">
+            <a:avLst/>
+          </a:prstGeom>
+        </p:spPr>
+      </p:pic>
+      <p:sp>
+        <p:nvSpPr>
+          <p:cNvPr id="13" name="TextBox 12">
+            <a:extLst>
+              <a:ext uri="{FF2B5EF4-FFF2-40B4-BE49-F238E27FC236}">
+                <a16:creationId xmlns:a16="http://schemas.microsoft.com/office/drawing/2014/main" id="{811435C7-EC17-0F49-9268-E066519B20F2}"/>
+              </a:ext>
+            </a:extLst>
+          </p:cNvPr>
+          <p:cNvSpPr txBox="1"/>
+          <p:nvPr/>
+        </p:nvSpPr>
+        <p:spPr>
+          <a:xfrm>
+            <a:off x="4904509" y="1274777"/>
+            <a:ext cx="311727" cy="369332"/>
+          </a:xfrm>
+          <a:prstGeom prst="rect">
+            <a:avLst/>
+          </a:prstGeom>
+          <a:solidFill>
+            <a:schemeClr val="bg1"/>
+          </a:solidFill>
+        </p:spPr>
+        <p:txBody>
+          <a:bodyPr wrap="square" rtlCol="0">
+            <a:spAutoFit/>
+          </a:bodyPr>
+          <a:lstStyle/>
+          <a:p>
+            <a:endParaRPr lang="en-US" dirty="0"/>
           </a:p>
         </p:txBody>
       </p:sp>
     </p:spTree>
     <p:extLst>
       <p:ext uri="{BB962C8B-B14F-4D97-AF65-F5344CB8AC3E}">
-        <p14:creationId xmlns:p14="http://schemas.microsoft.com/office/powerpoint/2010/main" val="148272130"/>
+        <p14:creationId xmlns:p14="http://schemas.microsoft.com/office/powerpoint/2010/main" val="877101300"/>
       </p:ext>
     </p:extLst>
   </p:cSld>
@@ -3671,10 +8978,347 @@
       </p:grpSpPr>
       <p:sp>
         <p:nvSpPr>
-          <p:cNvPr id="4" name="Title 3">
+          <p:cNvPr id="2" name="Title 1">
             <a:extLst>
               <a:ext uri="{FF2B5EF4-FFF2-40B4-BE49-F238E27FC236}">
-                <a16:creationId xmlns:a16="http://schemas.microsoft.com/office/drawing/2014/main" id="{2E166007-BDDB-294E-8B02-E6F003FECEAB}"/>
+                <a16:creationId xmlns:a16="http://schemas.microsoft.com/office/drawing/2014/main" id="{99201DE2-1723-7F45-B8BA-ABC8FCE58A6C}"/>
+              </a:ext>
+            </a:extLst>
+          </p:cNvPr>
+          <p:cNvSpPr>
+            <a:spLocks noGrp="1"/>
+          </p:cNvSpPr>
+          <p:nvPr>
+            <p:ph type="title"/>
+          </p:nvPr>
+        </p:nvSpPr>
+        <p:spPr>
+          <a:xfrm>
+            <a:off x="599050" y="182245"/>
+            <a:ext cx="2934245" cy="1325563"/>
+          </a:xfrm>
+        </p:spPr>
+        <p:txBody>
+          <a:bodyPr>
+            <a:normAutofit/>
+          </a:bodyPr>
+          <a:lstStyle/>
+          <a:p>
+            <a:r>
+              <a:rPr lang="en-US" sz="3200" b="1" dirty="0"/>
+              <a:t>ATP Rheostat</a:t>
+            </a:r>
+          </a:p>
+        </p:txBody>
+      </p:sp>
+      <p:sp>
+        <p:nvSpPr>
+          <p:cNvPr id="3" name="Content Placeholder 2">
+            <a:extLst>
+              <a:ext uri="{FF2B5EF4-FFF2-40B4-BE49-F238E27FC236}">
+                <a16:creationId xmlns:a16="http://schemas.microsoft.com/office/drawing/2014/main" id="{201F33AC-F558-2E4D-90C2-F9190B62EEF4}"/>
+              </a:ext>
+            </a:extLst>
+          </p:cNvPr>
+          <p:cNvSpPr>
+            <a:spLocks noGrp="1"/>
+          </p:cNvSpPr>
+          <p:nvPr>
+            <p:ph idx="1"/>
+          </p:nvPr>
+        </p:nvSpPr>
+        <p:spPr>
+          <a:xfrm>
+            <a:off x="599050" y="1652498"/>
+            <a:ext cx="4690402" cy="4762370"/>
+          </a:xfrm>
+        </p:spPr>
+        <p:txBody>
+          <a:bodyPr>
+            <a:normAutofit/>
+          </a:bodyPr>
+          <a:lstStyle/>
+          <a:p>
+            <a:pPr marL="0" indent="0">
+              <a:buNone/>
+            </a:pPr>
+            <a:r>
+              <a:rPr lang="en-US" dirty="0"/>
+              <a:t>Reduced Model:</a:t>
+            </a:r>
+          </a:p>
+          <a:p>
+            <a:endParaRPr lang="en-US" dirty="0"/>
+          </a:p>
+          <a:p>
+            <a:endParaRPr lang="en-US" dirty="0"/>
+          </a:p>
+          <a:p>
+            <a:endParaRPr lang="en-US" dirty="0"/>
+          </a:p>
+          <a:p>
+            <a:endParaRPr lang="en-US" dirty="0"/>
+          </a:p>
+          <a:p>
+            <a:endParaRPr lang="en-US" dirty="0"/>
+          </a:p>
+          <a:p>
+            <a:pPr marL="0" indent="0">
+              <a:buNone/>
+            </a:pPr>
+            <a:r>
+              <a:rPr lang="en-US" dirty="0"/>
+              <a:t>Continue to collaborate</a:t>
+            </a:r>
+          </a:p>
+        </p:txBody>
+      </p:sp>
+      <p:pic>
+        <p:nvPicPr>
+          <p:cNvPr id="4" name="Picture 3" descr="A close up of a map&#10;&#10;Description automatically generated">
+            <a:extLst>
+              <a:ext uri="{FF2B5EF4-FFF2-40B4-BE49-F238E27FC236}">
+                <a16:creationId xmlns:a16="http://schemas.microsoft.com/office/drawing/2014/main" id="{672D5C10-EF45-4A4E-9F8D-762521D371C3}"/>
+              </a:ext>
+            </a:extLst>
+          </p:cNvPr>
+          <p:cNvPicPr>
+            <a:picLocks noChangeAspect="1"/>
+          </p:cNvPicPr>
+          <p:nvPr/>
+        </p:nvPicPr>
+        <p:blipFill>
+          <a:blip r:embed="rId2"/>
+          <a:stretch>
+            <a:fillRect/>
+          </a:stretch>
+        </p:blipFill>
+        <p:spPr>
+          <a:xfrm>
+            <a:off x="4334747" y="1153247"/>
+            <a:ext cx="3715076" cy="2743200"/>
+          </a:xfrm>
+          <a:prstGeom prst="rect">
+            <a:avLst/>
+          </a:prstGeom>
+        </p:spPr>
+      </p:pic>
+      <p:pic>
+        <p:nvPicPr>
+          <p:cNvPr id="5" name="Picture 4" descr="A close up of a map&#10;&#10;Description automatically generated">
+            <a:extLst>
+              <a:ext uri="{FF2B5EF4-FFF2-40B4-BE49-F238E27FC236}">
+                <a16:creationId xmlns:a16="http://schemas.microsoft.com/office/drawing/2014/main" id="{7708A3E1-10AE-BE42-A88D-DBC5FF5FBD82}"/>
+              </a:ext>
+            </a:extLst>
+          </p:cNvPr>
+          <p:cNvPicPr>
+            <a:picLocks noChangeAspect="1"/>
+          </p:cNvPicPr>
+          <p:nvPr/>
+        </p:nvPicPr>
+        <p:blipFill>
+          <a:blip r:embed="rId3"/>
+          <a:stretch>
+            <a:fillRect/>
+          </a:stretch>
+        </p:blipFill>
+        <p:spPr>
+          <a:xfrm>
+            <a:off x="8044382" y="1153247"/>
+            <a:ext cx="3715077" cy="2743200"/>
+          </a:xfrm>
+          <a:prstGeom prst="rect">
+            <a:avLst/>
+          </a:prstGeom>
+        </p:spPr>
+      </p:pic>
+      <p:pic>
+        <p:nvPicPr>
+          <p:cNvPr id="6" name="Picture 5" descr="A picture containing drawing&#10;&#10;Description automatically generated">
+            <a:extLst>
+              <a:ext uri="{FF2B5EF4-FFF2-40B4-BE49-F238E27FC236}">
+                <a16:creationId xmlns:a16="http://schemas.microsoft.com/office/drawing/2014/main" id="{28273CE0-A5A1-254D-A285-3824DB9C54FB}"/>
+              </a:ext>
+            </a:extLst>
+          </p:cNvPr>
+          <p:cNvPicPr>
+            <a:picLocks noChangeAspect="1"/>
+          </p:cNvPicPr>
+          <p:nvPr/>
+        </p:nvPicPr>
+        <p:blipFill>
+          <a:blip r:embed="rId4"/>
+          <a:stretch>
+            <a:fillRect/>
+          </a:stretch>
+        </p:blipFill>
+        <p:spPr>
+          <a:xfrm>
+            <a:off x="11117119" y="6514803"/>
+            <a:ext cx="1074881" cy="343197"/>
+          </a:xfrm>
+          <a:prstGeom prst="rect">
+            <a:avLst/>
+          </a:prstGeom>
+        </p:spPr>
+      </p:pic>
+    </p:spTree>
+    <p:extLst>
+      <p:ext uri="{BB962C8B-B14F-4D97-AF65-F5344CB8AC3E}">
+        <p14:creationId xmlns:p14="http://schemas.microsoft.com/office/powerpoint/2010/main" val="2197579436"/>
+      </p:ext>
+    </p:extLst>
+  </p:cSld>
+  <p:clrMapOvr>
+    <a:masterClrMapping/>
+  </p:clrMapOvr>
+  <p:timing>
+    <p:tnLst>
+      <p:par>
+        <p:cTn id="1" dur="indefinite" restart="never" nodeType="tmRoot">
+          <p:childTnLst>
+            <p:seq concurrent="1" nextAc="seek">
+              <p:cTn id="2" dur="indefinite" nodeType="mainSeq">
+                <p:childTnLst>
+                  <p:par>
+                    <p:cTn id="3" fill="hold">
+                      <p:stCondLst>
+                        <p:cond delay="indefinite"/>
+                      </p:stCondLst>
+                      <p:childTnLst>
+                        <p:par>
+                          <p:cTn id="4" fill="hold">
+                            <p:stCondLst>
+                              <p:cond delay="0"/>
+                            </p:stCondLst>
+                            <p:childTnLst>
+                              <p:par>
+                                <p:cTn id="5" presetID="1" presetClass="entr" presetSubtype="0" fill="hold" nodeType="clickEffect">
+                                  <p:stCondLst>
+                                    <p:cond delay="0"/>
+                                  </p:stCondLst>
+                                  <p:childTnLst>
+                                    <p:set>
+                                      <p:cBhvr>
+                                        <p:cTn id="6" dur="1" fill="hold">
+                                          <p:stCondLst>
+                                            <p:cond delay="0"/>
+                                          </p:stCondLst>
+                                        </p:cTn>
+                                        <p:tgtEl>
+                                          <p:spTgt spid="4"/>
+                                        </p:tgtEl>
+                                        <p:attrNameLst>
+                                          <p:attrName>style.visibility</p:attrName>
+                                        </p:attrNameLst>
+                                      </p:cBhvr>
+                                      <p:to>
+                                        <p:strVal val="visible"/>
+                                      </p:to>
+                                    </p:set>
+                                  </p:childTnLst>
+                                </p:cTn>
+                              </p:par>
+                            </p:childTnLst>
+                          </p:cTn>
+                        </p:par>
+                      </p:childTnLst>
+                    </p:cTn>
+                  </p:par>
+                  <p:par>
+                    <p:cTn id="7" fill="hold">
+                      <p:stCondLst>
+                        <p:cond delay="indefinite"/>
+                      </p:stCondLst>
+                      <p:childTnLst>
+                        <p:par>
+                          <p:cTn id="8" fill="hold">
+                            <p:stCondLst>
+                              <p:cond delay="0"/>
+                            </p:stCondLst>
+                            <p:childTnLst>
+                              <p:par>
+                                <p:cTn id="9" presetID="1" presetClass="entr" presetSubtype="0" fill="hold" nodeType="clickEffect">
+                                  <p:stCondLst>
+                                    <p:cond delay="0"/>
+                                  </p:stCondLst>
+                                  <p:childTnLst>
+                                    <p:set>
+                                      <p:cBhvr>
+                                        <p:cTn id="10" dur="1" fill="hold">
+                                          <p:stCondLst>
+                                            <p:cond delay="0"/>
+                                          </p:stCondLst>
+                                        </p:cTn>
+                                        <p:tgtEl>
+                                          <p:spTgt spid="5"/>
+                                        </p:tgtEl>
+                                        <p:attrNameLst>
+                                          <p:attrName>style.visibility</p:attrName>
+                                        </p:attrNameLst>
+                                      </p:cBhvr>
+                                      <p:to>
+                                        <p:strVal val="visible"/>
+                                      </p:to>
+                                    </p:set>
+                                  </p:childTnLst>
+                                </p:cTn>
+                              </p:par>
+                            </p:childTnLst>
+                          </p:cTn>
+                        </p:par>
+                      </p:childTnLst>
+                    </p:cTn>
+                  </p:par>
+                </p:childTnLst>
+              </p:cTn>
+              <p:prevCondLst>
+                <p:cond evt="onPrev" delay="0">
+                  <p:tgtEl>
+                    <p:sldTgt/>
+                  </p:tgtEl>
+                </p:cond>
+              </p:prevCondLst>
+              <p:nextCondLst>
+                <p:cond evt="onNext" delay="0">
+                  <p:tgtEl>
+                    <p:sldTgt/>
+                  </p:tgtEl>
+                </p:cond>
+              </p:nextCondLst>
+            </p:seq>
+          </p:childTnLst>
+        </p:cTn>
+      </p:par>
+    </p:tnLst>
+  </p:timing>
+</p:sld>
+</file>
+
+<file path=ppt/slides/slide5.xml><?xml version="1.0" encoding="utf-8"?>
+<p:sld xmlns:a="http://schemas.openxmlformats.org/drawingml/2006/main" xmlns:r="http://schemas.openxmlformats.org/officeDocument/2006/relationships" xmlns:p="http://schemas.openxmlformats.org/presentationml/2006/main">
+  <p:cSld>
+    <p:spTree>
+      <p:nvGrpSpPr>
+        <p:cNvPr id="1" name=""/>
+        <p:cNvGrpSpPr/>
+        <p:nvPr/>
+      </p:nvGrpSpPr>
+      <p:grpSpPr>
+        <a:xfrm>
+          <a:off x="0" y="0"/>
+          <a:ext cx="0" cy="0"/>
+          <a:chOff x="0" y="0"/>
+          <a:chExt cx="0" cy="0"/>
+        </a:xfrm>
+      </p:grpSpPr>
+      <p:sp>
+        <p:nvSpPr>
+          <p:cNvPr id="2" name="Title 1">
+            <a:extLst>
+              <a:ext uri="{FF2B5EF4-FFF2-40B4-BE49-F238E27FC236}">
+                <a16:creationId xmlns:a16="http://schemas.microsoft.com/office/drawing/2014/main" id="{7D2EC15F-F954-CC46-97B4-6952EEA43870}"/>
               </a:ext>
             </a:extLst>
           </p:cNvPr>
@@ -3687,22 +9331,24 @@
         </p:nvSpPr>
         <p:spPr/>
         <p:txBody>
-          <a:bodyPr/>
+          <a:bodyPr>
+            <a:normAutofit/>
+          </a:bodyPr>
           <a:lstStyle/>
           <a:p>
             <a:r>
-              <a:rPr lang="en-US" dirty="0"/>
-              <a:t>Bioscrape Modeling</a:t>
+              <a:rPr lang="en-US" sz="3200" b="1" dirty="0"/>
+              <a:t>NADPH Regeneration</a:t>
             </a:r>
           </a:p>
         </p:txBody>
       </p:sp>
       <p:sp>
         <p:nvSpPr>
-          <p:cNvPr id="5" name="Content Placeholder 4">
+          <p:cNvPr id="3" name="Content Placeholder 2">
             <a:extLst>
               <a:ext uri="{FF2B5EF4-FFF2-40B4-BE49-F238E27FC236}">
-                <a16:creationId xmlns:a16="http://schemas.microsoft.com/office/drawing/2014/main" id="{98C1650D-F933-BC4A-8898-49464EE61C5B}"/>
+                <a16:creationId xmlns:a16="http://schemas.microsoft.com/office/drawing/2014/main" id="{A0918B25-6668-D74E-B854-001DBEA24A07}"/>
               </a:ext>
             </a:extLst>
           </p:cNvPr>
@@ -3718,47 +9364,2374 @@
           <a:bodyPr/>
           <a:lstStyle/>
           <a:p>
-            <a:r>
-              <a:rPr lang="en-US" dirty="0"/>
-              <a:t>Look at all 3 enzymatic models</a:t>
-            </a:r>
-          </a:p>
-          <a:p>
-            <a:r>
-              <a:rPr lang="en-US" dirty="0"/>
-              <a:t>Understand and get valid parameter values</a:t>
-            </a:r>
-          </a:p>
-          <a:p>
-            <a:r>
-              <a:rPr lang="en-US" dirty="0"/>
-              <a:t>Get units of time and concentration</a:t>
-            </a:r>
-          </a:p>
-          <a:p>
-            <a:r>
-              <a:rPr lang="en-US" dirty="0"/>
-              <a:t>Try to find parameter values where the models look the same</a:t>
-            </a:r>
-          </a:p>
-          <a:p>
-            <a:r>
-              <a:rPr lang="en-US" dirty="0"/>
-              <a:t>Try to pick a model</a:t>
-            </a:r>
+            <a:endParaRPr lang="en-US" dirty="0"/>
           </a:p>
         </p:txBody>
       </p:sp>
+      <p:pic>
+        <p:nvPicPr>
+          <p:cNvPr id="4" name="Picture 3" descr="A picture containing drawing&#10;&#10;Description automatically generated">
+            <a:extLst>
+              <a:ext uri="{FF2B5EF4-FFF2-40B4-BE49-F238E27FC236}">
+                <a16:creationId xmlns:a16="http://schemas.microsoft.com/office/drawing/2014/main" id="{EBE9B9A2-ACD3-C54B-9935-F7D07D654E27}"/>
+              </a:ext>
+            </a:extLst>
+          </p:cNvPr>
+          <p:cNvPicPr>
+            <a:picLocks noChangeAspect="1"/>
+          </p:cNvPicPr>
+          <p:nvPr/>
+        </p:nvPicPr>
+        <p:blipFill>
+          <a:blip r:embed="rId2"/>
+          <a:stretch>
+            <a:fillRect/>
+          </a:stretch>
+        </p:blipFill>
+        <p:spPr>
+          <a:xfrm>
+            <a:off x="11117119" y="6514803"/>
+            <a:ext cx="1074881" cy="343197"/>
+          </a:xfrm>
+          <a:prstGeom prst="rect">
+            <a:avLst/>
+          </a:prstGeom>
+        </p:spPr>
+      </p:pic>
     </p:spTree>
     <p:extLst>
       <p:ext uri="{BB962C8B-B14F-4D97-AF65-F5344CB8AC3E}">
-        <p14:creationId xmlns:p14="http://schemas.microsoft.com/office/powerpoint/2010/main" val="3835377248"/>
+        <p14:creationId xmlns:p14="http://schemas.microsoft.com/office/powerpoint/2010/main" val="2075678809"/>
       </p:ext>
     </p:extLst>
   </p:cSld>
   <p:clrMapOvr>
     <a:masterClrMapping/>
   </p:clrMapOvr>
+</p:sld>
+</file>
+
+<file path=ppt/slides/slide6.xml><?xml version="1.0" encoding="utf-8"?>
+<p:sld xmlns:a="http://schemas.openxmlformats.org/drawingml/2006/main" xmlns:r="http://schemas.openxmlformats.org/officeDocument/2006/relationships" xmlns:p="http://schemas.openxmlformats.org/presentationml/2006/main">
+  <p:cSld>
+    <p:spTree>
+      <p:nvGrpSpPr>
+        <p:cNvPr id="1" name=""/>
+        <p:cNvGrpSpPr/>
+        <p:nvPr/>
+      </p:nvGrpSpPr>
+      <p:grpSpPr>
+        <a:xfrm>
+          <a:off x="0" y="0"/>
+          <a:ext cx="0" cy="0"/>
+          <a:chOff x="0" y="0"/>
+          <a:chExt cx="0" cy="0"/>
+        </a:xfrm>
+      </p:grpSpPr>
+      <p:sp>
+        <p:nvSpPr>
+          <p:cNvPr id="4" name="Title 1">
+            <a:extLst>
+              <a:ext uri="{FF2B5EF4-FFF2-40B4-BE49-F238E27FC236}">
+                <a16:creationId xmlns:a16="http://schemas.microsoft.com/office/drawing/2014/main" id="{0769011E-EBA1-9443-8DA0-34CFC8EE57F7}"/>
+              </a:ext>
+            </a:extLst>
+          </p:cNvPr>
+          <p:cNvSpPr>
+            <a:spLocks noGrp="1"/>
+          </p:cNvSpPr>
+          <p:nvPr>
+            <p:ph type="title"/>
+          </p:nvPr>
+        </p:nvSpPr>
+        <p:spPr>
+          <a:xfrm>
+            <a:off x="186846" y="12165"/>
+            <a:ext cx="10515600" cy="1325563"/>
+          </a:xfrm>
+        </p:spPr>
+        <p:txBody>
+          <a:bodyPr>
+            <a:normAutofit/>
+          </a:bodyPr>
+          <a:lstStyle/>
+          <a:p>
+            <a:r>
+              <a:rPr lang="en-US" sz="3200" b="1" dirty="0"/>
+              <a:t>ATP synthase simulation</a:t>
+            </a:r>
+            <a:r>
+              <a:rPr lang="en-US" sz="1800" dirty="0"/>
+              <a:t> (NO MEMBRANE INTEGRATION)</a:t>
+            </a:r>
+            <a:endParaRPr lang="en-US" sz="3200" dirty="0"/>
+          </a:p>
+        </p:txBody>
+      </p:sp>
+      <p:pic>
+        <p:nvPicPr>
+          <p:cNvPr id="18" name="Picture 17" descr="A picture containing drawing&#10;&#10;Description automatically generated">
+            <a:extLst>
+              <a:ext uri="{FF2B5EF4-FFF2-40B4-BE49-F238E27FC236}">
+                <a16:creationId xmlns:a16="http://schemas.microsoft.com/office/drawing/2014/main" id="{E5F9C9FF-8E15-1E4B-9FD7-44B9F17E4111}"/>
+              </a:ext>
+            </a:extLst>
+          </p:cNvPr>
+          <p:cNvPicPr>
+            <a:picLocks noChangeAspect="1"/>
+          </p:cNvPicPr>
+          <p:nvPr/>
+        </p:nvPicPr>
+        <p:blipFill>
+          <a:blip r:embed="rId2"/>
+          <a:stretch>
+            <a:fillRect/>
+          </a:stretch>
+        </p:blipFill>
+        <p:spPr>
+          <a:xfrm>
+            <a:off x="11117119" y="6514803"/>
+            <a:ext cx="1074881" cy="343197"/>
+          </a:xfrm>
+          <a:prstGeom prst="rect">
+            <a:avLst/>
+          </a:prstGeom>
+        </p:spPr>
+      </p:pic>
+      <p:pic>
+        <p:nvPicPr>
+          <p:cNvPr id="3" name="Picture 2" descr="A close up of a map&#10;&#10;Description automatically generated">
+            <a:extLst>
+              <a:ext uri="{FF2B5EF4-FFF2-40B4-BE49-F238E27FC236}">
+                <a16:creationId xmlns:a16="http://schemas.microsoft.com/office/drawing/2014/main" id="{E6FCE3AC-99CF-2B4F-8603-241ED5804FD0}"/>
+              </a:ext>
+            </a:extLst>
+          </p:cNvPr>
+          <p:cNvPicPr>
+            <a:picLocks noChangeAspect="1"/>
+          </p:cNvPicPr>
+          <p:nvPr/>
+        </p:nvPicPr>
+        <p:blipFill>
+          <a:blip r:embed="rId3"/>
+          <a:stretch>
+            <a:fillRect/>
+          </a:stretch>
+        </p:blipFill>
+        <p:spPr>
+          <a:xfrm>
+            <a:off x="637540" y="1163320"/>
+            <a:ext cx="4403912" cy="2286000"/>
+          </a:xfrm>
+          <a:prstGeom prst="rect">
+            <a:avLst/>
+          </a:prstGeom>
+        </p:spPr>
+      </p:pic>
+      <p:pic>
+        <p:nvPicPr>
+          <p:cNvPr id="6" name="Picture 5" descr="A screenshot of a cell phone&#10;&#10;Description automatically generated">
+            <a:extLst>
+              <a:ext uri="{FF2B5EF4-FFF2-40B4-BE49-F238E27FC236}">
+                <a16:creationId xmlns:a16="http://schemas.microsoft.com/office/drawing/2014/main" id="{716203EE-1FE0-A14F-9B5C-19801921A020}"/>
+              </a:ext>
+            </a:extLst>
+          </p:cNvPr>
+          <p:cNvPicPr>
+            <a:picLocks noChangeAspect="1"/>
+          </p:cNvPicPr>
+          <p:nvPr/>
+        </p:nvPicPr>
+        <p:blipFill>
+          <a:blip r:embed="rId4"/>
+          <a:stretch>
+            <a:fillRect/>
+          </a:stretch>
+        </p:blipFill>
+        <p:spPr>
+          <a:xfrm>
+            <a:off x="637540" y="3906520"/>
+            <a:ext cx="4403912" cy="2286000"/>
+          </a:xfrm>
+          <a:prstGeom prst="rect">
+            <a:avLst/>
+          </a:prstGeom>
+        </p:spPr>
+      </p:pic>
+      <p:pic>
+        <p:nvPicPr>
+          <p:cNvPr id="10" name="Picture 9" descr="A close up of a device&#10;&#10;Description automatically generated">
+            <a:extLst>
+              <a:ext uri="{FF2B5EF4-FFF2-40B4-BE49-F238E27FC236}">
+                <a16:creationId xmlns:a16="http://schemas.microsoft.com/office/drawing/2014/main" id="{30C8E3E4-2C27-B443-AF8B-4452B21AB451}"/>
+              </a:ext>
+            </a:extLst>
+          </p:cNvPr>
+          <p:cNvPicPr>
+            <a:picLocks noChangeAspect="1"/>
+          </p:cNvPicPr>
+          <p:nvPr/>
+        </p:nvPicPr>
+        <p:blipFill>
+          <a:blip r:embed="rId5"/>
+          <a:stretch>
+            <a:fillRect/>
+          </a:stretch>
+        </p:blipFill>
+        <p:spPr>
+          <a:xfrm>
+            <a:off x="5444646" y="1163320"/>
+            <a:ext cx="4403912" cy="2286000"/>
+          </a:xfrm>
+          <a:prstGeom prst="rect">
+            <a:avLst/>
+          </a:prstGeom>
+        </p:spPr>
+      </p:pic>
+    </p:spTree>
+    <p:extLst>
+      <p:ext uri="{BB962C8B-B14F-4D97-AF65-F5344CB8AC3E}">
+        <p14:creationId xmlns:p14="http://schemas.microsoft.com/office/powerpoint/2010/main" val="3511222339"/>
+      </p:ext>
+    </p:extLst>
+  </p:cSld>
+  <p:clrMapOvr>
+    <a:masterClrMapping/>
+  </p:clrMapOvr>
+</p:sld>
+</file>
+
+<file path=ppt/slides/slide7.xml><?xml version="1.0" encoding="utf-8"?>
+<p:sld xmlns:a="http://schemas.openxmlformats.org/drawingml/2006/main" xmlns:r="http://schemas.openxmlformats.org/officeDocument/2006/relationships" xmlns:p="http://schemas.openxmlformats.org/presentationml/2006/main">
+  <p:cSld>
+    <p:spTree>
+      <p:nvGrpSpPr>
+        <p:cNvPr id="1" name=""/>
+        <p:cNvGrpSpPr/>
+        <p:nvPr/>
+      </p:nvGrpSpPr>
+      <p:grpSpPr>
+        <a:xfrm>
+          <a:off x="0" y="0"/>
+          <a:ext cx="0" cy="0"/>
+          <a:chOff x="0" y="0"/>
+          <a:chExt cx="0" cy="0"/>
+        </a:xfrm>
+      </p:grpSpPr>
+      <p:sp>
+        <p:nvSpPr>
+          <p:cNvPr id="2" name="Title 1">
+            <a:extLst>
+              <a:ext uri="{FF2B5EF4-FFF2-40B4-BE49-F238E27FC236}">
+                <a16:creationId xmlns:a16="http://schemas.microsoft.com/office/drawing/2014/main" id="{71AC8EA5-53AA-0A46-B0C1-AB0ABB692D7A}"/>
+              </a:ext>
+            </a:extLst>
+          </p:cNvPr>
+          <p:cNvSpPr>
+            <a:spLocks noGrp="1"/>
+          </p:cNvSpPr>
+          <p:nvPr>
+            <p:ph type="title"/>
+          </p:nvPr>
+        </p:nvSpPr>
+        <p:spPr>
+          <a:xfrm>
+            <a:off x="118872" y="0"/>
+            <a:ext cx="10515600" cy="1325563"/>
+          </a:xfrm>
+        </p:spPr>
+        <p:txBody>
+          <a:bodyPr>
+            <a:normAutofit/>
+          </a:bodyPr>
+          <a:lstStyle/>
+          <a:p>
+            <a:r>
+              <a:rPr lang="en-US" sz="3200" b="1" dirty="0"/>
+              <a:t>ATP Synthase Model with Gene Expression </a:t>
+            </a:r>
+            <a:r>
+              <a:rPr lang="en-US" sz="1800" dirty="0"/>
+              <a:t>ZOILA’ DATA</a:t>
+            </a:r>
+            <a:endParaRPr lang="en-US" sz="1800" b="1" dirty="0"/>
+          </a:p>
+        </p:txBody>
+      </p:sp>
+      <p:pic>
+        <p:nvPicPr>
+          <p:cNvPr id="9" name="Picture 8" descr="A close up of a map&#10;&#10;Description automatically generated">
+            <a:extLst>
+              <a:ext uri="{FF2B5EF4-FFF2-40B4-BE49-F238E27FC236}">
+                <a16:creationId xmlns:a16="http://schemas.microsoft.com/office/drawing/2014/main" id="{12C749DE-B59F-5045-B103-8D51CE570F96}"/>
+              </a:ext>
+            </a:extLst>
+          </p:cNvPr>
+          <p:cNvPicPr>
+            <a:picLocks noChangeAspect="1"/>
+          </p:cNvPicPr>
+          <p:nvPr/>
+        </p:nvPicPr>
+        <p:blipFill>
+          <a:blip r:embed="rId3"/>
+          <a:stretch>
+            <a:fillRect/>
+          </a:stretch>
+        </p:blipFill>
+        <p:spPr>
+          <a:xfrm>
+            <a:off x="1219200" y="1325563"/>
+            <a:ext cx="3729990" cy="3315546"/>
+          </a:xfrm>
+          <a:prstGeom prst="rect">
+            <a:avLst/>
+          </a:prstGeom>
+        </p:spPr>
+      </p:pic>
+      <p:sp>
+        <p:nvSpPr>
+          <p:cNvPr id="10" name="TextBox 9">
+            <a:extLst>
+              <a:ext uri="{FF2B5EF4-FFF2-40B4-BE49-F238E27FC236}">
+                <a16:creationId xmlns:a16="http://schemas.microsoft.com/office/drawing/2014/main" id="{EF34BDC0-E32D-7F4F-8738-9A51F41A5652}"/>
+              </a:ext>
+            </a:extLst>
+          </p:cNvPr>
+          <p:cNvSpPr txBox="1"/>
+          <p:nvPr/>
+        </p:nvSpPr>
+        <p:spPr>
+          <a:xfrm>
+            <a:off x="1219200" y="5974080"/>
+            <a:ext cx="8351520" cy="369332"/>
+          </a:xfrm>
+          <a:prstGeom prst="rect">
+            <a:avLst/>
+          </a:prstGeom>
+          <a:noFill/>
+        </p:spPr>
+        <p:txBody>
+          <a:bodyPr wrap="square" rtlCol="0">
+            <a:spAutoFit/>
+          </a:bodyPr>
+          <a:lstStyle/>
+          <a:p>
+            <a:r>
+              <a:rPr lang="en-US" b="1" dirty="0">
+                <a:latin typeface="Avenir Book" panose="02000503020000020003" pitchFamily="2" charset="0"/>
+              </a:rPr>
+              <a:t>Membrane integration steady state for </a:t>
+            </a:r>
+            <a:r>
+              <a:rPr lang="en-US" b="1" dirty="0" err="1">
+                <a:latin typeface="Avenir Book" panose="02000503020000020003" pitchFamily="2" charset="0"/>
+              </a:rPr>
+              <a:t>MsbA</a:t>
+            </a:r>
+            <a:r>
+              <a:rPr lang="en-US" b="1" dirty="0">
+                <a:latin typeface="Avenir Book" panose="02000503020000020003" pitchFamily="2" charset="0"/>
+              </a:rPr>
+              <a:t> with </a:t>
+            </a:r>
+            <a:r>
+              <a:rPr lang="en-US" b="1" dirty="0" err="1">
+                <a:latin typeface="Avenir Book" panose="02000503020000020003" pitchFamily="2" charset="0"/>
+              </a:rPr>
+              <a:t>sfGFP</a:t>
+            </a:r>
+            <a:r>
+              <a:rPr lang="en-US" b="1" dirty="0">
+                <a:latin typeface="Avenir Book" panose="02000503020000020003" pitchFamily="2" charset="0"/>
+              </a:rPr>
+              <a:t> around 6.5 hours</a:t>
+            </a:r>
+          </a:p>
+        </p:txBody>
+      </p:sp>
+      <p:pic>
+        <p:nvPicPr>
+          <p:cNvPr id="12" name="Picture 11" descr="A picture containing drawing&#10;&#10;Description automatically generated">
+            <a:extLst>
+              <a:ext uri="{FF2B5EF4-FFF2-40B4-BE49-F238E27FC236}">
+                <a16:creationId xmlns:a16="http://schemas.microsoft.com/office/drawing/2014/main" id="{ABABE6BE-6B75-7542-9CC1-A64DB0F9B380}"/>
+              </a:ext>
+            </a:extLst>
+          </p:cNvPr>
+          <p:cNvPicPr>
+            <a:picLocks noChangeAspect="1"/>
+          </p:cNvPicPr>
+          <p:nvPr/>
+        </p:nvPicPr>
+        <p:blipFill>
+          <a:blip r:embed="rId4"/>
+          <a:stretch>
+            <a:fillRect/>
+          </a:stretch>
+        </p:blipFill>
+        <p:spPr>
+          <a:xfrm>
+            <a:off x="11117119" y="6514803"/>
+            <a:ext cx="1074881" cy="343197"/>
+          </a:xfrm>
+          <a:prstGeom prst="rect">
+            <a:avLst/>
+          </a:prstGeom>
+        </p:spPr>
+      </p:pic>
+      <p:graphicFrame>
+        <p:nvGraphicFramePr>
+          <p:cNvPr id="13" name="Table 12">
+            <a:extLst>
+              <a:ext uri="{FF2B5EF4-FFF2-40B4-BE49-F238E27FC236}">
+                <a16:creationId xmlns:a16="http://schemas.microsoft.com/office/drawing/2014/main" id="{86572710-91A0-704F-A44E-420C6DC6920B}"/>
+              </a:ext>
+            </a:extLst>
+          </p:cNvPr>
+          <p:cNvGraphicFramePr>
+            <a:graphicFrameLocks noGrp="1"/>
+          </p:cNvGraphicFramePr>
+          <p:nvPr>
+            <p:extLst>
+              <p:ext uri="{D42A27DB-BD31-4B8C-83A1-F6EECF244321}">
+                <p14:modId xmlns:p14="http://schemas.microsoft.com/office/powerpoint/2010/main" val="1286506601"/>
+              </p:ext>
+            </p:extLst>
+          </p:nvPr>
+        </p:nvGraphicFramePr>
+        <p:xfrm>
+          <a:off x="5760720" y="1376112"/>
+          <a:ext cx="5650737" cy="2956090"/>
+        </p:xfrm>
+        <a:graphic>
+          <a:graphicData uri="http://schemas.openxmlformats.org/drawingml/2006/table">
+            <a:tbl>
+              <a:tblPr firstRow="1" bandRow="1">
+                <a:tableStyleId>{5C22544A-7EE6-4342-B048-85BDC9FD1C3A}</a:tableStyleId>
+              </a:tblPr>
+              <a:tblGrid>
+                <a:gridCol w="1883579">
+                  <a:extLst>
+                    <a:ext uri="{9D8B030D-6E8A-4147-A177-3AD203B41FA5}">
+                      <a16:colId xmlns:a16="http://schemas.microsoft.com/office/drawing/2014/main" val="128793464"/>
+                    </a:ext>
+                  </a:extLst>
+                </a:gridCol>
+                <a:gridCol w="1883579">
+                  <a:extLst>
+                    <a:ext uri="{9D8B030D-6E8A-4147-A177-3AD203B41FA5}">
+                      <a16:colId xmlns:a16="http://schemas.microsoft.com/office/drawing/2014/main" val="2578674939"/>
+                    </a:ext>
+                  </a:extLst>
+                </a:gridCol>
+                <a:gridCol w="1883579">
+                  <a:extLst>
+                    <a:ext uri="{9D8B030D-6E8A-4147-A177-3AD203B41FA5}">
+                      <a16:colId xmlns:a16="http://schemas.microsoft.com/office/drawing/2014/main" val="2781354920"/>
+                    </a:ext>
+                  </a:extLst>
+                </a:gridCol>
+              </a:tblGrid>
+              <a:tr h="576991">
+                <a:tc>
+                  <a:txBody>
+                    <a:bodyPr/>
+                    <a:lstStyle/>
+                    <a:p>
+                      <a:r>
+                        <a:rPr lang="en-US" sz="1600" dirty="0">
+                          <a:latin typeface="Avenir Book" panose="02000503020000020003" pitchFamily="2" charset="0"/>
+                        </a:rPr>
+                        <a:t>Protein</a:t>
+                      </a:r>
+                    </a:p>
+                  </a:txBody>
+                  <a:tcPr/>
+                </a:tc>
+                <a:tc>
+                  <a:txBody>
+                    <a:bodyPr/>
+                    <a:lstStyle/>
+                    <a:p>
+                      <a:r>
+                        <a:rPr lang="en-US" sz="1600" dirty="0">
+                          <a:latin typeface="Avenir Book" panose="02000503020000020003" pitchFamily="2" charset="0"/>
+                        </a:rPr>
+                        <a:t>Size</a:t>
+                      </a:r>
+                    </a:p>
+                  </a:txBody>
+                  <a:tcPr/>
+                </a:tc>
+                <a:tc>
+                  <a:txBody>
+                    <a:bodyPr/>
+                    <a:lstStyle/>
+                    <a:p>
+                      <a:r>
+                        <a:rPr lang="en-US" sz="1600" dirty="0">
+                          <a:latin typeface="Avenir Book" panose="02000503020000020003" pitchFamily="2" charset="0"/>
+                        </a:rPr>
+                        <a:t>Dimensions</a:t>
+                      </a:r>
+                    </a:p>
+                  </a:txBody>
+                  <a:tcPr/>
+                </a:tc>
+                <a:extLst>
+                  <a:ext uri="{0D108BD9-81ED-4DB2-BD59-A6C34878D82A}">
+                    <a16:rowId xmlns:a16="http://schemas.microsoft.com/office/drawing/2014/main" val="3299739873"/>
+                  </a:ext>
+                </a:extLst>
+              </a:tr>
+              <a:tr h="576991">
+                <a:tc>
+                  <a:txBody>
+                    <a:bodyPr/>
+                    <a:lstStyle/>
+                    <a:p>
+                      <a:r>
+                        <a:rPr lang="en-US" sz="1600" dirty="0" err="1">
+                          <a:latin typeface="Avenir Book" panose="02000503020000020003" pitchFamily="2" charset="0"/>
+                        </a:rPr>
+                        <a:t>MsbA</a:t>
+                      </a:r>
+                      <a:endParaRPr lang="en-US" sz="1600" dirty="0">
+                        <a:latin typeface="Avenir Book" panose="02000503020000020003" pitchFamily="2" charset="0"/>
+                      </a:endParaRPr>
+                    </a:p>
+                  </a:txBody>
+                  <a:tcPr/>
+                </a:tc>
+                <a:tc>
+                  <a:txBody>
+                    <a:bodyPr/>
+                    <a:lstStyle/>
+                    <a:p>
+                      <a:r>
+                        <a:rPr lang="en-US" sz="1600" dirty="0">
+                          <a:latin typeface="Avenir Book" panose="02000503020000020003" pitchFamily="2" charset="0"/>
+                        </a:rPr>
+                        <a:t>65 </a:t>
+                      </a:r>
+                      <a:r>
+                        <a:rPr lang="en-US" sz="1600" dirty="0" err="1">
+                          <a:latin typeface="Avenir Book" panose="02000503020000020003" pitchFamily="2" charset="0"/>
+                        </a:rPr>
+                        <a:t>kDa</a:t>
+                      </a:r>
+                      <a:r>
+                        <a:rPr lang="en-US" sz="1600" dirty="0">
+                          <a:latin typeface="Avenir Book" panose="02000503020000020003" pitchFamily="2" charset="0"/>
+                        </a:rPr>
+                        <a:t>, </a:t>
+                      </a:r>
+                      <a:r>
+                        <a:rPr lang="en-US" sz="1600" i="1" dirty="0" err="1">
+                          <a:latin typeface="Avenir Book" panose="02000503020000020003" pitchFamily="2" charset="0"/>
+                        </a:rPr>
+                        <a:t>E.Coli</a:t>
+                      </a:r>
+                      <a:endParaRPr lang="en-US" sz="1600" dirty="0">
+                        <a:latin typeface="Avenir Book" panose="02000503020000020003" pitchFamily="2" charset="0"/>
+                      </a:endParaRPr>
+                    </a:p>
+                  </a:txBody>
+                  <a:tcPr/>
+                </a:tc>
+                <a:tc>
+                  <a:txBody>
+                    <a:bodyPr/>
+                    <a:lstStyle/>
+                    <a:p>
+                      <a:endParaRPr lang="en-US" sz="1600" dirty="0">
+                        <a:latin typeface="Avenir Book" panose="02000503020000020003" pitchFamily="2" charset="0"/>
+                      </a:endParaRPr>
+                    </a:p>
+                  </a:txBody>
+                  <a:tcPr/>
+                </a:tc>
+                <a:extLst>
+                  <a:ext uri="{0D108BD9-81ED-4DB2-BD59-A6C34878D82A}">
+                    <a16:rowId xmlns:a16="http://schemas.microsoft.com/office/drawing/2014/main" val="3259765693"/>
+                  </a:ext>
+                </a:extLst>
+              </a:tr>
+              <a:tr h="901054">
+                <a:tc>
+                  <a:txBody>
+                    <a:bodyPr/>
+                    <a:lstStyle/>
+                    <a:p>
+                      <a:r>
+                        <a:rPr lang="en-US" sz="1600" dirty="0">
+                          <a:latin typeface="Avenir Book" panose="02000503020000020003" pitchFamily="2" charset="0"/>
+                        </a:rPr>
+                        <a:t>ATP Synthase</a:t>
+                      </a:r>
+                    </a:p>
+                  </a:txBody>
+                  <a:tcPr/>
+                </a:tc>
+                <a:tc>
+                  <a:txBody>
+                    <a:bodyPr/>
+                    <a:lstStyle/>
+                    <a:p>
+                      <a:r>
+                        <a:rPr lang="en-US" sz="1600" dirty="0">
+                          <a:latin typeface="Avenir Book" panose="02000503020000020003" pitchFamily="2" charset="0"/>
+                        </a:rPr>
+                        <a:t>27 </a:t>
+                      </a:r>
+                      <a:r>
+                        <a:rPr lang="en-US" sz="1600" dirty="0" err="1">
+                          <a:latin typeface="Avenir Book" panose="02000503020000020003" pitchFamily="2" charset="0"/>
+                        </a:rPr>
+                        <a:t>kDa</a:t>
+                      </a:r>
+                      <a:r>
+                        <a:rPr lang="en-US" sz="1600" dirty="0">
+                          <a:latin typeface="Avenir Book" panose="02000503020000020003" pitchFamily="2" charset="0"/>
+                        </a:rPr>
+                        <a:t>, mitochondrial</a:t>
+                      </a:r>
+                    </a:p>
+                  </a:txBody>
+                  <a:tcPr/>
+                </a:tc>
+                <a:tc>
+                  <a:txBody>
+                    <a:bodyPr/>
+                    <a:lstStyle/>
+                    <a:p>
+                      <a:r>
+                        <a:rPr lang="en-US" sz="1600" dirty="0">
+                          <a:latin typeface="Avenir Book" panose="02000503020000020003" pitchFamily="2" charset="0"/>
+                        </a:rPr>
+                        <a:t>Height: 20 nm, Diameter: 10 nm</a:t>
+                      </a:r>
+                    </a:p>
+                  </a:txBody>
+                  <a:tcPr/>
+                </a:tc>
+                <a:extLst>
+                  <a:ext uri="{0D108BD9-81ED-4DB2-BD59-A6C34878D82A}">
+                    <a16:rowId xmlns:a16="http://schemas.microsoft.com/office/drawing/2014/main" val="1523983051"/>
+                  </a:ext>
+                </a:extLst>
+              </a:tr>
+              <a:tr h="901054">
+                <a:tc>
+                  <a:txBody>
+                    <a:bodyPr/>
+                    <a:lstStyle/>
+                    <a:p>
+                      <a:r>
+                        <a:rPr lang="en-US" sz="1600" dirty="0" err="1">
+                          <a:latin typeface="Avenir Book" panose="02000503020000020003" pitchFamily="2" charset="0"/>
+                        </a:rPr>
+                        <a:t>sfGFP</a:t>
+                      </a:r>
+                      <a:endParaRPr lang="en-US" sz="1600" dirty="0">
+                        <a:latin typeface="Avenir Book" panose="02000503020000020003" pitchFamily="2" charset="0"/>
+                      </a:endParaRPr>
+                    </a:p>
+                  </a:txBody>
+                  <a:tcPr/>
+                </a:tc>
+                <a:tc>
+                  <a:txBody>
+                    <a:bodyPr/>
+                    <a:lstStyle/>
+                    <a:p>
+                      <a:r>
+                        <a:rPr lang="en-US" sz="1600" dirty="0">
+                          <a:latin typeface="Avenir Book" panose="02000503020000020003" pitchFamily="2" charset="0"/>
+                        </a:rPr>
+                        <a:t>26.8 </a:t>
+                      </a:r>
+                      <a:r>
+                        <a:rPr lang="en-US" sz="1600" dirty="0" err="1">
+                          <a:latin typeface="Avenir Book" panose="02000503020000020003" pitchFamily="2" charset="0"/>
+                        </a:rPr>
+                        <a:t>kDa</a:t>
+                      </a:r>
+                      <a:endParaRPr lang="en-US" sz="1600" dirty="0">
+                        <a:latin typeface="Avenir Book" panose="02000503020000020003" pitchFamily="2" charset="0"/>
+                      </a:endParaRPr>
+                    </a:p>
+                  </a:txBody>
+                  <a:tcPr/>
+                </a:tc>
+                <a:tc>
+                  <a:txBody>
+                    <a:bodyPr/>
+                    <a:lstStyle/>
+                    <a:p>
+                      <a:endParaRPr lang="en-US" sz="1600" dirty="0">
+                        <a:latin typeface="Avenir Book" panose="02000503020000020003" pitchFamily="2" charset="0"/>
+                      </a:endParaRPr>
+                    </a:p>
+                  </a:txBody>
+                  <a:tcPr/>
+                </a:tc>
+                <a:extLst>
+                  <a:ext uri="{0D108BD9-81ED-4DB2-BD59-A6C34878D82A}">
+                    <a16:rowId xmlns:a16="http://schemas.microsoft.com/office/drawing/2014/main" val="464268682"/>
+                  </a:ext>
+                </a:extLst>
+              </a:tr>
+            </a:tbl>
+          </a:graphicData>
+        </a:graphic>
+      </p:graphicFrame>
+      <p:sp>
+        <p:nvSpPr>
+          <p:cNvPr id="14" name="TextBox 13">
+            <a:extLst>
+              <a:ext uri="{FF2B5EF4-FFF2-40B4-BE49-F238E27FC236}">
+                <a16:creationId xmlns:a16="http://schemas.microsoft.com/office/drawing/2014/main" id="{CC2AE351-9AC0-494A-A381-20CE9860260C}"/>
+              </a:ext>
+            </a:extLst>
+          </p:cNvPr>
+          <p:cNvSpPr txBox="1"/>
+          <p:nvPr/>
+        </p:nvSpPr>
+        <p:spPr>
+          <a:xfrm>
+            <a:off x="7851648" y="6581001"/>
+            <a:ext cx="4242816" cy="276999"/>
+          </a:xfrm>
+          <a:prstGeom prst="rect">
+            <a:avLst/>
+          </a:prstGeom>
+          <a:noFill/>
+        </p:spPr>
+        <p:txBody>
+          <a:bodyPr wrap="square" rtlCol="0">
+            <a:spAutoFit/>
+          </a:bodyPr>
+          <a:lstStyle/>
+          <a:p>
+            <a:r>
+              <a:rPr lang="en-US" sz="1200" i="1" dirty="0">
+                <a:latin typeface="Avenir Book" panose="02000503020000020003" pitchFamily="2" charset="0"/>
+              </a:rPr>
+              <a:t>ATP Synthase Dimensions</a:t>
+            </a:r>
+            <a:r>
+              <a:rPr lang="en-US" sz="1200" dirty="0">
+                <a:latin typeface="Avenir Book" panose="02000503020000020003" pitchFamily="2" charset="0"/>
+              </a:rPr>
+              <a:t>, </a:t>
+            </a:r>
+            <a:r>
+              <a:rPr lang="en-US" sz="1200" dirty="0" err="1">
+                <a:latin typeface="Avenir Book" panose="02000503020000020003" pitchFamily="2" charset="0"/>
+              </a:rPr>
+              <a:t>Bionum</a:t>
+            </a:r>
+            <a:r>
+              <a:rPr lang="en-US" sz="1200" dirty="0">
+                <a:latin typeface="Avenir Book" panose="02000503020000020003" pitchFamily="2" charset="0"/>
+              </a:rPr>
+              <a:t> ID: 111322 </a:t>
+            </a:r>
+          </a:p>
+        </p:txBody>
+      </p:sp>
+      <p:sp>
+        <p:nvSpPr>
+          <p:cNvPr id="16" name="TextBox 15">
+            <a:extLst>
+              <a:ext uri="{FF2B5EF4-FFF2-40B4-BE49-F238E27FC236}">
+                <a16:creationId xmlns:a16="http://schemas.microsoft.com/office/drawing/2014/main" id="{0EAEB0FD-5CA8-D74C-B17B-D0BB8F2CC4F3}"/>
+              </a:ext>
+            </a:extLst>
+          </p:cNvPr>
+          <p:cNvSpPr txBox="1"/>
+          <p:nvPr/>
+        </p:nvSpPr>
+        <p:spPr>
+          <a:xfrm>
+            <a:off x="4949190" y="6581001"/>
+            <a:ext cx="3036570" cy="276999"/>
+          </a:xfrm>
+          <a:prstGeom prst="rect">
+            <a:avLst/>
+          </a:prstGeom>
+          <a:noFill/>
+        </p:spPr>
+        <p:txBody>
+          <a:bodyPr wrap="square" rtlCol="0">
+            <a:spAutoFit/>
+          </a:bodyPr>
+          <a:lstStyle/>
+          <a:p>
+            <a:r>
+              <a:rPr lang="en-US" sz="1200" i="1" dirty="0" err="1">
+                <a:latin typeface="Avenir Book" panose="02000503020000020003" pitchFamily="2" charset="0"/>
+              </a:rPr>
+              <a:t>sfGFP</a:t>
+            </a:r>
+            <a:r>
+              <a:rPr lang="en-US" sz="1200" i="1" dirty="0">
+                <a:latin typeface="Avenir Book" panose="02000503020000020003" pitchFamily="2" charset="0"/>
+              </a:rPr>
+              <a:t> size</a:t>
+            </a:r>
+            <a:r>
+              <a:rPr lang="en-US" sz="1200" dirty="0">
+                <a:latin typeface="Avenir Book" panose="02000503020000020003" pitchFamily="2" charset="0"/>
+              </a:rPr>
+              <a:t>, </a:t>
+            </a:r>
+            <a:r>
+              <a:rPr lang="en-US" sz="1200" dirty="0" err="1">
+                <a:latin typeface="Avenir Book" panose="02000503020000020003" pitchFamily="2" charset="0"/>
+              </a:rPr>
+              <a:t>FPbase</a:t>
+            </a:r>
+            <a:r>
+              <a:rPr lang="en-US" sz="1200" dirty="0">
+                <a:latin typeface="Avenir Book" panose="02000503020000020003" pitchFamily="2" charset="0"/>
+              </a:rPr>
+              <a:t> </a:t>
+            </a:r>
+            <a:r>
+              <a:rPr lang="en-US" sz="1200" dirty="0" err="1">
+                <a:latin typeface="Avenir Book" panose="02000503020000020003" pitchFamily="2" charset="0"/>
+              </a:rPr>
+              <a:t>superfolder</a:t>
+            </a:r>
+            <a:r>
+              <a:rPr lang="en-US" sz="1200" dirty="0">
+                <a:latin typeface="Avenir Book" panose="02000503020000020003" pitchFamily="2" charset="0"/>
+              </a:rPr>
+              <a:t> </a:t>
+            </a:r>
+            <a:r>
+              <a:rPr lang="en-US" sz="1200" dirty="0" err="1">
+                <a:latin typeface="Avenir Book" panose="02000503020000020003" pitchFamily="2" charset="0"/>
+              </a:rPr>
+              <a:t>gfp</a:t>
+            </a:r>
+            <a:r>
+              <a:rPr lang="en-US" sz="1200" dirty="0">
+                <a:latin typeface="Avenir Book" panose="02000503020000020003" pitchFamily="2" charset="0"/>
+              </a:rPr>
+              <a:t> page</a:t>
+            </a:r>
+          </a:p>
+        </p:txBody>
+      </p:sp>
+    </p:spTree>
+    <p:extLst>
+      <p:ext uri="{BB962C8B-B14F-4D97-AF65-F5344CB8AC3E}">
+        <p14:creationId xmlns:p14="http://schemas.microsoft.com/office/powerpoint/2010/main" val="4111605348"/>
+      </p:ext>
+    </p:extLst>
+  </p:cSld>
+  <p:clrMapOvr>
+    <a:masterClrMapping/>
+  </p:clrMapOvr>
+</p:sld>
+</file>
+
+<file path=ppt/slides/slide8.xml><?xml version="1.0" encoding="utf-8"?>
+<p:sld xmlns:a="http://schemas.openxmlformats.org/drawingml/2006/main" xmlns:r="http://schemas.openxmlformats.org/officeDocument/2006/relationships" xmlns:p="http://schemas.openxmlformats.org/presentationml/2006/main">
+  <p:cSld>
+    <p:spTree>
+      <p:nvGrpSpPr>
+        <p:cNvPr id="1" name=""/>
+        <p:cNvGrpSpPr/>
+        <p:nvPr/>
+      </p:nvGrpSpPr>
+      <p:grpSpPr>
+        <a:xfrm>
+          <a:off x="0" y="0"/>
+          <a:ext cx="0" cy="0"/>
+          <a:chOff x="0" y="0"/>
+          <a:chExt cx="0" cy="0"/>
+        </a:xfrm>
+      </p:grpSpPr>
+      <p:sp>
+        <p:nvSpPr>
+          <p:cNvPr id="2" name="Title 1">
+            <a:extLst>
+              <a:ext uri="{FF2B5EF4-FFF2-40B4-BE49-F238E27FC236}">
+                <a16:creationId xmlns:a16="http://schemas.microsoft.com/office/drawing/2014/main" id="{71AC8EA5-53AA-0A46-B0C1-AB0ABB692D7A}"/>
+              </a:ext>
+            </a:extLst>
+          </p:cNvPr>
+          <p:cNvSpPr>
+            <a:spLocks noGrp="1"/>
+          </p:cNvSpPr>
+          <p:nvPr>
+            <p:ph type="title"/>
+          </p:nvPr>
+        </p:nvSpPr>
+        <p:spPr>
+          <a:xfrm>
+            <a:off x="167640" y="0"/>
+            <a:ext cx="10515600" cy="1325563"/>
+          </a:xfrm>
+        </p:spPr>
+        <p:txBody>
+          <a:bodyPr>
+            <a:normAutofit/>
+          </a:bodyPr>
+          <a:lstStyle/>
+          <a:p>
+            <a:r>
+              <a:rPr lang="en-US" sz="3200" b="1" dirty="0"/>
+              <a:t>ATP Synthase Model with Gene Expression</a:t>
+            </a:r>
+            <a:endParaRPr lang="en-US" sz="1800" b="1" dirty="0"/>
+          </a:p>
+        </p:txBody>
+      </p:sp>
+      <p:sp>
+        <p:nvSpPr>
+          <p:cNvPr id="10" name="TextBox 9">
+            <a:extLst>
+              <a:ext uri="{FF2B5EF4-FFF2-40B4-BE49-F238E27FC236}">
+                <a16:creationId xmlns:a16="http://schemas.microsoft.com/office/drawing/2014/main" id="{EF34BDC0-E32D-7F4F-8738-9A51F41A5652}"/>
+              </a:ext>
+            </a:extLst>
+          </p:cNvPr>
+          <p:cNvSpPr txBox="1"/>
+          <p:nvPr/>
+        </p:nvSpPr>
+        <p:spPr>
+          <a:xfrm>
+            <a:off x="643352" y="6156960"/>
+            <a:ext cx="6964456" cy="369332"/>
+          </a:xfrm>
+          <a:prstGeom prst="rect">
+            <a:avLst/>
+          </a:prstGeom>
+          <a:noFill/>
+        </p:spPr>
+        <p:txBody>
+          <a:bodyPr wrap="square" rtlCol="0">
+            <a:spAutoFit/>
+          </a:bodyPr>
+          <a:lstStyle/>
+          <a:p>
+            <a:r>
+              <a:rPr lang="en-US" b="1" dirty="0">
+                <a:latin typeface="Avenir Book" panose="02000503020000020003" pitchFamily="2" charset="0"/>
+              </a:rPr>
+              <a:t>Same dynamics, with protein membrane integration delay</a:t>
+            </a:r>
+          </a:p>
+        </p:txBody>
+      </p:sp>
+      <p:pic>
+        <p:nvPicPr>
+          <p:cNvPr id="4" name="Picture 3" descr="A close up of a map&#10;&#10;Description automatically generated">
+            <a:extLst>
+              <a:ext uri="{FF2B5EF4-FFF2-40B4-BE49-F238E27FC236}">
+                <a16:creationId xmlns:a16="http://schemas.microsoft.com/office/drawing/2014/main" id="{0BC85F6D-7316-2D42-BBA0-309EBFD4EDC1}"/>
+              </a:ext>
+            </a:extLst>
+          </p:cNvPr>
+          <p:cNvPicPr>
+            <a:picLocks noChangeAspect="1"/>
+          </p:cNvPicPr>
+          <p:nvPr/>
+        </p:nvPicPr>
+        <p:blipFill>
+          <a:blip r:embed="rId2"/>
+          <a:stretch>
+            <a:fillRect/>
+          </a:stretch>
+        </p:blipFill>
+        <p:spPr>
+          <a:xfrm>
+            <a:off x="643352" y="1143000"/>
+            <a:ext cx="4403912" cy="2286000"/>
+          </a:xfrm>
+          <a:prstGeom prst="rect">
+            <a:avLst/>
+          </a:prstGeom>
+        </p:spPr>
+      </p:pic>
+      <p:pic>
+        <p:nvPicPr>
+          <p:cNvPr id="6" name="Picture 5">
+            <a:extLst>
+              <a:ext uri="{FF2B5EF4-FFF2-40B4-BE49-F238E27FC236}">
+                <a16:creationId xmlns:a16="http://schemas.microsoft.com/office/drawing/2014/main" id="{808492AA-C3FE-AD4F-98C6-ED4E1C879218}"/>
+              </a:ext>
+            </a:extLst>
+          </p:cNvPr>
+          <p:cNvPicPr>
+            <a:picLocks noChangeAspect="1"/>
+          </p:cNvPicPr>
+          <p:nvPr/>
+        </p:nvPicPr>
+        <p:blipFill>
+          <a:blip r:embed="rId3"/>
+          <a:stretch>
+            <a:fillRect/>
+          </a:stretch>
+        </p:blipFill>
+        <p:spPr>
+          <a:xfrm>
+            <a:off x="5425440" y="1143000"/>
+            <a:ext cx="4403912" cy="2286000"/>
+          </a:xfrm>
+          <a:prstGeom prst="rect">
+            <a:avLst/>
+          </a:prstGeom>
+        </p:spPr>
+      </p:pic>
+      <p:pic>
+        <p:nvPicPr>
+          <p:cNvPr id="8" name="Picture 7" descr="A screenshot of a cell phone&#10;&#10;Description automatically generated">
+            <a:extLst>
+              <a:ext uri="{FF2B5EF4-FFF2-40B4-BE49-F238E27FC236}">
+                <a16:creationId xmlns:a16="http://schemas.microsoft.com/office/drawing/2014/main" id="{8E315080-BDB8-C948-BEB7-471EBDAE9DAC}"/>
+              </a:ext>
+            </a:extLst>
+          </p:cNvPr>
+          <p:cNvPicPr>
+            <a:picLocks noChangeAspect="1"/>
+          </p:cNvPicPr>
+          <p:nvPr/>
+        </p:nvPicPr>
+        <p:blipFill>
+          <a:blip r:embed="rId4"/>
+          <a:stretch>
+            <a:fillRect/>
+          </a:stretch>
+        </p:blipFill>
+        <p:spPr>
+          <a:xfrm>
+            <a:off x="5425440" y="3558540"/>
+            <a:ext cx="4437529" cy="2286000"/>
+          </a:xfrm>
+          <a:prstGeom prst="rect">
+            <a:avLst/>
+          </a:prstGeom>
+        </p:spPr>
+      </p:pic>
+      <p:pic>
+        <p:nvPicPr>
+          <p:cNvPr id="13" name="Picture 12" descr="A screenshot of a cell phone&#10;&#10;Description automatically generated">
+            <a:extLst>
+              <a:ext uri="{FF2B5EF4-FFF2-40B4-BE49-F238E27FC236}">
+                <a16:creationId xmlns:a16="http://schemas.microsoft.com/office/drawing/2014/main" id="{DDA2FD58-9B15-C942-AD2A-587EF4BBEDA7}"/>
+              </a:ext>
+            </a:extLst>
+          </p:cNvPr>
+          <p:cNvPicPr>
+            <a:picLocks noChangeAspect="1"/>
+          </p:cNvPicPr>
+          <p:nvPr/>
+        </p:nvPicPr>
+        <p:blipFill>
+          <a:blip r:embed="rId5"/>
+          <a:stretch>
+            <a:fillRect/>
+          </a:stretch>
+        </p:blipFill>
+        <p:spPr>
+          <a:xfrm>
+            <a:off x="643352" y="3558540"/>
+            <a:ext cx="4403912" cy="2286000"/>
+          </a:xfrm>
+          <a:prstGeom prst="rect">
+            <a:avLst/>
+          </a:prstGeom>
+        </p:spPr>
+      </p:pic>
+      <p:pic>
+        <p:nvPicPr>
+          <p:cNvPr id="14" name="Picture 13" descr="A picture containing drawing&#10;&#10;Description automatically generated">
+            <a:extLst>
+              <a:ext uri="{FF2B5EF4-FFF2-40B4-BE49-F238E27FC236}">
+                <a16:creationId xmlns:a16="http://schemas.microsoft.com/office/drawing/2014/main" id="{ECB30365-E1AD-0847-B799-E9C78FBA8E10}"/>
+              </a:ext>
+            </a:extLst>
+          </p:cNvPr>
+          <p:cNvPicPr>
+            <a:picLocks noChangeAspect="1"/>
+          </p:cNvPicPr>
+          <p:nvPr/>
+        </p:nvPicPr>
+        <p:blipFill>
+          <a:blip r:embed="rId6"/>
+          <a:stretch>
+            <a:fillRect/>
+          </a:stretch>
+        </p:blipFill>
+        <p:spPr>
+          <a:xfrm>
+            <a:off x="11117119" y="6514803"/>
+            <a:ext cx="1074881" cy="343197"/>
+          </a:xfrm>
+          <a:prstGeom prst="rect">
+            <a:avLst/>
+          </a:prstGeom>
+        </p:spPr>
+      </p:pic>
+    </p:spTree>
+    <p:extLst>
+      <p:ext uri="{BB962C8B-B14F-4D97-AF65-F5344CB8AC3E}">
+        <p14:creationId xmlns:p14="http://schemas.microsoft.com/office/powerpoint/2010/main" val="1095679546"/>
+      </p:ext>
+    </p:extLst>
+  </p:cSld>
+  <p:clrMapOvr>
+    <a:masterClrMapping/>
+  </p:clrMapOvr>
+</p:sld>
+</file>
+
+<file path=ppt/slides/slide9.xml><?xml version="1.0" encoding="utf-8"?>
+<p:sld xmlns:a="http://schemas.openxmlformats.org/drawingml/2006/main" xmlns:r="http://schemas.openxmlformats.org/officeDocument/2006/relationships" xmlns:p="http://schemas.openxmlformats.org/presentationml/2006/main">
+  <p:cSld>
+    <p:spTree>
+      <p:nvGrpSpPr>
+        <p:cNvPr id="1" name=""/>
+        <p:cNvGrpSpPr/>
+        <p:nvPr/>
+      </p:nvGrpSpPr>
+      <p:grpSpPr>
+        <a:xfrm>
+          <a:off x="0" y="0"/>
+          <a:ext cx="0" cy="0"/>
+          <a:chOff x="0" y="0"/>
+          <a:chExt cx="0" cy="0"/>
+        </a:xfrm>
+      </p:grpSpPr>
+      <p:sp>
+        <p:nvSpPr>
+          <p:cNvPr id="2" name="Title 1">
+            <a:extLst>
+              <a:ext uri="{FF2B5EF4-FFF2-40B4-BE49-F238E27FC236}">
+                <a16:creationId xmlns:a16="http://schemas.microsoft.com/office/drawing/2014/main" id="{F55A5F34-E99A-2346-81CC-098665B04E4B}"/>
+              </a:ext>
+            </a:extLst>
+          </p:cNvPr>
+          <p:cNvSpPr>
+            <a:spLocks noGrp="1"/>
+          </p:cNvSpPr>
+          <p:nvPr>
+            <p:ph type="title"/>
+          </p:nvPr>
+        </p:nvSpPr>
+        <p:spPr>
+          <a:xfrm>
+            <a:off x="377668" y="-112573"/>
+            <a:ext cx="10515600" cy="1325563"/>
+          </a:xfrm>
+        </p:spPr>
+        <p:txBody>
+          <a:bodyPr>
+            <a:normAutofit/>
+          </a:bodyPr>
+          <a:lstStyle/>
+          <a:p>
+            <a:r>
+              <a:rPr lang="en-US" sz="3200" b="1" dirty="0"/>
+              <a:t>Proton Gradient Mechanisms</a:t>
+            </a:r>
+          </a:p>
+        </p:txBody>
+      </p:sp>
+      <p:graphicFrame>
+        <p:nvGraphicFramePr>
+          <p:cNvPr id="4" name="Content Placeholder 3">
+            <a:extLst>
+              <a:ext uri="{FF2B5EF4-FFF2-40B4-BE49-F238E27FC236}">
+                <a16:creationId xmlns:a16="http://schemas.microsoft.com/office/drawing/2014/main" id="{B5BDB53B-C3A5-8049-9A42-7D30CCAB0035}"/>
+              </a:ext>
+            </a:extLst>
+          </p:cNvPr>
+          <p:cNvGraphicFramePr>
+            <a:graphicFrameLocks noGrp="1"/>
+          </p:cNvGraphicFramePr>
+          <p:nvPr>
+            <p:ph idx="1"/>
+            <p:extLst>
+              <p:ext uri="{D42A27DB-BD31-4B8C-83A1-F6EECF244321}">
+                <p14:modId xmlns:p14="http://schemas.microsoft.com/office/powerpoint/2010/main" val="2106386360"/>
+              </p:ext>
+            </p:extLst>
+          </p:nvPr>
+        </p:nvGraphicFramePr>
+        <p:xfrm>
+          <a:off x="377668" y="1032586"/>
+          <a:ext cx="11129210" cy="1838960"/>
+        </p:xfrm>
+        <a:graphic>
+          <a:graphicData uri="http://schemas.openxmlformats.org/drawingml/2006/table">
+            <a:tbl>
+              <a:tblPr firstRow="1" bandRow="1">
+                <a:tableStyleId>{5C22544A-7EE6-4342-B048-85BDC9FD1C3A}</a:tableStyleId>
+              </a:tblPr>
+              <a:tblGrid>
+                <a:gridCol w="2149123">
+                  <a:extLst>
+                    <a:ext uri="{9D8B030D-6E8A-4147-A177-3AD203B41FA5}">
+                      <a16:colId xmlns:a16="http://schemas.microsoft.com/office/drawing/2014/main" val="726272189"/>
+                    </a:ext>
+                  </a:extLst>
+                </a:gridCol>
+                <a:gridCol w="2423161">
+                  <a:extLst>
+                    <a:ext uri="{9D8B030D-6E8A-4147-A177-3AD203B41FA5}">
+                      <a16:colId xmlns:a16="http://schemas.microsoft.com/office/drawing/2014/main" val="3200437192"/>
+                    </a:ext>
+                  </a:extLst>
+                </a:gridCol>
+                <a:gridCol w="3089806">
+                  <a:extLst>
+                    <a:ext uri="{9D8B030D-6E8A-4147-A177-3AD203B41FA5}">
+                      <a16:colId xmlns:a16="http://schemas.microsoft.com/office/drawing/2014/main" val="1542861491"/>
+                    </a:ext>
+                  </a:extLst>
+                </a:gridCol>
+                <a:gridCol w="3467120">
+                  <a:extLst>
+                    <a:ext uri="{9D8B030D-6E8A-4147-A177-3AD203B41FA5}">
+                      <a16:colId xmlns:a16="http://schemas.microsoft.com/office/drawing/2014/main" val="2970825760"/>
+                    </a:ext>
+                  </a:extLst>
+                </a:gridCol>
+              </a:tblGrid>
+              <a:tr h="370840">
+                <a:tc>
+                  <a:txBody>
+                    <a:bodyPr/>
+                    <a:lstStyle/>
+                    <a:p>
+                      <a:r>
+                        <a:rPr lang="en-US" sz="1500" dirty="0">
+                          <a:latin typeface="Avenir Book" panose="02000503020000020003" pitchFamily="2" charset="0"/>
+                        </a:rPr>
+                        <a:t>Mechanism</a:t>
+                      </a:r>
+                    </a:p>
+                  </a:txBody>
+                  <a:tcPr/>
+                </a:tc>
+                <a:tc>
+                  <a:txBody>
+                    <a:bodyPr/>
+                    <a:lstStyle/>
+                    <a:p>
+                      <a:r>
+                        <a:rPr lang="en-US" sz="1500" dirty="0">
+                          <a:latin typeface="Avenir Book" panose="02000503020000020003" pitchFamily="2" charset="0"/>
+                        </a:rPr>
+                        <a:t>Experimental Complexity</a:t>
+                      </a:r>
+                    </a:p>
+                  </a:txBody>
+                  <a:tcPr/>
+                </a:tc>
+                <a:tc>
+                  <a:txBody>
+                    <a:bodyPr/>
+                    <a:lstStyle/>
+                    <a:p>
+                      <a:r>
+                        <a:rPr lang="en-US" sz="1500" dirty="0">
+                          <a:latin typeface="Avenir Book" panose="02000503020000020003" pitchFamily="2" charset="0"/>
+                        </a:rPr>
+                        <a:t>Timescale</a:t>
+                      </a:r>
+                    </a:p>
+                  </a:txBody>
+                  <a:tcPr/>
+                </a:tc>
+                <a:tc>
+                  <a:txBody>
+                    <a:bodyPr/>
+                    <a:lstStyle/>
+                    <a:p>
+                      <a:r>
+                        <a:rPr lang="en-US" sz="1500" dirty="0">
+                          <a:latin typeface="Avenir Book" panose="02000503020000020003" pitchFamily="2" charset="0"/>
+                        </a:rPr>
+                        <a:t>Comments</a:t>
+                      </a:r>
+                    </a:p>
+                  </a:txBody>
+                  <a:tcPr/>
+                </a:tc>
+                <a:extLst>
+                  <a:ext uri="{0D108BD9-81ED-4DB2-BD59-A6C34878D82A}">
+                    <a16:rowId xmlns:a16="http://schemas.microsoft.com/office/drawing/2014/main" val="517327774"/>
+                  </a:ext>
+                </a:extLst>
+              </a:tr>
+              <a:tr h="370840">
+                <a:tc>
+                  <a:txBody>
+                    <a:bodyPr/>
+                    <a:lstStyle/>
+                    <a:p>
+                      <a:r>
+                        <a:rPr lang="en-US" sz="1500" dirty="0">
+                          <a:latin typeface="Avenir Book" panose="02000503020000020003" pitchFamily="2" charset="0"/>
+                        </a:rPr>
+                        <a:t>Buffer Medium </a:t>
+                      </a:r>
+                    </a:p>
+                  </a:txBody>
+                  <a:tcPr/>
+                </a:tc>
+                <a:tc>
+                  <a:txBody>
+                    <a:bodyPr/>
+                    <a:lstStyle/>
+                    <a:p>
+                      <a:r>
+                        <a:rPr lang="en-US" sz="1500" dirty="0">
+                          <a:latin typeface="Avenir Book" panose="02000503020000020003" pitchFamily="2" charset="0"/>
+                        </a:rPr>
+                        <a:t>Low</a:t>
+                      </a:r>
+                    </a:p>
+                  </a:txBody>
+                  <a:tcPr/>
+                </a:tc>
+                <a:tc>
+                  <a:txBody>
+                    <a:bodyPr/>
+                    <a:lstStyle/>
+                    <a:p>
+                      <a:r>
+                        <a:rPr lang="en-US" sz="1500" dirty="0">
+                          <a:latin typeface="Avenir Book" panose="02000503020000020003" pitchFamily="2" charset="0"/>
+                        </a:rPr>
+                        <a:t>~45 mins</a:t>
+                      </a:r>
+                    </a:p>
+                  </a:txBody>
+                  <a:tcPr/>
+                </a:tc>
+                <a:tc>
+                  <a:txBody>
+                    <a:bodyPr/>
+                    <a:lstStyle/>
+                    <a:p>
+                      <a:r>
+                        <a:rPr lang="en-US" sz="1500" dirty="0">
+                          <a:latin typeface="Avenir Book" panose="02000503020000020003" pitchFamily="2" charset="0"/>
+                        </a:rPr>
+                        <a:t>(</a:t>
+                      </a:r>
+                      <a:r>
+                        <a:rPr lang="en-US" sz="1500" dirty="0" err="1">
+                          <a:latin typeface="Avenir Book" panose="02000503020000020003" pitchFamily="2" charset="0"/>
+                        </a:rPr>
+                        <a:t>Zgurskaya</a:t>
+                      </a:r>
+                      <a:r>
+                        <a:rPr lang="en-US" sz="1500" dirty="0">
+                          <a:latin typeface="Avenir Book" panose="02000503020000020003" pitchFamily="2" charset="0"/>
+                        </a:rPr>
+                        <a:t> et al., 1999)</a:t>
+                      </a:r>
+                    </a:p>
+                  </a:txBody>
+                  <a:tcPr/>
+                </a:tc>
+                <a:extLst>
+                  <a:ext uri="{0D108BD9-81ED-4DB2-BD59-A6C34878D82A}">
+                    <a16:rowId xmlns:a16="http://schemas.microsoft.com/office/drawing/2014/main" val="2518949604"/>
+                  </a:ext>
+                </a:extLst>
+              </a:tr>
+              <a:tr h="347278">
+                <a:tc>
+                  <a:txBody>
+                    <a:bodyPr/>
+                    <a:lstStyle/>
+                    <a:p>
+                      <a:r>
+                        <a:rPr lang="en-US" sz="1500" dirty="0">
+                          <a:latin typeface="Avenir Book" panose="02000503020000020003" pitchFamily="2" charset="0"/>
+                        </a:rPr>
+                        <a:t>Efflux Pumps</a:t>
+                      </a:r>
+                    </a:p>
+                  </a:txBody>
+                  <a:tcPr/>
+                </a:tc>
+                <a:tc>
+                  <a:txBody>
+                    <a:bodyPr/>
+                    <a:lstStyle/>
+                    <a:p>
+                      <a:r>
+                        <a:rPr lang="en-US" sz="1500" dirty="0">
+                          <a:latin typeface="Avenir Book" panose="02000503020000020003" pitchFamily="2" charset="0"/>
+                        </a:rPr>
+                        <a:t>High</a:t>
+                      </a:r>
+                    </a:p>
+                  </a:txBody>
+                  <a:tcPr/>
+                </a:tc>
+                <a:tc>
+                  <a:txBody>
+                    <a:bodyPr/>
+                    <a:lstStyle/>
+                    <a:p>
+                      <a:r>
+                        <a:rPr lang="en-US" sz="1500" dirty="0">
+                          <a:latin typeface="Avenir Book" panose="02000503020000020003" pitchFamily="2" charset="0"/>
+                        </a:rPr>
+                        <a:t>~2.3 </a:t>
+                      </a:r>
+                      <a:r>
+                        <a:rPr lang="en-US" sz="1500" dirty="0" err="1">
+                          <a:latin typeface="Avenir Book" panose="02000503020000020003" pitchFamily="2" charset="0"/>
+                        </a:rPr>
+                        <a:t>hrs</a:t>
+                      </a:r>
+                      <a:r>
+                        <a:rPr lang="en-US" sz="1500" dirty="0">
+                          <a:latin typeface="Avenir Book" panose="02000503020000020003" pitchFamily="2" charset="0"/>
+                        </a:rPr>
+                        <a:t> (Altamura et al., 2017)</a:t>
+                      </a:r>
+                    </a:p>
+                    <a:p>
+                      <a:r>
+                        <a:rPr lang="en-US" sz="1500" dirty="0">
+                          <a:latin typeface="Avenir Book" panose="02000503020000020003" pitchFamily="2" charset="0"/>
+                        </a:rPr>
+                        <a:t>~ 15 </a:t>
+                      </a:r>
+                      <a:r>
+                        <a:rPr lang="en-US" sz="1500" dirty="0" err="1">
+                          <a:latin typeface="Avenir Book" panose="02000503020000020003" pitchFamily="2" charset="0"/>
+                        </a:rPr>
+                        <a:t>hrs</a:t>
+                      </a:r>
+                      <a:r>
+                        <a:rPr lang="en-US" sz="1500" dirty="0">
+                          <a:latin typeface="Avenir Book" panose="02000503020000020003" pitchFamily="2" charset="0"/>
+                        </a:rPr>
+                        <a:t> (Dunlop et al.)</a:t>
+                      </a:r>
+                    </a:p>
+                  </a:txBody>
+                  <a:tcPr/>
+                </a:tc>
+                <a:tc>
+                  <a:txBody>
+                    <a:bodyPr/>
+                    <a:lstStyle/>
+                    <a:p>
+                      <a:r>
+                        <a:rPr lang="en-US" sz="1500" dirty="0">
+                          <a:latin typeface="Avenir Book" panose="02000503020000020003" pitchFamily="2" charset="0"/>
+                        </a:rPr>
+                        <a:t>Photosynthetic reaction center – limited by DNA  (Altamura et al.)</a:t>
+                      </a:r>
+                    </a:p>
+                  </a:txBody>
+                  <a:tcPr/>
+                </a:tc>
+                <a:extLst>
+                  <a:ext uri="{0D108BD9-81ED-4DB2-BD59-A6C34878D82A}">
+                    <a16:rowId xmlns:a16="http://schemas.microsoft.com/office/drawing/2014/main" val="3541548625"/>
+                  </a:ext>
+                </a:extLst>
+              </a:tr>
+              <a:tr h="347278">
+                <a:tc>
+                  <a:txBody>
+                    <a:bodyPr/>
+                    <a:lstStyle/>
+                    <a:p>
+                      <a:r>
+                        <a:rPr lang="en-US" sz="1500" dirty="0">
+                          <a:latin typeface="Avenir Book" panose="02000503020000020003" pitchFamily="2" charset="0"/>
+                        </a:rPr>
+                        <a:t>Adding acidic oil (ex: FC40)</a:t>
+                      </a:r>
+                    </a:p>
+                  </a:txBody>
+                  <a:tcPr/>
+                </a:tc>
+                <a:tc>
+                  <a:txBody>
+                    <a:bodyPr/>
+                    <a:lstStyle/>
+                    <a:p>
+                      <a:r>
+                        <a:rPr lang="en-US" sz="1500" dirty="0">
+                          <a:latin typeface="Avenir Book" panose="02000503020000020003" pitchFamily="2" charset="0"/>
+                        </a:rPr>
+                        <a:t>Medium </a:t>
+                      </a:r>
+                    </a:p>
+                  </a:txBody>
+                  <a:tcPr/>
+                </a:tc>
+                <a:tc>
+                  <a:txBody>
+                    <a:bodyPr/>
+                    <a:lstStyle/>
+                    <a:p>
+                      <a:r>
+                        <a:rPr lang="en-US" sz="1500" dirty="0">
+                          <a:latin typeface="Avenir Book" panose="02000503020000020003" pitchFamily="2" charset="0"/>
+                        </a:rPr>
+                        <a:t>~45 mins</a:t>
+                      </a:r>
+                    </a:p>
+                  </a:txBody>
+                  <a:tcPr/>
+                </a:tc>
+                <a:tc>
+                  <a:txBody>
+                    <a:bodyPr/>
+                    <a:lstStyle/>
+                    <a:p>
+                      <a:r>
+                        <a:rPr lang="en-US" sz="1500" dirty="0">
+                          <a:latin typeface="Avenir Book" panose="02000503020000020003" pitchFamily="2" charset="0"/>
+                        </a:rPr>
+                        <a:t>Added to oil phase of </a:t>
+                      </a:r>
+                      <a:r>
+                        <a:rPr lang="en-US" sz="1500" dirty="0" err="1">
+                          <a:latin typeface="Avenir Book" panose="02000503020000020003" pitchFamily="2" charset="0"/>
+                        </a:rPr>
+                        <a:t>dsGUV</a:t>
+                      </a:r>
+                      <a:r>
+                        <a:rPr lang="en-US" sz="1500" dirty="0">
+                          <a:latin typeface="Avenir Book" panose="02000503020000020003" pitchFamily="2" charset="0"/>
+                        </a:rPr>
+                        <a:t> (M. Weiss et al., 2018)</a:t>
+                      </a:r>
+                    </a:p>
+                  </a:txBody>
+                  <a:tcPr/>
+                </a:tc>
+                <a:extLst>
+                  <a:ext uri="{0D108BD9-81ED-4DB2-BD59-A6C34878D82A}">
+                    <a16:rowId xmlns:a16="http://schemas.microsoft.com/office/drawing/2014/main" val="3376027109"/>
+                  </a:ext>
+                </a:extLst>
+              </a:tr>
+            </a:tbl>
+          </a:graphicData>
+        </a:graphic>
+      </p:graphicFrame>
+      <p:pic>
+        <p:nvPicPr>
+          <p:cNvPr id="5" name="Picture 4" descr="A picture containing drawing&#10;&#10;Description automatically generated">
+            <a:extLst>
+              <a:ext uri="{FF2B5EF4-FFF2-40B4-BE49-F238E27FC236}">
+                <a16:creationId xmlns:a16="http://schemas.microsoft.com/office/drawing/2014/main" id="{8FEE3B6E-5CDC-604F-B799-7E89ADEA0293}"/>
+              </a:ext>
+            </a:extLst>
+          </p:cNvPr>
+          <p:cNvPicPr>
+            <a:picLocks noChangeAspect="1"/>
+          </p:cNvPicPr>
+          <p:nvPr/>
+        </p:nvPicPr>
+        <p:blipFill>
+          <a:blip r:embed="rId3"/>
+          <a:stretch>
+            <a:fillRect/>
+          </a:stretch>
+        </p:blipFill>
+        <p:spPr>
+          <a:xfrm>
+            <a:off x="67472" y="6488698"/>
+            <a:ext cx="1074881" cy="343197"/>
+          </a:xfrm>
+          <a:prstGeom prst="rect">
+            <a:avLst/>
+          </a:prstGeom>
+        </p:spPr>
+      </p:pic>
+      <p:pic>
+        <p:nvPicPr>
+          <p:cNvPr id="11" name="Picture 10" descr="A screenshot of a cell phone&#10;&#10;Description automatically generated">
+            <a:extLst>
+              <a:ext uri="{FF2B5EF4-FFF2-40B4-BE49-F238E27FC236}">
+                <a16:creationId xmlns:a16="http://schemas.microsoft.com/office/drawing/2014/main" id="{E06BA651-5107-504B-87E8-7DFBFA56374F}"/>
+              </a:ext>
+            </a:extLst>
+          </p:cNvPr>
+          <p:cNvPicPr>
+            <a:picLocks noChangeAspect="1"/>
+          </p:cNvPicPr>
+          <p:nvPr/>
+        </p:nvPicPr>
+        <p:blipFill>
+          <a:blip r:embed="rId4"/>
+          <a:stretch>
+            <a:fillRect/>
+          </a:stretch>
+        </p:blipFill>
+        <p:spPr>
+          <a:xfrm>
+            <a:off x="7924202" y="3479983"/>
+            <a:ext cx="3979964" cy="1725062"/>
+          </a:xfrm>
+          <a:prstGeom prst="rect">
+            <a:avLst/>
+          </a:prstGeom>
+        </p:spPr>
+      </p:pic>
+      <p:pic>
+        <p:nvPicPr>
+          <p:cNvPr id="13" name="Picture 12" descr="A picture containing screenshot&#10;&#10;Description automatically generated">
+            <a:extLst>
+              <a:ext uri="{FF2B5EF4-FFF2-40B4-BE49-F238E27FC236}">
+                <a16:creationId xmlns:a16="http://schemas.microsoft.com/office/drawing/2014/main" id="{F11BDF40-8A81-DB40-9379-68816FCADD9C}"/>
+              </a:ext>
+            </a:extLst>
+          </p:cNvPr>
+          <p:cNvPicPr>
+            <a:picLocks noChangeAspect="1"/>
+          </p:cNvPicPr>
+          <p:nvPr/>
+        </p:nvPicPr>
+        <p:blipFill>
+          <a:blip r:embed="rId5"/>
+          <a:stretch>
+            <a:fillRect/>
+          </a:stretch>
+        </p:blipFill>
+        <p:spPr>
+          <a:xfrm>
+            <a:off x="7971669" y="5305274"/>
+            <a:ext cx="4220331" cy="1417276"/>
+          </a:xfrm>
+          <a:prstGeom prst="rect">
+            <a:avLst/>
+          </a:prstGeom>
+        </p:spPr>
+      </p:pic>
+      <p:grpSp>
+        <p:nvGrpSpPr>
+          <p:cNvPr id="24" name="Group 23">
+            <a:extLst>
+              <a:ext uri="{FF2B5EF4-FFF2-40B4-BE49-F238E27FC236}">
+                <a16:creationId xmlns:a16="http://schemas.microsoft.com/office/drawing/2014/main" id="{CF6D1F1D-5601-334E-B755-EC3C77C33197}"/>
+              </a:ext>
+            </a:extLst>
+          </p:cNvPr>
+          <p:cNvGrpSpPr/>
+          <p:nvPr/>
+        </p:nvGrpSpPr>
+        <p:grpSpPr>
+          <a:xfrm>
+            <a:off x="513506" y="3076590"/>
+            <a:ext cx="2975282" cy="3583707"/>
+            <a:chOff x="513506" y="3076590"/>
+            <a:chExt cx="2975282" cy="3583707"/>
+          </a:xfrm>
+        </p:grpSpPr>
+        <p:cxnSp>
+          <p:nvCxnSpPr>
+            <p:cNvPr id="8" name="Straight Connector 7">
+              <a:extLst>
+                <a:ext uri="{FF2B5EF4-FFF2-40B4-BE49-F238E27FC236}">
+                  <a16:creationId xmlns:a16="http://schemas.microsoft.com/office/drawing/2014/main" id="{2FF312BB-3D6F-7940-9AF7-69134680A454}"/>
+                </a:ext>
+              </a:extLst>
+            </p:cNvPr>
+            <p:cNvCxnSpPr>
+              <a:cxnSpLocks/>
+            </p:cNvCxnSpPr>
+            <p:nvPr/>
+          </p:nvCxnSpPr>
+          <p:spPr>
+            <a:xfrm>
+              <a:off x="3488788" y="3076590"/>
+              <a:ext cx="0" cy="3583707"/>
+            </a:xfrm>
+            <a:prstGeom prst="line">
+              <a:avLst/>
+            </a:prstGeom>
+          </p:spPr>
+          <p:style>
+            <a:lnRef idx="1">
+              <a:schemeClr val="dk1"/>
+            </a:lnRef>
+            <a:fillRef idx="0">
+              <a:schemeClr val="dk1"/>
+            </a:fillRef>
+            <a:effectRef idx="0">
+              <a:schemeClr val="dk1"/>
+            </a:effectRef>
+            <a:fontRef idx="minor">
+              <a:schemeClr val="tx1"/>
+            </a:fontRef>
+          </p:style>
+        </p:cxnSp>
+        <p:sp>
+          <p:nvSpPr>
+            <p:cNvPr id="15" name="Oval 14">
+              <a:extLst>
+                <a:ext uri="{FF2B5EF4-FFF2-40B4-BE49-F238E27FC236}">
+                  <a16:creationId xmlns:a16="http://schemas.microsoft.com/office/drawing/2014/main" id="{83FFE93A-EF7D-134D-91C7-2890EF423ADF}"/>
+                </a:ext>
+              </a:extLst>
+            </p:cNvPr>
+            <p:cNvSpPr/>
+            <p:nvPr/>
+          </p:nvSpPr>
+          <p:spPr>
+            <a:xfrm>
+              <a:off x="1132909" y="4562222"/>
+              <a:ext cx="1158220" cy="1039752"/>
+            </a:xfrm>
+            <a:prstGeom prst="ellipse">
+              <a:avLst/>
+            </a:prstGeom>
+            <a:noFill/>
+            <a:ln>
+              <a:solidFill>
+                <a:schemeClr val="tx1"/>
+              </a:solidFill>
+              <a:prstDash val="dash"/>
+            </a:ln>
+          </p:spPr>
+          <p:style>
+            <a:lnRef idx="2">
+              <a:schemeClr val="accent1">
+                <a:shade val="50000"/>
+              </a:schemeClr>
+            </a:lnRef>
+            <a:fillRef idx="1">
+              <a:schemeClr val="accent1"/>
+            </a:fillRef>
+            <a:effectRef idx="0">
+              <a:schemeClr val="accent1"/>
+            </a:effectRef>
+            <a:fontRef idx="minor">
+              <a:schemeClr val="lt1"/>
+            </a:fontRef>
+          </p:style>
+          <p:txBody>
+            <a:bodyPr rtlCol="0" anchor="ctr"/>
+            <a:lstStyle/>
+            <a:p>
+              <a:pPr algn="ctr"/>
+              <a:endParaRPr lang="en-US"/>
+            </a:p>
+          </p:txBody>
+        </p:sp>
+        <p:sp>
+          <p:nvSpPr>
+            <p:cNvPr id="16" name="TextBox 15">
+              <a:extLst>
+                <a:ext uri="{FF2B5EF4-FFF2-40B4-BE49-F238E27FC236}">
+                  <a16:creationId xmlns:a16="http://schemas.microsoft.com/office/drawing/2014/main" id="{B935F2A3-C74C-A446-A418-EB87EB23F387}"/>
+                </a:ext>
+              </a:extLst>
+            </p:cNvPr>
+            <p:cNvSpPr txBox="1"/>
+            <p:nvPr/>
+          </p:nvSpPr>
+          <p:spPr>
+            <a:xfrm>
+              <a:off x="1288366" y="4872035"/>
+              <a:ext cx="1002762" cy="323165"/>
+            </a:xfrm>
+            <a:prstGeom prst="rect">
+              <a:avLst/>
+            </a:prstGeom>
+            <a:noFill/>
+          </p:spPr>
+          <p:txBody>
+            <a:bodyPr wrap="square" rtlCol="0">
+              <a:spAutoFit/>
+            </a:bodyPr>
+            <a:lstStyle/>
+            <a:p>
+              <a:r>
+                <a:rPr lang="en-US" sz="1500" dirty="0">
+                  <a:latin typeface="Avenir Book" panose="02000503020000020003" pitchFamily="2" charset="0"/>
+                </a:rPr>
+                <a:t>pH 7.0</a:t>
+              </a:r>
+            </a:p>
+          </p:txBody>
+        </p:sp>
+        <p:sp>
+          <p:nvSpPr>
+            <p:cNvPr id="17" name="Freeform 16">
+              <a:extLst>
+                <a:ext uri="{FF2B5EF4-FFF2-40B4-BE49-F238E27FC236}">
+                  <a16:creationId xmlns:a16="http://schemas.microsoft.com/office/drawing/2014/main" id="{2CC5A8B4-A8FA-A745-B82B-F12EFA4BF371}"/>
+                </a:ext>
+              </a:extLst>
+            </p:cNvPr>
+            <p:cNvSpPr/>
+            <p:nvPr/>
+          </p:nvSpPr>
+          <p:spPr>
+            <a:xfrm>
+              <a:off x="513506" y="3694370"/>
+              <a:ext cx="2694583" cy="2556361"/>
+            </a:xfrm>
+            <a:custGeom>
+              <a:avLst/>
+              <a:gdLst>
+                <a:gd name="connsiteX0" fmla="*/ 164863 w 2401930"/>
+                <a:gd name="connsiteY0" fmla="*/ 91440 h 2417833"/>
+                <a:gd name="connsiteX1" fmla="*/ 210583 w 2401930"/>
+                <a:gd name="connsiteY1" fmla="*/ 2286000 h 2417833"/>
+                <a:gd name="connsiteX2" fmla="*/ 2237503 w 2401930"/>
+                <a:gd name="connsiteY2" fmla="*/ 1935480 h 2417833"/>
+                <a:gd name="connsiteX3" fmla="*/ 2283223 w 2401930"/>
+                <a:gd name="connsiteY3" fmla="*/ 0 h 2417833"/>
+              </a:gdLst>
+              <a:ahLst/>
+              <a:cxnLst>
+                <a:cxn ang="0">
+                  <a:pos x="connsiteX0" y="connsiteY0"/>
+                </a:cxn>
+                <a:cxn ang="0">
+                  <a:pos x="connsiteX1" y="connsiteY1"/>
+                </a:cxn>
+                <a:cxn ang="0">
+                  <a:pos x="connsiteX2" y="connsiteY2"/>
+                </a:cxn>
+                <a:cxn ang="0">
+                  <a:pos x="connsiteX3" y="connsiteY3"/>
+                </a:cxn>
+              </a:cxnLst>
+              <a:rect l="l" t="t" r="r" b="b"/>
+              <a:pathLst>
+                <a:path w="2401930" h="2417833">
+                  <a:moveTo>
+                    <a:pt x="164863" y="91440"/>
+                  </a:moveTo>
+                  <a:cubicBezTo>
+                    <a:pt x="15003" y="1035050"/>
+                    <a:pt x="-134857" y="1978660"/>
+                    <a:pt x="210583" y="2286000"/>
+                  </a:cubicBezTo>
+                  <a:cubicBezTo>
+                    <a:pt x="556023" y="2593340"/>
+                    <a:pt x="1892063" y="2316480"/>
+                    <a:pt x="2237503" y="1935480"/>
+                  </a:cubicBezTo>
+                  <a:cubicBezTo>
+                    <a:pt x="2582943" y="1554480"/>
+                    <a:pt x="2275603" y="307340"/>
+                    <a:pt x="2283223" y="0"/>
+                  </a:cubicBezTo>
+                </a:path>
+              </a:pathLst>
+            </a:custGeom>
+          </p:spPr>
+          <p:style>
+            <a:lnRef idx="1">
+              <a:schemeClr val="dk1"/>
+            </a:lnRef>
+            <a:fillRef idx="0">
+              <a:schemeClr val="dk1"/>
+            </a:fillRef>
+            <a:effectRef idx="0">
+              <a:schemeClr val="dk1"/>
+            </a:effectRef>
+            <a:fontRef idx="minor">
+              <a:schemeClr val="tx1"/>
+            </a:fontRef>
+          </p:style>
+          <p:txBody>
+            <a:bodyPr rtlCol="0" anchor="ctr"/>
+            <a:lstStyle/>
+            <a:p>
+              <a:pPr algn="ctr"/>
+              <a:endParaRPr lang="en-US"/>
+            </a:p>
+          </p:txBody>
+        </p:sp>
+        <p:sp>
+          <p:nvSpPr>
+            <p:cNvPr id="18" name="TextBox 17">
+              <a:extLst>
+                <a:ext uri="{FF2B5EF4-FFF2-40B4-BE49-F238E27FC236}">
+                  <a16:creationId xmlns:a16="http://schemas.microsoft.com/office/drawing/2014/main" id="{C6B4E093-0BA8-A04B-AD93-AF21B328650F}"/>
+                </a:ext>
+              </a:extLst>
+            </p:cNvPr>
+            <p:cNvSpPr txBox="1"/>
+            <p:nvPr/>
+          </p:nvSpPr>
+          <p:spPr>
+            <a:xfrm>
+              <a:off x="1914120" y="4066493"/>
+              <a:ext cx="1002762" cy="323165"/>
+            </a:xfrm>
+            <a:prstGeom prst="rect">
+              <a:avLst/>
+            </a:prstGeom>
+            <a:noFill/>
+          </p:spPr>
+          <p:txBody>
+            <a:bodyPr wrap="square" rtlCol="0">
+              <a:spAutoFit/>
+            </a:bodyPr>
+            <a:lstStyle/>
+            <a:p>
+              <a:r>
+                <a:rPr lang="en-US" sz="1500" dirty="0">
+                  <a:latin typeface="Avenir Book" panose="02000503020000020003" pitchFamily="2" charset="0"/>
+                </a:rPr>
+                <a:t>pH 6.0</a:t>
+              </a:r>
+            </a:p>
+          </p:txBody>
+        </p:sp>
+        <p:sp>
+          <p:nvSpPr>
+            <p:cNvPr id="19" name="TextBox 18">
+              <a:extLst>
+                <a:ext uri="{FF2B5EF4-FFF2-40B4-BE49-F238E27FC236}">
+                  <a16:creationId xmlns:a16="http://schemas.microsoft.com/office/drawing/2014/main" id="{66F7C259-B179-D141-A3EE-B4A81B583401}"/>
+                </a:ext>
+              </a:extLst>
+            </p:cNvPr>
+            <p:cNvSpPr txBox="1"/>
+            <p:nvPr/>
+          </p:nvSpPr>
+          <p:spPr>
+            <a:xfrm>
+              <a:off x="995966" y="3102694"/>
+              <a:ext cx="1522463" cy="323165"/>
+            </a:xfrm>
+            <a:prstGeom prst="rect">
+              <a:avLst/>
+            </a:prstGeom>
+            <a:noFill/>
+          </p:spPr>
+          <p:txBody>
+            <a:bodyPr wrap="square" rtlCol="0">
+              <a:spAutoFit/>
+            </a:bodyPr>
+            <a:lstStyle/>
+            <a:p>
+              <a:r>
+                <a:rPr lang="en-US" sz="1500" b="1" dirty="0">
+                  <a:latin typeface="Avenir Book" panose="02000503020000020003" pitchFamily="2" charset="0"/>
+                </a:rPr>
+                <a:t>Buffer Medium</a:t>
+              </a:r>
+            </a:p>
+          </p:txBody>
+        </p:sp>
+      </p:grpSp>
+      <p:grpSp>
+        <p:nvGrpSpPr>
+          <p:cNvPr id="25" name="Group 24">
+            <a:extLst>
+              <a:ext uri="{FF2B5EF4-FFF2-40B4-BE49-F238E27FC236}">
+                <a16:creationId xmlns:a16="http://schemas.microsoft.com/office/drawing/2014/main" id="{F2D97574-377E-E14B-8CD7-FFBC5057066D}"/>
+              </a:ext>
+            </a:extLst>
+          </p:cNvPr>
+          <p:cNvGrpSpPr/>
+          <p:nvPr/>
+        </p:nvGrpSpPr>
+        <p:grpSpPr>
+          <a:xfrm>
+            <a:off x="3749771" y="3102694"/>
+            <a:ext cx="4158617" cy="3583707"/>
+            <a:chOff x="3749771" y="3102694"/>
+            <a:chExt cx="4158617" cy="3583707"/>
+          </a:xfrm>
+        </p:grpSpPr>
+        <p:cxnSp>
+          <p:nvCxnSpPr>
+            <p:cNvPr id="9" name="Straight Connector 8">
+              <a:extLst>
+                <a:ext uri="{FF2B5EF4-FFF2-40B4-BE49-F238E27FC236}">
+                  <a16:creationId xmlns:a16="http://schemas.microsoft.com/office/drawing/2014/main" id="{61681F98-664D-6740-8D69-039BD704C3BC}"/>
+                </a:ext>
+              </a:extLst>
+            </p:cNvPr>
+            <p:cNvCxnSpPr>
+              <a:cxnSpLocks/>
+            </p:cNvCxnSpPr>
+            <p:nvPr/>
+          </p:nvCxnSpPr>
+          <p:spPr>
+            <a:xfrm>
+              <a:off x="7908388" y="3102694"/>
+              <a:ext cx="0" cy="3583707"/>
+            </a:xfrm>
+            <a:prstGeom prst="line">
+              <a:avLst/>
+            </a:prstGeom>
+          </p:spPr>
+          <p:style>
+            <a:lnRef idx="1">
+              <a:schemeClr val="dk1"/>
+            </a:lnRef>
+            <a:fillRef idx="0">
+              <a:schemeClr val="dk1"/>
+            </a:fillRef>
+            <a:effectRef idx="0">
+              <a:schemeClr val="dk1"/>
+            </a:effectRef>
+            <a:fontRef idx="minor">
+              <a:schemeClr val="tx1"/>
+            </a:fontRef>
+          </p:style>
+        </p:cxnSp>
+        <p:pic>
+          <p:nvPicPr>
+            <p:cNvPr id="14" name="Picture 13" descr="A close up of a map&#10;&#10;Description automatically generated">
+              <a:extLst>
+                <a:ext uri="{FF2B5EF4-FFF2-40B4-BE49-F238E27FC236}">
+                  <a16:creationId xmlns:a16="http://schemas.microsoft.com/office/drawing/2014/main" id="{0DF441CB-62F0-B44E-8F60-CF35A4BD5410}"/>
+                </a:ext>
+              </a:extLst>
+            </p:cNvPr>
+            <p:cNvPicPr>
+              <a:picLocks noChangeAspect="1"/>
+            </p:cNvPicPr>
+            <p:nvPr/>
+          </p:nvPicPr>
+          <p:blipFill rotWithShape="1">
+            <a:blip r:embed="rId6"/>
+            <a:srcRect l="-1" r="273"/>
+            <a:stretch/>
+          </p:blipFill>
+          <p:spPr>
+            <a:xfrm>
+              <a:off x="3749771" y="4285565"/>
+              <a:ext cx="3913387" cy="1838960"/>
+            </a:xfrm>
+            <a:prstGeom prst="rect">
+              <a:avLst/>
+            </a:prstGeom>
+          </p:spPr>
+        </p:pic>
+        <p:sp>
+          <p:nvSpPr>
+            <p:cNvPr id="20" name="TextBox 19">
+              <a:extLst>
+                <a:ext uri="{FF2B5EF4-FFF2-40B4-BE49-F238E27FC236}">
+                  <a16:creationId xmlns:a16="http://schemas.microsoft.com/office/drawing/2014/main" id="{0959AEB8-07B6-D141-B7D0-10A9B08E39EA}"/>
+                </a:ext>
+              </a:extLst>
+            </p:cNvPr>
+            <p:cNvSpPr txBox="1"/>
+            <p:nvPr/>
+          </p:nvSpPr>
+          <p:spPr>
+            <a:xfrm>
+              <a:off x="4945232" y="3102694"/>
+              <a:ext cx="1522463" cy="323165"/>
+            </a:xfrm>
+            <a:prstGeom prst="rect">
+              <a:avLst/>
+            </a:prstGeom>
+            <a:noFill/>
+          </p:spPr>
+          <p:txBody>
+            <a:bodyPr wrap="square" rtlCol="0">
+              <a:spAutoFit/>
+            </a:bodyPr>
+            <a:lstStyle/>
+            <a:p>
+              <a:r>
+                <a:rPr lang="en-US" sz="1500" b="1" dirty="0">
+                  <a:latin typeface="Avenir Book" panose="02000503020000020003" pitchFamily="2" charset="0"/>
+                </a:rPr>
+                <a:t>Efflux Pumps</a:t>
+              </a:r>
+            </a:p>
+          </p:txBody>
+        </p:sp>
+      </p:grpSp>
+      <p:sp>
+        <p:nvSpPr>
+          <p:cNvPr id="21" name="TextBox 20">
+            <a:extLst>
+              <a:ext uri="{FF2B5EF4-FFF2-40B4-BE49-F238E27FC236}">
+                <a16:creationId xmlns:a16="http://schemas.microsoft.com/office/drawing/2014/main" id="{0540E8CD-883C-054D-B80D-E09ECBE13D8E}"/>
+              </a:ext>
+            </a:extLst>
+          </p:cNvPr>
+          <p:cNvSpPr txBox="1"/>
+          <p:nvPr/>
+        </p:nvSpPr>
+        <p:spPr>
+          <a:xfrm>
+            <a:off x="9366116" y="3105835"/>
+            <a:ext cx="1804046" cy="323165"/>
+          </a:xfrm>
+          <a:prstGeom prst="rect">
+            <a:avLst/>
+          </a:prstGeom>
+          <a:noFill/>
+        </p:spPr>
+        <p:txBody>
+          <a:bodyPr wrap="square" rtlCol="0">
+            <a:spAutoFit/>
+          </a:bodyPr>
+          <a:lstStyle/>
+          <a:p>
+            <a:r>
+              <a:rPr lang="en-US" sz="1500" b="1" dirty="0">
+                <a:latin typeface="Avenir Book" panose="02000503020000020003" pitchFamily="2" charset="0"/>
+              </a:rPr>
+              <a:t>Adding Acidic Oil</a:t>
+            </a:r>
+          </a:p>
+        </p:txBody>
+      </p:sp>
+    </p:spTree>
+    <p:extLst>
+      <p:ext uri="{BB962C8B-B14F-4D97-AF65-F5344CB8AC3E}">
+        <p14:creationId xmlns:p14="http://schemas.microsoft.com/office/powerpoint/2010/main" val="772071653"/>
+      </p:ext>
+    </p:extLst>
+  </p:cSld>
+  <p:clrMapOvr>
+    <a:masterClrMapping/>
+  </p:clrMapOvr>
+  <p:timing>
+    <p:tnLst>
+      <p:par>
+        <p:cTn id="1" dur="indefinite" restart="never" nodeType="tmRoot">
+          <p:childTnLst>
+            <p:seq concurrent="1" nextAc="seek">
+              <p:cTn id="2" dur="indefinite" nodeType="mainSeq">
+                <p:childTnLst>
+                  <p:par>
+                    <p:cTn id="3" fill="hold">
+                      <p:stCondLst>
+                        <p:cond delay="indefinite"/>
+                      </p:stCondLst>
+                      <p:childTnLst>
+                        <p:par>
+                          <p:cTn id="4" fill="hold">
+                            <p:stCondLst>
+                              <p:cond delay="0"/>
+                            </p:stCondLst>
+                            <p:childTnLst>
+                              <p:par>
+                                <p:cTn id="5" presetID="1" presetClass="entr" presetSubtype="0" fill="hold" nodeType="clickEffect">
+                                  <p:stCondLst>
+                                    <p:cond delay="0"/>
+                                  </p:stCondLst>
+                                  <p:childTnLst>
+                                    <p:set>
+                                      <p:cBhvr>
+                                        <p:cTn id="6" dur="1" fill="hold">
+                                          <p:stCondLst>
+                                            <p:cond delay="0"/>
+                                          </p:stCondLst>
+                                        </p:cTn>
+                                        <p:tgtEl>
+                                          <p:spTgt spid="24"/>
+                                        </p:tgtEl>
+                                        <p:attrNameLst>
+                                          <p:attrName>style.visibility</p:attrName>
+                                        </p:attrNameLst>
+                                      </p:cBhvr>
+                                      <p:to>
+                                        <p:strVal val="visible"/>
+                                      </p:to>
+                                    </p:set>
+                                  </p:childTnLst>
+                                </p:cTn>
+                              </p:par>
+                            </p:childTnLst>
+                          </p:cTn>
+                        </p:par>
+                      </p:childTnLst>
+                    </p:cTn>
+                  </p:par>
+                  <p:par>
+                    <p:cTn id="7" fill="hold">
+                      <p:stCondLst>
+                        <p:cond delay="indefinite"/>
+                      </p:stCondLst>
+                      <p:childTnLst>
+                        <p:par>
+                          <p:cTn id="8" fill="hold">
+                            <p:stCondLst>
+                              <p:cond delay="0"/>
+                            </p:stCondLst>
+                            <p:childTnLst>
+                              <p:par>
+                                <p:cTn id="9" presetID="1" presetClass="entr" presetSubtype="0" fill="hold" nodeType="clickEffect">
+                                  <p:stCondLst>
+                                    <p:cond delay="0"/>
+                                  </p:stCondLst>
+                                  <p:childTnLst>
+                                    <p:set>
+                                      <p:cBhvr>
+                                        <p:cTn id="10" dur="1" fill="hold">
+                                          <p:stCondLst>
+                                            <p:cond delay="0"/>
+                                          </p:stCondLst>
+                                        </p:cTn>
+                                        <p:tgtEl>
+                                          <p:spTgt spid="25"/>
+                                        </p:tgtEl>
+                                        <p:attrNameLst>
+                                          <p:attrName>style.visibility</p:attrName>
+                                        </p:attrNameLst>
+                                      </p:cBhvr>
+                                      <p:to>
+                                        <p:strVal val="visible"/>
+                                      </p:to>
+                                    </p:set>
+                                  </p:childTnLst>
+                                </p:cTn>
+                              </p:par>
+                            </p:childTnLst>
+                          </p:cTn>
+                        </p:par>
+                      </p:childTnLst>
+                    </p:cTn>
+                  </p:par>
+                  <p:par>
+                    <p:cTn id="11" fill="hold">
+                      <p:stCondLst>
+                        <p:cond delay="indefinite"/>
+                      </p:stCondLst>
+                      <p:childTnLst>
+                        <p:par>
+                          <p:cTn id="12" fill="hold">
+                            <p:stCondLst>
+                              <p:cond delay="0"/>
+                            </p:stCondLst>
+                            <p:childTnLst>
+                              <p:par>
+                                <p:cTn id="13" presetID="1" presetClass="entr" presetSubtype="0" fill="hold" grpId="0" nodeType="clickEffect">
+                                  <p:stCondLst>
+                                    <p:cond delay="0"/>
+                                  </p:stCondLst>
+                                  <p:childTnLst>
+                                    <p:set>
+                                      <p:cBhvr>
+                                        <p:cTn id="14" dur="1" fill="hold">
+                                          <p:stCondLst>
+                                            <p:cond delay="0"/>
+                                          </p:stCondLst>
+                                        </p:cTn>
+                                        <p:tgtEl>
+                                          <p:spTgt spid="21"/>
+                                        </p:tgtEl>
+                                        <p:attrNameLst>
+                                          <p:attrName>style.visibility</p:attrName>
+                                        </p:attrNameLst>
+                                      </p:cBhvr>
+                                      <p:to>
+                                        <p:strVal val="visible"/>
+                                      </p:to>
+                                    </p:set>
+                                  </p:childTnLst>
+                                </p:cTn>
+                              </p:par>
+                              <p:par>
+                                <p:cTn id="15" presetID="1" presetClass="entr" presetSubtype="0" fill="hold" nodeType="withEffect">
+                                  <p:stCondLst>
+                                    <p:cond delay="0"/>
+                                  </p:stCondLst>
+                                  <p:childTnLst>
+                                    <p:set>
+                                      <p:cBhvr>
+                                        <p:cTn id="16" dur="1" fill="hold">
+                                          <p:stCondLst>
+                                            <p:cond delay="0"/>
+                                          </p:stCondLst>
+                                        </p:cTn>
+                                        <p:tgtEl>
+                                          <p:spTgt spid="11"/>
+                                        </p:tgtEl>
+                                        <p:attrNameLst>
+                                          <p:attrName>style.visibility</p:attrName>
+                                        </p:attrNameLst>
+                                      </p:cBhvr>
+                                      <p:to>
+                                        <p:strVal val="visible"/>
+                                      </p:to>
+                                    </p:set>
+                                  </p:childTnLst>
+                                </p:cTn>
+                              </p:par>
+                              <p:par>
+                                <p:cTn id="17" presetID="1" presetClass="entr" presetSubtype="0" fill="hold" nodeType="withEffect">
+                                  <p:stCondLst>
+                                    <p:cond delay="0"/>
+                                  </p:stCondLst>
+                                  <p:childTnLst>
+                                    <p:set>
+                                      <p:cBhvr>
+                                        <p:cTn id="18" dur="1" fill="hold">
+                                          <p:stCondLst>
+                                            <p:cond delay="0"/>
+                                          </p:stCondLst>
+                                        </p:cTn>
+                                        <p:tgtEl>
+                                          <p:spTgt spid="13"/>
+                                        </p:tgtEl>
+                                        <p:attrNameLst>
+                                          <p:attrName>style.visibility</p:attrName>
+                                        </p:attrNameLst>
+                                      </p:cBhvr>
+                                      <p:to>
+                                        <p:strVal val="visible"/>
+                                      </p:to>
+                                    </p:set>
+                                  </p:childTnLst>
+                                </p:cTn>
+                              </p:par>
+                            </p:childTnLst>
+                          </p:cTn>
+                        </p:par>
+                      </p:childTnLst>
+                    </p:cTn>
+                  </p:par>
+                </p:childTnLst>
+              </p:cTn>
+              <p:prevCondLst>
+                <p:cond evt="onPrev" delay="0">
+                  <p:tgtEl>
+                    <p:sldTgt/>
+                  </p:tgtEl>
+                </p:cond>
+              </p:prevCondLst>
+              <p:nextCondLst>
+                <p:cond evt="onNext" delay="0">
+                  <p:tgtEl>
+                    <p:sldTgt/>
+                  </p:tgtEl>
+                </p:cond>
+              </p:nextCondLst>
+            </p:seq>
+          </p:childTnLst>
+        </p:cTn>
+      </p:par>
+    </p:tnLst>
+    <p:bldLst>
+      <p:bldP spid="21" grpId="0"/>
+    </p:bldLst>
+  </p:timing>
 </p:sld>
 </file>
 
@@ -4055,4 +12028,299 @@
     </a:ext>
   </a:extLst>
 </a:theme>
+</file>
+
+<file path=ppt/theme/theme2.xml><?xml version="1.0" encoding="utf-8"?>
+<a:theme xmlns:a="http://schemas.openxmlformats.org/drawingml/2006/main" name="Office Theme">
+  <a:themeElements>
+    <a:clrScheme name="Office">
+      <a:dk1>
+        <a:sysClr val="windowText" lastClr="000000"/>
+      </a:dk1>
+      <a:lt1>
+        <a:sysClr val="window" lastClr="FFFFFF"/>
+      </a:lt1>
+      <a:dk2>
+        <a:srgbClr val="44546A"/>
+      </a:dk2>
+      <a:lt2>
+        <a:srgbClr val="E7E6E6"/>
+      </a:lt2>
+      <a:accent1>
+        <a:srgbClr val="4472C4"/>
+      </a:accent1>
+      <a:accent2>
+        <a:srgbClr val="ED7D31"/>
+      </a:accent2>
+      <a:accent3>
+        <a:srgbClr val="A5A5A5"/>
+      </a:accent3>
+      <a:accent4>
+        <a:srgbClr val="FFC000"/>
+      </a:accent4>
+      <a:accent5>
+        <a:srgbClr val="5B9BD5"/>
+      </a:accent5>
+      <a:accent6>
+        <a:srgbClr val="70AD47"/>
+      </a:accent6>
+      <a:hlink>
+        <a:srgbClr val="0563C1"/>
+      </a:hlink>
+      <a:folHlink>
+        <a:srgbClr val="954F72"/>
+      </a:folHlink>
+    </a:clrScheme>
+    <a:fontScheme name="Office">
+      <a:majorFont>
+        <a:latin typeface="Calibri Light" panose="020F0302020204030204"/>
+        <a:ea typeface=""/>
+        <a:cs typeface=""/>
+        <a:font script="Jpan" typeface="游ゴシック Light"/>
+        <a:font script="Hang" typeface="맑은 고딕"/>
+        <a:font script="Hans" typeface="等线 Light"/>
+        <a:font script="Hant" typeface="新細明體"/>
+        <a:font script="Arab" typeface="Times New Roman"/>
+        <a:font script="Hebr" typeface="Times New Roman"/>
+        <a:font script="Thai" typeface="Angsana New"/>
+        <a:font script="Ethi" typeface="Nyala"/>
+        <a:font script="Beng" typeface="Vrinda"/>
+        <a:font script="Gujr" typeface="Shruti"/>
+        <a:font script="Khmr" typeface="MoolBoran"/>
+        <a:font script="Knda" typeface="Tunga"/>
+        <a:font script="Guru" typeface="Raavi"/>
+        <a:font script="Cans" typeface="Euphemia"/>
+        <a:font script="Cher" typeface="Plantagenet Cherokee"/>
+        <a:font script="Yiii" typeface="Microsoft Yi Baiti"/>
+        <a:font script="Tibt" typeface="Microsoft Himalaya"/>
+        <a:font script="Thaa" typeface="MV Boli"/>
+        <a:font script="Deva" typeface="Mangal"/>
+        <a:font script="Telu" typeface="Gautami"/>
+        <a:font script="Taml" typeface="Latha"/>
+        <a:font script="Syrc" typeface="Estrangelo Edessa"/>
+        <a:font script="Orya" typeface="Kalinga"/>
+        <a:font script="Mlym" typeface="Kartika"/>
+        <a:font script="Laoo" typeface="DokChampa"/>
+        <a:font script="Sinh" typeface="Iskoola Pota"/>
+        <a:font script="Mong" typeface="Mongolian Baiti"/>
+        <a:font script="Viet" typeface="Times New Roman"/>
+        <a:font script="Uigh" typeface="Microsoft Uighur"/>
+        <a:font script="Geor" typeface="Sylfaen"/>
+        <a:font script="Armn" typeface="Arial"/>
+        <a:font script="Bugi" typeface="Leelawadee UI"/>
+        <a:font script="Bopo" typeface="Microsoft JhengHei"/>
+        <a:font script="Java" typeface="Javanese Text"/>
+        <a:font script="Lisu" typeface="Segoe UI"/>
+        <a:font script="Mymr" typeface="Myanmar Text"/>
+        <a:font script="Nkoo" typeface="Ebrima"/>
+        <a:font script="Olck" typeface="Nirmala UI"/>
+        <a:font script="Osma" typeface="Ebrima"/>
+        <a:font script="Phag" typeface="Phagspa"/>
+        <a:font script="Syrn" typeface="Estrangelo Edessa"/>
+        <a:font script="Syrj" typeface="Estrangelo Edessa"/>
+        <a:font script="Syre" typeface="Estrangelo Edessa"/>
+        <a:font script="Sora" typeface="Nirmala UI"/>
+        <a:font script="Tale" typeface="Microsoft Tai Le"/>
+        <a:font script="Talu" typeface="Microsoft New Tai Lue"/>
+        <a:font script="Tfng" typeface="Ebrima"/>
+      </a:majorFont>
+      <a:minorFont>
+        <a:latin typeface="Calibri" panose="020F0502020204030204"/>
+        <a:ea typeface=""/>
+        <a:cs typeface=""/>
+        <a:font script="Jpan" typeface="游ゴシック"/>
+        <a:font script="Hang" typeface="맑은 고딕"/>
+        <a:font script="Hans" typeface="等线"/>
+        <a:font script="Hant" typeface="新細明體"/>
+        <a:font script="Arab" typeface="Arial"/>
+        <a:font script="Hebr" typeface="Arial"/>
+        <a:font script="Thai" typeface="Cordia New"/>
+        <a:font script="Ethi" typeface="Nyala"/>
+        <a:font script="Beng" typeface="Vrinda"/>
+        <a:font script="Gujr" typeface="Shruti"/>
+        <a:font script="Khmr" typeface="DaunPenh"/>
+        <a:font script="Knda" typeface="Tunga"/>
+        <a:font script="Guru" typeface="Raavi"/>
+        <a:font script="Cans" typeface="Euphemia"/>
+        <a:font script="Cher" typeface="Plantagenet Cherokee"/>
+        <a:font script="Yiii" typeface="Microsoft Yi Baiti"/>
+        <a:font script="Tibt" typeface="Microsoft Himalaya"/>
+        <a:font script="Thaa" typeface="MV Boli"/>
+        <a:font script="Deva" typeface="Mangal"/>
+        <a:font script="Telu" typeface="Gautami"/>
+        <a:font script="Taml" typeface="Latha"/>
+        <a:font script="Syrc" typeface="Estrangelo Edessa"/>
+        <a:font script="Orya" typeface="Kalinga"/>
+        <a:font script="Mlym" typeface="Kartika"/>
+        <a:font script="Laoo" typeface="DokChampa"/>
+        <a:font script="Sinh" typeface="Iskoola Pota"/>
+        <a:font script="Mong" typeface="Mongolian Baiti"/>
+        <a:font script="Viet" typeface="Arial"/>
+        <a:font script="Uigh" typeface="Microsoft Uighur"/>
+        <a:font script="Geor" typeface="Sylfaen"/>
+        <a:font script="Armn" typeface="Arial"/>
+        <a:font script="Bugi" typeface="Leelawadee UI"/>
+        <a:font script="Bopo" typeface="Microsoft JhengHei"/>
+        <a:font script="Java" typeface="Javanese Text"/>
+        <a:font script="Lisu" typeface="Segoe UI"/>
+        <a:font script="Mymr" typeface="Myanmar Text"/>
+        <a:font script="Nkoo" typeface="Ebrima"/>
+        <a:font script="Olck" typeface="Nirmala UI"/>
+        <a:font script="Osma" typeface="Ebrima"/>
+        <a:font script="Phag" typeface="Phagspa"/>
+        <a:font script="Syrn" typeface="Estrangelo Edessa"/>
+        <a:font script="Syrj" typeface="Estrangelo Edessa"/>
+        <a:font script="Syre" typeface="Estrangelo Edessa"/>
+        <a:font script="Sora" typeface="Nirmala UI"/>
+        <a:font script="Tale" typeface="Microsoft Tai Le"/>
+        <a:font script="Talu" typeface="Microsoft New Tai Lue"/>
+        <a:font script="Tfng" typeface="Ebrima"/>
+      </a:minorFont>
+    </a:fontScheme>
+    <a:fmtScheme name="Office">
+      <a:fillStyleLst>
+        <a:solidFill>
+          <a:schemeClr val="phClr"/>
+        </a:solidFill>
+        <a:gradFill rotWithShape="1">
+          <a:gsLst>
+            <a:gs pos="0">
+              <a:schemeClr val="phClr">
+                <a:lumMod val="110000"/>
+                <a:satMod val="105000"/>
+                <a:tint val="67000"/>
+              </a:schemeClr>
+            </a:gs>
+            <a:gs pos="50000">
+              <a:schemeClr val="phClr">
+                <a:lumMod val="105000"/>
+                <a:satMod val="103000"/>
+                <a:tint val="73000"/>
+              </a:schemeClr>
+            </a:gs>
+            <a:gs pos="100000">
+              <a:schemeClr val="phClr">
+                <a:lumMod val="105000"/>
+                <a:satMod val="109000"/>
+                <a:tint val="81000"/>
+              </a:schemeClr>
+            </a:gs>
+          </a:gsLst>
+          <a:lin ang="5400000" scaled="0"/>
+        </a:gradFill>
+        <a:gradFill rotWithShape="1">
+          <a:gsLst>
+            <a:gs pos="0">
+              <a:schemeClr val="phClr">
+                <a:satMod val="103000"/>
+                <a:lumMod val="102000"/>
+                <a:tint val="94000"/>
+              </a:schemeClr>
+            </a:gs>
+            <a:gs pos="50000">
+              <a:schemeClr val="phClr">
+                <a:satMod val="110000"/>
+                <a:lumMod val="100000"/>
+                <a:shade val="100000"/>
+              </a:schemeClr>
+            </a:gs>
+            <a:gs pos="100000">
+              <a:schemeClr val="phClr">
+                <a:lumMod val="99000"/>
+                <a:satMod val="120000"/>
+                <a:shade val="78000"/>
+              </a:schemeClr>
+            </a:gs>
+          </a:gsLst>
+          <a:lin ang="5400000" scaled="0"/>
+        </a:gradFill>
+      </a:fillStyleLst>
+      <a:lnStyleLst>
+        <a:ln w="6350" cap="flat" cmpd="sng" algn="ctr">
+          <a:solidFill>
+            <a:schemeClr val="phClr"/>
+          </a:solidFill>
+          <a:prstDash val="solid"/>
+          <a:miter lim="800000"/>
+        </a:ln>
+        <a:ln w="12700" cap="flat" cmpd="sng" algn="ctr">
+          <a:solidFill>
+            <a:schemeClr val="phClr"/>
+          </a:solidFill>
+          <a:prstDash val="solid"/>
+          <a:miter lim="800000"/>
+        </a:ln>
+        <a:ln w="19050" cap="flat" cmpd="sng" algn="ctr">
+          <a:solidFill>
+            <a:schemeClr val="phClr"/>
+          </a:solidFill>
+          <a:prstDash val="solid"/>
+          <a:miter lim="800000"/>
+        </a:ln>
+      </a:lnStyleLst>
+      <a:effectStyleLst>
+        <a:effectStyle>
+          <a:effectLst/>
+        </a:effectStyle>
+        <a:effectStyle>
+          <a:effectLst/>
+        </a:effectStyle>
+        <a:effectStyle>
+          <a:effectLst>
+            <a:outerShdw blurRad="57150" dist="19050" dir="5400000" algn="ctr" rotWithShape="0">
+              <a:srgbClr val="000000">
+                <a:alpha val="63000"/>
+              </a:srgbClr>
+            </a:outerShdw>
+          </a:effectLst>
+        </a:effectStyle>
+      </a:effectStyleLst>
+      <a:bgFillStyleLst>
+        <a:solidFill>
+          <a:schemeClr val="phClr"/>
+        </a:solidFill>
+        <a:solidFill>
+          <a:schemeClr val="phClr">
+            <a:tint val="95000"/>
+            <a:satMod val="170000"/>
+          </a:schemeClr>
+        </a:solidFill>
+        <a:gradFill rotWithShape="1">
+          <a:gsLst>
+            <a:gs pos="0">
+              <a:schemeClr val="phClr">
+                <a:tint val="93000"/>
+                <a:satMod val="150000"/>
+                <a:shade val="98000"/>
+                <a:lumMod val="102000"/>
+              </a:schemeClr>
+            </a:gs>
+            <a:gs pos="50000">
+              <a:schemeClr val="phClr">
+                <a:tint val="98000"/>
+                <a:satMod val="130000"/>
+                <a:shade val="90000"/>
+                <a:lumMod val="103000"/>
+              </a:schemeClr>
+            </a:gs>
+            <a:gs pos="100000">
+              <a:schemeClr val="phClr">
+                <a:shade val="63000"/>
+                <a:satMod val="120000"/>
+              </a:schemeClr>
+            </a:gs>
+          </a:gsLst>
+          <a:lin ang="5400000" scaled="0"/>
+        </a:gradFill>
+      </a:bgFillStyleLst>
+    </a:fmtScheme>
+  </a:themeElements>
+  <a:objectDefaults/>
+  <a:extraClrSchemeLst/>
+  <a:extLst>
+    <a:ext uri="{05A4C25C-085E-4340-85A3-A5531E510DB2}">
+      <thm15:themeFamily xmlns:thm15="http://schemas.microsoft.com/office/thememl/2012/main" name="Office Theme" id="{62F939B6-93AF-4DB8-9C6B-D6C7DFDC589F}" vid="{4A3C46E8-61CC-4603-A589-7422A47A8E4A}"/>
+    </a:ext>
+  </a:extLst>
+</a:theme>
 </file>
--- a/miscellaneous/presentations/202020720_murray_mtg.pptx
+++ b/miscellaneous/presentations/202020720_murray_mtg.pptx
@@ -5,7 +5,7 @@
     <p:sldMasterId id="2147483648" r:id="rId1"/>
   </p:sldMasterIdLst>
   <p:notesMasterIdLst>
-    <p:notesMasterId r:id="rId14"/>
+    <p:notesMasterId r:id="rId15"/>
   </p:notesMasterIdLst>
   <p:sldIdLst>
     <p:sldId id="256" r:id="rId2"/>
@@ -19,7 +19,8 @@
     <p:sldId id="260" r:id="rId10"/>
     <p:sldId id="336" r:id="rId11"/>
     <p:sldId id="298" r:id="rId12"/>
-    <p:sldId id="297" r:id="rId13"/>
+    <p:sldId id="337" r:id="rId13"/>
+    <p:sldId id="297" r:id="rId14"/>
   </p:sldIdLst>
   <p:sldSz cx="12192000" cy="6858000"/>
   <p:notesSz cx="6858000" cy="9144000"/>
@@ -3340,7 +3341,7 @@
           <a:p>
             <a:fld id="{B402DAE2-EB89-1745-8110-582311A7E22E}" type="datetimeFigureOut">
               <a:rPr lang="en-US" smtClean="0"/>
-              <a:t>7/17/20</a:t>
+              <a:t>7/19/20</a:t>
             </a:fld>
             <a:endParaRPr lang="en-US"/>
           </a:p>
@@ -3735,42 +3736,6 @@
           <a:bodyPr/>
           <a:lstStyle/>
           <a:p>
-            <a:pPr marL="0" marR="0" lvl="0" indent="0" algn="l" defTabSz="914400" rtl="0" eaLnBrk="1" fontAlgn="auto" latinLnBrk="0" hangingPunct="1">
-              <a:lnSpc>
-                <a:spcPct val="100000"/>
-              </a:lnSpc>
-              <a:spcBef>
-                <a:spcPts val="0"/>
-              </a:spcBef>
-              <a:spcAft>
-                <a:spcPts val="0"/>
-              </a:spcAft>
-              <a:buClrTx/>
-              <a:buSzTx/>
-              <a:buFontTx/>
-              <a:buNone/>
-              <a:tabLst/>
-              <a:defRPr/>
-            </a:pPr>
-            <a:r>
-              <a:rPr lang="en-US" dirty="0" err="1"/>
-              <a:t>sfgfp</a:t>
-            </a:r>
-            <a:r>
-              <a:rPr lang="en-US" dirty="0"/>
-              <a:t> size - </a:t>
-            </a:r>
-            <a:r>
-              <a:rPr lang="en-US" sz="1200" dirty="0">
-                <a:hlinkClick r:id="rId3"/>
-              </a:rPr>
-              <a:t>https://www.fpbase.org/protein/superfolder-gfp/</a:t>
-            </a:r>
-            <a:endParaRPr lang="en-US" sz="1200" dirty="0">
-              <a:latin typeface="Avenir Book" panose="02000503020000020003" pitchFamily="2" charset="0"/>
-            </a:endParaRPr>
-          </a:p>
-          <a:p>
             <a:endParaRPr lang="en-US" dirty="0"/>
           </a:p>
         </p:txBody>
@@ -3792,7 +3757,7 @@
           <a:p>
             <a:fld id="{DD44C615-883D-FF4C-B9E3-F6A18FF3869E}" type="slidenum">
               <a:rPr lang="en-US" smtClean="0"/>
-              <a:t>7</a:t>
+              <a:t>4</a:t>
             </a:fld>
             <a:endParaRPr lang="en-US"/>
           </a:p>
@@ -3801,7 +3766,7 @@
     </p:spTree>
     <p:extLst>
       <p:ext uri="{BB962C8B-B14F-4D97-AF65-F5344CB8AC3E}">
-        <p14:creationId xmlns:p14="http://schemas.microsoft.com/office/powerpoint/2010/main" val="3600831436"/>
+        <p14:creationId xmlns:p14="http://schemas.microsoft.com/office/powerpoint/2010/main" val="4099211020"/>
       </p:ext>
     </p:extLst>
   </p:cSld>
@@ -3855,59 +3820,42 @@
           <a:bodyPr/>
           <a:lstStyle/>
           <a:p>
+            <a:pPr marL="0" marR="0" lvl="0" indent="0" algn="l" defTabSz="914400" rtl="0" eaLnBrk="1" fontAlgn="auto" latinLnBrk="0" hangingPunct="1">
+              <a:lnSpc>
+                <a:spcPct val="100000"/>
+              </a:lnSpc>
+              <a:spcBef>
+                <a:spcPts val="0"/>
+              </a:spcBef>
+              <a:spcAft>
+                <a:spcPts val="0"/>
+              </a:spcAft>
+              <a:buClrTx/>
+              <a:buSzTx/>
+              <a:buFontTx/>
+              <a:buNone/>
+              <a:tabLst/>
+              <a:defRPr/>
+            </a:pPr>
+            <a:r>
+              <a:rPr lang="en-US" dirty="0" err="1"/>
+              <a:t>sfgfp</a:t>
+            </a:r>
             <a:r>
               <a:rPr lang="en-US" dirty="0"/>
-              <a:t>Weiss (oil) - </a:t>
-            </a:r>
-            <a:r>
-              <a:rPr lang="en-US" dirty="0">
+              <a:t> size - </a:t>
+            </a:r>
+            <a:r>
+              <a:rPr lang="en-US" sz="1200" dirty="0">
                 <a:hlinkClick r:id="rId3"/>
               </a:rPr>
-              <a:t>https://www.nature.com/articles/nmat5005#MOESM1</a:t>
-            </a:r>
-            <a:endParaRPr lang="en-US" dirty="0"/>
-          </a:p>
-          <a:p>
-            <a:r>
-              <a:rPr lang="en-US" dirty="0" err="1"/>
-              <a:t>Zgurskaya</a:t>
-            </a:r>
-            <a:r>
-              <a:rPr lang="en-US" dirty="0"/>
-              <a:t> (buffer) - </a:t>
-            </a:r>
-            <a:r>
-              <a:rPr lang="en-US" dirty="0">
-                <a:hlinkClick r:id="rId4"/>
-              </a:rPr>
-              <a:t>https://pubmed.ncbi.nlm.nih.gov/10377390/</a:t>
-            </a:r>
-            <a:endParaRPr lang="en-US" dirty="0"/>
-          </a:p>
-          <a:p>
-            <a:r>
-              <a:rPr lang="en-US" dirty="0"/>
-              <a:t>Dunlop (efflux) - </a:t>
-            </a:r>
-            <a:r>
-              <a:rPr lang="en-US" dirty="0">
-                <a:hlinkClick r:id="rId5"/>
-              </a:rPr>
-              <a:t>https://www.ncbi.nlm.nih.gov/pmc/articles/PMC3130554/</a:t>
-            </a:r>
-            <a:endParaRPr lang="en-US" dirty="0"/>
-          </a:p>
-          <a:p>
-            <a:r>
-              <a:rPr lang="en-US" dirty="0"/>
-              <a:t>Altamura - </a:t>
-            </a:r>
-            <a:r>
-              <a:rPr lang="en-US" dirty="0">
-                <a:hlinkClick r:id="rId6"/>
-              </a:rPr>
-              <a:t>https://www.pnas.org/content/114/15/3837.short</a:t>
-            </a:r>
+              <a:t>https://www.fpbase.org/protein/superfolder-gfp/</a:t>
+            </a:r>
+            <a:endParaRPr lang="en-US" sz="1200" dirty="0">
+              <a:latin typeface="Avenir Book" panose="02000503020000020003" pitchFamily="2" charset="0"/>
+            </a:endParaRPr>
+          </a:p>
+          <a:p>
             <a:endParaRPr lang="en-US" dirty="0"/>
           </a:p>
         </p:txBody>
@@ -3929,6 +3877,143 @@
           <a:p>
             <a:fld id="{DD44C615-883D-FF4C-B9E3-F6A18FF3869E}" type="slidenum">
               <a:rPr lang="en-US" smtClean="0"/>
+              <a:t>7</a:t>
+            </a:fld>
+            <a:endParaRPr lang="en-US"/>
+          </a:p>
+        </p:txBody>
+      </p:sp>
+    </p:spTree>
+    <p:extLst>
+      <p:ext uri="{BB962C8B-B14F-4D97-AF65-F5344CB8AC3E}">
+        <p14:creationId xmlns:p14="http://schemas.microsoft.com/office/powerpoint/2010/main" val="3600831436"/>
+      </p:ext>
+    </p:extLst>
+  </p:cSld>
+  <p:clrMapOvr>
+    <a:masterClrMapping/>
+  </p:clrMapOvr>
+</p:notes>
+</file>
+
+<file path=ppt/notesSlides/notesSlide4.xml><?xml version="1.0" encoding="utf-8"?>
+<p:notes xmlns:a="http://schemas.openxmlformats.org/drawingml/2006/main" xmlns:r="http://schemas.openxmlformats.org/officeDocument/2006/relationships" xmlns:p="http://schemas.openxmlformats.org/presentationml/2006/main">
+  <p:cSld>
+    <p:spTree>
+      <p:nvGrpSpPr>
+        <p:cNvPr id="1" name=""/>
+        <p:cNvGrpSpPr/>
+        <p:nvPr/>
+      </p:nvGrpSpPr>
+      <p:grpSpPr>
+        <a:xfrm>
+          <a:off x="0" y="0"/>
+          <a:ext cx="0" cy="0"/>
+          <a:chOff x="0" y="0"/>
+          <a:chExt cx="0" cy="0"/>
+        </a:xfrm>
+      </p:grpSpPr>
+      <p:sp>
+        <p:nvSpPr>
+          <p:cNvPr id="2" name="Slide Image Placeholder 1"/>
+          <p:cNvSpPr>
+            <a:spLocks noGrp="1" noRot="1" noChangeAspect="1"/>
+          </p:cNvSpPr>
+          <p:nvPr>
+            <p:ph type="sldImg"/>
+          </p:nvPr>
+        </p:nvSpPr>
+        <p:spPr/>
+      </p:sp>
+      <p:sp>
+        <p:nvSpPr>
+          <p:cNvPr id="3" name="Notes Placeholder 2"/>
+          <p:cNvSpPr>
+            <a:spLocks noGrp="1"/>
+          </p:cNvSpPr>
+          <p:nvPr>
+            <p:ph type="body" idx="1"/>
+          </p:nvPr>
+        </p:nvSpPr>
+        <p:spPr/>
+        <p:txBody>
+          <a:bodyPr/>
+          <a:lstStyle/>
+          <a:p>
+            <a:r>
+              <a:rPr lang="en-US" dirty="0"/>
+              <a:t>Weiss (oil) - </a:t>
+            </a:r>
+            <a:r>
+              <a:rPr lang="en-US" dirty="0">
+                <a:hlinkClick r:id="rId3"/>
+              </a:rPr>
+              <a:t>https://www.nature.com/articles/nmat5005#MOESM1</a:t>
+            </a:r>
+            <a:endParaRPr lang="en-US" dirty="0"/>
+          </a:p>
+          <a:p>
+            <a:r>
+              <a:rPr lang="en-US" dirty="0" err="1"/>
+              <a:t>Zgurskaya</a:t>
+            </a:r>
+            <a:r>
+              <a:rPr lang="en-US" dirty="0"/>
+              <a:t> (buffer) - </a:t>
+            </a:r>
+            <a:r>
+              <a:rPr lang="en-US" dirty="0">
+                <a:hlinkClick r:id="rId4"/>
+              </a:rPr>
+              <a:t>https://pubmed.ncbi.nlm.nih.gov/10377390/</a:t>
+            </a:r>
+            <a:endParaRPr lang="en-US" dirty="0"/>
+          </a:p>
+          <a:p>
+            <a:r>
+              <a:rPr lang="en-US" dirty="0"/>
+              <a:t>Dunlop (efflux) - </a:t>
+            </a:r>
+            <a:r>
+              <a:rPr lang="en-US" dirty="0">
+                <a:hlinkClick r:id="rId5"/>
+              </a:rPr>
+              <a:t>https://www.ncbi.nlm.nih.gov/pmc/articles/PMC3130554/</a:t>
+            </a:r>
+            <a:endParaRPr lang="en-US" dirty="0"/>
+          </a:p>
+          <a:p>
+            <a:r>
+              <a:rPr lang="en-US" dirty="0"/>
+              <a:t>Altamura - </a:t>
+            </a:r>
+            <a:r>
+              <a:rPr lang="en-US" dirty="0">
+                <a:hlinkClick r:id="rId6"/>
+              </a:rPr>
+              <a:t>https://www.pnas.org/content/114/15/3837.short</a:t>
+            </a:r>
+            <a:endParaRPr lang="en-US" dirty="0"/>
+          </a:p>
+        </p:txBody>
+      </p:sp>
+      <p:sp>
+        <p:nvSpPr>
+          <p:cNvPr id="4" name="Slide Number Placeholder 3"/>
+          <p:cNvSpPr>
+            <a:spLocks noGrp="1"/>
+          </p:cNvSpPr>
+          <p:nvPr>
+            <p:ph type="sldNum" sz="quarter" idx="5"/>
+          </p:nvPr>
+        </p:nvSpPr>
+        <p:spPr/>
+        <p:txBody>
+          <a:bodyPr/>
+          <a:lstStyle/>
+          <a:p>
+            <a:fld id="{DD44C615-883D-FF4C-B9E3-F6A18FF3869E}" type="slidenum">
+              <a:rPr lang="en-US" smtClean="0"/>
               <a:t>9</a:t>
             </a:fld>
             <a:endParaRPr lang="en-US"/>
@@ -3939,6 +4024,90 @@
     <p:extLst>
       <p:ext uri="{BB962C8B-B14F-4D97-AF65-F5344CB8AC3E}">
         <p14:creationId xmlns:p14="http://schemas.microsoft.com/office/powerpoint/2010/main" val="372509338"/>
+      </p:ext>
+    </p:extLst>
+  </p:cSld>
+  <p:clrMapOvr>
+    <a:masterClrMapping/>
+  </p:clrMapOvr>
+</p:notes>
+</file>
+
+<file path=ppt/notesSlides/notesSlide5.xml><?xml version="1.0" encoding="utf-8"?>
+<p:notes xmlns:a="http://schemas.openxmlformats.org/drawingml/2006/main" xmlns:r="http://schemas.openxmlformats.org/officeDocument/2006/relationships" xmlns:p="http://schemas.openxmlformats.org/presentationml/2006/main">
+  <p:cSld>
+    <p:spTree>
+      <p:nvGrpSpPr>
+        <p:cNvPr id="1" name=""/>
+        <p:cNvGrpSpPr/>
+        <p:nvPr/>
+      </p:nvGrpSpPr>
+      <p:grpSpPr>
+        <a:xfrm>
+          <a:off x="0" y="0"/>
+          <a:ext cx="0" cy="0"/>
+          <a:chOff x="0" y="0"/>
+          <a:chExt cx="0" cy="0"/>
+        </a:xfrm>
+      </p:grpSpPr>
+      <p:sp>
+        <p:nvSpPr>
+          <p:cNvPr id="2" name="Slide Image Placeholder 1"/>
+          <p:cNvSpPr>
+            <a:spLocks noGrp="1" noRot="1" noChangeAspect="1"/>
+          </p:cNvSpPr>
+          <p:nvPr>
+            <p:ph type="sldImg"/>
+          </p:nvPr>
+        </p:nvSpPr>
+        <p:spPr/>
+      </p:sp>
+      <p:sp>
+        <p:nvSpPr>
+          <p:cNvPr id="3" name="Notes Placeholder 2"/>
+          <p:cNvSpPr>
+            <a:spLocks noGrp="1"/>
+          </p:cNvSpPr>
+          <p:nvPr>
+            <p:ph type="body" idx="1"/>
+          </p:nvPr>
+        </p:nvSpPr>
+        <p:spPr/>
+        <p:txBody>
+          <a:bodyPr/>
+          <a:lstStyle/>
+          <a:p>
+            <a:endParaRPr lang="en-US"/>
+          </a:p>
+        </p:txBody>
+      </p:sp>
+      <p:sp>
+        <p:nvSpPr>
+          <p:cNvPr id="4" name="Slide Number Placeholder 3"/>
+          <p:cNvSpPr>
+            <a:spLocks noGrp="1"/>
+          </p:cNvSpPr>
+          <p:nvPr>
+            <p:ph type="sldNum" sz="quarter" idx="5"/>
+          </p:nvPr>
+        </p:nvSpPr>
+        <p:spPr/>
+        <p:txBody>
+          <a:bodyPr/>
+          <a:lstStyle/>
+          <a:p>
+            <a:fld id="{DD44C615-883D-FF4C-B9E3-F6A18FF3869E}" type="slidenum">
+              <a:rPr lang="en-US" smtClean="0"/>
+              <a:t>12</a:t>
+            </a:fld>
+            <a:endParaRPr lang="en-US"/>
+          </a:p>
+        </p:txBody>
+      </p:sp>
+    </p:spTree>
+    <p:extLst>
+      <p:ext uri="{BB962C8B-B14F-4D97-AF65-F5344CB8AC3E}">
+        <p14:creationId xmlns:p14="http://schemas.microsoft.com/office/powerpoint/2010/main" val="3179616472"/>
       </p:ext>
     </p:extLst>
   </p:cSld>
@@ -4096,7 +4265,7 @@
           <a:p>
             <a:fld id="{3B3400CD-7287-EA41-97B8-6C373A830532}" type="datetimeFigureOut">
               <a:rPr lang="en-US" smtClean="0"/>
-              <a:t>7/17/20</a:t>
+              <a:t>7/19/20</a:t>
             </a:fld>
             <a:endParaRPr lang="en-US"/>
           </a:p>
@@ -4294,7 +4463,7 @@
           <a:p>
             <a:fld id="{3B3400CD-7287-EA41-97B8-6C373A830532}" type="datetimeFigureOut">
               <a:rPr lang="en-US" smtClean="0"/>
-              <a:t>7/17/20</a:t>
+              <a:t>7/19/20</a:t>
             </a:fld>
             <a:endParaRPr lang="en-US"/>
           </a:p>
@@ -4502,7 +4671,7 @@
           <a:p>
             <a:fld id="{3B3400CD-7287-EA41-97B8-6C373A830532}" type="datetimeFigureOut">
               <a:rPr lang="en-US" smtClean="0"/>
-              <a:t>7/17/20</a:t>
+              <a:t>7/19/20</a:t>
             </a:fld>
             <a:endParaRPr lang="en-US"/>
           </a:p>
@@ -4702,7 +4871,7 @@
           <a:p>
             <a:fld id="{3B3400CD-7287-EA41-97B8-6C373A830532}" type="datetimeFigureOut">
               <a:rPr lang="en-US" smtClean="0"/>
-              <a:t>7/17/20</a:t>
+              <a:t>7/19/20</a:t>
             </a:fld>
             <a:endParaRPr lang="en-US"/>
           </a:p>
@@ -4977,7 +5146,7 @@
           <a:p>
             <a:fld id="{3B3400CD-7287-EA41-97B8-6C373A830532}" type="datetimeFigureOut">
               <a:rPr lang="en-US" smtClean="0"/>
-              <a:t>7/17/20</a:t>
+              <a:t>7/19/20</a:t>
             </a:fld>
             <a:endParaRPr lang="en-US"/>
           </a:p>
@@ -5242,7 +5411,7 @@
           <a:p>
             <a:fld id="{3B3400CD-7287-EA41-97B8-6C373A830532}" type="datetimeFigureOut">
               <a:rPr lang="en-US" smtClean="0"/>
-              <a:t>7/17/20</a:t>
+              <a:t>7/19/20</a:t>
             </a:fld>
             <a:endParaRPr lang="en-US"/>
           </a:p>
@@ -5654,7 +5823,7 @@
           <a:p>
             <a:fld id="{3B3400CD-7287-EA41-97B8-6C373A830532}" type="datetimeFigureOut">
               <a:rPr lang="en-US" smtClean="0"/>
-              <a:t>7/17/20</a:t>
+              <a:t>7/19/20</a:t>
             </a:fld>
             <a:endParaRPr lang="en-US"/>
           </a:p>
@@ -5795,7 +5964,7 @@
           <a:p>
             <a:fld id="{3B3400CD-7287-EA41-97B8-6C373A830532}" type="datetimeFigureOut">
               <a:rPr lang="en-US" smtClean="0"/>
-              <a:t>7/17/20</a:t>
+              <a:t>7/19/20</a:t>
             </a:fld>
             <a:endParaRPr lang="en-US"/>
           </a:p>
@@ -5908,7 +6077,7 @@
           <a:p>
             <a:fld id="{3B3400CD-7287-EA41-97B8-6C373A830532}" type="datetimeFigureOut">
               <a:rPr lang="en-US" smtClean="0"/>
-              <a:t>7/17/20</a:t>
+              <a:t>7/19/20</a:t>
             </a:fld>
             <a:endParaRPr lang="en-US"/>
           </a:p>
@@ -6219,7 +6388,7 @@
           <a:p>
             <a:fld id="{3B3400CD-7287-EA41-97B8-6C373A830532}" type="datetimeFigureOut">
               <a:rPr lang="en-US" smtClean="0"/>
-              <a:t>7/17/20</a:t>
+              <a:t>7/19/20</a:t>
             </a:fld>
             <a:endParaRPr lang="en-US"/>
           </a:p>
@@ -6510,7 +6679,7 @@
           <a:p>
             <a:fld id="{3B3400CD-7287-EA41-97B8-6C373A830532}" type="datetimeFigureOut">
               <a:rPr lang="en-US" smtClean="0"/>
-              <a:t>7/17/20</a:t>
+              <a:t>7/19/20</a:t>
             </a:fld>
             <a:endParaRPr lang="en-US"/>
           </a:p>
@@ -6753,7 +6922,7 @@
           <a:p>
             <a:fld id="{3B3400CD-7287-EA41-97B8-6C373A830532}" type="datetimeFigureOut">
               <a:rPr lang="en-US" smtClean="0"/>
-              <a:t>7/17/20</a:t>
+              <a:t>7/19/20</a:t>
             </a:fld>
             <a:endParaRPr lang="en-US"/>
           </a:p>
@@ -7349,25 +7518,25 @@
           <a:lstStyle/>
           <a:p>
             <a:r>
-              <a:rPr lang="en-US" dirty="0"/>
+              <a:rPr lang="en-US" sz="2400" dirty="0"/>
               <a:t>Implement proton gradient mechanism</a:t>
             </a:r>
           </a:p>
           <a:p>
             <a:r>
-              <a:rPr lang="en-US" dirty="0" err="1"/>
+              <a:rPr lang="en-US" sz="2400" dirty="0" err="1"/>
               <a:t>scipy.odeint</a:t>
             </a:r>
             <a:r>
-              <a:rPr lang="en-US" dirty="0"/>
+              <a:rPr lang="en-US" sz="2400" dirty="0"/>
               <a:t>() custom function to collaborate with </a:t>
             </a:r>
             <a:r>
-              <a:rPr lang="en-US" dirty="0" err="1"/>
+              <a:rPr lang="en-US" sz="2400" dirty="0" err="1"/>
               <a:t>BioCRNPyler</a:t>
             </a:r>
             <a:r>
-              <a:rPr lang="en-US" dirty="0"/>
+              <a:rPr lang="en-US" sz="2400" dirty="0"/>
               <a:t> (through SBML?)</a:t>
             </a:r>
           </a:p>
@@ -7376,6 +7545,36 @@
           </a:p>
         </p:txBody>
       </p:sp>
+      <p:pic>
+        <p:nvPicPr>
+          <p:cNvPr id="4" name="Picture 3" descr="A picture containing drawing&#10;&#10;Description automatically generated">
+            <a:extLst>
+              <a:ext uri="{FF2B5EF4-FFF2-40B4-BE49-F238E27FC236}">
+                <a16:creationId xmlns:a16="http://schemas.microsoft.com/office/drawing/2014/main" id="{B90D48BE-8DF1-F24F-AB85-D7D6444C09AC}"/>
+              </a:ext>
+            </a:extLst>
+          </p:cNvPr>
+          <p:cNvPicPr>
+            <a:picLocks noChangeAspect="1"/>
+          </p:cNvPicPr>
+          <p:nvPr/>
+        </p:nvPicPr>
+        <p:blipFill>
+          <a:blip r:embed="rId2"/>
+          <a:stretch>
+            <a:fillRect/>
+          </a:stretch>
+        </p:blipFill>
+        <p:spPr>
+          <a:xfrm>
+            <a:off x="11117119" y="6514803"/>
+            <a:ext cx="1074881" cy="343197"/>
+          </a:xfrm>
+          <a:prstGeom prst="rect">
+            <a:avLst/>
+          </a:prstGeom>
+        </p:spPr>
+      </p:pic>
     </p:spTree>
     <p:extLst>
       <p:ext uri="{BB962C8B-B14F-4D97-AF65-F5344CB8AC3E}">
@@ -7519,6 +7718,231 @@
 </file>
 
 <file path=ppt/slides/slide12.xml><?xml version="1.0" encoding="utf-8"?>
+<p:sld xmlns:a="http://schemas.openxmlformats.org/drawingml/2006/main" xmlns:r="http://schemas.openxmlformats.org/officeDocument/2006/relationships" xmlns:p="http://schemas.openxmlformats.org/presentationml/2006/main">
+  <p:cSld>
+    <p:spTree>
+      <p:nvGrpSpPr>
+        <p:cNvPr id="1" name=""/>
+        <p:cNvGrpSpPr/>
+        <p:nvPr/>
+      </p:nvGrpSpPr>
+      <p:grpSpPr>
+        <a:xfrm>
+          <a:off x="0" y="0"/>
+          <a:ext cx="0" cy="0"/>
+          <a:chOff x="0" y="0"/>
+          <a:chExt cx="0" cy="0"/>
+        </a:xfrm>
+      </p:grpSpPr>
+      <p:graphicFrame>
+        <p:nvGraphicFramePr>
+          <p:cNvPr id="4" name="Content Placeholder 3">
+            <a:extLst>
+              <a:ext uri="{FF2B5EF4-FFF2-40B4-BE49-F238E27FC236}">
+                <a16:creationId xmlns:a16="http://schemas.microsoft.com/office/drawing/2014/main" id="{0AD79EA2-F637-4648-8CCC-AB9D5E2CA293}"/>
+              </a:ext>
+            </a:extLst>
+          </p:cNvPr>
+          <p:cNvGraphicFramePr>
+            <a:graphicFrameLocks noGrp="1"/>
+          </p:cNvGraphicFramePr>
+          <p:nvPr>
+            <p:ph idx="1"/>
+            <p:extLst>
+              <p:ext uri="{D42A27DB-BD31-4B8C-83A1-F6EECF244321}">
+                <p14:modId xmlns:p14="http://schemas.microsoft.com/office/powerpoint/2010/main" val="4136375812"/>
+              </p:ext>
+            </p:extLst>
+          </p:nvPr>
+        </p:nvGraphicFramePr>
+        <p:xfrm>
+          <a:off x="719447" y="685593"/>
+          <a:ext cx="10515600" cy="1867600"/>
+        </p:xfrm>
+        <a:graphic>
+          <a:graphicData uri="http://schemas.openxmlformats.org/drawingml/2006/table">
+            <a:tbl>
+              <a:tblPr firstRow="1" bandRow="1">
+                <a:tableStyleId>{5C22544A-7EE6-4342-B048-85BDC9FD1C3A}</a:tableStyleId>
+              </a:tblPr>
+              <a:tblGrid>
+                <a:gridCol w="5257800">
+                  <a:extLst>
+                    <a:ext uri="{9D8B030D-6E8A-4147-A177-3AD203B41FA5}">
+                      <a16:colId xmlns:a16="http://schemas.microsoft.com/office/drawing/2014/main" val="1086898738"/>
+                    </a:ext>
+                  </a:extLst>
+                </a:gridCol>
+                <a:gridCol w="5257800">
+                  <a:extLst>
+                    <a:ext uri="{9D8B030D-6E8A-4147-A177-3AD203B41FA5}">
+                      <a16:colId xmlns:a16="http://schemas.microsoft.com/office/drawing/2014/main" val="1684887687"/>
+                    </a:ext>
+                  </a:extLst>
+                </a:gridCol>
+              </a:tblGrid>
+              <a:tr h="373520">
+                <a:tc>
+                  <a:txBody>
+                    <a:bodyPr/>
+                    <a:lstStyle/>
+                    <a:p>
+                      <a:r>
+                        <a:rPr lang="en-US" dirty="0"/>
+                        <a:t>Fellowship/School</a:t>
+                      </a:r>
+                    </a:p>
+                  </a:txBody>
+                  <a:tcPr/>
+                </a:tc>
+                <a:tc>
+                  <a:txBody>
+                    <a:bodyPr/>
+                    <a:lstStyle/>
+                    <a:p>
+                      <a:r>
+                        <a:rPr lang="en-US" dirty="0"/>
+                        <a:t>Due Date for Recommendation </a:t>
+                      </a:r>
+                    </a:p>
+                  </a:txBody>
+                  <a:tcPr/>
+                </a:tc>
+                <a:extLst>
+                  <a:ext uri="{0D108BD9-81ED-4DB2-BD59-A6C34878D82A}">
+                    <a16:rowId xmlns:a16="http://schemas.microsoft.com/office/drawing/2014/main" val="3867394978"/>
+                  </a:ext>
+                </a:extLst>
+              </a:tr>
+              <a:tr h="373520">
+                <a:tc>
+                  <a:txBody>
+                    <a:bodyPr/>
+                    <a:lstStyle/>
+                    <a:p>
+                      <a:r>
+                        <a:rPr lang="en-US" dirty="0"/>
+                        <a:t>Hertz Fellowship</a:t>
+                      </a:r>
+                    </a:p>
+                  </a:txBody>
+                  <a:tcPr/>
+                </a:tc>
+                <a:tc>
+                  <a:txBody>
+                    <a:bodyPr/>
+                    <a:lstStyle/>
+                    <a:p>
+                      <a:endParaRPr lang="en-US"/>
+                    </a:p>
+                  </a:txBody>
+                  <a:tcPr/>
+                </a:tc>
+                <a:extLst>
+                  <a:ext uri="{0D108BD9-81ED-4DB2-BD59-A6C34878D82A}">
+                    <a16:rowId xmlns:a16="http://schemas.microsoft.com/office/drawing/2014/main" val="1711216209"/>
+                  </a:ext>
+                </a:extLst>
+              </a:tr>
+              <a:tr h="373520">
+                <a:tc>
+                  <a:txBody>
+                    <a:bodyPr/>
+                    <a:lstStyle/>
+                    <a:p>
+                      <a:endParaRPr lang="en-US" dirty="0"/>
+                    </a:p>
+                  </a:txBody>
+                  <a:tcPr/>
+                </a:tc>
+                <a:tc>
+                  <a:txBody>
+                    <a:bodyPr/>
+                    <a:lstStyle/>
+                    <a:p>
+                      <a:endParaRPr lang="en-US"/>
+                    </a:p>
+                  </a:txBody>
+                  <a:tcPr/>
+                </a:tc>
+                <a:extLst>
+                  <a:ext uri="{0D108BD9-81ED-4DB2-BD59-A6C34878D82A}">
+                    <a16:rowId xmlns:a16="http://schemas.microsoft.com/office/drawing/2014/main" val="3113134596"/>
+                  </a:ext>
+                </a:extLst>
+              </a:tr>
+              <a:tr h="373520">
+                <a:tc>
+                  <a:txBody>
+                    <a:bodyPr/>
+                    <a:lstStyle/>
+                    <a:p>
+                      <a:endParaRPr lang="en-US"/>
+                    </a:p>
+                  </a:txBody>
+                  <a:tcPr/>
+                </a:tc>
+                <a:tc>
+                  <a:txBody>
+                    <a:bodyPr/>
+                    <a:lstStyle/>
+                    <a:p>
+                      <a:endParaRPr lang="en-US"/>
+                    </a:p>
+                  </a:txBody>
+                  <a:tcPr/>
+                </a:tc>
+                <a:extLst>
+                  <a:ext uri="{0D108BD9-81ED-4DB2-BD59-A6C34878D82A}">
+                    <a16:rowId xmlns:a16="http://schemas.microsoft.com/office/drawing/2014/main" val="1614938741"/>
+                  </a:ext>
+                </a:extLst>
+              </a:tr>
+              <a:tr h="373520">
+                <a:tc>
+                  <a:txBody>
+                    <a:bodyPr/>
+                    <a:lstStyle/>
+                    <a:p>
+                      <a:endParaRPr lang="en-US"/>
+                    </a:p>
+                  </a:txBody>
+                  <a:tcPr/>
+                </a:tc>
+                <a:tc>
+                  <a:txBody>
+                    <a:bodyPr/>
+                    <a:lstStyle/>
+                    <a:p>
+                      <a:endParaRPr lang="en-US" dirty="0"/>
+                    </a:p>
+                  </a:txBody>
+                  <a:tcPr/>
+                </a:tc>
+                <a:extLst>
+                  <a:ext uri="{0D108BD9-81ED-4DB2-BD59-A6C34878D82A}">
+                    <a16:rowId xmlns:a16="http://schemas.microsoft.com/office/drawing/2014/main" val="605407360"/>
+                  </a:ext>
+                </a:extLst>
+              </a:tr>
+            </a:tbl>
+          </a:graphicData>
+        </a:graphic>
+      </p:graphicFrame>
+    </p:spTree>
+    <p:extLst>
+      <p:ext uri="{BB962C8B-B14F-4D97-AF65-F5344CB8AC3E}">
+        <p14:creationId xmlns:p14="http://schemas.microsoft.com/office/powerpoint/2010/main" val="3761551235"/>
+      </p:ext>
+    </p:extLst>
+  </p:cSld>
+  <p:clrMapOvr>
+    <a:masterClrMapping/>
+  </p:clrMapOvr>
+</p:sld>
+</file>
+
+<file path=ppt/slides/slide13.xml><?xml version="1.0" encoding="utf-8"?>
 <p:sld xmlns:a="http://schemas.openxmlformats.org/drawingml/2006/main" xmlns:r="http://schemas.openxmlformats.org/officeDocument/2006/relationships" xmlns:p="http://schemas.openxmlformats.org/presentationml/2006/main">
   <p:cSld>
     <p:spTree>
@@ -8141,7 +8565,7 @@
         <p:spPr>
           <a:xfrm>
             <a:off x="4352940" y="6600693"/>
-            <a:ext cx="3273653" cy="261610"/>
+            <a:ext cx="3389069" cy="261610"/>
           </a:xfrm>
           <a:prstGeom prst="rect">
             <a:avLst/>
@@ -8158,8 +8582,23 @@
               <a:rPr lang="en-US" sz="1100" dirty="0">
                 <a:latin typeface="Avenir Book" panose="02000503020000020003" pitchFamily="2" charset="0"/>
               </a:rPr>
-              <a:t>Opgenorth et al., 2017, Nature Chemical Biology</a:t>
-            </a:r>
+              <a:t>Opgenorth et al., </a:t>
+            </a:r>
+            <a:r>
+              <a:rPr lang="en-US" sz="1100" i="1" dirty="0">
+                <a:latin typeface="Avenir Book" panose="02000503020000020003" pitchFamily="2" charset="0"/>
+              </a:rPr>
+              <a:t>Nature Chemical Biology</a:t>
+            </a:r>
+            <a:r>
+              <a:rPr lang="en-US" sz="1100" dirty="0">
+                <a:latin typeface="Avenir Book" panose="02000503020000020003" pitchFamily="2" charset="0"/>
+              </a:rPr>
+              <a:t>, 2017 </a:t>
+            </a:r>
+            <a:endParaRPr lang="en-US" sz="1100" i="1" dirty="0">
+              <a:latin typeface="Avenir Book" panose="02000503020000020003" pitchFamily="2" charset="0"/>
+            </a:endParaRPr>
           </a:p>
         </p:txBody>
       </p:sp>
@@ -9088,14 +9527,14 @@
           <p:nvPr/>
         </p:nvPicPr>
         <p:blipFill>
-          <a:blip r:embed="rId2"/>
+          <a:blip r:embed="rId3"/>
           <a:stretch>
             <a:fillRect/>
           </a:stretch>
         </p:blipFill>
         <p:spPr>
           <a:xfrm>
-            <a:off x="4334747" y="1153247"/>
+            <a:off x="4329306" y="1153247"/>
             <a:ext cx="3715076" cy="2743200"/>
           </a:xfrm>
           <a:prstGeom prst="rect">
@@ -9118,7 +9557,7 @@
           <p:nvPr/>
         </p:nvPicPr>
         <p:blipFill>
-          <a:blip r:embed="rId3"/>
+          <a:blip r:embed="rId4"/>
           <a:stretch>
             <a:fillRect/>
           </a:stretch>
@@ -9148,7 +9587,7 @@
           <p:nvPr/>
         </p:nvPicPr>
         <p:blipFill>
-          <a:blip r:embed="rId4"/>
+          <a:blip r:embed="rId5"/>
           <a:stretch>
             <a:fillRect/>
           </a:stretch>
@@ -9163,6 +9602,67 @@
           </a:prstGeom>
         </p:spPr>
       </p:pic>
+      <p:sp>
+        <p:nvSpPr>
+          <p:cNvPr id="7" name="TextBox 6">
+            <a:extLst>
+              <a:ext uri="{FF2B5EF4-FFF2-40B4-BE49-F238E27FC236}">
+                <a16:creationId xmlns:a16="http://schemas.microsoft.com/office/drawing/2014/main" id="{19BA7AF8-680D-204A-A2C0-08E966BFDF4B}"/>
+              </a:ext>
+            </a:extLst>
+          </p:cNvPr>
+          <p:cNvSpPr txBox="1"/>
+          <p:nvPr/>
+        </p:nvSpPr>
+        <p:spPr>
+          <a:xfrm>
+            <a:off x="8331126" y="6596390"/>
+            <a:ext cx="2948243" cy="261610"/>
+          </a:xfrm>
+          <a:prstGeom prst="rect">
+            <a:avLst/>
+          </a:prstGeom>
+          <a:noFill/>
+        </p:spPr>
+        <p:txBody>
+          <a:bodyPr wrap="none" rtlCol="0">
+            <a:spAutoFit/>
+          </a:bodyPr>
+          <a:lstStyle/>
+          <a:p>
+            <a:r>
+              <a:rPr lang="en-US" sz="1100" dirty="0" err="1">
+                <a:latin typeface="Avenir Book" panose="02000503020000020003" pitchFamily="2" charset="0"/>
+              </a:rPr>
+              <a:t>Ayush</a:t>
+            </a:r>
+            <a:r>
+              <a:rPr lang="en-US" sz="1100" dirty="0">
+                <a:latin typeface="Avenir Book" panose="02000503020000020003" pitchFamily="2" charset="0"/>
+              </a:rPr>
+              <a:t> Pandey, R. M. Murray, </a:t>
+            </a:r>
+            <a:r>
+              <a:rPr lang="en-US" sz="1100" i="1" dirty="0" err="1">
+                <a:latin typeface="Avenir Book" panose="02000503020000020003" pitchFamily="2" charset="0"/>
+              </a:rPr>
+              <a:t>biorxiv</a:t>
+            </a:r>
+            <a:r>
+              <a:rPr lang="en-US" sz="1100" i="1" dirty="0">
+                <a:latin typeface="Avenir Book" panose="02000503020000020003" pitchFamily="2" charset="0"/>
+              </a:rPr>
+              <a:t>,</a:t>
+            </a:r>
+            <a:r>
+              <a:rPr lang="en-US" sz="1100" dirty="0">
+                <a:latin typeface="Avenir Book" panose="02000503020000020003" pitchFamily="2" charset="0"/>
+              </a:rPr>
+              <a:t> 2020 </a:t>
+            </a:r>
+          </a:p>
+        </p:txBody>
+      </p:sp>
     </p:spTree>
     <p:extLst>
       <p:ext uri="{BB962C8B-B14F-4D97-AF65-F5344CB8AC3E}">
@@ -9329,7 +9829,12 @@
             <p:ph type="title"/>
           </p:nvPr>
         </p:nvSpPr>
-        <p:spPr/>
+        <p:spPr>
+          <a:xfrm>
+            <a:off x="90054" y="0"/>
+            <a:ext cx="10515600" cy="1325563"/>
+          </a:xfrm>
+        </p:spPr>
         <p:txBody>
           <a:bodyPr>
             <a:normAutofit/>
@@ -9343,31 +9848,34 @@
           </a:p>
         </p:txBody>
       </p:sp>
-      <p:sp>
-        <p:nvSpPr>
-          <p:cNvPr id="3" name="Content Placeholder 2">
-            <a:extLst>
-              <a:ext uri="{FF2B5EF4-FFF2-40B4-BE49-F238E27FC236}">
-                <a16:creationId xmlns:a16="http://schemas.microsoft.com/office/drawing/2014/main" id="{A0918B25-6668-D74E-B854-001DBEA24A07}"/>
-              </a:ext>
-            </a:extLst>
-          </p:cNvPr>
-          <p:cNvSpPr>
-            <a:spLocks noGrp="1"/>
-          </p:cNvSpPr>
+      <p:pic>
+        <p:nvPicPr>
+          <p:cNvPr id="6" name="Content Placeholder 5" descr="A close up of a map&#10;&#10;Description automatically generated">
+            <a:extLst>
+              <a:ext uri="{FF2B5EF4-FFF2-40B4-BE49-F238E27FC236}">
+                <a16:creationId xmlns:a16="http://schemas.microsoft.com/office/drawing/2014/main" id="{7F65FD25-15C8-1B4D-BE17-3416B16C69FE}"/>
+              </a:ext>
+            </a:extLst>
+          </p:cNvPr>
+          <p:cNvPicPr>
+            <a:picLocks noGrp="1" noChangeAspect="1"/>
+          </p:cNvPicPr>
           <p:nvPr>
             <p:ph idx="1"/>
           </p:nvPr>
-        </p:nvSpPr>
-        <p:spPr/>
-        <p:txBody>
-          <a:bodyPr/>
-          <a:lstStyle/>
-          <a:p>
-            <a:endParaRPr lang="en-US" dirty="0"/>
-          </a:p>
-        </p:txBody>
-      </p:sp>
+        </p:nvPicPr>
+        <p:blipFill rotWithShape="1">
+          <a:blip r:embed="rId2"/>
+          <a:srcRect l="1260" t="3722"/>
+          <a:stretch/>
+        </p:blipFill>
+        <p:spPr>
+          <a:xfrm>
+            <a:off x="415636" y="2191729"/>
+            <a:ext cx="4147166" cy="2474541"/>
+          </a:xfrm>
+        </p:spPr>
+      </p:pic>
       <p:pic>
         <p:nvPicPr>
           <p:cNvPr id="4" name="Picture 3" descr="A picture containing drawing&#10;&#10;Description automatically generated">
@@ -9383,7 +9891,7 @@
           <p:nvPr/>
         </p:nvPicPr>
         <p:blipFill>
-          <a:blip r:embed="rId2"/>
+          <a:blip r:embed="rId3"/>
           <a:stretch>
             <a:fillRect/>
           </a:stretch>
@@ -9392,6 +9900,148 @@
           <a:xfrm>
             <a:off x="11117119" y="6514803"/>
             <a:ext cx="1074881" cy="343197"/>
+          </a:xfrm>
+          <a:prstGeom prst="rect">
+            <a:avLst/>
+          </a:prstGeom>
+        </p:spPr>
+      </p:pic>
+      <p:sp>
+        <p:nvSpPr>
+          <p:cNvPr id="7" name="TextBox 6">
+            <a:extLst>
+              <a:ext uri="{FF2B5EF4-FFF2-40B4-BE49-F238E27FC236}">
+                <a16:creationId xmlns:a16="http://schemas.microsoft.com/office/drawing/2014/main" id="{12E75637-8AED-A043-BEEF-3FE4BB47916E}"/>
+              </a:ext>
+            </a:extLst>
+          </p:cNvPr>
+          <p:cNvSpPr txBox="1"/>
+          <p:nvPr/>
+        </p:nvSpPr>
+        <p:spPr>
+          <a:xfrm>
+            <a:off x="0" y="6555596"/>
+            <a:ext cx="3312125" cy="261610"/>
+          </a:xfrm>
+          <a:prstGeom prst="rect">
+            <a:avLst/>
+          </a:prstGeom>
+          <a:noFill/>
+        </p:spPr>
+        <p:txBody>
+          <a:bodyPr wrap="none" rtlCol="0">
+            <a:spAutoFit/>
+          </a:bodyPr>
+          <a:lstStyle/>
+          <a:p>
+            <a:r>
+              <a:rPr lang="en-US" sz="1100" dirty="0">
+                <a:latin typeface="Avenir Book" panose="02000503020000020003" pitchFamily="2" charset="0"/>
+              </a:rPr>
+              <a:t>Opgenorth et al., </a:t>
+            </a:r>
+            <a:r>
+              <a:rPr lang="en-US" sz="1100" i="1" dirty="0">
+                <a:latin typeface="Avenir Book" panose="02000503020000020003" pitchFamily="2" charset="0"/>
+              </a:rPr>
+              <a:t>Nature Chemical Biology</a:t>
+            </a:r>
+            <a:r>
+              <a:rPr lang="en-US" sz="1100" dirty="0">
+                <a:latin typeface="Avenir Book" panose="02000503020000020003" pitchFamily="2" charset="0"/>
+              </a:rPr>
+              <a:t>, 2016 </a:t>
+            </a:r>
+            <a:endParaRPr lang="en-US" sz="1100" i="1" dirty="0">
+              <a:latin typeface="Avenir Book" panose="02000503020000020003" pitchFamily="2" charset="0"/>
+            </a:endParaRPr>
+          </a:p>
+        </p:txBody>
+      </p:sp>
+      <p:pic>
+        <p:nvPicPr>
+          <p:cNvPr id="9" name="Picture 8" descr="A close up of a map&#10;&#10;Description automatically generated">
+            <a:extLst>
+              <a:ext uri="{FF2B5EF4-FFF2-40B4-BE49-F238E27FC236}">
+                <a16:creationId xmlns:a16="http://schemas.microsoft.com/office/drawing/2014/main" id="{C9D88AFD-0577-5944-85B6-7EB0A59D170C}"/>
+              </a:ext>
+            </a:extLst>
+          </p:cNvPr>
+          <p:cNvPicPr>
+            <a:picLocks noChangeAspect="1"/>
+          </p:cNvPicPr>
+          <p:nvPr/>
+        </p:nvPicPr>
+        <p:blipFill>
+          <a:blip r:embed="rId4"/>
+          <a:stretch>
+            <a:fillRect/>
+          </a:stretch>
+        </p:blipFill>
+        <p:spPr>
+          <a:xfrm>
+            <a:off x="5188409" y="1137245"/>
+            <a:ext cx="3526972" cy="2743200"/>
+          </a:xfrm>
+          <a:prstGeom prst="rect">
+            <a:avLst/>
+          </a:prstGeom>
+        </p:spPr>
+      </p:pic>
+      <p:pic>
+        <p:nvPicPr>
+          <p:cNvPr id="11" name="Picture 10" descr="A close up of a map&#10;&#10;Description automatically generated">
+            <a:extLst>
+              <a:ext uri="{FF2B5EF4-FFF2-40B4-BE49-F238E27FC236}">
+                <a16:creationId xmlns:a16="http://schemas.microsoft.com/office/drawing/2014/main" id="{723FEAE3-3431-4F4E-9609-CA34C23C9B25}"/>
+              </a:ext>
+            </a:extLst>
+          </p:cNvPr>
+          <p:cNvPicPr>
+            <a:picLocks noChangeAspect="1"/>
+          </p:cNvPicPr>
+          <p:nvPr/>
+        </p:nvPicPr>
+        <p:blipFill>
+          <a:blip r:embed="rId5"/>
+          <a:stretch>
+            <a:fillRect/>
+          </a:stretch>
+        </p:blipFill>
+        <p:spPr>
+          <a:xfrm>
+            <a:off x="8665028" y="1136190"/>
+            <a:ext cx="3526972" cy="2743200"/>
+          </a:xfrm>
+          <a:prstGeom prst="rect">
+            <a:avLst/>
+          </a:prstGeom>
+        </p:spPr>
+      </p:pic>
+      <p:pic>
+        <p:nvPicPr>
+          <p:cNvPr id="13" name="Picture 12" descr="A close up of a map&#10;&#10;Description automatically generated">
+            <a:extLst>
+              <a:ext uri="{FF2B5EF4-FFF2-40B4-BE49-F238E27FC236}">
+                <a16:creationId xmlns:a16="http://schemas.microsoft.com/office/drawing/2014/main" id="{38953F22-DADC-124F-AE71-26F879E1E297}"/>
+              </a:ext>
+            </a:extLst>
+          </p:cNvPr>
+          <p:cNvPicPr>
+            <a:picLocks noChangeAspect="1"/>
+          </p:cNvPicPr>
+          <p:nvPr/>
+        </p:nvPicPr>
+        <p:blipFill>
+          <a:blip r:embed="rId6"/>
+          <a:stretch>
+            <a:fillRect/>
+          </a:stretch>
+        </p:blipFill>
+        <p:spPr>
+          <a:xfrm>
+            <a:off x="5347854" y="3983995"/>
+            <a:ext cx="3526972" cy="2743200"/>
           </a:xfrm>
           <a:prstGeom prst="rect">
             <a:avLst/>
@@ -9702,7 +10352,7 @@
         </p:nvSpPr>
         <p:spPr>
           <a:xfrm>
-            <a:off x="1219200" y="5974080"/>
+            <a:off x="773430" y="5547743"/>
             <a:ext cx="8351520" cy="369332"/>
           </a:xfrm>
           <a:prstGeom prst="rect">
@@ -10560,14 +11210,14 @@
             <p:ph idx="1"/>
             <p:extLst>
               <p:ext uri="{D42A27DB-BD31-4B8C-83A1-F6EECF244321}">
-                <p14:modId xmlns:p14="http://schemas.microsoft.com/office/powerpoint/2010/main" val="2106386360"/>
+                <p14:modId xmlns:p14="http://schemas.microsoft.com/office/powerpoint/2010/main" val="3683454294"/>
               </p:ext>
             </p:extLst>
           </p:nvPr>
         </p:nvGraphicFramePr>
         <p:xfrm>
-          <a:off x="377668" y="1032586"/>
-          <a:ext cx="11129210" cy="1838960"/>
+          <a:off x="214846" y="920696"/>
+          <a:ext cx="11762307" cy="1838960"/>
         </p:xfrm>
         <a:graphic>
           <a:graphicData uri="http://schemas.openxmlformats.org/drawingml/2006/table">
@@ -10576,28 +11226,28 @@
                 <a:tableStyleId>{5C22544A-7EE6-4342-B048-85BDC9FD1C3A}</a:tableStyleId>
               </a:tblPr>
               <a:tblGrid>
-                <a:gridCol w="2149123">
+                <a:gridCol w="2271378">
                   <a:extLst>
                     <a:ext uri="{9D8B030D-6E8A-4147-A177-3AD203B41FA5}">
                       <a16:colId xmlns:a16="http://schemas.microsoft.com/office/drawing/2014/main" val="726272189"/>
                     </a:ext>
                   </a:extLst>
                 </a:gridCol>
-                <a:gridCol w="2423161">
+                <a:gridCol w="2561005">
                   <a:extLst>
                     <a:ext uri="{9D8B030D-6E8A-4147-A177-3AD203B41FA5}">
                       <a16:colId xmlns:a16="http://schemas.microsoft.com/office/drawing/2014/main" val="3200437192"/>
                     </a:ext>
                   </a:extLst>
                 </a:gridCol>
-                <a:gridCol w="3089806">
+                <a:gridCol w="2865113">
                   <a:extLst>
                     <a:ext uri="{9D8B030D-6E8A-4147-A177-3AD203B41FA5}">
                       <a16:colId xmlns:a16="http://schemas.microsoft.com/office/drawing/2014/main" val="1542861491"/>
                     </a:ext>
                   </a:extLst>
                 </a:gridCol>
-                <a:gridCol w="3467120">
+                <a:gridCol w="4064811">
                   <a:extLst>
                     <a:ext uri="{9D8B030D-6E8A-4147-A177-3AD203B41FA5}">
                       <a16:colId xmlns:a16="http://schemas.microsoft.com/office/drawing/2014/main" val="2970825760"/>
@@ -10917,7 +11567,7 @@
                         <a:rPr lang="en-US" sz="1500" dirty="0">
                           <a:latin typeface="Avenir Book" panose="02000503020000020003" pitchFamily="2" charset="0"/>
                         </a:rPr>
-                        <a:t> (M. Weiss et al., 2018)</a:t>
+                        <a:t> in microfluidic device (M. Weiss et al., 2018)</a:t>
                       </a:r>
                     </a:p>
                   </a:txBody>

--- a/miscellaneous/presentations/202020720_murray_mtg.pptx
+++ b/miscellaneous/presentations/202020720_murray_mtg.pptx
@@ -9,7 +9,7 @@
   </p:notesMasterIdLst>
   <p:sldIdLst>
     <p:sldId id="256" r:id="rId2"/>
-    <p:sldId id="259" r:id="rId3"/>
+    <p:sldId id="338" r:id="rId3"/>
     <p:sldId id="269" r:id="rId4"/>
     <p:sldId id="270" r:id="rId5"/>
     <p:sldId id="271" r:id="rId6"/>
@@ -3341,7 +3341,7 @@
           <a:p>
             <a:fld id="{B402DAE2-EB89-1745-8110-582311A7E22E}" type="datetimeFigureOut">
               <a:rPr lang="en-US" smtClean="0"/>
-              <a:t>7/19/20</a:t>
+              <a:t>7/20/20</a:t>
             </a:fld>
             <a:endParaRPr lang="en-US"/>
           </a:p>
@@ -3673,7 +3673,7 @@
           <a:p>
             <a:fld id="{DD44C615-883D-FF4C-B9E3-F6A18FF3869E}" type="slidenum">
               <a:rPr lang="en-US" smtClean="0"/>
-              <a:t>3</a:t>
+              <a:t>1</a:t>
             </a:fld>
             <a:endParaRPr lang="en-US"/>
           </a:p>
@@ -3682,7 +3682,7 @@
     </p:spTree>
     <p:extLst>
       <p:ext uri="{BB962C8B-B14F-4D97-AF65-F5344CB8AC3E}">
-        <p14:creationId xmlns:p14="http://schemas.microsoft.com/office/powerpoint/2010/main" val="196579545"/>
+        <p14:creationId xmlns:p14="http://schemas.microsoft.com/office/powerpoint/2010/main" val="3486484313"/>
       </p:ext>
     </p:extLst>
   </p:cSld>
@@ -3757,7 +3757,7 @@
           <a:p>
             <a:fld id="{DD44C615-883D-FF4C-B9E3-F6A18FF3869E}" type="slidenum">
               <a:rPr lang="en-US" smtClean="0"/>
-              <a:t>4</a:t>
+              <a:t>3</a:t>
             </a:fld>
             <a:endParaRPr lang="en-US"/>
           </a:p>
@@ -3766,7 +3766,7 @@
     </p:spTree>
     <p:extLst>
       <p:ext uri="{BB962C8B-B14F-4D97-AF65-F5344CB8AC3E}">
-        <p14:creationId xmlns:p14="http://schemas.microsoft.com/office/powerpoint/2010/main" val="4099211020"/>
+        <p14:creationId xmlns:p14="http://schemas.microsoft.com/office/powerpoint/2010/main" val="196579545"/>
       </p:ext>
     </p:extLst>
   </p:cSld>
@@ -3820,43 +3820,58 @@
           <a:bodyPr/>
           <a:lstStyle/>
           <a:p>
-            <a:pPr marL="0" marR="0" lvl="0" indent="0" algn="l" defTabSz="914400" rtl="0" eaLnBrk="1" fontAlgn="auto" latinLnBrk="0" hangingPunct="1">
-              <a:lnSpc>
-                <a:spcPct val="100000"/>
-              </a:lnSpc>
-              <a:spcBef>
-                <a:spcPts val="0"/>
-              </a:spcBef>
-              <a:spcAft>
-                <a:spcPts val="0"/>
-              </a:spcAft>
-              <a:buClrTx/>
-              <a:buSzTx/>
-              <a:buFontTx/>
-              <a:buNone/>
-              <a:tabLst/>
-              <a:defRPr/>
-            </a:pPr>
+            <a:r>
+              <a:rPr lang="en-US" dirty="0"/>
+              <a:t>Benefits: lumped parameters in reduced models, lower num of params to analyze system with. Helps with parameter identification. Without data, a reduced model may be closer to phenomenological model so you can conclude things about model in easier manner because you only have the species that you care about</a:t>
+            </a:r>
+          </a:p>
+          <a:p>
+            <a:r>
+              <a:rPr lang="en-US" dirty="0"/>
+              <a:t>Param sweeps and simulations with a red model would be more about how outputs are affected by inputs </a:t>
+            </a:r>
             <a:r>
               <a:rPr lang="en-US" dirty="0" err="1"/>
-              <a:t>sfgfp</a:t>
+              <a:t>bc</a:t>
             </a:r>
             <a:r>
               <a:rPr lang="en-US" dirty="0"/>
-              <a:t> size - </a:t>
-            </a:r>
-            <a:r>
-              <a:rPr lang="en-US" sz="1200" dirty="0">
-                <a:hlinkClick r:id="rId3"/>
-              </a:rPr>
-              <a:t>https://www.fpbase.org/protein/superfolder-gfp/</a:t>
-            </a:r>
-            <a:endParaRPr lang="en-US" sz="1200" dirty="0">
-              <a:latin typeface="Avenir Book" panose="02000503020000020003" pitchFamily="2" charset="0"/>
-            </a:endParaRPr>
-          </a:p>
-          <a:p>
-            <a:endParaRPr lang="en-US" dirty="0"/>
+              <a:t> you get rid of other states so could guide design choices</a:t>
+            </a:r>
+          </a:p>
+          <a:p>
+            <a:r>
+              <a:rPr lang="en-US" dirty="0"/>
+              <a:t>Get a better understanding of what really matters from a physical point of view – is it that a particular metabolite affects dynamics or some other species </a:t>
+            </a:r>
+            <a:r>
+              <a:rPr lang="en-US" dirty="0" err="1"/>
+              <a:t>etc</a:t>
+            </a:r>
+            <a:r>
+              <a:rPr lang="en-US" dirty="0"/>
+              <a:t> – can be helpful information</a:t>
+            </a:r>
+          </a:p>
+          <a:p>
+            <a:r>
+              <a:rPr lang="en-US" dirty="0"/>
+              <a:t> </a:t>
+            </a:r>
+          </a:p>
+          <a:p>
+            <a:r>
+              <a:rPr lang="en-US" dirty="0"/>
+              <a:t>Am hoping that if more experiments are done with this system, parameters can be extracted and inserted into one of these reduced models compared to the full </a:t>
+            </a:r>
+            <a:r>
+              <a:rPr lang="en-US" dirty="0" err="1"/>
+              <a:t>massaction</a:t>
+            </a:r>
+            <a:r>
+              <a:rPr lang="en-US" dirty="0"/>
+              <a:t> model </a:t>
+            </a:r>
           </a:p>
         </p:txBody>
       </p:sp>
@@ -3877,7 +3892,7 @@
           <a:p>
             <a:fld id="{DD44C615-883D-FF4C-B9E3-F6A18FF3869E}" type="slidenum">
               <a:rPr lang="en-US" smtClean="0"/>
-              <a:t>7</a:t>
+              <a:t>4</a:t>
             </a:fld>
             <a:endParaRPr lang="en-US"/>
           </a:p>
@@ -3886,7 +3901,7 @@
     </p:spTree>
     <p:extLst>
       <p:ext uri="{BB962C8B-B14F-4D97-AF65-F5344CB8AC3E}">
-        <p14:creationId xmlns:p14="http://schemas.microsoft.com/office/powerpoint/2010/main" val="3600831436"/>
+        <p14:creationId xmlns:p14="http://schemas.microsoft.com/office/powerpoint/2010/main" val="4099211020"/>
       </p:ext>
     </p:extLst>
   </p:cSld>
@@ -3942,58 +3957,8 @@
           <a:p>
             <a:r>
               <a:rPr lang="en-US" dirty="0"/>
-              <a:t>Weiss (oil) - </a:t>
-            </a:r>
-            <a:r>
-              <a:rPr lang="en-US" dirty="0">
-                <a:hlinkClick r:id="rId3"/>
-              </a:rPr>
-              <a:t>https://www.nature.com/articles/nmat5005#MOESM1</a:t>
-            </a:r>
-            <a:endParaRPr lang="en-US" dirty="0"/>
-          </a:p>
-          <a:p>
-            <a:r>
-              <a:rPr lang="en-US" dirty="0" err="1"/>
-              <a:t>Zgurskaya</a:t>
-            </a:r>
-            <a:r>
-              <a:rPr lang="en-US" dirty="0"/>
-              <a:t> (buffer) - </a:t>
-            </a:r>
-            <a:r>
-              <a:rPr lang="en-US" dirty="0">
-                <a:hlinkClick r:id="rId4"/>
-              </a:rPr>
-              <a:t>https://pubmed.ncbi.nlm.nih.gov/10377390/</a:t>
-            </a:r>
-            <a:endParaRPr lang="en-US" dirty="0"/>
-          </a:p>
-          <a:p>
-            <a:r>
-              <a:rPr lang="en-US" dirty="0"/>
-              <a:t>Dunlop (efflux) - </a:t>
-            </a:r>
-            <a:r>
-              <a:rPr lang="en-US" dirty="0">
-                <a:hlinkClick r:id="rId5"/>
-              </a:rPr>
-              <a:t>https://www.ncbi.nlm.nih.gov/pmc/articles/PMC3130554/</a:t>
-            </a:r>
-            <a:endParaRPr lang="en-US" dirty="0"/>
-          </a:p>
-          <a:p>
-            <a:r>
-              <a:rPr lang="en-US" dirty="0"/>
-              <a:t>Altamura - </a:t>
-            </a:r>
-            <a:r>
-              <a:rPr lang="en-US" dirty="0">
-                <a:hlinkClick r:id="rId6"/>
-              </a:rPr>
-              <a:t>https://www.pnas.org/content/114/15/3837.short</a:t>
-            </a:r>
-            <a:endParaRPr lang="en-US" dirty="0"/>
+              <a:t>For albert</a:t>
+            </a:r>
           </a:p>
         </p:txBody>
       </p:sp>
@@ -4014,7 +3979,7 @@
           <a:p>
             <a:fld id="{DD44C615-883D-FF4C-B9E3-F6A18FF3869E}" type="slidenum">
               <a:rPr lang="en-US" smtClean="0"/>
-              <a:t>9</a:t>
+              <a:t>5</a:t>
             </a:fld>
             <a:endParaRPr lang="en-US"/>
           </a:p>
@@ -4023,7 +3988,7 @@
     </p:spTree>
     <p:extLst>
       <p:ext uri="{BB962C8B-B14F-4D97-AF65-F5344CB8AC3E}">
-        <p14:creationId xmlns:p14="http://schemas.microsoft.com/office/powerpoint/2010/main" val="372509338"/>
+        <p14:creationId xmlns:p14="http://schemas.microsoft.com/office/powerpoint/2010/main" val="741174697"/>
       </p:ext>
     </p:extLst>
   </p:cSld>
@@ -4077,7 +4042,393 @@
           <a:bodyPr/>
           <a:lstStyle/>
           <a:p>
+            <a:pPr marL="0" marR="0" lvl="0" indent="0" algn="l" defTabSz="914400" rtl="0" eaLnBrk="1" fontAlgn="auto" latinLnBrk="0" hangingPunct="1">
+              <a:lnSpc>
+                <a:spcPct val="100000"/>
+              </a:lnSpc>
+              <a:spcBef>
+                <a:spcPts val="0"/>
+              </a:spcBef>
+              <a:spcAft>
+                <a:spcPts val="0"/>
+              </a:spcAft>
+              <a:buClrTx/>
+              <a:buSzTx/>
+              <a:buFontTx/>
+              <a:buNone/>
+              <a:tabLst/>
+              <a:defRPr/>
+            </a:pPr>
+            <a:r>
+              <a:rPr lang="en-US" dirty="0" err="1"/>
+              <a:t>sfgfp</a:t>
+            </a:r>
+            <a:r>
+              <a:rPr lang="en-US" dirty="0"/>
+              <a:t> size - </a:t>
+            </a:r>
+            <a:r>
+              <a:rPr lang="en-US" sz="1200" dirty="0">
+                <a:hlinkClick r:id="rId3"/>
+              </a:rPr>
+              <a:t>https://www.fpbase.org/protein/superfolder-gfp/</a:t>
+            </a:r>
+            <a:endParaRPr lang="en-US" sz="1200" dirty="0">
+              <a:latin typeface="Avenir Book" panose="02000503020000020003" pitchFamily="2" charset="0"/>
+            </a:endParaRPr>
+          </a:p>
+          <a:p>
+            <a:endParaRPr lang="en-US" dirty="0"/>
+          </a:p>
+        </p:txBody>
+      </p:sp>
+      <p:sp>
+        <p:nvSpPr>
+          <p:cNvPr id="4" name="Slide Number Placeholder 3"/>
+          <p:cNvSpPr>
+            <a:spLocks noGrp="1"/>
+          </p:cNvSpPr>
+          <p:nvPr>
+            <p:ph type="sldNum" sz="quarter" idx="5"/>
+          </p:nvPr>
+        </p:nvSpPr>
+        <p:spPr/>
+        <p:txBody>
+          <a:bodyPr/>
+          <a:lstStyle/>
+          <a:p>
+            <a:fld id="{DD44C615-883D-FF4C-B9E3-F6A18FF3869E}" type="slidenum">
+              <a:rPr lang="en-US" smtClean="0"/>
+              <a:t>7</a:t>
+            </a:fld>
             <a:endParaRPr lang="en-US"/>
+          </a:p>
+        </p:txBody>
+      </p:sp>
+    </p:spTree>
+    <p:extLst>
+      <p:ext uri="{BB962C8B-B14F-4D97-AF65-F5344CB8AC3E}">
+        <p14:creationId xmlns:p14="http://schemas.microsoft.com/office/powerpoint/2010/main" val="3600831436"/>
+      </p:ext>
+    </p:extLst>
+  </p:cSld>
+  <p:clrMapOvr>
+    <a:masterClrMapping/>
+  </p:clrMapOvr>
+</p:notes>
+</file>
+
+<file path=ppt/notesSlides/notesSlide6.xml><?xml version="1.0" encoding="utf-8"?>
+<p:notes xmlns:a="http://schemas.openxmlformats.org/drawingml/2006/main" xmlns:r="http://schemas.openxmlformats.org/officeDocument/2006/relationships" xmlns:p="http://schemas.openxmlformats.org/presentationml/2006/main">
+  <p:cSld>
+    <p:spTree>
+      <p:nvGrpSpPr>
+        <p:cNvPr id="1" name=""/>
+        <p:cNvGrpSpPr/>
+        <p:nvPr/>
+      </p:nvGrpSpPr>
+      <p:grpSpPr>
+        <a:xfrm>
+          <a:off x="0" y="0"/>
+          <a:ext cx="0" cy="0"/>
+          <a:chOff x="0" y="0"/>
+          <a:chExt cx="0" cy="0"/>
+        </a:xfrm>
+      </p:grpSpPr>
+      <p:sp>
+        <p:nvSpPr>
+          <p:cNvPr id="2" name="Slide Image Placeholder 1"/>
+          <p:cNvSpPr>
+            <a:spLocks noGrp="1" noRot="1" noChangeAspect="1"/>
+          </p:cNvSpPr>
+          <p:nvPr>
+            <p:ph type="sldImg"/>
+          </p:nvPr>
+        </p:nvSpPr>
+        <p:spPr/>
+      </p:sp>
+      <p:sp>
+        <p:nvSpPr>
+          <p:cNvPr id="3" name="Notes Placeholder 2"/>
+          <p:cNvSpPr>
+            <a:spLocks noGrp="1"/>
+          </p:cNvSpPr>
+          <p:nvPr>
+            <p:ph type="body" idx="1"/>
+          </p:nvPr>
+        </p:nvSpPr>
+        <p:spPr/>
+        <p:txBody>
+          <a:bodyPr/>
+          <a:lstStyle/>
+          <a:p>
+            <a:r>
+              <a:rPr lang="en-US" dirty="0"/>
+              <a:t>Weiss (oil) - </a:t>
+            </a:r>
+            <a:r>
+              <a:rPr lang="en-US" dirty="0">
+                <a:hlinkClick r:id="rId3"/>
+              </a:rPr>
+              <a:t>https://www.nature.com/articles/nmat5005#MOESM1</a:t>
+            </a:r>
+            <a:endParaRPr lang="en-US" dirty="0"/>
+          </a:p>
+          <a:p>
+            <a:r>
+              <a:rPr lang="en-US" dirty="0" err="1"/>
+              <a:t>Zgurskaya</a:t>
+            </a:r>
+            <a:r>
+              <a:rPr lang="en-US" dirty="0"/>
+              <a:t> (buffer) - </a:t>
+            </a:r>
+            <a:r>
+              <a:rPr lang="en-US" dirty="0">
+                <a:hlinkClick r:id="rId4"/>
+              </a:rPr>
+              <a:t>https://pubmed.ncbi.nlm.nih.gov/10377390/</a:t>
+            </a:r>
+            <a:endParaRPr lang="en-US" dirty="0"/>
+          </a:p>
+          <a:p>
+            <a:r>
+              <a:rPr lang="en-US" dirty="0"/>
+              <a:t>Dunlop (efflux) - </a:t>
+            </a:r>
+            <a:r>
+              <a:rPr lang="en-US" dirty="0">
+                <a:hlinkClick r:id="rId5"/>
+              </a:rPr>
+              <a:t>https://www.ncbi.nlm.nih.gov/pmc/articles/PMC3130554/</a:t>
+            </a:r>
+            <a:endParaRPr lang="en-US" dirty="0"/>
+          </a:p>
+          <a:p>
+            <a:r>
+              <a:rPr lang="en-US" dirty="0"/>
+              <a:t>Altamura - </a:t>
+            </a:r>
+            <a:r>
+              <a:rPr lang="en-US" dirty="0">
+                <a:hlinkClick r:id="rId6"/>
+              </a:rPr>
+              <a:t>https://www.pnas.org/content/114/15/3837.short</a:t>
+            </a:r>
+            <a:endParaRPr lang="en-US" dirty="0"/>
+          </a:p>
+          <a:p>
+            <a:endParaRPr lang="en-US" dirty="0"/>
+          </a:p>
+          <a:p>
+            <a:r>
+              <a:rPr lang="en-US" dirty="0"/>
+              <a:t>Altamura et al ran out because of </a:t>
+            </a:r>
+            <a:r>
+              <a:rPr lang="en-US" dirty="0" err="1"/>
+              <a:t>mrna</a:t>
+            </a:r>
+            <a:r>
+              <a:rPr lang="en-US" dirty="0"/>
+              <a:t> biosynthesis (not enough nucleotides left)</a:t>
+            </a:r>
+          </a:p>
+        </p:txBody>
+      </p:sp>
+      <p:sp>
+        <p:nvSpPr>
+          <p:cNvPr id="4" name="Slide Number Placeholder 3"/>
+          <p:cNvSpPr>
+            <a:spLocks noGrp="1"/>
+          </p:cNvSpPr>
+          <p:nvPr>
+            <p:ph type="sldNum" sz="quarter" idx="5"/>
+          </p:nvPr>
+        </p:nvSpPr>
+        <p:spPr/>
+        <p:txBody>
+          <a:bodyPr/>
+          <a:lstStyle/>
+          <a:p>
+            <a:fld id="{DD44C615-883D-FF4C-B9E3-F6A18FF3869E}" type="slidenum">
+              <a:rPr lang="en-US" smtClean="0"/>
+              <a:t>9</a:t>
+            </a:fld>
+            <a:endParaRPr lang="en-US"/>
+          </a:p>
+        </p:txBody>
+      </p:sp>
+    </p:spTree>
+    <p:extLst>
+      <p:ext uri="{BB962C8B-B14F-4D97-AF65-F5344CB8AC3E}">
+        <p14:creationId xmlns:p14="http://schemas.microsoft.com/office/powerpoint/2010/main" val="372509338"/>
+      </p:ext>
+    </p:extLst>
+  </p:cSld>
+  <p:clrMapOvr>
+    <a:masterClrMapping/>
+  </p:clrMapOvr>
+</p:notes>
+</file>
+
+<file path=ppt/notesSlides/notesSlide7.xml><?xml version="1.0" encoding="utf-8"?>
+<p:notes xmlns:a="http://schemas.openxmlformats.org/drawingml/2006/main" xmlns:r="http://schemas.openxmlformats.org/officeDocument/2006/relationships" xmlns:p="http://schemas.openxmlformats.org/presentationml/2006/main">
+  <p:cSld>
+    <p:spTree>
+      <p:nvGrpSpPr>
+        <p:cNvPr id="1" name=""/>
+        <p:cNvGrpSpPr/>
+        <p:nvPr/>
+      </p:nvGrpSpPr>
+      <p:grpSpPr>
+        <a:xfrm>
+          <a:off x="0" y="0"/>
+          <a:ext cx="0" cy="0"/>
+          <a:chOff x="0" y="0"/>
+          <a:chExt cx="0" cy="0"/>
+        </a:xfrm>
+      </p:grpSpPr>
+      <p:sp>
+        <p:nvSpPr>
+          <p:cNvPr id="2" name="Slide Image Placeholder 1"/>
+          <p:cNvSpPr>
+            <a:spLocks noGrp="1" noRot="1" noChangeAspect="1"/>
+          </p:cNvSpPr>
+          <p:nvPr>
+            <p:ph type="sldImg"/>
+          </p:nvPr>
+        </p:nvSpPr>
+        <p:spPr/>
+      </p:sp>
+      <p:sp>
+        <p:nvSpPr>
+          <p:cNvPr id="3" name="Notes Placeholder 2"/>
+          <p:cNvSpPr>
+            <a:spLocks noGrp="1"/>
+          </p:cNvSpPr>
+          <p:nvPr>
+            <p:ph type="body" idx="1"/>
+          </p:nvPr>
+        </p:nvSpPr>
+        <p:spPr/>
+        <p:txBody>
+          <a:bodyPr/>
+          <a:lstStyle/>
+          <a:p>
+            <a:r>
+              <a:rPr lang="en-US" dirty="0"/>
+              <a:t>Poster or speaking? Last surf I did speaking and did a lot of poster for high school science fairs but not since</a:t>
+            </a:r>
+          </a:p>
+        </p:txBody>
+      </p:sp>
+      <p:sp>
+        <p:nvSpPr>
+          <p:cNvPr id="4" name="Slide Number Placeholder 3"/>
+          <p:cNvSpPr>
+            <a:spLocks noGrp="1"/>
+          </p:cNvSpPr>
+          <p:nvPr>
+            <p:ph type="sldNum" sz="quarter" idx="5"/>
+          </p:nvPr>
+        </p:nvSpPr>
+        <p:spPr/>
+        <p:txBody>
+          <a:bodyPr/>
+          <a:lstStyle/>
+          <a:p>
+            <a:fld id="{DD44C615-883D-FF4C-B9E3-F6A18FF3869E}" type="slidenum">
+              <a:rPr lang="en-US" smtClean="0"/>
+              <a:t>11</a:t>
+            </a:fld>
+            <a:endParaRPr lang="en-US"/>
+          </a:p>
+        </p:txBody>
+      </p:sp>
+    </p:spTree>
+    <p:extLst>
+      <p:ext uri="{BB962C8B-B14F-4D97-AF65-F5344CB8AC3E}">
+        <p14:creationId xmlns:p14="http://schemas.microsoft.com/office/powerpoint/2010/main" val="2065305223"/>
+      </p:ext>
+    </p:extLst>
+  </p:cSld>
+  <p:clrMapOvr>
+    <a:masterClrMapping/>
+  </p:clrMapOvr>
+</p:notes>
+</file>
+
+<file path=ppt/notesSlides/notesSlide8.xml><?xml version="1.0" encoding="utf-8"?>
+<p:notes xmlns:a="http://schemas.openxmlformats.org/drawingml/2006/main" xmlns:r="http://schemas.openxmlformats.org/officeDocument/2006/relationships" xmlns:p="http://schemas.openxmlformats.org/presentationml/2006/main">
+  <p:cSld>
+    <p:spTree>
+      <p:nvGrpSpPr>
+        <p:cNvPr id="1" name=""/>
+        <p:cNvGrpSpPr/>
+        <p:nvPr/>
+      </p:nvGrpSpPr>
+      <p:grpSpPr>
+        <a:xfrm>
+          <a:off x="0" y="0"/>
+          <a:ext cx="0" cy="0"/>
+          <a:chOff x="0" y="0"/>
+          <a:chExt cx="0" cy="0"/>
+        </a:xfrm>
+      </p:grpSpPr>
+      <p:sp>
+        <p:nvSpPr>
+          <p:cNvPr id="2" name="Slide Image Placeholder 1"/>
+          <p:cNvSpPr>
+            <a:spLocks noGrp="1" noRot="1" noChangeAspect="1"/>
+          </p:cNvSpPr>
+          <p:nvPr>
+            <p:ph type="sldImg"/>
+          </p:nvPr>
+        </p:nvSpPr>
+        <p:spPr/>
+      </p:sp>
+      <p:sp>
+        <p:nvSpPr>
+          <p:cNvPr id="3" name="Notes Placeholder 2"/>
+          <p:cNvSpPr>
+            <a:spLocks noGrp="1"/>
+          </p:cNvSpPr>
+          <p:nvPr>
+            <p:ph type="body" idx="1"/>
+          </p:nvPr>
+        </p:nvSpPr>
+        <p:spPr/>
+        <p:txBody>
+          <a:bodyPr/>
+          <a:lstStyle/>
+          <a:p>
+            <a:r>
+              <a:rPr lang="en-US" dirty="0"/>
+              <a:t>Caltech?</a:t>
+            </a:r>
+          </a:p>
+          <a:p>
+            <a:r>
+              <a:rPr lang="en-US" dirty="0"/>
+              <a:t>quantitative biology, </a:t>
+            </a:r>
+            <a:r>
+              <a:rPr lang="en-US" dirty="0" err="1"/>
+              <a:t>caltech</a:t>
+            </a:r>
+            <a:r>
+              <a:rPr lang="en-US" dirty="0"/>
+              <a:t> </a:t>
+            </a:r>
+            <a:r>
+              <a:rPr lang="en-US" dirty="0" err="1"/>
+              <a:t>jenning</a:t>
+            </a:r>
+            <a:r>
+              <a:rPr lang="en-US" dirty="0"/>
+              <a:t> nanotech</a:t>
+            </a:r>
           </a:p>
         </p:txBody>
       </p:sp>
@@ -4265,7 +4616,7 @@
           <a:p>
             <a:fld id="{3B3400CD-7287-EA41-97B8-6C373A830532}" type="datetimeFigureOut">
               <a:rPr lang="en-US" smtClean="0"/>
-              <a:t>7/19/20</a:t>
+              <a:t>7/20/20</a:t>
             </a:fld>
             <a:endParaRPr lang="en-US"/>
           </a:p>
@@ -4463,7 +4814,7 @@
           <a:p>
             <a:fld id="{3B3400CD-7287-EA41-97B8-6C373A830532}" type="datetimeFigureOut">
               <a:rPr lang="en-US" smtClean="0"/>
-              <a:t>7/19/20</a:t>
+              <a:t>7/20/20</a:t>
             </a:fld>
             <a:endParaRPr lang="en-US"/>
           </a:p>
@@ -4671,7 +5022,7 @@
           <a:p>
             <a:fld id="{3B3400CD-7287-EA41-97B8-6C373A830532}" type="datetimeFigureOut">
               <a:rPr lang="en-US" smtClean="0"/>
-              <a:t>7/19/20</a:t>
+              <a:t>7/20/20</a:t>
             </a:fld>
             <a:endParaRPr lang="en-US"/>
           </a:p>
@@ -4871,7 +5222,7 @@
           <a:p>
             <a:fld id="{3B3400CD-7287-EA41-97B8-6C373A830532}" type="datetimeFigureOut">
               <a:rPr lang="en-US" smtClean="0"/>
-              <a:t>7/19/20</a:t>
+              <a:t>7/20/20</a:t>
             </a:fld>
             <a:endParaRPr lang="en-US"/>
           </a:p>
@@ -5146,7 +5497,7 @@
           <a:p>
             <a:fld id="{3B3400CD-7287-EA41-97B8-6C373A830532}" type="datetimeFigureOut">
               <a:rPr lang="en-US" smtClean="0"/>
-              <a:t>7/19/20</a:t>
+              <a:t>7/20/20</a:t>
             </a:fld>
             <a:endParaRPr lang="en-US"/>
           </a:p>
@@ -5411,7 +5762,7 @@
           <a:p>
             <a:fld id="{3B3400CD-7287-EA41-97B8-6C373A830532}" type="datetimeFigureOut">
               <a:rPr lang="en-US" smtClean="0"/>
-              <a:t>7/19/20</a:t>
+              <a:t>7/20/20</a:t>
             </a:fld>
             <a:endParaRPr lang="en-US"/>
           </a:p>
@@ -5823,7 +6174,7 @@
           <a:p>
             <a:fld id="{3B3400CD-7287-EA41-97B8-6C373A830532}" type="datetimeFigureOut">
               <a:rPr lang="en-US" smtClean="0"/>
-              <a:t>7/19/20</a:t>
+              <a:t>7/20/20</a:t>
             </a:fld>
             <a:endParaRPr lang="en-US"/>
           </a:p>
@@ -5964,7 +6315,7 @@
           <a:p>
             <a:fld id="{3B3400CD-7287-EA41-97B8-6C373A830532}" type="datetimeFigureOut">
               <a:rPr lang="en-US" smtClean="0"/>
-              <a:t>7/19/20</a:t>
+              <a:t>7/20/20</a:t>
             </a:fld>
             <a:endParaRPr lang="en-US"/>
           </a:p>
@@ -6077,7 +6428,7 @@
           <a:p>
             <a:fld id="{3B3400CD-7287-EA41-97B8-6C373A830532}" type="datetimeFigureOut">
               <a:rPr lang="en-US" smtClean="0"/>
-              <a:t>7/19/20</a:t>
+              <a:t>7/20/20</a:t>
             </a:fld>
             <a:endParaRPr lang="en-US"/>
           </a:p>
@@ -6388,7 +6739,7 @@
           <a:p>
             <a:fld id="{3B3400CD-7287-EA41-97B8-6C373A830532}" type="datetimeFigureOut">
               <a:rPr lang="en-US" smtClean="0"/>
-              <a:t>7/19/20</a:t>
+              <a:t>7/20/20</a:t>
             </a:fld>
             <a:endParaRPr lang="en-US"/>
           </a:p>
@@ -6679,7 +7030,7 @@
           <a:p>
             <a:fld id="{3B3400CD-7287-EA41-97B8-6C373A830532}" type="datetimeFigureOut">
               <a:rPr lang="en-US" smtClean="0"/>
-              <a:t>7/19/20</a:t>
+              <a:t>7/20/20</a:t>
             </a:fld>
             <a:endParaRPr lang="en-US"/>
           </a:p>
@@ -6922,7 +7273,7 @@
           <a:p>
             <a:fld id="{3B3400CD-7287-EA41-97B8-6C373A830532}" type="datetimeFigureOut">
               <a:rPr lang="en-US" smtClean="0"/>
-              <a:t>7/19/20</a:t>
+              <a:t>7/20/20</a:t>
             </a:fld>
             <a:endParaRPr lang="en-US"/>
           </a:p>
@@ -7422,7 +7773,7 @@
           <p:nvPr/>
         </p:nvPicPr>
         <p:blipFill rotWithShape="1">
-          <a:blip r:embed="rId2"/>
+          <a:blip r:embed="rId3"/>
           <a:srcRect l="245" b="862"/>
           <a:stretch/>
         </p:blipFill>
@@ -7538,6 +7889,12 @@
             <a:r>
               <a:rPr lang="en-US" sz="2400" dirty="0"/>
               <a:t> (through SBML?)</a:t>
+            </a:r>
+          </a:p>
+          <a:p>
+            <a:r>
+              <a:rPr lang="en-US" sz="2400" dirty="0"/>
+              <a:t>Model reduction / linear stability analysis</a:t>
             </a:r>
           </a:p>
           <a:p>
@@ -7656,20 +8013,59 @@
             <p:ph idx="1"/>
           </p:nvPr>
         </p:nvSpPr>
-        <p:spPr/>
+        <p:spPr>
+          <a:xfrm>
+            <a:off x="601519" y="1465738"/>
+            <a:ext cx="10515600" cy="4351338"/>
+          </a:xfrm>
+        </p:spPr>
         <p:txBody>
           <a:bodyPr/>
           <a:lstStyle/>
           <a:p>
             <a:r>
-              <a:rPr lang="en-US" dirty="0"/>
+              <a:rPr lang="en-US" sz="2200" dirty="0"/>
               <a:t>SURF presentation</a:t>
             </a:r>
           </a:p>
           <a:p>
             <a:r>
-              <a:rPr lang="en-US" dirty="0"/>
+              <a:rPr lang="en-US" sz="2200" dirty="0"/>
               <a:t>Grad school update</a:t>
+            </a:r>
+          </a:p>
+          <a:p>
+            <a:r>
+              <a:rPr lang="en-US" sz="2200" dirty="0"/>
+              <a:t>Public/private </a:t>
+            </a:r>
+            <a:r>
+              <a:rPr lang="en-US" sz="2200" dirty="0" err="1"/>
+              <a:t>github</a:t>
+            </a:r>
+            <a:r>
+              <a:rPr lang="en-US" sz="2200" dirty="0"/>
+              <a:t> repo</a:t>
+            </a:r>
+          </a:p>
+          <a:p>
+            <a:pPr lvl="1"/>
+            <a:r>
+              <a:rPr lang="en-US" sz="1800" dirty="0"/>
+              <a:t>Concerns: Zoila’s Data, Jewett lab unpublished paper, other downloaded papers</a:t>
+            </a:r>
+          </a:p>
+          <a:p>
+            <a:r>
+              <a:rPr lang="en-US" sz="2200" dirty="0"/>
+              <a:t>Thank you for sending the email to Dean Nye!</a:t>
+            </a:r>
+          </a:p>
+          <a:p>
+            <a:pPr lvl="1"/>
+            <a:r>
+              <a:rPr lang="en-US" sz="1800" dirty="0"/>
+              <a:t>Return to lab plan?</a:t>
             </a:r>
           </a:p>
         </p:txBody>
@@ -7689,7 +8085,7 @@
           <p:nvPr/>
         </p:nvPicPr>
         <p:blipFill>
-          <a:blip r:embed="rId2"/>
+          <a:blip r:embed="rId3"/>
           <a:stretch>
             <a:fillRect/>
           </a:stretch>
@@ -7714,6 +8110,134 @@
   <p:clrMapOvr>
     <a:masterClrMapping/>
   </p:clrMapOvr>
+  <p:timing>
+    <p:tnLst>
+      <p:par>
+        <p:cTn id="1" dur="indefinite" restart="never" nodeType="tmRoot">
+          <p:childTnLst>
+            <p:seq concurrent="1" nextAc="seek">
+              <p:cTn id="2" dur="indefinite" nodeType="mainSeq">
+                <p:childTnLst>
+                  <p:par>
+                    <p:cTn id="3" fill="hold">
+                      <p:stCondLst>
+                        <p:cond delay="indefinite"/>
+                      </p:stCondLst>
+                      <p:childTnLst>
+                        <p:par>
+                          <p:cTn id="4" fill="hold">
+                            <p:stCondLst>
+                              <p:cond delay="0"/>
+                            </p:stCondLst>
+                            <p:childTnLst>
+                              <p:par>
+                                <p:cTn id="5" presetID="1" presetClass="entr" presetSubtype="0" fill="hold" nodeType="clickEffect">
+                                  <p:stCondLst>
+                                    <p:cond delay="0"/>
+                                  </p:stCondLst>
+                                  <p:childTnLst>
+                                    <p:set>
+                                      <p:cBhvr>
+                                        <p:cTn id="6" dur="1" fill="hold">
+                                          <p:stCondLst>
+                                            <p:cond delay="0"/>
+                                          </p:stCondLst>
+                                        </p:cTn>
+                                        <p:tgtEl>
+                                          <p:spTgt spid="3">
+                                            <p:txEl>
+                                              <p:pRg st="4" end="4"/>
+                                            </p:txEl>
+                                          </p:spTgt>
+                                        </p:tgtEl>
+                                        <p:attrNameLst>
+                                          <p:attrName>style.visibility</p:attrName>
+                                        </p:attrNameLst>
+                                      </p:cBhvr>
+                                      <p:to>
+                                        <p:strVal val="visible"/>
+                                      </p:to>
+                                    </p:set>
+                                  </p:childTnLst>
+                                </p:cTn>
+                              </p:par>
+                            </p:childTnLst>
+                          </p:cTn>
+                        </p:par>
+                      </p:childTnLst>
+                    </p:cTn>
+                  </p:par>
+                  <p:par>
+                    <p:cTn id="7" fill="hold">
+                      <p:stCondLst>
+                        <p:cond delay="indefinite"/>
+                      </p:stCondLst>
+                      <p:childTnLst>
+                        <p:par>
+                          <p:cTn id="8" fill="hold">
+                            <p:stCondLst>
+                              <p:cond delay="0"/>
+                            </p:stCondLst>
+                            <p:childTnLst>
+                              <p:par>
+                                <p:cTn id="9" presetID="1" presetClass="entr" presetSubtype="0" fill="hold" nodeType="clickEffect">
+                                  <p:stCondLst>
+                                    <p:cond delay="0"/>
+                                  </p:stCondLst>
+                                  <p:childTnLst>
+                                    <p:set>
+                                      <p:cBhvr>
+                                        <p:cTn id="10" dur="1" fill="hold">
+                                          <p:stCondLst>
+                                            <p:cond delay="0"/>
+                                          </p:stCondLst>
+                                        </p:cTn>
+                                        <p:tgtEl>
+                                          <p:spTgt spid="3">
+                                            <p:txEl>
+                                              <p:pRg st="5" end="5"/>
+                                            </p:txEl>
+                                          </p:spTgt>
+                                        </p:tgtEl>
+                                        <p:attrNameLst>
+                                          <p:attrName>style.visibility</p:attrName>
+                                        </p:attrNameLst>
+                                      </p:cBhvr>
+                                      <p:to>
+                                        <p:strVal val="visible"/>
+                                      </p:to>
+                                    </p:set>
+                                  </p:childTnLst>
+                                </p:cTn>
+                              </p:par>
+                            </p:childTnLst>
+                          </p:cTn>
+                        </p:par>
+                      </p:childTnLst>
+                    </p:cTn>
+                  </p:par>
+                </p:childTnLst>
+              </p:cTn>
+              <p:prevCondLst>
+                <p:cond evt="onPrev" delay="0">
+                  <p:tgtEl>
+                    <p:sldTgt/>
+                  </p:tgtEl>
+                </p:cond>
+              </p:prevCondLst>
+              <p:nextCondLst>
+                <p:cond evt="onNext" delay="0">
+                  <p:tgtEl>
+                    <p:sldTgt/>
+                  </p:tgtEl>
+                </p:cond>
+              </p:nextCondLst>
+            </p:seq>
+          </p:childTnLst>
+        </p:cTn>
+      </p:par>
+    </p:tnLst>
+  </p:timing>
 </p:sld>
 </file>
 
@@ -7750,14 +8274,14 @@
             <p:ph idx="1"/>
             <p:extLst>
               <p:ext uri="{D42A27DB-BD31-4B8C-83A1-F6EECF244321}">
-                <p14:modId xmlns:p14="http://schemas.microsoft.com/office/powerpoint/2010/main" val="4136375812"/>
+                <p14:modId xmlns:p14="http://schemas.microsoft.com/office/powerpoint/2010/main" val="1777757197"/>
               </p:ext>
             </p:extLst>
           </p:nvPr>
         </p:nvGraphicFramePr>
         <p:xfrm>
-          <a:off x="719447" y="685593"/>
-          <a:ext cx="10515600" cy="1867600"/>
+          <a:off x="719447" y="207062"/>
+          <a:ext cx="5190285" cy="6415827"/>
         </p:xfrm>
         <a:graphic>
           <a:graphicData uri="http://schemas.openxmlformats.org/drawingml/2006/table">
@@ -7766,30 +8290,39 @@
                 <a:tableStyleId>{5C22544A-7EE6-4342-B048-85BDC9FD1C3A}</a:tableStyleId>
               </a:tblPr>
               <a:tblGrid>
-                <a:gridCol w="5257800">
+                <a:gridCol w="1730095">
                   <a:extLst>
                     <a:ext uri="{9D8B030D-6E8A-4147-A177-3AD203B41FA5}">
                       <a16:colId xmlns:a16="http://schemas.microsoft.com/office/drawing/2014/main" val="1086898738"/>
                     </a:ext>
                   </a:extLst>
                 </a:gridCol>
-                <a:gridCol w="5257800">
+                <a:gridCol w="1730095">
                   <a:extLst>
                     <a:ext uri="{9D8B030D-6E8A-4147-A177-3AD203B41FA5}">
                       <a16:colId xmlns:a16="http://schemas.microsoft.com/office/drawing/2014/main" val="1684887687"/>
                     </a:ext>
                   </a:extLst>
                 </a:gridCol>
+                <a:gridCol w="1730095">
+                  <a:extLst>
+                    <a:ext uri="{9D8B030D-6E8A-4147-A177-3AD203B41FA5}">
+                      <a16:colId xmlns:a16="http://schemas.microsoft.com/office/drawing/2014/main" val="3410659851"/>
+                    </a:ext>
+                  </a:extLst>
+                </a:gridCol>
               </a:tblGrid>
-              <a:tr h="373520">
+              <a:tr h="444291">
                 <a:tc>
                   <a:txBody>
                     <a:bodyPr/>
                     <a:lstStyle/>
                     <a:p>
                       <a:r>
-                        <a:rPr lang="en-US" dirty="0"/>
-                        <a:t>Fellowship/School</a:t>
+                        <a:rPr lang="en-US" sz="1400" dirty="0">
+                          <a:latin typeface="Avenir Book" panose="02000503020000020003" pitchFamily="2" charset="0"/>
+                        </a:rPr>
+                        <a:t>Fellowship</a:t>
                       </a:r>
                     </a:p>
                   </a:txBody>
@@ -7801,8 +8334,25 @@
                     <a:lstStyle/>
                     <a:p>
                       <a:r>
-                        <a:rPr lang="en-US" dirty="0"/>
+                        <a:rPr lang="en-US" sz="1400" dirty="0">
+                          <a:latin typeface="Avenir Book" panose="02000503020000020003" pitchFamily="2" charset="0"/>
+                        </a:rPr>
                         <a:t>Due Date for Recommendation </a:t>
+                      </a:r>
+                    </a:p>
+                  </a:txBody>
+                  <a:tcPr/>
+                </a:tc>
+                <a:tc>
+                  <a:txBody>
+                    <a:bodyPr/>
+                    <a:lstStyle/>
+                    <a:p>
+                      <a:r>
+                        <a:rPr lang="en-US" sz="1400" dirty="0">
+                          <a:latin typeface="Avenir Book" panose="02000503020000020003" pitchFamily="2" charset="0"/>
+                        </a:rPr>
+                        <a:t>Comments</a:t>
                       </a:r>
                     </a:p>
                   </a:txBody>
@@ -7814,14 +8364,16 @@
                   </a:ext>
                 </a:extLst>
               </a:tr>
-              <a:tr h="373520">
+              <a:tr h="919117">
                 <a:tc>
                   <a:txBody>
                     <a:bodyPr/>
                     <a:lstStyle/>
                     <a:p>
                       <a:r>
-                        <a:rPr lang="en-US" dirty="0"/>
+                        <a:rPr lang="en-US" sz="1400" b="1" dirty="0">
+                          <a:latin typeface="Avenir Book" panose="02000503020000020003" pitchFamily="2" charset="0"/>
+                        </a:rPr>
                         <a:t>Hertz Fellowship</a:t>
                       </a:r>
                     </a:p>
@@ -7833,7 +8385,27 @@
                     <a:bodyPr/>
                     <a:lstStyle/>
                     <a:p>
-                      <a:endParaRPr lang="en-US"/>
+                      <a:r>
+                        <a:rPr lang="en-US" sz="1400" dirty="0">
+                          <a:latin typeface="Avenir Book" panose="02000503020000020003" pitchFamily="2" charset="0"/>
+                        </a:rPr>
+                        <a:t>October 2020</a:t>
+                      </a:r>
+                    </a:p>
+                  </a:txBody>
+                  <a:tcPr/>
+                </a:tc>
+                <a:tc>
+                  <a:txBody>
+                    <a:bodyPr/>
+                    <a:lstStyle/>
+                    <a:p>
+                      <a:r>
+                        <a:rPr lang="en-US" sz="1400" dirty="0">
+                          <a:latin typeface="Avenir Book" panose="02000503020000020003" pitchFamily="2" charset="0"/>
+                        </a:rPr>
+                        <a:t>Special form, specific date not yet released</a:t>
+                      </a:r>
                     </a:p>
                   </a:txBody>
                   <a:tcPr/>
@@ -7844,13 +8416,18 @@
                   </a:ext>
                 </a:extLst>
               </a:tr>
-              <a:tr h="373520">
+              <a:tr h="651041">
                 <a:tc>
                   <a:txBody>
                     <a:bodyPr/>
                     <a:lstStyle/>
                     <a:p>
-                      <a:endParaRPr lang="en-US" dirty="0"/>
+                      <a:r>
+                        <a:rPr lang="en-US" sz="1400" b="1" dirty="0">
+                          <a:latin typeface="Avenir Book" panose="02000503020000020003" pitchFamily="2" charset="0"/>
+                        </a:rPr>
+                        <a:t>DOD NDSEG</a:t>
+                      </a:r>
                     </a:p>
                   </a:txBody>
                   <a:tcPr/>
@@ -7860,7 +8437,27 @@
                     <a:bodyPr/>
                     <a:lstStyle/>
                     <a:p>
-                      <a:endParaRPr lang="en-US"/>
+                      <a:r>
+                        <a:rPr lang="en-US" sz="1400" dirty="0">
+                          <a:latin typeface="Avenir Book" panose="02000503020000020003" pitchFamily="2" charset="0"/>
+                        </a:rPr>
+                        <a:t>December 2020</a:t>
+                      </a:r>
+                    </a:p>
+                  </a:txBody>
+                  <a:tcPr/>
+                </a:tc>
+                <a:tc>
+                  <a:txBody>
+                    <a:bodyPr/>
+                    <a:lstStyle/>
+                    <a:p>
+                      <a:r>
+                        <a:rPr lang="en-US" sz="1400" dirty="0">
+                          <a:latin typeface="Avenir Book" panose="02000503020000020003" pitchFamily="2" charset="0"/>
+                        </a:rPr>
+                        <a:t>Specific date not yet released</a:t>
+                      </a:r>
                     </a:p>
                   </a:txBody>
                   <a:tcPr/>
@@ -7871,13 +8468,18 @@
                   </a:ext>
                 </a:extLst>
               </a:tr>
-              <a:tr h="373520">
+              <a:tr h="651041">
                 <a:tc>
                   <a:txBody>
                     <a:bodyPr/>
                     <a:lstStyle/>
                     <a:p>
-                      <a:endParaRPr lang="en-US"/>
+                      <a:r>
+                        <a:rPr lang="en-US" sz="1400" b="1" dirty="0">
+                          <a:latin typeface="Avenir Book" panose="02000503020000020003" pitchFamily="2" charset="0"/>
+                        </a:rPr>
+                        <a:t>Paul &amp; Daisy Soros Fellowship</a:t>
+                      </a:r>
                     </a:p>
                   </a:txBody>
                   <a:tcPr/>
@@ -7887,7 +8489,24 @@
                     <a:bodyPr/>
                     <a:lstStyle/>
                     <a:p>
-                      <a:endParaRPr lang="en-US"/>
+                      <a:r>
+                        <a:rPr lang="en-US" sz="1400" dirty="0">
+                          <a:latin typeface="Avenir Book" panose="02000503020000020003" pitchFamily="2" charset="0"/>
+                        </a:rPr>
+                        <a:t>October 29 2020 2PM EDT</a:t>
+                      </a:r>
+                    </a:p>
+                  </a:txBody>
+                  <a:tcPr/>
+                </a:tc>
+                <a:tc>
+                  <a:txBody>
+                    <a:bodyPr/>
+                    <a:lstStyle/>
+                    <a:p>
+                      <a:endParaRPr lang="en-US" sz="1400">
+                        <a:latin typeface="Avenir Book" panose="02000503020000020003" pitchFamily="2" charset="0"/>
+                      </a:endParaRPr>
                     </a:p>
                   </a:txBody>
                   <a:tcPr/>
@@ -7898,13 +8517,18 @@
                   </a:ext>
                 </a:extLst>
               </a:tr>
-              <a:tr h="373520">
+              <a:tr h="919117">
                 <a:tc>
                   <a:txBody>
                     <a:bodyPr/>
                     <a:lstStyle/>
                     <a:p>
-                      <a:endParaRPr lang="en-US"/>
+                      <a:r>
+                        <a:rPr lang="en-US" sz="1400" b="1" dirty="0">
+                          <a:latin typeface="Avenir Book" panose="02000503020000020003" pitchFamily="2" charset="0"/>
+                        </a:rPr>
+                        <a:t>National Physical Science Consortium</a:t>
+                      </a:r>
                     </a:p>
                   </a:txBody>
                   <a:tcPr/>
@@ -7914,7 +8538,27 @@
                     <a:bodyPr/>
                     <a:lstStyle/>
                     <a:p>
-                      <a:endParaRPr lang="en-US" dirty="0"/>
+                      <a:r>
+                        <a:rPr lang="en-US" sz="1400" dirty="0">
+                          <a:latin typeface="Avenir Book" panose="02000503020000020003" pitchFamily="2" charset="0"/>
+                        </a:rPr>
+                        <a:t>December 2020</a:t>
+                      </a:r>
+                    </a:p>
+                  </a:txBody>
+                  <a:tcPr/>
+                </a:tc>
+                <a:tc>
+                  <a:txBody>
+                    <a:bodyPr/>
+                    <a:lstStyle/>
+                    <a:p>
+                      <a:r>
+                        <a:rPr lang="en-US" sz="1400" dirty="0">
+                          <a:latin typeface="Avenir Book" panose="02000503020000020003" pitchFamily="2" charset="0"/>
+                        </a:rPr>
+                        <a:t>Specific date not yet released</a:t>
+                      </a:r>
                     </a:p>
                   </a:txBody>
                   <a:tcPr/>
@@ -7925,10 +8569,873 @@
                   </a:ext>
                 </a:extLst>
               </a:tr>
+              <a:tr h="919117">
+                <a:tc>
+                  <a:txBody>
+                    <a:bodyPr/>
+                    <a:lstStyle/>
+                    <a:p>
+                      <a:r>
+                        <a:rPr lang="en-US" sz="1400" b="1" dirty="0" err="1">
+                          <a:latin typeface="Avenir Book" panose="02000503020000020003" pitchFamily="2" charset="0"/>
+                        </a:rPr>
+                        <a:t>Zonta</a:t>
+                      </a:r>
+                      <a:r>
+                        <a:rPr lang="en-US" sz="1400" b="1" dirty="0">
+                          <a:latin typeface="Avenir Book" panose="02000503020000020003" pitchFamily="2" charset="0"/>
+                        </a:rPr>
+                        <a:t> International Amelia Earhart Fellowship</a:t>
+                      </a:r>
+                    </a:p>
+                  </a:txBody>
+                  <a:tcPr/>
+                </a:tc>
+                <a:tc>
+                  <a:txBody>
+                    <a:bodyPr/>
+                    <a:lstStyle/>
+                    <a:p>
+                      <a:r>
+                        <a:rPr lang="en-US" sz="1400" dirty="0">
+                          <a:latin typeface="Avenir Book" panose="02000503020000020003" pitchFamily="2" charset="0"/>
+                        </a:rPr>
+                        <a:t>November 15 2020</a:t>
+                      </a:r>
+                    </a:p>
+                  </a:txBody>
+                  <a:tcPr/>
+                </a:tc>
+                <a:tc>
+                  <a:txBody>
+                    <a:bodyPr/>
+                    <a:lstStyle/>
+                    <a:p>
+                      <a:endParaRPr lang="en-US" sz="1400" dirty="0">
+                        <a:latin typeface="Avenir Book" panose="02000503020000020003" pitchFamily="2" charset="0"/>
+                      </a:endParaRPr>
+                    </a:p>
+                  </a:txBody>
+                  <a:tcPr/>
+                </a:tc>
+                <a:extLst>
+                  <a:ext uri="{0D108BD9-81ED-4DB2-BD59-A6C34878D82A}">
+                    <a16:rowId xmlns:a16="http://schemas.microsoft.com/office/drawing/2014/main" val="2961705457"/>
+                  </a:ext>
+                </a:extLst>
+              </a:tr>
+              <a:tr h="919117">
+                <a:tc>
+                  <a:txBody>
+                    <a:bodyPr/>
+                    <a:lstStyle/>
+                    <a:p>
+                      <a:r>
+                        <a:rPr lang="en-US" sz="1400" b="1" dirty="0">
+                          <a:latin typeface="Avenir Book" panose="02000503020000020003" pitchFamily="2" charset="0"/>
+                        </a:rPr>
+                        <a:t>American Association of University Women</a:t>
+                      </a:r>
+                    </a:p>
+                  </a:txBody>
+                  <a:tcPr/>
+                </a:tc>
+                <a:tc>
+                  <a:txBody>
+                    <a:bodyPr/>
+                    <a:lstStyle/>
+                    <a:p>
+                      <a:r>
+                        <a:rPr lang="en-US" sz="1400" dirty="0">
+                          <a:latin typeface="Avenir Book" panose="02000503020000020003" pitchFamily="2" charset="0"/>
+                        </a:rPr>
+                        <a:t>November 1 2020</a:t>
+                      </a:r>
+                    </a:p>
+                    <a:p>
+                      <a:r>
+                        <a:rPr lang="en-US" sz="1400" dirty="0">
+                          <a:latin typeface="Avenir Book" panose="02000503020000020003" pitchFamily="2" charset="0"/>
+                        </a:rPr>
+                        <a:t>December 1 2020</a:t>
+                      </a:r>
+                    </a:p>
+                  </a:txBody>
+                  <a:tcPr/>
+                </a:tc>
+                <a:tc>
+                  <a:txBody>
+                    <a:bodyPr/>
+                    <a:lstStyle/>
+                    <a:p>
+                      <a:endParaRPr lang="en-US" sz="1400" dirty="0">
+                        <a:latin typeface="Avenir Book" panose="02000503020000020003" pitchFamily="2" charset="0"/>
+                      </a:endParaRPr>
+                    </a:p>
+                  </a:txBody>
+                  <a:tcPr/>
+                </a:tc>
+                <a:extLst>
+                  <a:ext uri="{0D108BD9-81ED-4DB2-BD59-A6C34878D82A}">
+                    <a16:rowId xmlns:a16="http://schemas.microsoft.com/office/drawing/2014/main" val="3025803702"/>
+                  </a:ext>
+                </a:extLst>
+              </a:tr>
+              <a:tr h="919117">
+                <a:tc>
+                  <a:txBody>
+                    <a:bodyPr/>
+                    <a:lstStyle/>
+                    <a:p>
+                      <a:r>
+                        <a:rPr lang="en-US" sz="1400" b="1" dirty="0">
+                          <a:latin typeface="Avenir Book" panose="02000503020000020003" pitchFamily="2" charset="0"/>
+                        </a:rPr>
+                        <a:t>Society of Women’s Engineers</a:t>
+                      </a:r>
+                    </a:p>
+                  </a:txBody>
+                  <a:tcPr/>
+                </a:tc>
+                <a:tc>
+                  <a:txBody>
+                    <a:bodyPr/>
+                    <a:lstStyle/>
+                    <a:p>
+                      <a:r>
+                        <a:rPr lang="en-US" sz="1400" dirty="0">
+                          <a:latin typeface="Avenir Book" panose="02000503020000020003" pitchFamily="2" charset="0"/>
+                        </a:rPr>
+                        <a:t>Released in December 2020</a:t>
+                      </a:r>
+                    </a:p>
+                  </a:txBody>
+                  <a:tcPr/>
+                </a:tc>
+                <a:tc>
+                  <a:txBody>
+                    <a:bodyPr/>
+                    <a:lstStyle/>
+                    <a:p>
+                      <a:r>
+                        <a:rPr lang="en-US" sz="1400" dirty="0">
+                          <a:latin typeface="Avenir Book" panose="02000503020000020003" pitchFamily="2" charset="0"/>
+                        </a:rPr>
+                        <a:t>Specific due date not yet released</a:t>
+                      </a:r>
+                    </a:p>
+                  </a:txBody>
+                  <a:tcPr/>
+                </a:tc>
+                <a:extLst>
+                  <a:ext uri="{0D108BD9-81ED-4DB2-BD59-A6C34878D82A}">
+                    <a16:rowId xmlns:a16="http://schemas.microsoft.com/office/drawing/2014/main" val="205578266"/>
+                  </a:ext>
+                </a:extLst>
+              </a:tr>
             </a:tbl>
           </a:graphicData>
         </a:graphic>
       </p:graphicFrame>
+      <p:graphicFrame>
+        <p:nvGraphicFramePr>
+          <p:cNvPr id="5" name="Content Placeholder 3">
+            <a:extLst>
+              <a:ext uri="{FF2B5EF4-FFF2-40B4-BE49-F238E27FC236}">
+                <a16:creationId xmlns:a16="http://schemas.microsoft.com/office/drawing/2014/main" id="{00CD3616-77F0-9542-8FEE-D5528D371156}"/>
+              </a:ext>
+            </a:extLst>
+          </p:cNvPr>
+          <p:cNvGraphicFramePr>
+            <a:graphicFrameLocks/>
+          </p:cNvGraphicFramePr>
+          <p:nvPr>
+            <p:extLst>
+              <p:ext uri="{D42A27DB-BD31-4B8C-83A1-F6EECF244321}">
+                <p14:modId xmlns:p14="http://schemas.microsoft.com/office/powerpoint/2010/main" val="4211192071"/>
+              </p:ext>
+            </p:extLst>
+          </p:nvPr>
+        </p:nvGraphicFramePr>
+        <p:xfrm>
+          <a:off x="6282268" y="207063"/>
+          <a:ext cx="5190285" cy="6415825"/>
+        </p:xfrm>
+        <a:graphic>
+          <a:graphicData uri="http://schemas.openxmlformats.org/drawingml/2006/table">
+            <a:tbl>
+              <a:tblPr firstRow="1" bandRow="1">
+                <a:tableStyleId>{5C22544A-7EE6-4342-B048-85BDC9FD1C3A}</a:tableStyleId>
+              </a:tblPr>
+              <a:tblGrid>
+                <a:gridCol w="1730095">
+                  <a:extLst>
+                    <a:ext uri="{9D8B030D-6E8A-4147-A177-3AD203B41FA5}">
+                      <a16:colId xmlns:a16="http://schemas.microsoft.com/office/drawing/2014/main" val="1086898738"/>
+                    </a:ext>
+                  </a:extLst>
+                </a:gridCol>
+                <a:gridCol w="1730095">
+                  <a:extLst>
+                    <a:ext uri="{9D8B030D-6E8A-4147-A177-3AD203B41FA5}">
+                      <a16:colId xmlns:a16="http://schemas.microsoft.com/office/drawing/2014/main" val="1684887687"/>
+                    </a:ext>
+                  </a:extLst>
+                </a:gridCol>
+                <a:gridCol w="1730095">
+                  <a:extLst>
+                    <a:ext uri="{9D8B030D-6E8A-4147-A177-3AD203B41FA5}">
+                      <a16:colId xmlns:a16="http://schemas.microsoft.com/office/drawing/2014/main" val="3410659851"/>
+                    </a:ext>
+                  </a:extLst>
+                </a:gridCol>
+              </a:tblGrid>
+              <a:tr h="522604">
+                <a:tc>
+                  <a:txBody>
+                    <a:bodyPr/>
+                    <a:lstStyle/>
+                    <a:p>
+                      <a:r>
+                        <a:rPr lang="en-US" sz="1400" dirty="0">
+                          <a:latin typeface="Avenir Book" panose="02000503020000020003" pitchFamily="2" charset="0"/>
+                        </a:rPr>
+                        <a:t>School</a:t>
+                      </a:r>
+                    </a:p>
+                  </a:txBody>
+                  <a:tcPr/>
+                </a:tc>
+                <a:tc>
+                  <a:txBody>
+                    <a:bodyPr/>
+                    <a:lstStyle/>
+                    <a:p>
+                      <a:r>
+                        <a:rPr lang="en-US" sz="1400" dirty="0">
+                          <a:latin typeface="Avenir Book" panose="02000503020000020003" pitchFamily="2" charset="0"/>
+                        </a:rPr>
+                        <a:t>Due Date for Recommendation </a:t>
+                      </a:r>
+                    </a:p>
+                  </a:txBody>
+                  <a:tcPr/>
+                </a:tc>
+                <a:tc>
+                  <a:txBody>
+                    <a:bodyPr/>
+                    <a:lstStyle/>
+                    <a:p>
+                      <a:r>
+                        <a:rPr lang="en-US" sz="1400" dirty="0">
+                          <a:latin typeface="Avenir Book" panose="02000503020000020003" pitchFamily="2" charset="0"/>
+                        </a:rPr>
+                        <a:t>Comments</a:t>
+                      </a:r>
+                    </a:p>
+                  </a:txBody>
+                  <a:tcPr/>
+                </a:tc>
+                <a:extLst>
+                  <a:ext uri="{0D108BD9-81ED-4DB2-BD59-A6C34878D82A}">
+                    <a16:rowId xmlns:a16="http://schemas.microsoft.com/office/drawing/2014/main" val="3867394978"/>
+                  </a:ext>
+                </a:extLst>
+              </a:tr>
+              <a:tr h="544432">
+                <a:tc>
+                  <a:txBody>
+                    <a:bodyPr/>
+                    <a:lstStyle/>
+                    <a:p>
+                      <a:r>
+                        <a:rPr lang="en-US" sz="1400" b="1" dirty="0">
+                          <a:latin typeface="Avenir Book" panose="02000503020000020003" pitchFamily="2" charset="0"/>
+                        </a:rPr>
+                        <a:t>UCSF/Berkeley (and joint) *</a:t>
+                      </a:r>
+                    </a:p>
+                  </a:txBody>
+                  <a:tcPr/>
+                </a:tc>
+                <a:tc>
+                  <a:txBody>
+                    <a:bodyPr/>
+                    <a:lstStyle/>
+                    <a:p>
+                      <a:r>
+                        <a:rPr lang="en-US" sz="1400" dirty="0">
+                          <a:latin typeface="Avenir Book" panose="02000503020000020003" pitchFamily="2" charset="0"/>
+                        </a:rPr>
+                        <a:t>N/A (De 1 2020)</a:t>
+                      </a:r>
+                    </a:p>
+                  </a:txBody>
+                  <a:tcPr/>
+                </a:tc>
+                <a:tc>
+                  <a:txBody>
+                    <a:bodyPr/>
+                    <a:lstStyle/>
+                    <a:p>
+                      <a:r>
+                        <a:rPr lang="en-US" sz="1400" dirty="0">
+                          <a:latin typeface="Avenir Book" panose="02000503020000020003" pitchFamily="2" charset="0"/>
+                        </a:rPr>
+                        <a:t>Bioengineering</a:t>
+                      </a:r>
+                    </a:p>
+                  </a:txBody>
+                  <a:tcPr/>
+                </a:tc>
+                <a:extLst>
+                  <a:ext uri="{0D108BD9-81ED-4DB2-BD59-A6C34878D82A}">
+                    <a16:rowId xmlns:a16="http://schemas.microsoft.com/office/drawing/2014/main" val="1711216209"/>
+                  </a:ext>
+                </a:extLst>
+              </a:tr>
+              <a:tr h="392459">
+                <a:tc>
+                  <a:txBody>
+                    <a:bodyPr/>
+                    <a:lstStyle/>
+                    <a:p>
+                      <a:r>
+                        <a:rPr lang="en-US" sz="1400" b="1" dirty="0">
+                          <a:latin typeface="Avenir Book" panose="02000503020000020003" pitchFamily="2" charset="0"/>
+                        </a:rPr>
+                        <a:t>Stanford *</a:t>
+                      </a:r>
+                    </a:p>
+                  </a:txBody>
+                  <a:tcPr/>
+                </a:tc>
+                <a:tc>
+                  <a:txBody>
+                    <a:bodyPr/>
+                    <a:lstStyle/>
+                    <a:p>
+                      <a:r>
+                        <a:rPr lang="en-US" sz="1400" dirty="0">
+                          <a:latin typeface="Avenir Book" panose="02000503020000020003" pitchFamily="2" charset="0"/>
+                        </a:rPr>
+                        <a:t>N/A (Dec 1 2020)</a:t>
+                      </a:r>
+                    </a:p>
+                  </a:txBody>
+                  <a:tcPr/>
+                </a:tc>
+                <a:tc>
+                  <a:txBody>
+                    <a:bodyPr/>
+                    <a:lstStyle/>
+                    <a:p>
+                      <a:r>
+                        <a:rPr lang="en-US" sz="1400" dirty="0">
+                          <a:latin typeface="Avenir Book" panose="02000503020000020003" pitchFamily="2" charset="0"/>
+                        </a:rPr>
+                        <a:t>Bioengineering</a:t>
+                      </a:r>
+                    </a:p>
+                  </a:txBody>
+                  <a:tcPr/>
+                </a:tc>
+                <a:extLst>
+                  <a:ext uri="{0D108BD9-81ED-4DB2-BD59-A6C34878D82A}">
+                    <a16:rowId xmlns:a16="http://schemas.microsoft.com/office/drawing/2014/main" val="3113134596"/>
+                  </a:ext>
+                </a:extLst>
+              </a:tr>
+              <a:tr h="768535">
+                <a:tc>
+                  <a:txBody>
+                    <a:bodyPr/>
+                    <a:lstStyle/>
+                    <a:p>
+                      <a:r>
+                        <a:rPr lang="en-US" sz="1400" b="1" dirty="0">
+                          <a:latin typeface="Avenir Book" panose="02000503020000020003" pitchFamily="2" charset="0"/>
+                        </a:rPr>
+                        <a:t>Harvard *</a:t>
+                      </a:r>
+                    </a:p>
+                  </a:txBody>
+                  <a:tcPr/>
+                </a:tc>
+                <a:tc>
+                  <a:txBody>
+                    <a:bodyPr/>
+                    <a:lstStyle/>
+                    <a:p>
+                      <a:r>
+                        <a:rPr lang="en-US" sz="1400" dirty="0">
+                          <a:latin typeface="Avenir Book" panose="02000503020000020003" pitchFamily="2" charset="0"/>
+                        </a:rPr>
+                        <a:t>N/A/ (Dec 2020)</a:t>
+                      </a:r>
+                    </a:p>
+                  </a:txBody>
+                  <a:tcPr/>
+                </a:tc>
+                <a:tc>
+                  <a:txBody>
+                    <a:bodyPr/>
+                    <a:lstStyle/>
+                    <a:p>
+                      <a:pPr marL="0" marR="0" lvl="0" indent="0" algn="l" defTabSz="914400" rtl="0" eaLnBrk="1" fontAlgn="auto" latinLnBrk="0" hangingPunct="1">
+                        <a:lnSpc>
+                          <a:spcPct val="100000"/>
+                        </a:lnSpc>
+                        <a:spcBef>
+                          <a:spcPts val="0"/>
+                        </a:spcBef>
+                        <a:spcAft>
+                          <a:spcPts val="0"/>
+                        </a:spcAft>
+                        <a:buClrTx/>
+                        <a:buSzTx/>
+                        <a:buFontTx/>
+                        <a:buNone/>
+                        <a:tabLst/>
+                        <a:defRPr/>
+                      </a:pPr>
+                      <a:r>
+                        <a:rPr lang="en-US" sz="1100" dirty="0">
+                          <a:latin typeface="Avenir Book" panose="02000503020000020003" pitchFamily="2" charset="0"/>
+                        </a:rPr>
+                        <a:t>Wyss Institute/ Bioengineering/ Systems, Synthetic, and Quantitative Biology</a:t>
+                      </a:r>
+                    </a:p>
+                  </a:txBody>
+                  <a:tcPr/>
+                </a:tc>
+                <a:extLst>
+                  <a:ext uri="{0D108BD9-81ED-4DB2-BD59-A6C34878D82A}">
+                    <a16:rowId xmlns:a16="http://schemas.microsoft.com/office/drawing/2014/main" val="1614938741"/>
+                  </a:ext>
+                </a:extLst>
+              </a:tr>
+              <a:tr h="1006781">
+                <a:tc>
+                  <a:txBody>
+                    <a:bodyPr/>
+                    <a:lstStyle/>
+                    <a:p>
+                      <a:r>
+                        <a:rPr lang="en-US" sz="1400" b="1" dirty="0">
+                          <a:latin typeface="Avenir Book" panose="02000503020000020003" pitchFamily="2" charset="0"/>
+                        </a:rPr>
+                        <a:t>JHU *</a:t>
+                      </a:r>
+                    </a:p>
+                  </a:txBody>
+                  <a:tcPr/>
+                </a:tc>
+                <a:tc>
+                  <a:txBody>
+                    <a:bodyPr/>
+                    <a:lstStyle/>
+                    <a:p>
+                      <a:r>
+                        <a:rPr lang="en-US" sz="1400" dirty="0">
+                          <a:latin typeface="Avenir Book" panose="02000503020000020003" pitchFamily="2" charset="0"/>
+                        </a:rPr>
+                        <a:t>Dec 1 2020</a:t>
+                      </a:r>
+                    </a:p>
+                  </a:txBody>
+                  <a:tcPr/>
+                </a:tc>
+                <a:tc>
+                  <a:txBody>
+                    <a:bodyPr/>
+                    <a:lstStyle/>
+                    <a:p>
+                      <a:r>
+                        <a:rPr lang="en-US" sz="1400" dirty="0">
+                          <a:latin typeface="Avenir Book" panose="02000503020000020003" pitchFamily="2" charset="0"/>
+                        </a:rPr>
+                        <a:t>Biomedical Engineering </a:t>
+                      </a:r>
+                      <a:r>
+                        <a:rPr lang="en-US" sz="1050" dirty="0">
+                          <a:latin typeface="Avenir Book" panose="02000503020000020003" pitchFamily="2" charset="0"/>
+                        </a:rPr>
+                        <a:t>(through School of Medicine and Whiting School of Engineering)</a:t>
+                      </a:r>
+                      <a:endParaRPr lang="en-US" sz="1400" dirty="0">
+                        <a:latin typeface="Avenir Book" panose="02000503020000020003" pitchFamily="2" charset="0"/>
+                      </a:endParaRPr>
+                    </a:p>
+                  </a:txBody>
+                  <a:tcPr/>
+                </a:tc>
+                <a:extLst>
+                  <a:ext uri="{0D108BD9-81ED-4DB2-BD59-A6C34878D82A}">
+                    <a16:rowId xmlns:a16="http://schemas.microsoft.com/office/drawing/2014/main" val="605407360"/>
+                  </a:ext>
+                </a:extLst>
+              </a:tr>
+              <a:tr h="544432">
+                <a:tc>
+                  <a:txBody>
+                    <a:bodyPr/>
+                    <a:lstStyle/>
+                    <a:p>
+                      <a:r>
+                        <a:rPr lang="en-US" sz="1400" b="1" dirty="0">
+                          <a:latin typeface="Avenir Book" panose="02000503020000020003" pitchFamily="2" charset="0"/>
+                        </a:rPr>
+                        <a:t>MIT *</a:t>
+                      </a:r>
+                    </a:p>
+                  </a:txBody>
+                  <a:tcPr/>
+                </a:tc>
+                <a:tc>
+                  <a:txBody>
+                    <a:bodyPr/>
+                    <a:lstStyle/>
+                    <a:p>
+                      <a:r>
+                        <a:rPr lang="en-US" sz="1400" dirty="0">
+                          <a:latin typeface="Avenir Book" panose="02000503020000020003" pitchFamily="2" charset="0"/>
+                        </a:rPr>
+                        <a:t>N/A (Dec 15 2020)</a:t>
+                      </a:r>
+                    </a:p>
+                  </a:txBody>
+                  <a:tcPr/>
+                </a:tc>
+                <a:tc>
+                  <a:txBody>
+                    <a:bodyPr/>
+                    <a:lstStyle/>
+                    <a:p>
+                      <a:r>
+                        <a:rPr lang="en-US" sz="1400" dirty="0">
+                          <a:latin typeface="Avenir Book" panose="02000503020000020003" pitchFamily="2" charset="0"/>
+                        </a:rPr>
+                        <a:t>Biological engineering</a:t>
+                      </a:r>
+                    </a:p>
+                  </a:txBody>
+                  <a:tcPr/>
+                </a:tc>
+                <a:extLst>
+                  <a:ext uri="{0D108BD9-81ED-4DB2-BD59-A6C34878D82A}">
+                    <a16:rowId xmlns:a16="http://schemas.microsoft.com/office/drawing/2014/main" val="2961705457"/>
+                  </a:ext>
+                </a:extLst>
+              </a:tr>
+              <a:tr h="461121">
+                <a:tc>
+                  <a:txBody>
+                    <a:bodyPr/>
+                    <a:lstStyle/>
+                    <a:p>
+                      <a:r>
+                        <a:rPr lang="en-US" sz="1400" b="1" dirty="0">
+                          <a:latin typeface="Avenir Book" panose="02000503020000020003" pitchFamily="2" charset="0"/>
+                        </a:rPr>
+                        <a:t>Yale </a:t>
+                      </a:r>
+                    </a:p>
+                  </a:txBody>
+                  <a:tcPr/>
+                </a:tc>
+                <a:tc>
+                  <a:txBody>
+                    <a:bodyPr/>
+                    <a:lstStyle/>
+                    <a:p>
+                      <a:r>
+                        <a:rPr lang="en-US" sz="1400" dirty="0">
+                          <a:latin typeface="Avenir Book" panose="02000503020000020003" pitchFamily="2" charset="0"/>
+                        </a:rPr>
+                        <a:t>Dec 15 2020</a:t>
+                      </a:r>
+                    </a:p>
+                  </a:txBody>
+                  <a:tcPr/>
+                </a:tc>
+                <a:tc>
+                  <a:txBody>
+                    <a:bodyPr/>
+                    <a:lstStyle/>
+                    <a:p>
+                      <a:pPr marL="0" marR="0" lvl="0" indent="0" algn="l" defTabSz="914400" rtl="0" eaLnBrk="1" fontAlgn="auto" latinLnBrk="0" hangingPunct="1">
+                        <a:lnSpc>
+                          <a:spcPct val="100000"/>
+                        </a:lnSpc>
+                        <a:spcBef>
+                          <a:spcPts val="0"/>
+                        </a:spcBef>
+                        <a:spcAft>
+                          <a:spcPts val="0"/>
+                        </a:spcAft>
+                        <a:buClrTx/>
+                        <a:buSzTx/>
+                        <a:buFontTx/>
+                        <a:buNone/>
+                        <a:tabLst/>
+                        <a:defRPr/>
+                      </a:pPr>
+                      <a:r>
+                        <a:rPr lang="en-US" sz="1200" dirty="0">
+                          <a:latin typeface="Avenir Book" panose="02000503020000020003" pitchFamily="2" charset="0"/>
+                        </a:rPr>
+                        <a:t>Biomolecular engineering</a:t>
+                      </a:r>
+                    </a:p>
+                  </a:txBody>
+                  <a:tcPr/>
+                </a:tc>
+                <a:extLst>
+                  <a:ext uri="{0D108BD9-81ED-4DB2-BD59-A6C34878D82A}">
+                    <a16:rowId xmlns:a16="http://schemas.microsoft.com/office/drawing/2014/main" val="3025803702"/>
+                  </a:ext>
+                </a:extLst>
+              </a:tr>
+              <a:tr h="522604">
+                <a:tc>
+                  <a:txBody>
+                    <a:bodyPr/>
+                    <a:lstStyle/>
+                    <a:p>
+                      <a:r>
+                        <a:rPr lang="en-US" sz="1400" b="1" dirty="0">
+                          <a:latin typeface="Avenir Book" panose="02000503020000020003" pitchFamily="2" charset="0"/>
+                        </a:rPr>
+                        <a:t>Northwestern</a:t>
+                      </a:r>
+                    </a:p>
+                  </a:txBody>
+                  <a:tcPr/>
+                </a:tc>
+                <a:tc>
+                  <a:txBody>
+                    <a:bodyPr/>
+                    <a:lstStyle/>
+                    <a:p>
+                      <a:r>
+                        <a:rPr lang="en-US" sz="1400" dirty="0">
+                          <a:latin typeface="Avenir Book" panose="02000503020000020003" pitchFamily="2" charset="0"/>
+                        </a:rPr>
+                        <a:t>Dec 15 2020</a:t>
+                      </a:r>
+                    </a:p>
+                  </a:txBody>
+                  <a:tcPr/>
+                </a:tc>
+                <a:tc>
+                  <a:txBody>
+                    <a:bodyPr/>
+                    <a:lstStyle/>
+                    <a:p>
+                      <a:r>
+                        <a:rPr lang="en-US" sz="1400" dirty="0">
+                          <a:latin typeface="Avenir Book" panose="02000503020000020003" pitchFamily="2" charset="0"/>
+                        </a:rPr>
+                        <a:t>Biomedical engineering </a:t>
+                      </a:r>
+                    </a:p>
+                  </a:txBody>
+                  <a:tcPr/>
+                </a:tc>
+                <a:extLst>
+                  <a:ext uri="{0D108BD9-81ED-4DB2-BD59-A6C34878D82A}">
+                    <a16:rowId xmlns:a16="http://schemas.microsoft.com/office/drawing/2014/main" val="205578266"/>
+                  </a:ext>
+                </a:extLst>
+              </a:tr>
+              <a:tr h="522604">
+                <a:tc>
+                  <a:txBody>
+                    <a:bodyPr/>
+                    <a:lstStyle/>
+                    <a:p>
+                      <a:r>
+                        <a:rPr lang="en-US" sz="1400" b="1" dirty="0">
+                          <a:latin typeface="Avenir Book" panose="02000503020000020003" pitchFamily="2" charset="0"/>
+                        </a:rPr>
+                        <a:t>Duke</a:t>
+                      </a:r>
+                    </a:p>
+                  </a:txBody>
+                  <a:tcPr/>
+                </a:tc>
+                <a:tc>
+                  <a:txBody>
+                    <a:bodyPr/>
+                    <a:lstStyle/>
+                    <a:p>
+                      <a:r>
+                        <a:rPr lang="en-US" sz="1400" dirty="0">
+                          <a:latin typeface="Avenir Book" panose="02000503020000020003" pitchFamily="2" charset="0"/>
+                        </a:rPr>
+                        <a:t>Dec 15 2020</a:t>
+                      </a:r>
+                    </a:p>
+                  </a:txBody>
+                  <a:tcPr/>
+                </a:tc>
+                <a:tc>
+                  <a:txBody>
+                    <a:bodyPr/>
+                    <a:lstStyle/>
+                    <a:p>
+                      <a:r>
+                        <a:rPr lang="en-US" sz="1400" dirty="0">
+                          <a:latin typeface="Avenir Book" panose="02000503020000020003" pitchFamily="2" charset="0"/>
+                        </a:rPr>
+                        <a:t>Biomedical engineering</a:t>
+                      </a:r>
+                    </a:p>
+                  </a:txBody>
+                  <a:tcPr/>
+                </a:tc>
+                <a:extLst>
+                  <a:ext uri="{0D108BD9-81ED-4DB2-BD59-A6C34878D82A}">
+                    <a16:rowId xmlns:a16="http://schemas.microsoft.com/office/drawing/2014/main" val="130693402"/>
+                  </a:ext>
+                </a:extLst>
+              </a:tr>
+              <a:tr h="392459">
+                <a:tc>
+                  <a:txBody>
+                    <a:bodyPr/>
+                    <a:lstStyle/>
+                    <a:p>
+                      <a:r>
+                        <a:rPr lang="en-US" sz="1400" b="1" dirty="0">
+                          <a:latin typeface="Avenir Book" panose="02000503020000020003" pitchFamily="2" charset="0"/>
+                        </a:rPr>
+                        <a:t>Rice</a:t>
+                      </a:r>
+                    </a:p>
+                  </a:txBody>
+                  <a:tcPr/>
+                </a:tc>
+                <a:tc>
+                  <a:txBody>
+                    <a:bodyPr/>
+                    <a:lstStyle/>
+                    <a:p>
+                      <a:r>
+                        <a:rPr lang="en-US" sz="1400" dirty="0">
+                          <a:latin typeface="Avenir Book" panose="02000503020000020003" pitchFamily="2" charset="0"/>
+                        </a:rPr>
+                        <a:t>Dec 15 2020</a:t>
+                      </a:r>
+                    </a:p>
+                  </a:txBody>
+                  <a:tcPr/>
+                </a:tc>
+                <a:tc>
+                  <a:txBody>
+                    <a:bodyPr/>
+                    <a:lstStyle/>
+                    <a:p>
+                      <a:endParaRPr lang="en-US" sz="1400" dirty="0">
+                        <a:latin typeface="Avenir Book" panose="02000503020000020003" pitchFamily="2" charset="0"/>
+                      </a:endParaRPr>
+                    </a:p>
+                  </a:txBody>
+                  <a:tcPr/>
+                </a:tc>
+                <a:extLst>
+                  <a:ext uri="{0D108BD9-81ED-4DB2-BD59-A6C34878D82A}">
+                    <a16:rowId xmlns:a16="http://schemas.microsoft.com/office/drawing/2014/main" val="3387852012"/>
+                  </a:ext>
+                </a:extLst>
+              </a:tr>
+              <a:tr h="737794">
+                <a:tc>
+                  <a:txBody>
+                    <a:bodyPr/>
+                    <a:lstStyle/>
+                    <a:p>
+                      <a:r>
+                        <a:rPr lang="en-US" sz="1400" b="1" dirty="0">
+                          <a:latin typeface="Avenir Book" panose="02000503020000020003" pitchFamily="2" charset="0"/>
+                        </a:rPr>
+                        <a:t>Princeton</a:t>
+                      </a:r>
+                    </a:p>
+                  </a:txBody>
+                  <a:tcPr/>
+                </a:tc>
+                <a:tc>
+                  <a:txBody>
+                    <a:bodyPr/>
+                    <a:lstStyle/>
+                    <a:p>
+                      <a:r>
+                        <a:rPr lang="en-US" sz="1400" dirty="0">
+                          <a:latin typeface="Avenir Book" panose="02000503020000020003" pitchFamily="2" charset="0"/>
+                        </a:rPr>
+                        <a:t>Dec 1 2020</a:t>
+                      </a:r>
+                    </a:p>
+                  </a:txBody>
+                  <a:tcPr/>
+                </a:tc>
+                <a:tc>
+                  <a:txBody>
+                    <a:bodyPr/>
+                    <a:lstStyle/>
+                    <a:p>
+                      <a:r>
+                        <a:rPr lang="en-US" sz="1400" dirty="0">
+                          <a:latin typeface="Avenir Book" panose="02000503020000020003" pitchFamily="2" charset="0"/>
+                        </a:rPr>
+                        <a:t>Chemical and Biological Engineering</a:t>
+                      </a:r>
+                    </a:p>
+                  </a:txBody>
+                  <a:tcPr/>
+                </a:tc>
+                <a:extLst>
+                  <a:ext uri="{0D108BD9-81ED-4DB2-BD59-A6C34878D82A}">
+                    <a16:rowId xmlns:a16="http://schemas.microsoft.com/office/drawing/2014/main" val="3990837171"/>
+                  </a:ext>
+                </a:extLst>
+              </a:tr>
+            </a:tbl>
+          </a:graphicData>
+        </a:graphic>
+      </p:graphicFrame>
+      <p:pic>
+        <p:nvPicPr>
+          <p:cNvPr id="6" name="Picture 5" descr="A picture containing drawing&#10;&#10;Description automatically generated">
+            <a:extLst>
+              <a:ext uri="{FF2B5EF4-FFF2-40B4-BE49-F238E27FC236}">
+                <a16:creationId xmlns:a16="http://schemas.microsoft.com/office/drawing/2014/main" id="{83ABF1A3-B277-2144-A18B-78AF24585BB3}"/>
+              </a:ext>
+            </a:extLst>
+          </p:cNvPr>
+          <p:cNvPicPr>
+            <a:picLocks noChangeAspect="1"/>
+          </p:cNvPicPr>
+          <p:nvPr/>
+        </p:nvPicPr>
+        <p:blipFill>
+          <a:blip r:embed="rId3"/>
+          <a:stretch>
+            <a:fillRect/>
+          </a:stretch>
+        </p:blipFill>
+        <p:spPr>
+          <a:xfrm>
+            <a:off x="11472553" y="6628288"/>
+            <a:ext cx="719447" cy="229711"/>
+          </a:xfrm>
+          <a:prstGeom prst="rect">
+            <a:avLst/>
+          </a:prstGeom>
+        </p:spPr>
+      </p:pic>
     </p:spTree>
     <p:extLst>
       <p:ext uri="{BB962C8B-B14F-4D97-AF65-F5344CB8AC3E}">
@@ -7939,6 +9446,81 @@
   <p:clrMapOvr>
     <a:masterClrMapping/>
   </p:clrMapOvr>
+  <p:timing>
+    <p:tnLst>
+      <p:par>
+        <p:cTn id="1" dur="indefinite" restart="never" nodeType="tmRoot">
+          <p:childTnLst>
+            <p:seq concurrent="1" nextAc="seek">
+              <p:cTn id="2" dur="indefinite" nodeType="mainSeq">
+                <p:childTnLst>
+                  <p:par>
+                    <p:cTn id="3" fill="hold">
+                      <p:stCondLst>
+                        <p:cond delay="indefinite"/>
+                      </p:stCondLst>
+                      <p:childTnLst>
+                        <p:par>
+                          <p:cTn id="4" fill="hold">
+                            <p:stCondLst>
+                              <p:cond delay="0"/>
+                            </p:stCondLst>
+                            <p:childTnLst>
+                              <p:par>
+                                <p:cTn id="5" presetID="1" presetClass="entr" presetSubtype="0" fill="hold" nodeType="clickEffect">
+                                  <p:stCondLst>
+                                    <p:cond delay="0"/>
+                                  </p:stCondLst>
+                                  <p:childTnLst>
+                                    <p:set>
+                                      <p:cBhvr>
+                                        <p:cTn id="6" dur="1" fill="hold">
+                                          <p:stCondLst>
+                                            <p:cond delay="0"/>
+                                          </p:stCondLst>
+                                        </p:cTn>
+                                        <p:tgtEl>
+                                          <p:spTgt spid="5"/>
+                                        </p:tgtEl>
+                                        <p:attrNameLst>
+                                          <p:attrName>style.visibility</p:attrName>
+                                        </p:attrNameLst>
+                                      </p:cBhvr>
+                                      <p:to>
+                                        <p:strVal val="visible"/>
+                                      </p:to>
+                                    </p:set>
+                                  </p:childTnLst>
+                                </p:cTn>
+                              </p:par>
+                            </p:childTnLst>
+                          </p:cTn>
+                        </p:par>
+                      </p:childTnLst>
+                    </p:cTn>
+                  </p:par>
+                </p:childTnLst>
+              </p:cTn>
+              <p:prevCondLst>
+                <p:cond evt="onPrev" delay="0">
+                  <p:tgtEl>
+                    <p:sldTgt/>
+                  </p:tgtEl>
+                </p:cond>
+              </p:prevCondLst>
+              <p:nextCondLst>
+                <p:cond evt="onNext" delay="0">
+                  <p:tgtEl>
+                    <p:sldTgt/>
+                  </p:tgtEl>
+                </p:cond>
+              </p:nextCondLst>
+            </p:seq>
+          </p:childTnLst>
+        </p:cTn>
+      </p:par>
+    </p:tnLst>
+  </p:timing>
 </p:sld>
 </file>
 
@@ -8171,7 +9753,7 @@
           <p:cNvPr id="2" name="Title 1">
             <a:extLst>
               <a:ext uri="{FF2B5EF4-FFF2-40B4-BE49-F238E27FC236}">
-                <a16:creationId xmlns:a16="http://schemas.microsoft.com/office/drawing/2014/main" id="{84C51FD4-7710-A146-9B14-AD7C836B805D}"/>
+                <a16:creationId xmlns:a16="http://schemas.microsoft.com/office/drawing/2014/main" id="{72ACE10D-DF2E-1A4F-BCAD-9F56A9E97BBB}"/>
               </a:ext>
             </a:extLst>
           </p:cNvPr>
@@ -8189,7 +9771,7 @@
           <a:p>
             <a:r>
               <a:rPr lang="en-US" dirty="0"/>
-              <a:t>Things I want to talk about</a:t>
+              <a:t>Outline</a:t>
             </a:r>
           </a:p>
         </p:txBody>
@@ -8199,7 +9781,7 @@
           <p:cNvPr id="3" name="Content Placeholder 2">
             <a:extLst>
               <a:ext uri="{FF2B5EF4-FFF2-40B4-BE49-F238E27FC236}">
-                <a16:creationId xmlns:a16="http://schemas.microsoft.com/office/drawing/2014/main" id="{393364B8-0B37-964B-A006-71930616C232}"/>
+                <a16:creationId xmlns:a16="http://schemas.microsoft.com/office/drawing/2014/main" id="{DEF6A9A9-3D99-1145-91D9-8FCFAB5D3156}"/>
               </a:ext>
             </a:extLst>
           </p:cNvPr>
@@ -8212,91 +9794,76 @@
         </p:nvSpPr>
         <p:spPr/>
         <p:txBody>
-          <a:bodyPr>
-            <a:normAutofit fontScale="92500" lnSpcReduction="10000"/>
-          </a:bodyPr>
+          <a:bodyPr/>
           <a:lstStyle/>
           <a:p>
             <a:r>
               <a:rPr lang="en-US" dirty="0"/>
-              <a:t>My research updates/next steps</a:t>
+              <a:t>Research projects</a:t>
             </a:r>
           </a:p>
           <a:p>
             <a:pPr lvl="1"/>
             <a:r>
-              <a:rPr lang="en-US" dirty="0" err="1"/>
-              <a:t>Atp</a:t>
-            </a:r>
-            <a:r>
               <a:rPr lang="en-US" dirty="0"/>
-              <a:t> synthase steps </a:t>
+              <a:t>Rheostat current conclusion</a:t>
             </a:r>
           </a:p>
           <a:p>
             <a:pPr lvl="1"/>
             <a:r>
               <a:rPr lang="en-US" dirty="0"/>
-              <a:t>Add protein maturation (</a:t>
-            </a:r>
-            <a:r>
-              <a:rPr lang="en-US" dirty="0" err="1"/>
-              <a:t>zoila’s</a:t>
-            </a:r>
+              <a:t>NADPH regeneration</a:t>
+            </a:r>
+          </a:p>
+          <a:p>
             <a:r>
               <a:rPr lang="en-US" dirty="0"/>
-              <a:t> stuff)</a:t>
-            </a:r>
-          </a:p>
-          <a:p>
-            <a:pPr lvl="1"/>
+              <a:t>ATP synthase model advice</a:t>
+            </a:r>
+          </a:p>
+          <a:p>
             <a:r>
               <a:rPr lang="en-US" dirty="0"/>
-              <a:t>Export SBML for ATP?</a:t>
-            </a:r>
-          </a:p>
-          <a:p>
-            <a:pPr lvl="1"/>
-            <a:r>
-              <a:rPr lang="en-US" dirty="0"/>
-              <a:t>What mechanism to use for proton gradient</a:t>
-            </a:r>
-          </a:p>
-          <a:p>
-            <a:pPr lvl="1"/>
-            <a:r>
-              <a:rPr lang="en-US" dirty="0"/>
-              <a:t>Conclusion for rheostat model?</a:t>
-            </a:r>
-          </a:p>
-          <a:p>
-            <a:pPr lvl="1"/>
-            <a:endParaRPr lang="en-US" dirty="0"/>
-          </a:p>
-          <a:p>
-            <a:r>
-              <a:rPr lang="en-US" dirty="0"/>
-              <a:t>Recommendation for grad schools, fellowships that have different deadlines for students</a:t>
-            </a:r>
-          </a:p>
-          <a:p>
-            <a:r>
-              <a:rPr lang="en-US" dirty="0"/>
-              <a:t>Return to RESEARCH!! </a:t>
-            </a:r>
-          </a:p>
-          <a:p>
-            <a:r>
-              <a:rPr lang="en-US" dirty="0"/>
-              <a:t>Surf presentation</a:t>
+              <a:t>Misc.</a:t>
             </a:r>
           </a:p>
         </p:txBody>
       </p:sp>
+      <p:pic>
+        <p:nvPicPr>
+          <p:cNvPr id="4" name="Picture 3" descr="A picture containing drawing&#10;&#10;Description automatically generated">
+            <a:extLst>
+              <a:ext uri="{FF2B5EF4-FFF2-40B4-BE49-F238E27FC236}">
+                <a16:creationId xmlns:a16="http://schemas.microsoft.com/office/drawing/2014/main" id="{36996A37-FDE7-FC47-96B2-49A0D8AA97C3}"/>
+              </a:ext>
+            </a:extLst>
+          </p:cNvPr>
+          <p:cNvPicPr>
+            <a:picLocks noChangeAspect="1"/>
+          </p:cNvPicPr>
+          <p:nvPr/>
+        </p:nvPicPr>
+        <p:blipFill>
+          <a:blip r:embed="rId2"/>
+          <a:stretch>
+            <a:fillRect/>
+          </a:stretch>
+        </p:blipFill>
+        <p:spPr>
+          <a:xfrm>
+            <a:off x="11117119" y="6514803"/>
+            <a:ext cx="1074881" cy="343197"/>
+          </a:xfrm>
+          <a:prstGeom prst="rect">
+            <a:avLst/>
+          </a:prstGeom>
+        </p:spPr>
+      </p:pic>
     </p:spTree>
     <p:extLst>
       <p:ext uri="{BB962C8B-B14F-4D97-AF65-F5344CB8AC3E}">
-        <p14:creationId xmlns:p14="http://schemas.microsoft.com/office/powerpoint/2010/main" val="109256054"/>
+        <p14:creationId xmlns:p14="http://schemas.microsoft.com/office/powerpoint/2010/main" val="3212659366"/>
       </p:ext>
     </p:extLst>
   </p:cSld>
@@ -9865,7 +11432,7 @@
           </p:nvPr>
         </p:nvPicPr>
         <p:blipFill rotWithShape="1">
-          <a:blip r:embed="rId2"/>
+          <a:blip r:embed="rId3"/>
           <a:srcRect l="1260" t="3722"/>
           <a:stretch/>
         </p:blipFill>
@@ -9891,7 +11458,7 @@
           <p:nvPr/>
         </p:nvPicPr>
         <p:blipFill>
-          <a:blip r:embed="rId3"/>
+          <a:blip r:embed="rId4"/>
           <a:stretch>
             <a:fillRect/>
           </a:stretch>
@@ -9973,7 +11540,7 @@
           <p:nvPr/>
         </p:nvPicPr>
         <p:blipFill>
-          <a:blip r:embed="rId4"/>
+          <a:blip r:embed="rId5"/>
           <a:stretch>
             <a:fillRect/>
           </a:stretch>
@@ -10003,7 +11570,7 @@
           <p:nvPr/>
         </p:nvPicPr>
         <p:blipFill>
-          <a:blip r:embed="rId5"/>
+          <a:blip r:embed="rId6"/>
           <a:stretch>
             <a:fillRect/>
           </a:stretch>
@@ -10033,7 +11600,7 @@
           <p:nvPr/>
         </p:nvPicPr>
         <p:blipFill>
-          <a:blip r:embed="rId6"/>
+          <a:blip r:embed="rId7"/>
           <a:stretch>
             <a:fillRect/>
           </a:stretch>
@@ -11210,7 +12777,7 @@
             <p:ph idx="1"/>
             <p:extLst>
               <p:ext uri="{D42A27DB-BD31-4B8C-83A1-F6EECF244321}">
-                <p14:modId xmlns:p14="http://schemas.microsoft.com/office/powerpoint/2010/main" val="3683454294"/>
+                <p14:modId xmlns:p14="http://schemas.microsoft.com/office/powerpoint/2010/main" val="358749223"/>
               </p:ext>
             </p:extLst>
           </p:nvPr>
@@ -11441,7 +13008,7 @@
                         <a:rPr lang="en-US" sz="1500" dirty="0">
                           <a:latin typeface="Avenir Book" panose="02000503020000020003" pitchFamily="2" charset="0"/>
                         </a:rPr>
-                        <a:t>~2.3 </a:t>
+                        <a:t>~ 2.3 </a:t>
                       </a:r>
                       <a:r>
                         <a:rPr lang="en-US" sz="1500" dirty="0" err="1">
@@ -11453,7 +13020,7 @@
                         <a:rPr lang="en-US" sz="1500" dirty="0">
                           <a:latin typeface="Avenir Book" panose="02000503020000020003" pitchFamily="2" charset="0"/>
                         </a:rPr>
-                        <a:t> (Altamura et al., 2017)</a:t>
+                        <a:t> (Altamura et al., 2020)</a:t>
                       </a:r>
                     </a:p>
                     <a:p>
@@ -11488,7 +13055,7 @@
                         <a:rPr lang="en-US" sz="1500" dirty="0">
                           <a:latin typeface="Avenir Book" panose="02000503020000020003" pitchFamily="2" charset="0"/>
                         </a:rPr>
-                        <a:t>Photosynthetic reaction center – limited by DNA  (Altamura et al.)</a:t>
+                        <a:t>Photosynthetic reaction center – limited by DNA  (Altamura et al. 2020)</a:t>
                       </a:r>
                     </a:p>
                   </a:txBody>

--- a/miscellaneous/presentations/202020720_murray_mtg.pptx
+++ b/miscellaneous/presentations/202020720_murray_mtg.pptx
@@ -3341,7 +3341,7 @@
           <a:p>
             <a:fld id="{B402DAE2-EB89-1745-8110-582311A7E22E}" type="datetimeFigureOut">
               <a:rPr lang="en-US" smtClean="0"/>
-              <a:t>7/20/20</a:t>
+              <a:t>7/27/20</a:t>
             </a:fld>
             <a:endParaRPr lang="en-US"/>
           </a:p>
@@ -4616,7 +4616,7 @@
           <a:p>
             <a:fld id="{3B3400CD-7287-EA41-97B8-6C373A830532}" type="datetimeFigureOut">
               <a:rPr lang="en-US" smtClean="0"/>
-              <a:t>7/20/20</a:t>
+              <a:t>7/27/20</a:t>
             </a:fld>
             <a:endParaRPr lang="en-US"/>
           </a:p>
@@ -4814,7 +4814,7 @@
           <a:p>
             <a:fld id="{3B3400CD-7287-EA41-97B8-6C373A830532}" type="datetimeFigureOut">
               <a:rPr lang="en-US" smtClean="0"/>
-              <a:t>7/20/20</a:t>
+              <a:t>7/27/20</a:t>
             </a:fld>
             <a:endParaRPr lang="en-US"/>
           </a:p>
@@ -5022,7 +5022,7 @@
           <a:p>
             <a:fld id="{3B3400CD-7287-EA41-97B8-6C373A830532}" type="datetimeFigureOut">
               <a:rPr lang="en-US" smtClean="0"/>
-              <a:t>7/20/20</a:t>
+              <a:t>7/27/20</a:t>
             </a:fld>
             <a:endParaRPr lang="en-US"/>
           </a:p>
@@ -5222,7 +5222,7 @@
           <a:p>
             <a:fld id="{3B3400CD-7287-EA41-97B8-6C373A830532}" type="datetimeFigureOut">
               <a:rPr lang="en-US" smtClean="0"/>
-              <a:t>7/20/20</a:t>
+              <a:t>7/27/20</a:t>
             </a:fld>
             <a:endParaRPr lang="en-US"/>
           </a:p>
@@ -5497,7 +5497,7 @@
           <a:p>
             <a:fld id="{3B3400CD-7287-EA41-97B8-6C373A830532}" type="datetimeFigureOut">
               <a:rPr lang="en-US" smtClean="0"/>
-              <a:t>7/20/20</a:t>
+              <a:t>7/27/20</a:t>
             </a:fld>
             <a:endParaRPr lang="en-US"/>
           </a:p>
@@ -5762,7 +5762,7 @@
           <a:p>
             <a:fld id="{3B3400CD-7287-EA41-97B8-6C373A830532}" type="datetimeFigureOut">
               <a:rPr lang="en-US" smtClean="0"/>
-              <a:t>7/20/20</a:t>
+              <a:t>7/27/20</a:t>
             </a:fld>
             <a:endParaRPr lang="en-US"/>
           </a:p>
@@ -6174,7 +6174,7 @@
           <a:p>
             <a:fld id="{3B3400CD-7287-EA41-97B8-6C373A830532}" type="datetimeFigureOut">
               <a:rPr lang="en-US" smtClean="0"/>
-              <a:t>7/20/20</a:t>
+              <a:t>7/27/20</a:t>
             </a:fld>
             <a:endParaRPr lang="en-US"/>
           </a:p>
@@ -6315,7 +6315,7 @@
           <a:p>
             <a:fld id="{3B3400CD-7287-EA41-97B8-6C373A830532}" type="datetimeFigureOut">
               <a:rPr lang="en-US" smtClean="0"/>
-              <a:t>7/20/20</a:t>
+              <a:t>7/27/20</a:t>
             </a:fld>
             <a:endParaRPr lang="en-US"/>
           </a:p>
@@ -6428,7 +6428,7 @@
           <a:p>
             <a:fld id="{3B3400CD-7287-EA41-97B8-6C373A830532}" type="datetimeFigureOut">
               <a:rPr lang="en-US" smtClean="0"/>
-              <a:t>7/20/20</a:t>
+              <a:t>7/27/20</a:t>
             </a:fld>
             <a:endParaRPr lang="en-US"/>
           </a:p>
@@ -6739,7 +6739,7 @@
           <a:p>
             <a:fld id="{3B3400CD-7287-EA41-97B8-6C373A830532}" type="datetimeFigureOut">
               <a:rPr lang="en-US" smtClean="0"/>
-              <a:t>7/20/20</a:t>
+              <a:t>7/27/20</a:t>
             </a:fld>
             <a:endParaRPr lang="en-US"/>
           </a:p>
@@ -7030,7 +7030,7 @@
           <a:p>
             <a:fld id="{3B3400CD-7287-EA41-97B8-6C373A830532}" type="datetimeFigureOut">
               <a:rPr lang="en-US" smtClean="0"/>
-              <a:t>7/20/20</a:t>
+              <a:t>7/27/20</a:t>
             </a:fld>
             <a:endParaRPr lang="en-US"/>
           </a:p>
@@ -7273,7 +7273,7 @@
           <a:p>
             <a:fld id="{3B3400CD-7287-EA41-97B8-6C373A830532}" type="datetimeFigureOut">
               <a:rPr lang="en-US" smtClean="0"/>
-              <a:t>7/20/20</a:t>
+              <a:t>7/27/20</a:t>
             </a:fld>
             <a:endParaRPr lang="en-US"/>
           </a:p>
@@ -11547,7 +11547,7 @@
         </p:blipFill>
         <p:spPr>
           <a:xfrm>
-            <a:off x="5188409" y="1137245"/>
+            <a:off x="5138056" y="1136190"/>
             <a:ext cx="3526972" cy="2743200"/>
           </a:xfrm>
           <a:prstGeom prst="rect">

--- a/miscellaneous/presentations/202020720_murray_mtg.pptx
+++ b/miscellaneous/presentations/202020720_murray_mtg.pptx
@@ -3341,7 +3341,7 @@
           <a:p>
             <a:fld id="{B402DAE2-EB89-1745-8110-582311A7E22E}" type="datetimeFigureOut">
               <a:rPr lang="en-US" smtClean="0"/>
-              <a:t>7/27/20</a:t>
+              <a:t>7/30/20</a:t>
             </a:fld>
             <a:endParaRPr lang="en-US"/>
           </a:p>
@@ -4616,7 +4616,7 @@
           <a:p>
             <a:fld id="{3B3400CD-7287-EA41-97B8-6C373A830532}" type="datetimeFigureOut">
               <a:rPr lang="en-US" smtClean="0"/>
-              <a:t>7/27/20</a:t>
+              <a:t>7/30/20</a:t>
             </a:fld>
             <a:endParaRPr lang="en-US"/>
           </a:p>
@@ -4814,7 +4814,7 @@
           <a:p>
             <a:fld id="{3B3400CD-7287-EA41-97B8-6C373A830532}" type="datetimeFigureOut">
               <a:rPr lang="en-US" smtClean="0"/>
-              <a:t>7/27/20</a:t>
+              <a:t>7/30/20</a:t>
             </a:fld>
             <a:endParaRPr lang="en-US"/>
           </a:p>
@@ -5022,7 +5022,7 @@
           <a:p>
             <a:fld id="{3B3400CD-7287-EA41-97B8-6C373A830532}" type="datetimeFigureOut">
               <a:rPr lang="en-US" smtClean="0"/>
-              <a:t>7/27/20</a:t>
+              <a:t>7/30/20</a:t>
             </a:fld>
             <a:endParaRPr lang="en-US"/>
           </a:p>
@@ -5222,7 +5222,7 @@
           <a:p>
             <a:fld id="{3B3400CD-7287-EA41-97B8-6C373A830532}" type="datetimeFigureOut">
               <a:rPr lang="en-US" smtClean="0"/>
-              <a:t>7/27/20</a:t>
+              <a:t>7/30/20</a:t>
             </a:fld>
             <a:endParaRPr lang="en-US"/>
           </a:p>
@@ -5497,7 +5497,7 @@
           <a:p>
             <a:fld id="{3B3400CD-7287-EA41-97B8-6C373A830532}" type="datetimeFigureOut">
               <a:rPr lang="en-US" smtClean="0"/>
-              <a:t>7/27/20</a:t>
+              <a:t>7/30/20</a:t>
             </a:fld>
             <a:endParaRPr lang="en-US"/>
           </a:p>
@@ -5762,7 +5762,7 @@
           <a:p>
             <a:fld id="{3B3400CD-7287-EA41-97B8-6C373A830532}" type="datetimeFigureOut">
               <a:rPr lang="en-US" smtClean="0"/>
-              <a:t>7/27/20</a:t>
+              <a:t>7/30/20</a:t>
             </a:fld>
             <a:endParaRPr lang="en-US"/>
           </a:p>
@@ -6174,7 +6174,7 @@
           <a:p>
             <a:fld id="{3B3400CD-7287-EA41-97B8-6C373A830532}" type="datetimeFigureOut">
               <a:rPr lang="en-US" smtClean="0"/>
-              <a:t>7/27/20</a:t>
+              <a:t>7/30/20</a:t>
             </a:fld>
             <a:endParaRPr lang="en-US"/>
           </a:p>
@@ -6315,7 +6315,7 @@
           <a:p>
             <a:fld id="{3B3400CD-7287-EA41-97B8-6C373A830532}" type="datetimeFigureOut">
               <a:rPr lang="en-US" smtClean="0"/>
-              <a:t>7/27/20</a:t>
+              <a:t>7/30/20</a:t>
             </a:fld>
             <a:endParaRPr lang="en-US"/>
           </a:p>
@@ -6428,7 +6428,7 @@
           <a:p>
             <a:fld id="{3B3400CD-7287-EA41-97B8-6C373A830532}" type="datetimeFigureOut">
               <a:rPr lang="en-US" smtClean="0"/>
-              <a:t>7/27/20</a:t>
+              <a:t>7/30/20</a:t>
             </a:fld>
             <a:endParaRPr lang="en-US"/>
           </a:p>
@@ -6739,7 +6739,7 @@
           <a:p>
             <a:fld id="{3B3400CD-7287-EA41-97B8-6C373A830532}" type="datetimeFigureOut">
               <a:rPr lang="en-US" smtClean="0"/>
-              <a:t>7/27/20</a:t>
+              <a:t>7/30/20</a:t>
             </a:fld>
             <a:endParaRPr lang="en-US"/>
           </a:p>
@@ -7030,7 +7030,7 @@
           <a:p>
             <a:fld id="{3B3400CD-7287-EA41-97B8-6C373A830532}" type="datetimeFigureOut">
               <a:rPr lang="en-US" smtClean="0"/>
-              <a:t>7/27/20</a:t>
+              <a:t>7/30/20</a:t>
             </a:fld>
             <a:endParaRPr lang="en-US"/>
           </a:p>
@@ -7273,7 +7273,7 @@
           <a:p>
             <a:fld id="{3B3400CD-7287-EA41-97B8-6C373A830532}" type="datetimeFigureOut">
               <a:rPr lang="en-US" smtClean="0"/>
-              <a:t>7/27/20</a:t>
+              <a:t>7/30/20</a:t>
             </a:fld>
             <a:endParaRPr lang="en-US"/>
           </a:p>
